--- a/Figures.pptx
+++ b/Figures.pptx
@@ -5,12 +5,13 @@
     <p:sldMasterId id="2147483648" r:id="rId1"/>
   </p:sldMasterIdLst>
   <p:notesMasterIdLst>
-    <p:notesMasterId r:id="rId5"/>
+    <p:notesMasterId r:id="rId6"/>
   </p:notesMasterIdLst>
   <p:sldIdLst>
     <p:sldId id="256" r:id="rId2"/>
     <p:sldId id="258" r:id="rId3"/>
     <p:sldId id="259" r:id="rId4"/>
+    <p:sldId id="260" r:id="rId5"/>
   </p:sldIdLst>
   <p:sldSz cx="12192000" cy="6858000"/>
   <p:notesSz cx="6858000" cy="9144000"/>
@@ -13696,6 +13697,174 @@
 </p:sld>
 </file>
 
+<file path=ppt/slides/slide4.xml><?xml version="1.0" encoding="utf-8"?>
+<p:sld xmlns:a="http://schemas.openxmlformats.org/drawingml/2006/main" xmlns:r="http://schemas.openxmlformats.org/officeDocument/2006/relationships" xmlns:p="http://schemas.openxmlformats.org/presentationml/2006/main">
+  <p:cSld>
+    <p:spTree>
+      <p:nvGrpSpPr>
+        <p:cNvPr id="1" name=""/>
+        <p:cNvGrpSpPr/>
+        <p:nvPr/>
+      </p:nvGrpSpPr>
+      <p:grpSpPr>
+        <a:xfrm>
+          <a:off x="0" y="0"/>
+          <a:ext cx="0" cy="0"/>
+          <a:chOff x="0" y="0"/>
+          <a:chExt cx="0" cy="0"/>
+        </a:xfrm>
+      </p:grpSpPr>
+      <p:cxnSp>
+        <p:nvCxnSpPr>
+          <p:cNvPr id="60" name="Straight Connector 59">
+            <a:extLst>
+              <a:ext uri="{FF2B5EF4-FFF2-40B4-BE49-F238E27FC236}">
+                <a16:creationId xmlns:a16="http://schemas.microsoft.com/office/drawing/2014/main" id="{A764FBB3-5497-471E-AC0C-5231E5C7A9B6}"/>
+              </a:ext>
+            </a:extLst>
+          </p:cNvPr>
+          <p:cNvCxnSpPr>
+            <a:cxnSpLocks/>
+          </p:cNvCxnSpPr>
+          <p:nvPr/>
+        </p:nvCxnSpPr>
+        <p:spPr>
+          <a:xfrm flipH="1">
+            <a:off x="3918166" y="2481123"/>
+            <a:ext cx="3875189" cy="0"/>
+          </a:xfrm>
+          <a:prstGeom prst="line">
+            <a:avLst/>
+          </a:prstGeom>
+          <a:ln w="38100">
+            <a:solidFill>
+              <a:srgbClr val="FFC000"/>
+            </a:solidFill>
+          </a:ln>
+        </p:spPr>
+        <p:style>
+          <a:lnRef idx="1">
+            <a:schemeClr val="accent1"/>
+          </a:lnRef>
+          <a:fillRef idx="0">
+            <a:schemeClr val="accent1"/>
+          </a:fillRef>
+          <a:effectRef idx="0">
+            <a:schemeClr val="accent1"/>
+          </a:effectRef>
+          <a:fontRef idx="minor">
+            <a:schemeClr val="tx1"/>
+          </a:fontRef>
+        </p:style>
+      </p:cxnSp>
+      <p:cxnSp>
+        <p:nvCxnSpPr>
+          <p:cNvPr id="64" name="Straight Connector 63">
+            <a:extLst>
+              <a:ext uri="{FF2B5EF4-FFF2-40B4-BE49-F238E27FC236}">
+                <a16:creationId xmlns:a16="http://schemas.microsoft.com/office/drawing/2014/main" id="{55FAA3CF-77E8-44F3-A505-42872269D8F6}"/>
+              </a:ext>
+            </a:extLst>
+          </p:cNvPr>
+          <p:cNvCxnSpPr>
+            <a:cxnSpLocks/>
+          </p:cNvCxnSpPr>
+          <p:nvPr/>
+        </p:nvCxnSpPr>
+        <p:spPr>
+          <a:xfrm flipH="1">
+            <a:off x="4411980" y="3849562"/>
+            <a:ext cx="3861854" cy="32828"/>
+          </a:xfrm>
+          <a:prstGeom prst="line">
+            <a:avLst/>
+          </a:prstGeom>
+          <a:ln w="38100">
+            <a:solidFill>
+              <a:srgbClr val="FFC000"/>
+            </a:solidFill>
+          </a:ln>
+        </p:spPr>
+        <p:style>
+          <a:lnRef idx="1">
+            <a:schemeClr val="accent1"/>
+          </a:lnRef>
+          <a:fillRef idx="0">
+            <a:schemeClr val="accent1"/>
+          </a:fillRef>
+          <a:effectRef idx="0">
+            <a:schemeClr val="accent1"/>
+          </a:effectRef>
+          <a:fontRef idx="minor">
+            <a:schemeClr val="tx1"/>
+          </a:fontRef>
+        </p:style>
+      </p:cxnSp>
+      <p:sp>
+        <p:nvSpPr>
+          <p:cNvPr id="3" name="Rectangle 2">
+            <a:extLst>
+              <a:ext uri="{FF2B5EF4-FFF2-40B4-BE49-F238E27FC236}">
+                <a16:creationId xmlns:a16="http://schemas.microsoft.com/office/drawing/2014/main" id="{E6F1D252-C663-4EBF-A16E-FB79DA41CAA8}"/>
+              </a:ext>
+            </a:extLst>
+          </p:cNvPr>
+          <p:cNvSpPr/>
+          <p:nvPr/>
+        </p:nvSpPr>
+        <p:spPr>
+          <a:xfrm rot="20449560">
+            <a:off x="4267200" y="1792425"/>
+            <a:ext cx="3657600" cy="2743200"/>
+          </a:xfrm>
+          <a:prstGeom prst="rect">
+            <a:avLst/>
+          </a:prstGeom>
+          <a:noFill/>
+          <a:ln w="38100">
+            <a:solidFill>
+              <a:srgbClr val="0070C0"/>
+            </a:solidFill>
+          </a:ln>
+        </p:spPr>
+        <p:style>
+          <a:lnRef idx="2">
+            <a:schemeClr val="accent1">
+              <a:shade val="50000"/>
+            </a:schemeClr>
+          </a:lnRef>
+          <a:fillRef idx="1">
+            <a:schemeClr val="accent1"/>
+          </a:fillRef>
+          <a:effectRef idx="0">
+            <a:schemeClr val="accent1"/>
+          </a:effectRef>
+          <a:fontRef idx="minor">
+            <a:schemeClr val="lt1"/>
+          </a:fontRef>
+        </p:style>
+        <p:txBody>
+          <a:bodyPr rtlCol="0" anchor="ctr"/>
+          <a:lstStyle/>
+          <a:p>
+            <a:pPr algn="ctr"/>
+            <a:endParaRPr lang="zh-CN" altLang="en-US"/>
+          </a:p>
+        </p:txBody>
+      </p:sp>
+    </p:spTree>
+    <p:extLst>
+      <p:ext uri="{BB962C8B-B14F-4D97-AF65-F5344CB8AC3E}">
+        <p14:creationId xmlns:p14="http://schemas.microsoft.com/office/powerpoint/2010/main" val="1060683850"/>
+      </p:ext>
+    </p:extLst>
+  </p:cSld>
+  <p:clrMapOvr>
+    <a:masterClrMapping/>
+  </p:clrMapOvr>
+</p:sld>
+</file>
+
 <file path=ppt/theme/theme1.xml><?xml version="1.0" encoding="utf-8"?>
 <a:theme xmlns:a="http://schemas.openxmlformats.org/drawingml/2006/main" name="Office Theme">
   <a:themeElements>

--- a/Figures.pptx
+++ b/Figures.pptx
@@ -110,6 +110,11 @@
       </a:defRPr>
     </a:lvl9pPr>
   </p:defaultTextStyle>
+  <p:extLst>
+    <p:ext uri="{EFAFB233-063F-42B5-8137-9DF3F51BA10A}">
+      <p15:sldGuideLst xmlns:p15="http://schemas.microsoft.com/office/powerpoint/2012/main"/>
+    </p:ext>
+  </p:extLst>
 </p:presentation>
 </file>
 
@@ -5474,8 +5479,8 @@
           </a:fontRef>
         </p:style>
       </p:cxnSp>
-      <mc:AlternateContent xmlns:mc="http://schemas.openxmlformats.org/markup-compatibility/2006">
-        <mc:Choice xmlns:a14="http://schemas.microsoft.com/office/drawing/2010/main" Requires="a14">
+      <mc:AlternateContent xmlns:mc="http://schemas.openxmlformats.org/markup-compatibility/2006" xmlns:a14="http://schemas.microsoft.com/office/drawing/2010/main">
+        <mc:Choice Requires="a14">
           <p:sp>
             <p:nvSpPr>
               <p:cNvPr id="5" name="TextBox 4">
@@ -5504,6 +5509,7 @@
               </a:bodyPr>
               <a:lstStyle/>
               <a:p>
+                <a:pPr/>
                 <a14:m>
                   <m:oMathPara xmlns:m="http://schemas.openxmlformats.org/officeDocument/2006/math">
                     <m:oMathParaPr>
@@ -5613,7 +5619,7 @@
             </p:txBody>
           </p:sp>
         </mc:Choice>
-        <mc:Fallback>
+        <mc:Fallback xmlns="">
           <p:sp>
             <p:nvSpPr>
               <p:cNvPr id="5" name="TextBox 4">
@@ -5744,8 +5750,8 @@
           </a:fontRef>
         </p:style>
       </p:cxnSp>
-      <mc:AlternateContent xmlns:mc="http://schemas.openxmlformats.org/markup-compatibility/2006">
-        <mc:Choice xmlns:a14="http://schemas.microsoft.com/office/drawing/2010/main" Requires="a14">
+      <mc:AlternateContent xmlns:mc="http://schemas.openxmlformats.org/markup-compatibility/2006" xmlns:a14="http://schemas.microsoft.com/office/drawing/2010/main">
+        <mc:Choice Requires="a14">
           <p:sp>
             <p:nvSpPr>
               <p:cNvPr id="13" name="TextBox 12">
@@ -5884,7 +5890,7 @@
             </p:txBody>
           </p:sp>
         </mc:Choice>
-        <mc:Fallback>
+        <mc:Fallback xmlns="">
           <p:sp>
             <p:nvSpPr>
               <p:cNvPr id="13" name="TextBox 12">
@@ -5929,8 +5935,8 @@
           </p:sp>
         </mc:Fallback>
       </mc:AlternateContent>
-      <mc:AlternateContent xmlns:mc="http://schemas.openxmlformats.org/markup-compatibility/2006">
-        <mc:Choice xmlns:a14="http://schemas.microsoft.com/office/drawing/2010/main" Requires="a14">
+      <mc:AlternateContent xmlns:mc="http://schemas.openxmlformats.org/markup-compatibility/2006" xmlns:a14="http://schemas.microsoft.com/office/drawing/2010/main">
+        <mc:Choice Requires="a14">
           <p:sp>
             <p:nvSpPr>
               <p:cNvPr id="14" name="TextBox 13">
@@ -6069,7 +6075,7 @@
             </p:txBody>
           </p:sp>
         </mc:Choice>
-        <mc:Fallback>
+        <mc:Fallback xmlns="">
           <p:sp>
             <p:nvSpPr>
               <p:cNvPr id="14" name="TextBox 13">
@@ -6114,8 +6120,8 @@
           </p:sp>
         </mc:Fallback>
       </mc:AlternateContent>
-      <mc:AlternateContent xmlns:mc="http://schemas.openxmlformats.org/markup-compatibility/2006">
-        <mc:Choice xmlns:a14="http://schemas.microsoft.com/office/drawing/2010/main" Requires="a14">
+      <mc:AlternateContent xmlns:mc="http://schemas.openxmlformats.org/markup-compatibility/2006" xmlns:a14="http://schemas.microsoft.com/office/drawing/2010/main">
+        <mc:Choice Requires="a14">
           <p:sp>
             <p:nvSpPr>
               <p:cNvPr id="18" name="TextBox 17">
@@ -6204,7 +6210,7 @@
             </p:txBody>
           </p:sp>
         </mc:Choice>
-        <mc:Fallback>
+        <mc:Fallback xmlns="">
           <p:sp>
             <p:nvSpPr>
               <p:cNvPr id="18" name="TextBox 17">
@@ -6249,8 +6255,8 @@
           </p:sp>
         </mc:Fallback>
       </mc:AlternateContent>
-      <mc:AlternateContent xmlns:mc="http://schemas.openxmlformats.org/markup-compatibility/2006">
-        <mc:Choice xmlns:a14="http://schemas.microsoft.com/office/drawing/2010/main" Requires="a14">
+      <mc:AlternateContent xmlns:mc="http://schemas.openxmlformats.org/markup-compatibility/2006" xmlns:a14="http://schemas.microsoft.com/office/drawing/2010/main">
+        <mc:Choice Requires="a14">
           <p:sp>
             <p:nvSpPr>
               <p:cNvPr id="19" name="TextBox 18">
@@ -6316,7 +6322,7 @@
             </p:txBody>
           </p:sp>
         </mc:Choice>
-        <mc:Fallback>
+        <mc:Fallback xmlns="">
           <p:sp>
             <p:nvSpPr>
               <p:cNvPr id="19" name="TextBox 18">
@@ -6361,8 +6367,8 @@
           </p:sp>
         </mc:Fallback>
       </mc:AlternateContent>
-      <mc:AlternateContent xmlns:mc="http://schemas.openxmlformats.org/markup-compatibility/2006">
-        <mc:Choice xmlns:a14="http://schemas.microsoft.com/office/drawing/2010/main" Requires="a14">
+      <mc:AlternateContent xmlns:mc="http://schemas.openxmlformats.org/markup-compatibility/2006" xmlns:a14="http://schemas.microsoft.com/office/drawing/2010/main">
+        <mc:Choice Requires="a14">
           <p:sp>
             <p:nvSpPr>
               <p:cNvPr id="32" name="TextBox 31">
@@ -6428,7 +6434,7 @@
             </p:txBody>
           </p:sp>
         </mc:Choice>
-        <mc:Fallback>
+        <mc:Fallback xmlns="">
           <p:sp>
             <p:nvSpPr>
               <p:cNvPr id="32" name="TextBox 31">
@@ -6473,8 +6479,8 @@
           </p:sp>
         </mc:Fallback>
       </mc:AlternateContent>
-      <mc:AlternateContent xmlns:mc="http://schemas.openxmlformats.org/markup-compatibility/2006">
-        <mc:Choice xmlns:a14="http://schemas.microsoft.com/office/drawing/2010/main" Requires="a14">
+      <mc:AlternateContent xmlns:mc="http://schemas.openxmlformats.org/markup-compatibility/2006" xmlns:a14="http://schemas.microsoft.com/office/drawing/2010/main">
+        <mc:Choice Requires="a14">
           <p:sp>
             <p:nvSpPr>
               <p:cNvPr id="39" name="TextBox 38">
@@ -6531,7 +6537,7 @@
             </p:txBody>
           </p:sp>
         </mc:Choice>
-        <mc:Fallback>
+        <mc:Fallback xmlns="">
           <p:sp>
             <p:nvSpPr>
               <p:cNvPr id="39" name="TextBox 38">
@@ -6576,8 +6582,8 @@
           </p:sp>
         </mc:Fallback>
       </mc:AlternateContent>
-      <mc:AlternateContent xmlns:mc="http://schemas.openxmlformats.org/markup-compatibility/2006">
-        <mc:Choice xmlns:a14="http://schemas.microsoft.com/office/drawing/2010/main" Requires="a14">
+      <mc:AlternateContent xmlns:mc="http://schemas.openxmlformats.org/markup-compatibility/2006" xmlns:a14="http://schemas.microsoft.com/office/drawing/2010/main">
+        <mc:Choice Requires="a14">
           <p:sp>
             <p:nvSpPr>
               <p:cNvPr id="41" name="TextBox 40">
@@ -6634,7 +6640,7 @@
             </p:txBody>
           </p:sp>
         </mc:Choice>
-        <mc:Fallback>
+        <mc:Fallback xmlns="">
           <p:sp>
             <p:nvSpPr>
               <p:cNvPr id="41" name="TextBox 40">
@@ -6817,8 +6823,8 @@
           </a:fontRef>
         </p:style>
       </p:cxnSp>
-      <mc:AlternateContent xmlns:mc="http://schemas.openxmlformats.org/markup-compatibility/2006">
-        <mc:Choice xmlns:a14="http://schemas.microsoft.com/office/drawing/2010/main" Requires="a14">
+      <mc:AlternateContent xmlns:mc="http://schemas.openxmlformats.org/markup-compatibility/2006" xmlns:a14="http://schemas.microsoft.com/office/drawing/2010/main">
+        <mc:Choice Requires="a14">
           <p:sp>
             <p:nvSpPr>
               <p:cNvPr id="45" name="TextBox 44">
@@ -6847,6 +6853,7 @@
               </a:bodyPr>
               <a:lstStyle/>
               <a:p>
+                <a:pPr/>
                 <a14:m>
                   <m:oMathPara xmlns:m="http://schemas.openxmlformats.org/officeDocument/2006/math">
                     <m:oMathParaPr>
@@ -6956,7 +6963,7 @@
             </p:txBody>
           </p:sp>
         </mc:Choice>
-        <mc:Fallback>
+        <mc:Fallback xmlns="">
           <p:sp>
             <p:nvSpPr>
               <p:cNvPr id="45" name="TextBox 44">
@@ -7087,8 +7094,8 @@
           </a:fontRef>
         </p:style>
       </p:cxnSp>
-      <mc:AlternateContent xmlns:mc="http://schemas.openxmlformats.org/markup-compatibility/2006">
-        <mc:Choice xmlns:a14="http://schemas.microsoft.com/office/drawing/2010/main" Requires="a14">
+      <mc:AlternateContent xmlns:mc="http://schemas.openxmlformats.org/markup-compatibility/2006" xmlns:a14="http://schemas.microsoft.com/office/drawing/2010/main">
+        <mc:Choice Requires="a14">
           <p:sp>
             <p:nvSpPr>
               <p:cNvPr id="48" name="TextBox 47">
@@ -7227,7 +7234,7 @@
             </p:txBody>
           </p:sp>
         </mc:Choice>
-        <mc:Fallback>
+        <mc:Fallback xmlns="">
           <p:sp>
             <p:nvSpPr>
               <p:cNvPr id="48" name="TextBox 47">
@@ -7272,8 +7279,8 @@
           </p:sp>
         </mc:Fallback>
       </mc:AlternateContent>
-      <mc:AlternateContent xmlns:mc="http://schemas.openxmlformats.org/markup-compatibility/2006">
-        <mc:Choice xmlns:a14="http://schemas.microsoft.com/office/drawing/2010/main" Requires="a14">
+      <mc:AlternateContent xmlns:mc="http://schemas.openxmlformats.org/markup-compatibility/2006" xmlns:a14="http://schemas.microsoft.com/office/drawing/2010/main">
+        <mc:Choice Requires="a14">
           <p:sp>
             <p:nvSpPr>
               <p:cNvPr id="49" name="TextBox 48">
@@ -7412,7 +7419,7 @@
             </p:txBody>
           </p:sp>
         </mc:Choice>
-        <mc:Fallback>
+        <mc:Fallback xmlns="">
           <p:sp>
             <p:nvSpPr>
               <p:cNvPr id="49" name="TextBox 48">
@@ -7457,8 +7464,8 @@
           </p:sp>
         </mc:Fallback>
       </mc:AlternateContent>
-      <mc:AlternateContent xmlns:mc="http://schemas.openxmlformats.org/markup-compatibility/2006">
-        <mc:Choice xmlns:a14="http://schemas.microsoft.com/office/drawing/2010/main" Requires="a14">
+      <mc:AlternateContent xmlns:mc="http://schemas.openxmlformats.org/markup-compatibility/2006" xmlns:a14="http://schemas.microsoft.com/office/drawing/2010/main">
+        <mc:Choice Requires="a14">
           <p:sp>
             <p:nvSpPr>
               <p:cNvPr id="50" name="TextBox 49">
@@ -7547,7 +7554,7 @@
             </p:txBody>
           </p:sp>
         </mc:Choice>
-        <mc:Fallback>
+        <mc:Fallback xmlns="">
           <p:sp>
             <p:nvSpPr>
               <p:cNvPr id="50" name="TextBox 49">
@@ -7592,8 +7599,8 @@
           </p:sp>
         </mc:Fallback>
       </mc:AlternateContent>
-      <mc:AlternateContent xmlns:mc="http://schemas.openxmlformats.org/markup-compatibility/2006">
-        <mc:Choice xmlns:a14="http://schemas.microsoft.com/office/drawing/2010/main" Requires="a14">
+      <mc:AlternateContent xmlns:mc="http://schemas.openxmlformats.org/markup-compatibility/2006" xmlns:a14="http://schemas.microsoft.com/office/drawing/2010/main">
+        <mc:Choice Requires="a14">
           <p:sp>
             <p:nvSpPr>
               <p:cNvPr id="51" name="TextBox 50">
@@ -7659,7 +7666,7 @@
             </p:txBody>
           </p:sp>
         </mc:Choice>
-        <mc:Fallback>
+        <mc:Fallback xmlns="">
           <p:sp>
             <p:nvSpPr>
               <p:cNvPr id="51" name="TextBox 50">
@@ -7704,8 +7711,8 @@
           </p:sp>
         </mc:Fallback>
       </mc:AlternateContent>
-      <mc:AlternateContent xmlns:mc="http://schemas.openxmlformats.org/markup-compatibility/2006">
-        <mc:Choice xmlns:a14="http://schemas.microsoft.com/office/drawing/2010/main" Requires="a14">
+      <mc:AlternateContent xmlns:mc="http://schemas.openxmlformats.org/markup-compatibility/2006" xmlns:a14="http://schemas.microsoft.com/office/drawing/2010/main">
+        <mc:Choice Requires="a14">
           <p:sp>
             <p:nvSpPr>
               <p:cNvPr id="52" name="TextBox 51">
@@ -7771,7 +7778,7 @@
             </p:txBody>
           </p:sp>
         </mc:Choice>
-        <mc:Fallback>
+        <mc:Fallback xmlns="">
           <p:sp>
             <p:nvSpPr>
               <p:cNvPr id="52" name="TextBox 51">
@@ -7816,8 +7823,8 @@
           </p:sp>
         </mc:Fallback>
       </mc:AlternateContent>
-      <mc:AlternateContent xmlns:mc="http://schemas.openxmlformats.org/markup-compatibility/2006">
-        <mc:Choice xmlns:a14="http://schemas.microsoft.com/office/drawing/2010/main" Requires="a14">
+      <mc:AlternateContent xmlns:mc="http://schemas.openxmlformats.org/markup-compatibility/2006" xmlns:a14="http://schemas.microsoft.com/office/drawing/2010/main">
+        <mc:Choice Requires="a14">
           <p:sp>
             <p:nvSpPr>
               <p:cNvPr id="53" name="TextBox 52">
@@ -7874,7 +7881,7 @@
             </p:txBody>
           </p:sp>
         </mc:Choice>
-        <mc:Fallback>
+        <mc:Fallback xmlns="">
           <p:sp>
             <p:nvSpPr>
               <p:cNvPr id="53" name="TextBox 52">
@@ -7919,8 +7926,8 @@
           </p:sp>
         </mc:Fallback>
       </mc:AlternateContent>
-      <mc:AlternateContent xmlns:mc="http://schemas.openxmlformats.org/markup-compatibility/2006">
-        <mc:Choice xmlns:a14="http://schemas.microsoft.com/office/drawing/2010/main" Requires="a14">
+      <mc:AlternateContent xmlns:mc="http://schemas.openxmlformats.org/markup-compatibility/2006" xmlns:a14="http://schemas.microsoft.com/office/drawing/2010/main">
+        <mc:Choice Requires="a14">
           <p:sp>
             <p:nvSpPr>
               <p:cNvPr id="54" name="TextBox 53">
@@ -7977,7 +7984,7 @@
             </p:txBody>
           </p:sp>
         </mc:Choice>
-        <mc:Fallback>
+        <mc:Fallback xmlns="">
           <p:sp>
             <p:nvSpPr>
               <p:cNvPr id="54" name="TextBox 53">
@@ -9180,8 +9187,8 @@
           </a:p>
         </p:txBody>
       </p:sp>
-      <mc:AlternateContent xmlns:mc="http://schemas.openxmlformats.org/markup-compatibility/2006">
-        <mc:Choice xmlns:a14="http://schemas.microsoft.com/office/drawing/2010/main" Requires="a14">
+      <mc:AlternateContent xmlns:mc="http://schemas.openxmlformats.org/markup-compatibility/2006" xmlns:a14="http://schemas.microsoft.com/office/drawing/2010/main">
+        <mc:Choice Requires="a14">
           <p:sp>
             <p:nvSpPr>
               <p:cNvPr id="2" name="TextBox 1">
@@ -9320,7 +9327,7 @@
             </p:txBody>
           </p:sp>
         </mc:Choice>
-        <mc:Fallback>
+        <mc:Fallback xmlns="">
           <p:sp>
             <p:nvSpPr>
               <p:cNvPr id="2" name="TextBox 1">
@@ -9485,8 +9492,8 @@
           </a:p>
         </p:txBody>
       </p:sp>
-      <mc:AlternateContent xmlns:mc="http://schemas.openxmlformats.org/markup-compatibility/2006">
-        <mc:Choice xmlns:a14="http://schemas.microsoft.com/office/drawing/2010/main" Requires="a14">
+      <mc:AlternateContent xmlns:mc="http://schemas.openxmlformats.org/markup-compatibility/2006" xmlns:a14="http://schemas.microsoft.com/office/drawing/2010/main">
+        <mc:Choice Requires="a14">
           <p:sp>
             <p:nvSpPr>
               <p:cNvPr id="9" name="TextBox 8">
@@ -9625,7 +9632,7 @@
             </p:txBody>
           </p:sp>
         </mc:Choice>
-        <mc:Fallback>
+        <mc:Fallback xmlns="">
           <p:sp>
             <p:nvSpPr>
               <p:cNvPr id="9" name="TextBox 8">
@@ -9670,8 +9677,8 @@
           </p:sp>
         </mc:Fallback>
       </mc:AlternateContent>
-      <mc:AlternateContent xmlns:mc="http://schemas.openxmlformats.org/markup-compatibility/2006">
-        <mc:Choice xmlns:a14="http://schemas.microsoft.com/office/drawing/2010/main" Requires="a14">
+      <mc:AlternateContent xmlns:mc="http://schemas.openxmlformats.org/markup-compatibility/2006" xmlns:a14="http://schemas.microsoft.com/office/drawing/2010/main">
+        <mc:Choice Requires="a14">
           <p:sp>
             <p:nvSpPr>
               <p:cNvPr id="10" name="TextBox 9">
@@ -9810,7 +9817,7 @@
             </p:txBody>
           </p:sp>
         </mc:Choice>
-        <mc:Fallback>
+        <mc:Fallback xmlns="">
           <p:sp>
             <p:nvSpPr>
               <p:cNvPr id="10" name="TextBox 9">
@@ -9855,8 +9862,8 @@
           </p:sp>
         </mc:Fallback>
       </mc:AlternateContent>
-      <mc:AlternateContent xmlns:mc="http://schemas.openxmlformats.org/markup-compatibility/2006">
-        <mc:Choice xmlns:a14="http://schemas.microsoft.com/office/drawing/2010/main" Requires="a14">
+      <mc:AlternateContent xmlns:mc="http://schemas.openxmlformats.org/markup-compatibility/2006" xmlns:a14="http://schemas.microsoft.com/office/drawing/2010/main">
+        <mc:Choice Requires="a14">
           <p:sp>
             <p:nvSpPr>
               <p:cNvPr id="12" name="TextBox 11">
@@ -9995,7 +10002,7 @@
             </p:txBody>
           </p:sp>
         </mc:Choice>
-        <mc:Fallback>
+        <mc:Fallback xmlns="">
           <p:sp>
             <p:nvSpPr>
               <p:cNvPr id="12" name="TextBox 11">
@@ -10040,8 +10047,8 @@
           </p:sp>
         </mc:Fallback>
       </mc:AlternateContent>
-      <mc:AlternateContent xmlns:mc="http://schemas.openxmlformats.org/markup-compatibility/2006">
-        <mc:Choice xmlns:a14="http://schemas.microsoft.com/office/drawing/2010/main" Requires="a14">
+      <mc:AlternateContent xmlns:mc="http://schemas.openxmlformats.org/markup-compatibility/2006" xmlns:a14="http://schemas.microsoft.com/office/drawing/2010/main">
+        <mc:Choice Requires="a14">
           <p:sp>
             <p:nvSpPr>
               <p:cNvPr id="13" name="TextBox 12">
@@ -10130,7 +10137,7 @@
             </p:txBody>
           </p:sp>
         </mc:Choice>
-        <mc:Fallback>
+        <mc:Fallback xmlns="">
           <p:sp>
             <p:nvSpPr>
               <p:cNvPr id="13" name="TextBox 12">
@@ -10175,8 +10182,8 @@
           </p:sp>
         </mc:Fallback>
       </mc:AlternateContent>
-      <mc:AlternateContent xmlns:mc="http://schemas.openxmlformats.org/markup-compatibility/2006">
-        <mc:Choice xmlns:a14="http://schemas.microsoft.com/office/drawing/2010/main" Requires="a14">
+      <mc:AlternateContent xmlns:mc="http://schemas.openxmlformats.org/markup-compatibility/2006" xmlns:a14="http://schemas.microsoft.com/office/drawing/2010/main">
+        <mc:Choice Requires="a14">
           <p:sp>
             <p:nvSpPr>
               <p:cNvPr id="14" name="TextBox 13">
@@ -10265,7 +10272,7 @@
             </p:txBody>
           </p:sp>
         </mc:Choice>
-        <mc:Fallback>
+        <mc:Fallback xmlns="">
           <p:sp>
             <p:nvSpPr>
               <p:cNvPr id="14" name="TextBox 13">
@@ -10310,8 +10317,8 @@
           </p:sp>
         </mc:Fallback>
       </mc:AlternateContent>
-      <mc:AlternateContent xmlns:mc="http://schemas.openxmlformats.org/markup-compatibility/2006">
-        <mc:Choice xmlns:a14="http://schemas.microsoft.com/office/drawing/2010/main" Requires="a14">
+      <mc:AlternateContent xmlns:mc="http://schemas.openxmlformats.org/markup-compatibility/2006" xmlns:a14="http://schemas.microsoft.com/office/drawing/2010/main">
+        <mc:Choice Requires="a14">
           <p:sp>
             <p:nvSpPr>
               <p:cNvPr id="16" name="TextBox 15">
@@ -10400,7 +10407,7 @@
             </p:txBody>
           </p:sp>
         </mc:Choice>
-        <mc:Fallback>
+        <mc:Fallback xmlns="">
           <p:sp>
             <p:nvSpPr>
               <p:cNvPr id="16" name="TextBox 15">
@@ -10445,8 +10452,8 @@
           </p:sp>
         </mc:Fallback>
       </mc:AlternateContent>
-      <mc:AlternateContent xmlns:mc="http://schemas.openxmlformats.org/markup-compatibility/2006">
-        <mc:Choice xmlns:a14="http://schemas.microsoft.com/office/drawing/2010/main" Requires="a14">
+      <mc:AlternateContent xmlns:mc="http://schemas.openxmlformats.org/markup-compatibility/2006" xmlns:a14="http://schemas.microsoft.com/office/drawing/2010/main">
+        <mc:Choice Requires="a14">
           <p:sp>
             <p:nvSpPr>
               <p:cNvPr id="17" name="TextBox 16">
@@ -10535,7 +10542,7 @@
             </p:txBody>
           </p:sp>
         </mc:Choice>
-        <mc:Fallback>
+        <mc:Fallback xmlns="">
           <p:sp>
             <p:nvSpPr>
               <p:cNvPr id="17" name="TextBox 16">
@@ -10580,8 +10587,8 @@
           </p:sp>
         </mc:Fallback>
       </mc:AlternateContent>
-      <mc:AlternateContent xmlns:mc="http://schemas.openxmlformats.org/markup-compatibility/2006">
-        <mc:Choice xmlns:a14="http://schemas.microsoft.com/office/drawing/2010/main" Requires="a14">
+      <mc:AlternateContent xmlns:mc="http://schemas.openxmlformats.org/markup-compatibility/2006" xmlns:a14="http://schemas.microsoft.com/office/drawing/2010/main">
+        <mc:Choice Requires="a14">
           <p:sp>
             <p:nvSpPr>
               <p:cNvPr id="19" name="TextBox 18">
@@ -10720,7 +10727,7 @@
             </p:txBody>
           </p:sp>
         </mc:Choice>
-        <mc:Fallback>
+        <mc:Fallback xmlns="">
           <p:sp>
             <p:nvSpPr>
               <p:cNvPr id="19" name="TextBox 18">
@@ -10765,8 +10772,8 @@
           </p:sp>
         </mc:Fallback>
       </mc:AlternateContent>
-      <mc:AlternateContent xmlns:mc="http://schemas.openxmlformats.org/markup-compatibility/2006">
-        <mc:Choice xmlns:a14="http://schemas.microsoft.com/office/drawing/2010/main" Requires="a14">
+      <mc:AlternateContent xmlns:mc="http://schemas.openxmlformats.org/markup-compatibility/2006" xmlns:a14="http://schemas.microsoft.com/office/drawing/2010/main">
+        <mc:Choice Requires="a14">
           <p:sp>
             <p:nvSpPr>
               <p:cNvPr id="21" name="TextBox 20">
@@ -10905,7 +10912,7 @@
             </p:txBody>
           </p:sp>
         </mc:Choice>
-        <mc:Fallback>
+        <mc:Fallback xmlns="">
           <p:sp>
             <p:nvSpPr>
               <p:cNvPr id="21" name="TextBox 20">
@@ -10950,8 +10957,8 @@
           </p:sp>
         </mc:Fallback>
       </mc:AlternateContent>
-      <mc:AlternateContent xmlns:mc="http://schemas.openxmlformats.org/markup-compatibility/2006">
-        <mc:Choice xmlns:a14="http://schemas.microsoft.com/office/drawing/2010/main" Requires="a14">
+      <mc:AlternateContent xmlns:mc="http://schemas.openxmlformats.org/markup-compatibility/2006" xmlns:a14="http://schemas.microsoft.com/office/drawing/2010/main">
+        <mc:Choice Requires="a14">
           <p:sp>
             <p:nvSpPr>
               <p:cNvPr id="22" name="TextBox 21">
@@ -11090,7 +11097,7 @@
             </p:txBody>
           </p:sp>
         </mc:Choice>
-        <mc:Fallback>
+        <mc:Fallback xmlns="">
           <p:sp>
             <p:nvSpPr>
               <p:cNvPr id="22" name="TextBox 21">
@@ -11135,8 +11142,8 @@
           </p:sp>
         </mc:Fallback>
       </mc:AlternateContent>
-      <mc:AlternateContent xmlns:mc="http://schemas.openxmlformats.org/markup-compatibility/2006">
-        <mc:Choice xmlns:a14="http://schemas.microsoft.com/office/drawing/2010/main" Requires="a14">
+      <mc:AlternateContent xmlns:mc="http://schemas.openxmlformats.org/markup-compatibility/2006" xmlns:a14="http://schemas.microsoft.com/office/drawing/2010/main">
+        <mc:Choice Requires="a14">
           <p:sp>
             <p:nvSpPr>
               <p:cNvPr id="23" name="TextBox 22">
@@ -11275,7 +11282,7 @@
             </p:txBody>
           </p:sp>
         </mc:Choice>
-        <mc:Fallback>
+        <mc:Fallback xmlns="">
           <p:sp>
             <p:nvSpPr>
               <p:cNvPr id="23" name="TextBox 22">
@@ -11320,8 +11327,8 @@
           </p:sp>
         </mc:Fallback>
       </mc:AlternateContent>
-      <mc:AlternateContent xmlns:mc="http://schemas.openxmlformats.org/markup-compatibility/2006">
-        <mc:Choice xmlns:a14="http://schemas.microsoft.com/office/drawing/2010/main" Requires="a14">
+      <mc:AlternateContent xmlns:mc="http://schemas.openxmlformats.org/markup-compatibility/2006" xmlns:a14="http://schemas.microsoft.com/office/drawing/2010/main">
+        <mc:Choice Requires="a14">
           <p:sp>
             <p:nvSpPr>
               <p:cNvPr id="24" name="TextBox 23">
@@ -11460,7 +11467,7 @@
             </p:txBody>
           </p:sp>
         </mc:Choice>
-        <mc:Fallback>
+        <mc:Fallback xmlns="">
           <p:sp>
             <p:nvSpPr>
               <p:cNvPr id="24" name="TextBox 23">
@@ -11505,8 +11512,8 @@
           </p:sp>
         </mc:Fallback>
       </mc:AlternateContent>
-      <mc:AlternateContent xmlns:mc="http://schemas.openxmlformats.org/markup-compatibility/2006">
-        <mc:Choice xmlns:a14="http://schemas.microsoft.com/office/drawing/2010/main" Requires="a14">
+      <mc:AlternateContent xmlns:mc="http://schemas.openxmlformats.org/markup-compatibility/2006" xmlns:a14="http://schemas.microsoft.com/office/drawing/2010/main">
+        <mc:Choice Requires="a14">
           <p:sp>
             <p:nvSpPr>
               <p:cNvPr id="25" name="TextBox 24">
@@ -11645,7 +11652,7 @@
             </p:txBody>
           </p:sp>
         </mc:Choice>
-        <mc:Fallback>
+        <mc:Fallback xmlns="">
           <p:sp>
             <p:nvSpPr>
               <p:cNvPr id="25" name="TextBox 24">
@@ -11690,8 +11697,8 @@
           </p:sp>
         </mc:Fallback>
       </mc:AlternateContent>
-      <mc:AlternateContent xmlns:mc="http://schemas.openxmlformats.org/markup-compatibility/2006">
-        <mc:Choice xmlns:a14="http://schemas.microsoft.com/office/drawing/2010/main" Requires="a14">
+      <mc:AlternateContent xmlns:mc="http://schemas.openxmlformats.org/markup-compatibility/2006" xmlns:a14="http://schemas.microsoft.com/office/drawing/2010/main">
+        <mc:Choice Requires="a14">
           <p:sp>
             <p:nvSpPr>
               <p:cNvPr id="26" name="TextBox 25">
@@ -11830,7 +11837,7 @@
             </p:txBody>
           </p:sp>
         </mc:Choice>
-        <mc:Fallback>
+        <mc:Fallback xmlns="">
           <p:sp>
             <p:nvSpPr>
               <p:cNvPr id="26" name="TextBox 25">
@@ -11875,8 +11882,8 @@
           </p:sp>
         </mc:Fallback>
       </mc:AlternateContent>
-      <mc:AlternateContent xmlns:mc="http://schemas.openxmlformats.org/markup-compatibility/2006">
-        <mc:Choice xmlns:a14="http://schemas.microsoft.com/office/drawing/2010/main" Requires="a14">
+      <mc:AlternateContent xmlns:mc="http://schemas.openxmlformats.org/markup-compatibility/2006" xmlns:a14="http://schemas.microsoft.com/office/drawing/2010/main">
+        <mc:Choice Requires="a14">
           <p:sp>
             <p:nvSpPr>
               <p:cNvPr id="28" name="TextBox 27">
@@ -12033,7 +12040,7 @@
             </p:txBody>
           </p:sp>
         </mc:Choice>
-        <mc:Fallback>
+        <mc:Fallback xmlns="">
           <p:sp>
             <p:nvSpPr>
               <p:cNvPr id="28" name="TextBox 27">
@@ -12078,8 +12085,8 @@
           </p:sp>
         </mc:Fallback>
       </mc:AlternateContent>
-      <mc:AlternateContent xmlns:mc="http://schemas.openxmlformats.org/markup-compatibility/2006">
-        <mc:Choice xmlns:a14="http://schemas.microsoft.com/office/drawing/2010/main" Requires="a14">
+      <mc:AlternateContent xmlns:mc="http://schemas.openxmlformats.org/markup-compatibility/2006" xmlns:a14="http://schemas.microsoft.com/office/drawing/2010/main">
+        <mc:Choice Requires="a14">
           <p:sp>
             <p:nvSpPr>
               <p:cNvPr id="29" name="TextBox 28">
@@ -12236,7 +12243,7 @@
             </p:txBody>
           </p:sp>
         </mc:Choice>
-        <mc:Fallback>
+        <mc:Fallback xmlns="">
           <p:sp>
             <p:nvSpPr>
               <p:cNvPr id="29" name="TextBox 28">
@@ -12281,8 +12288,8 @@
           </p:sp>
         </mc:Fallback>
       </mc:AlternateContent>
-      <mc:AlternateContent xmlns:mc="http://schemas.openxmlformats.org/markup-compatibility/2006">
-        <mc:Choice xmlns:a14="http://schemas.microsoft.com/office/drawing/2010/main" Requires="a14">
+      <mc:AlternateContent xmlns:mc="http://schemas.openxmlformats.org/markup-compatibility/2006" xmlns:a14="http://schemas.microsoft.com/office/drawing/2010/main">
+        <mc:Choice Requires="a14">
           <p:sp>
             <p:nvSpPr>
               <p:cNvPr id="30" name="TextBox 29">
@@ -12439,7 +12446,7 @@
             </p:txBody>
           </p:sp>
         </mc:Choice>
-        <mc:Fallback>
+        <mc:Fallback xmlns="">
           <p:sp>
             <p:nvSpPr>
               <p:cNvPr id="30" name="TextBox 29">
@@ -12484,8 +12491,8 @@
           </p:sp>
         </mc:Fallback>
       </mc:AlternateContent>
-      <mc:AlternateContent xmlns:mc="http://schemas.openxmlformats.org/markup-compatibility/2006">
-        <mc:Choice xmlns:a14="http://schemas.microsoft.com/office/drawing/2010/main" Requires="a14">
+      <mc:AlternateContent xmlns:mc="http://schemas.openxmlformats.org/markup-compatibility/2006" xmlns:a14="http://schemas.microsoft.com/office/drawing/2010/main">
+        <mc:Choice Requires="a14">
           <p:sp>
             <p:nvSpPr>
               <p:cNvPr id="32" name="TextBox 31">
@@ -12642,7 +12649,7 @@
             </p:txBody>
           </p:sp>
         </mc:Choice>
-        <mc:Fallback>
+        <mc:Fallback xmlns="">
           <p:sp>
             <p:nvSpPr>
               <p:cNvPr id="32" name="TextBox 31">
@@ -12687,8 +12694,8 @@
           </p:sp>
         </mc:Fallback>
       </mc:AlternateContent>
-      <mc:AlternateContent xmlns:mc="http://schemas.openxmlformats.org/markup-compatibility/2006">
-        <mc:Choice xmlns:a14="http://schemas.microsoft.com/office/drawing/2010/main" Requires="a14">
+      <mc:AlternateContent xmlns:mc="http://schemas.openxmlformats.org/markup-compatibility/2006" xmlns:a14="http://schemas.microsoft.com/office/drawing/2010/main">
+        <mc:Choice Requires="a14">
           <p:sp>
             <p:nvSpPr>
               <p:cNvPr id="33" name="TextBox 32">
@@ -12845,7 +12852,7 @@
             </p:txBody>
           </p:sp>
         </mc:Choice>
-        <mc:Fallback>
+        <mc:Fallback xmlns="">
           <p:sp>
             <p:nvSpPr>
               <p:cNvPr id="33" name="TextBox 32">
@@ -12890,8 +12897,8 @@
           </p:sp>
         </mc:Fallback>
       </mc:AlternateContent>
-      <mc:AlternateContent xmlns:mc="http://schemas.openxmlformats.org/markup-compatibility/2006">
-        <mc:Choice xmlns:a14="http://schemas.microsoft.com/office/drawing/2010/main" Requires="a14">
+      <mc:AlternateContent xmlns:mc="http://schemas.openxmlformats.org/markup-compatibility/2006" xmlns:a14="http://schemas.microsoft.com/office/drawing/2010/main">
+        <mc:Choice Requires="a14">
           <p:sp>
             <p:nvSpPr>
               <p:cNvPr id="34" name="TextBox 33">
@@ -13048,7 +13055,7 @@
             </p:txBody>
           </p:sp>
         </mc:Choice>
-        <mc:Fallback>
+        <mc:Fallback xmlns="">
           <p:sp>
             <p:nvSpPr>
               <p:cNvPr id="34" name="TextBox 33">
@@ -13093,8 +13100,8 @@
           </p:sp>
         </mc:Fallback>
       </mc:AlternateContent>
-      <mc:AlternateContent xmlns:mc="http://schemas.openxmlformats.org/markup-compatibility/2006">
-        <mc:Choice xmlns:a14="http://schemas.microsoft.com/office/drawing/2010/main" Requires="a14">
+      <mc:AlternateContent xmlns:mc="http://schemas.openxmlformats.org/markup-compatibility/2006" xmlns:a14="http://schemas.microsoft.com/office/drawing/2010/main">
+        <mc:Choice Requires="a14">
           <p:sp>
             <p:nvSpPr>
               <p:cNvPr id="35" name="TextBox 34">
@@ -13233,7 +13240,7 @@
             </p:txBody>
           </p:sp>
         </mc:Choice>
-        <mc:Fallback>
+        <mc:Fallback xmlns="">
           <p:sp>
             <p:nvSpPr>
               <p:cNvPr id="35" name="TextBox 34">
@@ -13278,8 +13285,8 @@
           </p:sp>
         </mc:Fallback>
       </mc:AlternateContent>
-      <mc:AlternateContent xmlns:mc="http://schemas.openxmlformats.org/markup-compatibility/2006">
-        <mc:Choice xmlns:a14="http://schemas.microsoft.com/office/drawing/2010/main" Requires="a14">
+      <mc:AlternateContent xmlns:mc="http://schemas.openxmlformats.org/markup-compatibility/2006" xmlns:a14="http://schemas.microsoft.com/office/drawing/2010/main">
+        <mc:Choice Requires="a14">
           <p:sp>
             <p:nvSpPr>
               <p:cNvPr id="36" name="TextBox 35">
@@ -13436,7 +13443,7 @@
             </p:txBody>
           </p:sp>
         </mc:Choice>
-        <mc:Fallback>
+        <mc:Fallback xmlns="">
           <p:sp>
             <p:nvSpPr>
               <p:cNvPr id="36" name="TextBox 35">
@@ -13481,8 +13488,8 @@
           </p:sp>
         </mc:Fallback>
       </mc:AlternateContent>
-      <mc:AlternateContent xmlns:mc="http://schemas.openxmlformats.org/markup-compatibility/2006">
-        <mc:Choice xmlns:a14="http://schemas.microsoft.com/office/drawing/2010/main" Requires="a14">
+      <mc:AlternateContent xmlns:mc="http://schemas.openxmlformats.org/markup-compatibility/2006" xmlns:a14="http://schemas.microsoft.com/office/drawing/2010/main">
+        <mc:Choice Requires="a14">
           <p:sp>
             <p:nvSpPr>
               <p:cNvPr id="37" name="TextBox 36">
@@ -13639,7 +13646,7 @@
             </p:txBody>
           </p:sp>
         </mc:Choice>
-        <mc:Fallback>
+        <mc:Fallback xmlns="">
           <p:sp>
             <p:nvSpPr>
               <p:cNvPr id="37" name="TextBox 36">
@@ -13852,6 +13859,750 @@
           </a:p>
         </p:txBody>
       </p:sp>
+      <mc:AlternateContent xmlns:mc="http://schemas.openxmlformats.org/markup-compatibility/2006">
+        <mc:Choice xmlns:a14="http://schemas.microsoft.com/office/drawing/2010/main" Requires="a14">
+          <p:sp>
+            <p:nvSpPr>
+              <p:cNvPr id="2" name="TextBox 1">
+                <a:extLst>
+                  <a:ext uri="{FF2B5EF4-FFF2-40B4-BE49-F238E27FC236}">
+                    <a16:creationId xmlns:a16="http://schemas.microsoft.com/office/drawing/2014/main" id="{195A16CF-B6CE-4131-837C-63F61E85BDA1}"/>
+                  </a:ext>
+                </a:extLst>
+              </p:cNvPr>
+              <p:cNvSpPr txBox="1"/>
+              <p:nvPr/>
+            </p:nvSpPr>
+            <p:spPr>
+              <a:xfrm>
+                <a:off x="4591171" y="5190405"/>
+                <a:ext cx="421589" cy="369332"/>
+              </a:xfrm>
+              <a:prstGeom prst="rect">
+                <a:avLst/>
+              </a:prstGeom>
+              <a:noFill/>
+            </p:spPr>
+            <p:txBody>
+              <a:bodyPr wrap="none" lIns="0" tIns="0" rIns="0" bIns="0" rtlCol="0">
+                <a:spAutoFit/>
+              </a:bodyPr>
+              <a:lstStyle/>
+              <a:p>
+                <a:pPr/>
+                <a14:m>
+                  <m:oMathPara xmlns:m="http://schemas.openxmlformats.org/officeDocument/2006/math">
+                    <m:oMathParaPr>
+                      <m:jc m:val="centerGroup"/>
+                    </m:oMathParaPr>
+                    <m:oMath xmlns:m="http://schemas.openxmlformats.org/officeDocument/2006/math">
+                      <m:r>
+                        <a:rPr lang="en-US" altLang="zh-CN" sz="2400" b="0" i="1" smtClean="0">
+                          <a:solidFill>
+                            <a:schemeClr val="tx1"/>
+                          </a:solidFill>
+                          <a:latin typeface="Cambria Math" panose="02040503050406030204" pitchFamily="18" charset="0"/>
+                        </a:rPr>
+                        <m:t>𝑏</m:t>
+                      </m:r>
+                      <m:r>
+                        <a:rPr lang="en-US" altLang="zh-CN" sz="2400" b="0" i="1" smtClean="0">
+                          <a:solidFill>
+                            <a:schemeClr val="tx1"/>
+                          </a:solidFill>
+                          <a:latin typeface="Cambria Math" panose="02040503050406030204" pitchFamily="18" charset="0"/>
+                        </a:rPr>
+                        <m:t>0</m:t>
+                      </m:r>
+                    </m:oMath>
+                  </m:oMathPara>
+                </a14:m>
+                <a:endParaRPr lang="zh-CN" altLang="en-US" sz="2400" dirty="0">
+                  <a:solidFill>
+                    <a:schemeClr val="tx1"/>
+                  </a:solidFill>
+                </a:endParaRPr>
+              </a:p>
+            </p:txBody>
+          </p:sp>
+        </mc:Choice>
+        <mc:Fallback>
+          <p:sp>
+            <p:nvSpPr>
+              <p:cNvPr id="2" name="TextBox 1">
+                <a:extLst>
+                  <a:ext uri="{FF2B5EF4-FFF2-40B4-BE49-F238E27FC236}">
+                    <a16:creationId xmlns:a16="http://schemas.microsoft.com/office/drawing/2014/main" id="{195A16CF-B6CE-4131-837C-63F61E85BDA1}"/>
+                  </a:ext>
+                </a:extLst>
+              </p:cNvPr>
+              <p:cNvSpPr txBox="1">
+                <a:spLocks noRot="1" noChangeAspect="1" noMove="1" noResize="1" noEditPoints="1" noAdjustHandles="1" noChangeArrowheads="1" noChangeShapeType="1" noTextEdit="1"/>
+              </p:cNvSpPr>
+              <p:nvPr/>
+            </p:nvSpPr>
+            <p:spPr>
+              <a:xfrm>
+                <a:off x="4591171" y="5190405"/>
+                <a:ext cx="421589" cy="369332"/>
+              </a:xfrm>
+              <a:prstGeom prst="rect">
+                <a:avLst/>
+              </a:prstGeom>
+              <a:blipFill>
+                <a:blip r:embed="rId2"/>
+                <a:stretch>
+                  <a:fillRect l="-15942" r="-15942" b="-6557"/>
+                </a:stretch>
+              </a:blipFill>
+            </p:spPr>
+            <p:txBody>
+              <a:bodyPr/>
+              <a:lstStyle/>
+              <a:p>
+                <a:r>
+                  <a:rPr lang="zh-CN" altLang="en-US">
+                    <a:noFill/>
+                  </a:rPr>
+                  <a:t> </a:t>
+                </a:r>
+              </a:p>
+            </p:txBody>
+          </p:sp>
+        </mc:Fallback>
+      </mc:AlternateContent>
+      <mc:AlternateContent xmlns:mc="http://schemas.openxmlformats.org/markup-compatibility/2006">
+        <mc:Choice xmlns:a14="http://schemas.microsoft.com/office/drawing/2010/main" Requires="a14">
+          <p:sp>
+            <p:nvSpPr>
+              <p:cNvPr id="4" name="TextBox 3">
+                <a:extLst>
+                  <a:ext uri="{FF2B5EF4-FFF2-40B4-BE49-F238E27FC236}">
+                    <a16:creationId xmlns:a16="http://schemas.microsoft.com/office/drawing/2014/main" id="{40EE7A0F-8A61-439C-AC46-18D11B1120D1}"/>
+                  </a:ext>
+                </a:extLst>
+              </p:cNvPr>
+              <p:cNvSpPr txBox="1"/>
+              <p:nvPr/>
+            </p:nvSpPr>
+            <p:spPr>
+              <a:xfrm>
+                <a:off x="3011946" y="3721922"/>
+                <a:ext cx="1249766" cy="369332"/>
+              </a:xfrm>
+              <a:prstGeom prst="rect">
+                <a:avLst/>
+              </a:prstGeom>
+              <a:noFill/>
+            </p:spPr>
+            <p:txBody>
+              <a:bodyPr wrap="none" lIns="0" tIns="0" rIns="0" bIns="0" rtlCol="0">
+                <a:spAutoFit/>
+              </a:bodyPr>
+              <a:lstStyle/>
+              <a:p>
+                <a:pPr/>
+                <a14:m>
+                  <m:oMathPara xmlns:m="http://schemas.openxmlformats.org/officeDocument/2006/math">
+                    <m:oMathParaPr>
+                      <m:jc m:val="centerGroup"/>
+                    </m:oMathParaPr>
+                    <m:oMath xmlns:m="http://schemas.openxmlformats.org/officeDocument/2006/math">
+                      <m:r>
+                        <a:rPr lang="en-US" altLang="zh-CN" sz="2400" b="0" i="1" smtClean="0">
+                          <a:solidFill>
+                            <a:schemeClr val="tx1"/>
+                          </a:solidFill>
+                          <a:latin typeface="Cambria Math" panose="02040503050406030204" pitchFamily="18" charset="0"/>
+                        </a:rPr>
+                        <m:t>𝑏</m:t>
+                      </m:r>
+                      <m:r>
+                        <a:rPr lang="en-US" altLang="zh-CN" sz="2400" b="0" i="1" smtClean="0">
+                          <a:solidFill>
+                            <a:schemeClr val="tx1"/>
+                          </a:solidFill>
+                          <a:latin typeface="Cambria Math" panose="02040503050406030204" pitchFamily="18" charset="0"/>
+                        </a:rPr>
+                        <m:t>1=</m:t>
+                      </m:r>
+                      <m:r>
+                        <a:rPr lang="en-US" altLang="zh-CN" sz="2400" b="0" i="1" smtClean="0">
+                          <a:solidFill>
+                            <a:schemeClr val="tx1"/>
+                          </a:solidFill>
+                          <a:latin typeface="Cambria Math" panose="02040503050406030204" pitchFamily="18" charset="0"/>
+                        </a:rPr>
+                        <m:t>𝑚</m:t>
+                      </m:r>
+                      <m:r>
+                        <a:rPr lang="en-US" altLang="zh-CN" sz="2400" b="0" i="1" smtClean="0">
+                          <a:solidFill>
+                            <a:schemeClr val="tx1"/>
+                          </a:solidFill>
+                          <a:latin typeface="Cambria Math" panose="02040503050406030204" pitchFamily="18" charset="0"/>
+                        </a:rPr>
+                        <m:t>0</m:t>
+                      </m:r>
+                    </m:oMath>
+                  </m:oMathPara>
+                </a14:m>
+                <a:endParaRPr lang="zh-CN" altLang="en-US" sz="2400" dirty="0">
+                  <a:solidFill>
+                    <a:schemeClr val="tx1"/>
+                  </a:solidFill>
+                </a:endParaRPr>
+              </a:p>
+            </p:txBody>
+          </p:sp>
+        </mc:Choice>
+        <mc:Fallback>
+          <p:sp>
+            <p:nvSpPr>
+              <p:cNvPr id="4" name="TextBox 3">
+                <a:extLst>
+                  <a:ext uri="{FF2B5EF4-FFF2-40B4-BE49-F238E27FC236}">
+                    <a16:creationId xmlns:a16="http://schemas.microsoft.com/office/drawing/2014/main" id="{40EE7A0F-8A61-439C-AC46-18D11B1120D1}"/>
+                  </a:ext>
+                </a:extLst>
+              </p:cNvPr>
+              <p:cNvSpPr txBox="1">
+                <a:spLocks noRot="1" noChangeAspect="1" noMove="1" noResize="1" noEditPoints="1" noAdjustHandles="1" noChangeArrowheads="1" noChangeShapeType="1" noTextEdit="1"/>
+              </p:cNvSpPr>
+              <p:nvPr/>
+            </p:nvSpPr>
+            <p:spPr>
+              <a:xfrm>
+                <a:off x="3011946" y="3721922"/>
+                <a:ext cx="1249766" cy="369332"/>
+              </a:xfrm>
+              <a:prstGeom prst="rect">
+                <a:avLst/>
+              </a:prstGeom>
+              <a:blipFill>
+                <a:blip r:embed="rId3"/>
+                <a:stretch>
+                  <a:fillRect l="-4878" r="-5366" b="-8333"/>
+                </a:stretch>
+              </a:blipFill>
+            </p:spPr>
+            <p:txBody>
+              <a:bodyPr/>
+              <a:lstStyle/>
+              <a:p>
+                <a:r>
+                  <a:rPr lang="zh-CN" altLang="en-US">
+                    <a:noFill/>
+                  </a:rPr>
+                  <a:t> </a:t>
+                </a:r>
+              </a:p>
+            </p:txBody>
+          </p:sp>
+        </mc:Fallback>
+      </mc:AlternateContent>
+      <mc:AlternateContent xmlns:mc="http://schemas.openxmlformats.org/markup-compatibility/2006">
+        <mc:Choice xmlns:a14="http://schemas.microsoft.com/office/drawing/2010/main" Requires="a14">
+          <p:sp>
+            <p:nvSpPr>
+              <p:cNvPr id="6" name="TextBox 5">
+                <a:extLst>
+                  <a:ext uri="{FF2B5EF4-FFF2-40B4-BE49-F238E27FC236}">
+                    <a16:creationId xmlns:a16="http://schemas.microsoft.com/office/drawing/2014/main" id="{E6ACA351-C698-43A3-AA4E-57D8B7E2FF66}"/>
+                  </a:ext>
+                </a:extLst>
+              </p:cNvPr>
+              <p:cNvSpPr txBox="1"/>
+              <p:nvPr/>
+            </p:nvSpPr>
+            <p:spPr>
+              <a:xfrm>
+                <a:off x="8427372" y="3664896"/>
+                <a:ext cx="1249766" cy="369332"/>
+              </a:xfrm>
+              <a:prstGeom prst="rect">
+                <a:avLst/>
+              </a:prstGeom>
+              <a:noFill/>
+            </p:spPr>
+            <p:txBody>
+              <a:bodyPr wrap="none" lIns="0" tIns="0" rIns="0" bIns="0" rtlCol="0">
+                <a:spAutoFit/>
+              </a:bodyPr>
+              <a:lstStyle/>
+              <a:p>
+                <a:pPr/>
+                <a14:m>
+                  <m:oMathPara xmlns:m="http://schemas.openxmlformats.org/officeDocument/2006/math">
+                    <m:oMathParaPr>
+                      <m:jc m:val="centerGroup"/>
+                    </m:oMathParaPr>
+                    <m:oMath xmlns:m="http://schemas.openxmlformats.org/officeDocument/2006/math">
+                      <m:r>
+                        <a:rPr lang="en-US" altLang="zh-CN" sz="2400" b="0" i="1" smtClean="0">
+                          <a:solidFill>
+                            <a:schemeClr val="tx1"/>
+                          </a:solidFill>
+                          <a:latin typeface="Cambria Math" panose="02040503050406030204" pitchFamily="18" charset="0"/>
+                        </a:rPr>
+                        <m:t>𝑏</m:t>
+                      </m:r>
+                      <m:r>
+                        <a:rPr lang="en-US" altLang="zh-CN" sz="2400" b="0" i="1" smtClean="0">
+                          <a:solidFill>
+                            <a:schemeClr val="tx1"/>
+                          </a:solidFill>
+                          <a:latin typeface="Cambria Math" panose="02040503050406030204" pitchFamily="18" charset="0"/>
+                        </a:rPr>
+                        <m:t>2=</m:t>
+                      </m:r>
+                      <m:r>
+                        <a:rPr lang="en-US" altLang="zh-CN" sz="2400" b="0" i="1" smtClean="0">
+                          <a:solidFill>
+                            <a:schemeClr val="tx1"/>
+                          </a:solidFill>
+                          <a:latin typeface="Cambria Math" panose="02040503050406030204" pitchFamily="18" charset="0"/>
+                        </a:rPr>
+                        <m:t>𝑚</m:t>
+                      </m:r>
+                      <m:r>
+                        <a:rPr lang="en-US" altLang="zh-CN" sz="2400" b="0" i="1" smtClean="0">
+                          <a:solidFill>
+                            <a:schemeClr val="tx1"/>
+                          </a:solidFill>
+                          <a:latin typeface="Cambria Math" panose="02040503050406030204" pitchFamily="18" charset="0"/>
+                        </a:rPr>
+                        <m:t>1</m:t>
+                      </m:r>
+                    </m:oMath>
+                  </m:oMathPara>
+                </a14:m>
+                <a:endParaRPr lang="zh-CN" altLang="en-US" sz="2400" dirty="0">
+                  <a:solidFill>
+                    <a:schemeClr val="tx1"/>
+                  </a:solidFill>
+                </a:endParaRPr>
+              </a:p>
+            </p:txBody>
+          </p:sp>
+        </mc:Choice>
+        <mc:Fallback>
+          <p:sp>
+            <p:nvSpPr>
+              <p:cNvPr id="6" name="TextBox 5">
+                <a:extLst>
+                  <a:ext uri="{FF2B5EF4-FFF2-40B4-BE49-F238E27FC236}">
+                    <a16:creationId xmlns:a16="http://schemas.microsoft.com/office/drawing/2014/main" id="{E6ACA351-C698-43A3-AA4E-57D8B7E2FF66}"/>
+                  </a:ext>
+                </a:extLst>
+              </p:cNvPr>
+              <p:cNvSpPr txBox="1">
+                <a:spLocks noRot="1" noChangeAspect="1" noMove="1" noResize="1" noEditPoints="1" noAdjustHandles="1" noChangeArrowheads="1" noChangeShapeType="1" noTextEdit="1"/>
+              </p:cNvSpPr>
+              <p:nvPr/>
+            </p:nvSpPr>
+            <p:spPr>
+              <a:xfrm>
+                <a:off x="8427372" y="3664896"/>
+                <a:ext cx="1249766" cy="369332"/>
+              </a:xfrm>
+              <a:prstGeom prst="rect">
+                <a:avLst/>
+              </a:prstGeom>
+              <a:blipFill>
+                <a:blip r:embed="rId4"/>
+                <a:stretch>
+                  <a:fillRect l="-4878" r="-5366" b="-6557"/>
+                </a:stretch>
+              </a:blipFill>
+            </p:spPr>
+            <p:txBody>
+              <a:bodyPr/>
+              <a:lstStyle/>
+              <a:p>
+                <a:r>
+                  <a:rPr lang="zh-CN" altLang="en-US">
+                    <a:noFill/>
+                  </a:rPr>
+                  <a:t> </a:t>
+                </a:r>
+              </a:p>
+            </p:txBody>
+          </p:sp>
+        </mc:Fallback>
+      </mc:AlternateContent>
+      <mc:AlternateContent xmlns:mc="http://schemas.openxmlformats.org/markup-compatibility/2006">
+        <mc:Choice xmlns:a14="http://schemas.microsoft.com/office/drawing/2010/main" Requires="a14">
+          <p:sp>
+            <p:nvSpPr>
+              <p:cNvPr id="8" name="TextBox 7">
+                <a:extLst>
+                  <a:ext uri="{FF2B5EF4-FFF2-40B4-BE49-F238E27FC236}">
+                    <a16:creationId xmlns:a16="http://schemas.microsoft.com/office/drawing/2014/main" id="{607968E1-5E1F-44D8-9DB9-3F61D679A5EF}"/>
+                  </a:ext>
+                </a:extLst>
+              </p:cNvPr>
+              <p:cNvSpPr txBox="1"/>
+              <p:nvPr/>
+            </p:nvSpPr>
+            <p:spPr>
+              <a:xfrm>
+                <a:off x="7982084" y="2271132"/>
+                <a:ext cx="1204882" cy="369332"/>
+              </a:xfrm>
+              <a:prstGeom prst="rect">
+                <a:avLst/>
+              </a:prstGeom>
+              <a:noFill/>
+            </p:spPr>
+            <p:txBody>
+              <a:bodyPr wrap="none" lIns="0" tIns="0" rIns="0" bIns="0" rtlCol="0">
+                <a:spAutoFit/>
+              </a:bodyPr>
+              <a:lstStyle/>
+              <a:p>
+                <a:pPr/>
+                <a14:m>
+                  <m:oMathPara xmlns:m="http://schemas.openxmlformats.org/officeDocument/2006/math">
+                    <m:oMathParaPr>
+                      <m:jc m:val="centerGroup"/>
+                    </m:oMathParaPr>
+                    <m:oMath xmlns:m="http://schemas.openxmlformats.org/officeDocument/2006/math">
+                      <m:r>
+                        <a:rPr lang="en-US" altLang="zh-CN" sz="2400" b="0" i="1" smtClean="0">
+                          <a:solidFill>
+                            <a:schemeClr val="tx1"/>
+                          </a:solidFill>
+                          <a:latin typeface="Cambria Math" panose="02040503050406030204" pitchFamily="18" charset="0"/>
+                        </a:rPr>
+                        <m:t>𝑚</m:t>
+                      </m:r>
+                      <m:r>
+                        <a:rPr lang="en-US" altLang="zh-CN" sz="2400" b="0" i="1" smtClean="0">
+                          <a:solidFill>
+                            <a:schemeClr val="tx1"/>
+                          </a:solidFill>
+                          <a:latin typeface="Cambria Math" panose="02040503050406030204" pitchFamily="18" charset="0"/>
+                        </a:rPr>
+                        <m:t>2=</m:t>
+                      </m:r>
+                      <m:r>
+                        <a:rPr lang="en-US" altLang="zh-CN" sz="2400" b="0" i="1" smtClean="0">
+                          <a:solidFill>
+                            <a:schemeClr val="tx1"/>
+                          </a:solidFill>
+                          <a:latin typeface="Cambria Math" panose="02040503050406030204" pitchFamily="18" charset="0"/>
+                        </a:rPr>
+                        <m:t>𝑡</m:t>
+                      </m:r>
+                      <m:r>
+                        <a:rPr lang="en-US" altLang="zh-CN" sz="2400" b="0" i="1" smtClean="0">
+                          <a:solidFill>
+                            <a:schemeClr val="tx1"/>
+                          </a:solidFill>
+                          <a:latin typeface="Cambria Math" panose="02040503050406030204" pitchFamily="18" charset="0"/>
+                        </a:rPr>
+                        <m:t>1</m:t>
+                      </m:r>
+                    </m:oMath>
+                  </m:oMathPara>
+                </a14:m>
+                <a:endParaRPr lang="zh-CN" altLang="en-US" sz="2400" dirty="0">
+                  <a:solidFill>
+                    <a:schemeClr val="tx1"/>
+                  </a:solidFill>
+                </a:endParaRPr>
+              </a:p>
+            </p:txBody>
+          </p:sp>
+        </mc:Choice>
+        <mc:Fallback>
+          <p:sp>
+            <p:nvSpPr>
+              <p:cNvPr id="8" name="TextBox 7">
+                <a:extLst>
+                  <a:ext uri="{FF2B5EF4-FFF2-40B4-BE49-F238E27FC236}">
+                    <a16:creationId xmlns:a16="http://schemas.microsoft.com/office/drawing/2014/main" id="{607968E1-5E1F-44D8-9DB9-3F61D679A5EF}"/>
+                  </a:ext>
+                </a:extLst>
+              </p:cNvPr>
+              <p:cNvSpPr txBox="1">
+                <a:spLocks noRot="1" noChangeAspect="1" noMove="1" noResize="1" noEditPoints="1" noAdjustHandles="1" noChangeArrowheads="1" noChangeShapeType="1" noTextEdit="1"/>
+              </p:cNvSpPr>
+              <p:nvPr/>
+            </p:nvSpPr>
+            <p:spPr>
+              <a:xfrm>
+                <a:off x="7982084" y="2271132"/>
+                <a:ext cx="1204882" cy="369332"/>
+              </a:xfrm>
+              <a:prstGeom prst="rect">
+                <a:avLst/>
+              </a:prstGeom>
+              <a:blipFill>
+                <a:blip r:embed="rId5"/>
+                <a:stretch>
+                  <a:fillRect l="-4545" r="-5051" b="-6667"/>
+                </a:stretch>
+              </a:blipFill>
+            </p:spPr>
+            <p:txBody>
+              <a:bodyPr/>
+              <a:lstStyle/>
+              <a:p>
+                <a:r>
+                  <a:rPr lang="zh-CN" altLang="en-US">
+                    <a:noFill/>
+                  </a:rPr>
+                  <a:t> </a:t>
+                </a:r>
+              </a:p>
+            </p:txBody>
+          </p:sp>
+        </mc:Fallback>
+      </mc:AlternateContent>
+      <mc:AlternateContent xmlns:mc="http://schemas.openxmlformats.org/markup-compatibility/2006">
+        <mc:Choice xmlns:a14="http://schemas.microsoft.com/office/drawing/2010/main" Requires="a14">
+          <p:sp>
+            <p:nvSpPr>
+              <p:cNvPr id="10" name="TextBox 9">
+                <a:extLst>
+                  <a:ext uri="{FF2B5EF4-FFF2-40B4-BE49-F238E27FC236}">
+                    <a16:creationId xmlns:a16="http://schemas.microsoft.com/office/drawing/2014/main" id="{E9215AA9-E856-430D-A0AA-7CB05F9AF6EF}"/>
+                  </a:ext>
+                </a:extLst>
+              </p:cNvPr>
+              <p:cNvSpPr txBox="1"/>
+              <p:nvPr/>
+            </p:nvSpPr>
+            <p:spPr>
+              <a:xfrm>
+                <a:off x="2559746" y="2195859"/>
+                <a:ext cx="1204882" cy="369332"/>
+              </a:xfrm>
+              <a:prstGeom prst="rect">
+                <a:avLst/>
+              </a:prstGeom>
+              <a:noFill/>
+            </p:spPr>
+            <p:txBody>
+              <a:bodyPr wrap="none" lIns="0" tIns="0" rIns="0" bIns="0" rtlCol="0">
+                <a:spAutoFit/>
+              </a:bodyPr>
+              <a:lstStyle/>
+              <a:p>
+                <a:pPr/>
+                <a14:m>
+                  <m:oMathPara xmlns:m="http://schemas.openxmlformats.org/officeDocument/2006/math">
+                    <m:oMathParaPr>
+                      <m:jc m:val="centerGroup"/>
+                    </m:oMathParaPr>
+                    <m:oMath xmlns:m="http://schemas.openxmlformats.org/officeDocument/2006/math">
+                      <m:r>
+                        <a:rPr lang="en-US" altLang="zh-CN" sz="2400" b="0" i="1" smtClean="0">
+                          <a:solidFill>
+                            <a:schemeClr val="tx1"/>
+                          </a:solidFill>
+                          <a:latin typeface="Cambria Math" panose="02040503050406030204" pitchFamily="18" charset="0"/>
+                        </a:rPr>
+                        <m:t>𝑚</m:t>
+                      </m:r>
+                      <m:r>
+                        <a:rPr lang="en-US" altLang="zh-CN" sz="2400" b="0" i="1" smtClean="0">
+                          <a:solidFill>
+                            <a:schemeClr val="tx1"/>
+                          </a:solidFill>
+                          <a:latin typeface="Cambria Math" panose="02040503050406030204" pitchFamily="18" charset="0"/>
+                        </a:rPr>
+                        <m:t>3=</m:t>
+                      </m:r>
+                      <m:r>
+                        <a:rPr lang="en-US" altLang="zh-CN" sz="2400" b="0" i="1" smtClean="0">
+                          <a:solidFill>
+                            <a:schemeClr val="tx1"/>
+                          </a:solidFill>
+                          <a:latin typeface="Cambria Math" panose="02040503050406030204" pitchFamily="18" charset="0"/>
+                        </a:rPr>
+                        <m:t>𝑡</m:t>
+                      </m:r>
+                      <m:r>
+                        <a:rPr lang="en-US" altLang="zh-CN" sz="2400" b="0" i="1" smtClean="0">
+                          <a:solidFill>
+                            <a:schemeClr val="tx1"/>
+                          </a:solidFill>
+                          <a:latin typeface="Cambria Math" panose="02040503050406030204" pitchFamily="18" charset="0"/>
+                        </a:rPr>
+                        <m:t>0</m:t>
+                      </m:r>
+                    </m:oMath>
+                  </m:oMathPara>
+                </a14:m>
+                <a:endParaRPr lang="zh-CN" altLang="en-US" sz="2400" dirty="0">
+                  <a:solidFill>
+                    <a:schemeClr val="tx1"/>
+                  </a:solidFill>
+                </a:endParaRPr>
+              </a:p>
+            </p:txBody>
+          </p:sp>
+        </mc:Choice>
+        <mc:Fallback>
+          <p:sp>
+            <p:nvSpPr>
+              <p:cNvPr id="10" name="TextBox 9">
+                <a:extLst>
+                  <a:ext uri="{FF2B5EF4-FFF2-40B4-BE49-F238E27FC236}">
+                    <a16:creationId xmlns:a16="http://schemas.microsoft.com/office/drawing/2014/main" id="{E9215AA9-E856-430D-A0AA-7CB05F9AF6EF}"/>
+                  </a:ext>
+                </a:extLst>
+              </p:cNvPr>
+              <p:cNvSpPr txBox="1">
+                <a:spLocks noRot="1" noChangeAspect="1" noMove="1" noResize="1" noEditPoints="1" noAdjustHandles="1" noChangeArrowheads="1" noChangeShapeType="1" noTextEdit="1"/>
+              </p:cNvSpPr>
+              <p:nvPr/>
+            </p:nvSpPr>
+            <p:spPr>
+              <a:xfrm>
+                <a:off x="2559746" y="2195859"/>
+                <a:ext cx="1204882" cy="369332"/>
+              </a:xfrm>
+              <a:prstGeom prst="rect">
+                <a:avLst/>
+              </a:prstGeom>
+              <a:blipFill>
+                <a:blip r:embed="rId6"/>
+                <a:stretch>
+                  <a:fillRect l="-5051" r="-4545" b="-6557"/>
+                </a:stretch>
+              </a:blipFill>
+            </p:spPr>
+            <p:txBody>
+              <a:bodyPr/>
+              <a:lstStyle/>
+              <a:p>
+                <a:r>
+                  <a:rPr lang="zh-CN" altLang="en-US">
+                    <a:noFill/>
+                  </a:rPr>
+                  <a:t> </a:t>
+                </a:r>
+              </a:p>
+            </p:txBody>
+          </p:sp>
+        </mc:Fallback>
+      </mc:AlternateContent>
+      <mc:AlternateContent xmlns:mc="http://schemas.openxmlformats.org/markup-compatibility/2006">
+        <mc:Choice xmlns:a14="http://schemas.microsoft.com/office/drawing/2010/main" Requires="a14">
+          <p:sp>
+            <p:nvSpPr>
+              <p:cNvPr id="12" name="TextBox 11">
+                <a:extLst>
+                  <a:ext uri="{FF2B5EF4-FFF2-40B4-BE49-F238E27FC236}">
+                    <a16:creationId xmlns:a16="http://schemas.microsoft.com/office/drawing/2014/main" id="{BE577278-F2F8-4B68-AB28-EB6B05348DC7}"/>
+                  </a:ext>
+                </a:extLst>
+              </p:cNvPr>
+              <p:cNvSpPr txBox="1"/>
+              <p:nvPr/>
+            </p:nvSpPr>
+            <p:spPr>
+              <a:xfrm>
+                <a:off x="7297758" y="768313"/>
+                <a:ext cx="376706" cy="369332"/>
+              </a:xfrm>
+              <a:prstGeom prst="rect">
+                <a:avLst/>
+              </a:prstGeom>
+              <a:noFill/>
+            </p:spPr>
+            <p:txBody>
+              <a:bodyPr wrap="none" lIns="0" tIns="0" rIns="0" bIns="0" rtlCol="0">
+                <a:spAutoFit/>
+              </a:bodyPr>
+              <a:lstStyle/>
+              <a:p>
+                <a:pPr/>
+                <a14:m>
+                  <m:oMathPara xmlns:m="http://schemas.openxmlformats.org/officeDocument/2006/math">
+                    <m:oMathParaPr>
+                      <m:jc m:val="centerGroup"/>
+                    </m:oMathParaPr>
+                    <m:oMath xmlns:m="http://schemas.openxmlformats.org/officeDocument/2006/math">
+                      <m:r>
+                        <a:rPr lang="en-US" altLang="zh-CN" sz="2400" b="0" i="1" smtClean="0">
+                          <a:solidFill>
+                            <a:schemeClr val="tx1"/>
+                          </a:solidFill>
+                          <a:latin typeface="Cambria Math" panose="02040503050406030204" pitchFamily="18" charset="0"/>
+                        </a:rPr>
+                        <m:t>𝑡</m:t>
+                      </m:r>
+                      <m:r>
+                        <a:rPr lang="en-US" altLang="zh-CN" sz="2400" b="0" i="1" smtClean="0">
+                          <a:solidFill>
+                            <a:schemeClr val="tx1"/>
+                          </a:solidFill>
+                          <a:latin typeface="Cambria Math" panose="02040503050406030204" pitchFamily="18" charset="0"/>
+                        </a:rPr>
+                        <m:t>1</m:t>
+                      </m:r>
+                    </m:oMath>
+                  </m:oMathPara>
+                </a14:m>
+                <a:endParaRPr lang="zh-CN" altLang="en-US" sz="2400" dirty="0">
+                  <a:solidFill>
+                    <a:schemeClr val="tx1"/>
+                  </a:solidFill>
+                </a:endParaRPr>
+              </a:p>
+            </p:txBody>
+          </p:sp>
+        </mc:Choice>
+        <mc:Fallback>
+          <p:sp>
+            <p:nvSpPr>
+              <p:cNvPr id="12" name="TextBox 11">
+                <a:extLst>
+                  <a:ext uri="{FF2B5EF4-FFF2-40B4-BE49-F238E27FC236}">
+                    <a16:creationId xmlns:a16="http://schemas.microsoft.com/office/drawing/2014/main" id="{BE577278-F2F8-4B68-AB28-EB6B05348DC7}"/>
+                  </a:ext>
+                </a:extLst>
+              </p:cNvPr>
+              <p:cNvSpPr txBox="1">
+                <a:spLocks noRot="1" noChangeAspect="1" noMove="1" noResize="1" noEditPoints="1" noAdjustHandles="1" noChangeArrowheads="1" noChangeShapeType="1" noTextEdit="1"/>
+              </p:cNvSpPr>
+              <p:nvPr/>
+            </p:nvSpPr>
+            <p:spPr>
+              <a:xfrm>
+                <a:off x="7297758" y="768313"/>
+                <a:ext cx="376706" cy="369332"/>
+              </a:xfrm>
+              <a:prstGeom prst="rect">
+                <a:avLst/>
+              </a:prstGeom>
+              <a:blipFill>
+                <a:blip r:embed="rId7"/>
+                <a:stretch>
+                  <a:fillRect l="-16129" r="-17742" b="-6557"/>
+                </a:stretch>
+              </a:blipFill>
+            </p:spPr>
+            <p:txBody>
+              <a:bodyPr/>
+              <a:lstStyle/>
+              <a:p>
+                <a:r>
+                  <a:rPr lang="zh-CN" altLang="en-US">
+                    <a:noFill/>
+                  </a:rPr>
+                  <a:t> </a:t>
+                </a:r>
+              </a:p>
+            </p:txBody>
+          </p:sp>
+        </mc:Fallback>
+      </mc:AlternateContent>
     </p:spTree>
     <p:extLst>
       <p:ext uri="{BB962C8B-B14F-4D97-AF65-F5344CB8AC3E}">

--- a/Figures.pptx
+++ b/Figures.pptx
@@ -200,7 +200,7 @@
           <a:p>
             <a:fld id="{37C0385F-9857-4EBC-B12B-077032DC4A24}" type="datetimeFigureOut">
               <a:rPr lang="zh-CN" altLang="en-US" smtClean="0"/>
-              <a:t>2020/9/18</a:t>
+              <a:t>2020/9/19</a:t>
             </a:fld>
             <a:endParaRPr lang="zh-CN" altLang="en-US"/>
           </a:p>
@@ -701,7 +701,7 @@
           <a:p>
             <a:fld id="{DF4DEC76-B1CC-4BD2-B293-05E0B687F717}" type="datetimeFigureOut">
               <a:rPr lang="zh-CN" altLang="en-US" smtClean="0"/>
-              <a:t>2020/9/18</a:t>
+              <a:t>2020/9/19</a:t>
             </a:fld>
             <a:endParaRPr lang="zh-CN" altLang="en-US"/>
           </a:p>
@@ -901,7 +901,7 @@
           <a:p>
             <a:fld id="{DF4DEC76-B1CC-4BD2-B293-05E0B687F717}" type="datetimeFigureOut">
               <a:rPr lang="zh-CN" altLang="en-US" smtClean="0"/>
-              <a:t>2020/9/18</a:t>
+              <a:t>2020/9/19</a:t>
             </a:fld>
             <a:endParaRPr lang="zh-CN" altLang="en-US"/>
           </a:p>
@@ -1111,7 +1111,7 @@
           <a:p>
             <a:fld id="{DF4DEC76-B1CC-4BD2-B293-05E0B687F717}" type="datetimeFigureOut">
               <a:rPr lang="zh-CN" altLang="en-US" smtClean="0"/>
-              <a:t>2020/9/18</a:t>
+              <a:t>2020/9/19</a:t>
             </a:fld>
             <a:endParaRPr lang="zh-CN" altLang="en-US"/>
           </a:p>
@@ -1311,7 +1311,7 @@
           <a:p>
             <a:fld id="{DF4DEC76-B1CC-4BD2-B293-05E0B687F717}" type="datetimeFigureOut">
               <a:rPr lang="zh-CN" altLang="en-US" smtClean="0"/>
-              <a:t>2020/9/18</a:t>
+              <a:t>2020/9/19</a:t>
             </a:fld>
             <a:endParaRPr lang="zh-CN" altLang="en-US"/>
           </a:p>
@@ -1587,7 +1587,7 @@
           <a:p>
             <a:fld id="{DF4DEC76-B1CC-4BD2-B293-05E0B687F717}" type="datetimeFigureOut">
               <a:rPr lang="zh-CN" altLang="en-US" smtClean="0"/>
-              <a:t>2020/9/18</a:t>
+              <a:t>2020/9/19</a:t>
             </a:fld>
             <a:endParaRPr lang="zh-CN" altLang="en-US"/>
           </a:p>
@@ -1855,7 +1855,7 @@
           <a:p>
             <a:fld id="{DF4DEC76-B1CC-4BD2-B293-05E0B687F717}" type="datetimeFigureOut">
               <a:rPr lang="zh-CN" altLang="en-US" smtClean="0"/>
-              <a:t>2020/9/18</a:t>
+              <a:t>2020/9/19</a:t>
             </a:fld>
             <a:endParaRPr lang="zh-CN" altLang="en-US"/>
           </a:p>
@@ -2270,7 +2270,7 @@
           <a:p>
             <a:fld id="{DF4DEC76-B1CC-4BD2-B293-05E0B687F717}" type="datetimeFigureOut">
               <a:rPr lang="zh-CN" altLang="en-US" smtClean="0"/>
-              <a:t>2020/9/18</a:t>
+              <a:t>2020/9/19</a:t>
             </a:fld>
             <a:endParaRPr lang="zh-CN" altLang="en-US"/>
           </a:p>
@@ -2412,7 +2412,7 @@
           <a:p>
             <a:fld id="{DF4DEC76-B1CC-4BD2-B293-05E0B687F717}" type="datetimeFigureOut">
               <a:rPr lang="zh-CN" altLang="en-US" smtClean="0"/>
-              <a:t>2020/9/18</a:t>
+              <a:t>2020/9/19</a:t>
             </a:fld>
             <a:endParaRPr lang="zh-CN" altLang="en-US"/>
           </a:p>
@@ -2525,7 +2525,7 @@
           <a:p>
             <a:fld id="{DF4DEC76-B1CC-4BD2-B293-05E0B687F717}" type="datetimeFigureOut">
               <a:rPr lang="zh-CN" altLang="en-US" smtClean="0"/>
-              <a:t>2020/9/18</a:t>
+              <a:t>2020/9/19</a:t>
             </a:fld>
             <a:endParaRPr lang="zh-CN" altLang="en-US"/>
           </a:p>
@@ -2838,7 +2838,7 @@
           <a:p>
             <a:fld id="{DF4DEC76-B1CC-4BD2-B293-05E0B687F717}" type="datetimeFigureOut">
               <a:rPr lang="zh-CN" altLang="en-US" smtClean="0"/>
-              <a:t>2020/9/18</a:t>
+              <a:t>2020/9/19</a:t>
             </a:fld>
             <a:endParaRPr lang="zh-CN" altLang="en-US"/>
           </a:p>
@@ -3127,7 +3127,7 @@
           <a:p>
             <a:fld id="{DF4DEC76-B1CC-4BD2-B293-05E0B687F717}" type="datetimeFigureOut">
               <a:rPr lang="zh-CN" altLang="en-US" smtClean="0"/>
-              <a:t>2020/9/18</a:t>
+              <a:t>2020/9/19</a:t>
             </a:fld>
             <a:endParaRPr lang="zh-CN" altLang="en-US"/>
           </a:p>
@@ -3370,7 +3370,7 @@
           <a:p>
             <a:fld id="{DF4DEC76-B1CC-4BD2-B293-05E0B687F717}" type="datetimeFigureOut">
               <a:rPr lang="zh-CN" altLang="en-US" smtClean="0"/>
-              <a:t>2020/9/18</a:t>
+              <a:t>2020/9/19</a:t>
             </a:fld>
             <a:endParaRPr lang="zh-CN" altLang="en-US"/>
           </a:p>
@@ -13859,8 +13859,8 @@
           </a:p>
         </p:txBody>
       </p:sp>
-      <mc:AlternateContent xmlns:mc="http://schemas.openxmlformats.org/markup-compatibility/2006">
-        <mc:Choice xmlns:a14="http://schemas.microsoft.com/office/drawing/2010/main" Requires="a14">
+      <mc:AlternateContent xmlns:mc="http://schemas.openxmlformats.org/markup-compatibility/2006" xmlns:a14="http://schemas.microsoft.com/office/drawing/2010/main">
+        <mc:Choice Requires="a14">
           <p:sp>
             <p:nvSpPr>
               <p:cNvPr id="2" name="TextBox 1">
@@ -13926,7 +13926,7 @@
             </p:txBody>
           </p:sp>
         </mc:Choice>
-        <mc:Fallback>
+        <mc:Fallback xmlns="">
           <p:sp>
             <p:nvSpPr>
               <p:cNvPr id="2" name="TextBox 1">
@@ -13971,8 +13971,8 @@
           </p:sp>
         </mc:Fallback>
       </mc:AlternateContent>
-      <mc:AlternateContent xmlns:mc="http://schemas.openxmlformats.org/markup-compatibility/2006">
-        <mc:Choice xmlns:a14="http://schemas.microsoft.com/office/drawing/2010/main" Requires="a14">
+      <mc:AlternateContent xmlns:mc="http://schemas.openxmlformats.org/markup-compatibility/2006" xmlns:a14="http://schemas.microsoft.com/office/drawing/2010/main">
+        <mc:Choice Requires="a14">
           <p:sp>
             <p:nvSpPr>
               <p:cNvPr id="4" name="TextBox 3">
@@ -14056,7 +14056,7 @@
             </p:txBody>
           </p:sp>
         </mc:Choice>
-        <mc:Fallback>
+        <mc:Fallback xmlns="">
           <p:sp>
             <p:nvSpPr>
               <p:cNvPr id="4" name="TextBox 3">
@@ -14101,8 +14101,8 @@
           </p:sp>
         </mc:Fallback>
       </mc:AlternateContent>
-      <mc:AlternateContent xmlns:mc="http://schemas.openxmlformats.org/markup-compatibility/2006">
-        <mc:Choice xmlns:a14="http://schemas.microsoft.com/office/drawing/2010/main" Requires="a14">
+      <mc:AlternateContent xmlns:mc="http://schemas.openxmlformats.org/markup-compatibility/2006" xmlns:a14="http://schemas.microsoft.com/office/drawing/2010/main">
+        <mc:Choice Requires="a14">
           <p:sp>
             <p:nvSpPr>
               <p:cNvPr id="6" name="TextBox 5">
@@ -14186,7 +14186,7 @@
             </p:txBody>
           </p:sp>
         </mc:Choice>
-        <mc:Fallback>
+        <mc:Fallback xmlns="">
           <p:sp>
             <p:nvSpPr>
               <p:cNvPr id="6" name="TextBox 5">
@@ -14231,8 +14231,8 @@
           </p:sp>
         </mc:Fallback>
       </mc:AlternateContent>
-      <mc:AlternateContent xmlns:mc="http://schemas.openxmlformats.org/markup-compatibility/2006">
-        <mc:Choice xmlns:a14="http://schemas.microsoft.com/office/drawing/2010/main" Requires="a14">
+      <mc:AlternateContent xmlns:mc="http://schemas.openxmlformats.org/markup-compatibility/2006" xmlns:a14="http://schemas.microsoft.com/office/drawing/2010/main">
+        <mc:Choice Requires="a14">
           <p:sp>
             <p:nvSpPr>
               <p:cNvPr id="8" name="TextBox 7">
@@ -14316,7 +14316,7 @@
             </p:txBody>
           </p:sp>
         </mc:Choice>
-        <mc:Fallback>
+        <mc:Fallback xmlns="">
           <p:sp>
             <p:nvSpPr>
               <p:cNvPr id="8" name="TextBox 7">
@@ -14361,8 +14361,8 @@
           </p:sp>
         </mc:Fallback>
       </mc:AlternateContent>
-      <mc:AlternateContent xmlns:mc="http://schemas.openxmlformats.org/markup-compatibility/2006">
-        <mc:Choice xmlns:a14="http://schemas.microsoft.com/office/drawing/2010/main" Requires="a14">
+      <mc:AlternateContent xmlns:mc="http://schemas.openxmlformats.org/markup-compatibility/2006" xmlns:a14="http://schemas.microsoft.com/office/drawing/2010/main">
+        <mc:Choice Requires="a14">
           <p:sp>
             <p:nvSpPr>
               <p:cNvPr id="10" name="TextBox 9">
@@ -14446,7 +14446,7 @@
             </p:txBody>
           </p:sp>
         </mc:Choice>
-        <mc:Fallback>
+        <mc:Fallback xmlns="">
           <p:sp>
             <p:nvSpPr>
               <p:cNvPr id="10" name="TextBox 9">
@@ -14544,7 +14544,7 @@
                           </a:solidFill>
                           <a:latin typeface="Cambria Math" panose="02040503050406030204" pitchFamily="18" charset="0"/>
                         </a:rPr>
-                        <m:t>1</m:t>
+                        <m:t>2</m:t>
                       </m:r>
                     </m:oMath>
                   </m:oMathPara>

--- a/Figures.pptx
+++ b/Figures.pptx
@@ -1,17 +1,18 @@
 
 <file path=ppt/presentation.xml><?xml version="1.0" encoding="utf-8"?>
-<p:presentation xmlns:a="http://schemas.openxmlformats.org/drawingml/2006/main" xmlns:r="http://schemas.openxmlformats.org/officeDocument/2006/relationships" xmlns:p="http://schemas.openxmlformats.org/presentationml/2006/main" saveSubsetFonts="1">
+<p:presentation xmlns:a="http://schemas.openxmlformats.org/drawingml/2006/main" xmlns:r="http://schemas.openxmlformats.org/officeDocument/2006/relationships" xmlns:p="http://schemas.openxmlformats.org/presentationml/2006/main">
   <p:sldMasterIdLst>
     <p:sldMasterId id="2147483648" r:id="rId1"/>
   </p:sldMasterIdLst>
   <p:notesMasterIdLst>
-    <p:notesMasterId r:id="rId6"/>
+    <p:notesMasterId r:id="rId5"/>
   </p:notesMasterIdLst>
   <p:sldIdLst>
-    <p:sldId id="256" r:id="rId2"/>
-    <p:sldId id="258" r:id="rId3"/>
-    <p:sldId id="259" r:id="rId4"/>
-    <p:sldId id="260" r:id="rId5"/>
+    <p:sldId id="256" r:id="rId3"/>
+    <p:sldId id="258" r:id="rId4"/>
+    <p:sldId id="259" r:id="rId6"/>
+    <p:sldId id="260" r:id="rId7"/>
+    <p:sldId id="261" r:id="rId8"/>
   </p:sldIdLst>
   <p:sldSz cx="12192000" cy="6858000"/>
   <p:notesSz cx="6858000" cy="9144000"/>
@@ -110,11 +111,6 @@
       </a:defRPr>
     </a:lvl9pPr>
   </p:defaultTextStyle>
-  <p:extLst>
-    <p:ext uri="{EFAFB233-063F-42B5-8137-9DF3F51BA10A}">
-      <p15:sldGuideLst xmlns:p15="http://schemas.microsoft.com/office/powerpoint/2012/main"/>
-    </p:ext>
-  </p:extLst>
 </p:presentation>
 </file>
 
@@ -200,7 +196,6 @@
           <a:p>
             <a:fld id="{37C0385F-9857-4EBC-B12B-077032DC4A24}" type="datetimeFigureOut">
               <a:rPr lang="zh-CN" altLang="en-US" smtClean="0"/>
-              <a:t>2020/9/19</a:t>
             </a:fld>
             <a:endParaRPr lang="zh-CN" altLang="en-US"/>
           </a:p>
@@ -267,6 +262,7 @@
               <a:rPr lang="en-US" altLang="zh-CN"/>
               <a:t>Click to edit Master text styles</a:t>
             </a:r>
+            <a:endParaRPr lang="en-US" altLang="zh-CN"/>
           </a:p>
           <a:p>
             <a:pPr lvl="1"/>
@@ -274,6 +270,7 @@
               <a:rPr lang="en-US" altLang="zh-CN"/>
               <a:t>Second level</a:t>
             </a:r>
+            <a:endParaRPr lang="en-US" altLang="zh-CN"/>
           </a:p>
           <a:p>
             <a:pPr lvl="2"/>
@@ -281,6 +278,7 @@
               <a:rPr lang="en-US" altLang="zh-CN"/>
               <a:t>Third level</a:t>
             </a:r>
+            <a:endParaRPr lang="en-US" altLang="zh-CN"/>
           </a:p>
           <a:p>
             <a:pPr lvl="3"/>
@@ -288,6 +286,7 @@
               <a:rPr lang="en-US" altLang="zh-CN"/>
               <a:t>Fourth level</a:t>
             </a:r>
+            <a:endParaRPr lang="en-US" altLang="zh-CN"/>
           </a:p>
           <a:p>
             <a:pPr lvl="4"/>
@@ -359,18 +358,12 @@
           <a:p>
             <a:fld id="{12FE7FD0-BB34-40C4-BAE1-9991ACF139AC}" type="slidenum">
               <a:rPr lang="zh-CN" altLang="en-US" smtClean="0"/>
-              <a:t>‹#›</a:t>
             </a:fld>
             <a:endParaRPr lang="zh-CN" altLang="en-US"/>
           </a:p>
         </p:txBody>
       </p:sp>
     </p:spTree>
-    <p:extLst>
-      <p:ext uri="{BB962C8B-B14F-4D97-AF65-F5344CB8AC3E}">
-        <p14:creationId xmlns:p14="http://schemas.microsoft.com/office/powerpoint/2010/main" val="1176484963"/>
-      </p:ext>
-    </p:extLst>
   </p:cSld>
   <p:clrMap bg1="lt1" tx1="dk1" bg2="lt2" tx2="dk2" accent1="accent1" accent2="accent2" accent3="accent3" accent4="accent4" accent5="accent5" accent6="accent6" hlink="hlink" folHlink="folHlink"/>
   <p:notesStyle>
@@ -533,18 +526,12 @@
           <a:p>
             <a:fld id="{12FE7FD0-BB34-40C4-BAE1-9991ACF139AC}" type="slidenum">
               <a:rPr lang="zh-CN" altLang="en-US" smtClean="0"/>
-              <a:t>2</a:t>
             </a:fld>
             <a:endParaRPr lang="zh-CN" altLang="en-US"/>
           </a:p>
         </p:txBody>
       </p:sp>
     </p:spTree>
-    <p:extLst>
-      <p:ext uri="{BB962C8B-B14F-4D97-AF65-F5344CB8AC3E}">
-        <p14:creationId xmlns:p14="http://schemas.microsoft.com/office/powerpoint/2010/main" val="3171854039"/>
-      </p:ext>
-    </p:extLst>
   </p:cSld>
   <p:clrMapOvr>
     <a:masterClrMapping/>
@@ -571,13 +558,7 @@
       </p:grpSpPr>
       <p:sp>
         <p:nvSpPr>
-          <p:cNvPr id="2" name="Title 1">
-            <a:extLst>
-              <a:ext uri="{FF2B5EF4-FFF2-40B4-BE49-F238E27FC236}">
-                <a16:creationId xmlns:a16="http://schemas.microsoft.com/office/drawing/2014/main" id="{1BDE7A25-3FA2-4E64-8EE6-79318306E841}"/>
-              </a:ext>
-            </a:extLst>
-          </p:cNvPr>
+          <p:cNvPr id="2" name="Title 1"/>
           <p:cNvSpPr>
             <a:spLocks noGrp="1"/>
           </p:cNvSpPr>
@@ -609,13 +590,7 @@
       </p:sp>
       <p:sp>
         <p:nvSpPr>
-          <p:cNvPr id="3" name="Subtitle 2">
-            <a:extLst>
-              <a:ext uri="{FF2B5EF4-FFF2-40B4-BE49-F238E27FC236}">
-                <a16:creationId xmlns:a16="http://schemas.microsoft.com/office/drawing/2014/main" id="{8B9183B8-5C0B-494A-AA7A-418488668671}"/>
-              </a:ext>
-            </a:extLst>
-          </p:cNvPr>
+          <p:cNvPr id="3" name="Subtitle 2"/>
           <p:cNvSpPr>
             <a:spLocks noGrp="1"/>
           </p:cNvSpPr>
@@ -680,13 +655,7 @@
       </p:sp>
       <p:sp>
         <p:nvSpPr>
-          <p:cNvPr id="4" name="Date Placeholder 3">
-            <a:extLst>
-              <a:ext uri="{FF2B5EF4-FFF2-40B4-BE49-F238E27FC236}">
-                <a16:creationId xmlns:a16="http://schemas.microsoft.com/office/drawing/2014/main" id="{DD9DB7BA-9414-46B7-8495-AF63801A77DD}"/>
-              </a:ext>
-            </a:extLst>
-          </p:cNvPr>
+          <p:cNvPr id="4" name="Date Placeholder 3"/>
           <p:cNvSpPr>
             <a:spLocks noGrp="1"/>
           </p:cNvSpPr>
@@ -701,7 +670,6 @@
           <a:p>
             <a:fld id="{DF4DEC76-B1CC-4BD2-B293-05E0B687F717}" type="datetimeFigureOut">
               <a:rPr lang="zh-CN" altLang="en-US" smtClean="0"/>
-              <a:t>2020/9/19</a:t>
             </a:fld>
             <a:endParaRPr lang="zh-CN" altLang="en-US"/>
           </a:p>
@@ -709,13 +677,7 @@
       </p:sp>
       <p:sp>
         <p:nvSpPr>
-          <p:cNvPr id="5" name="Footer Placeholder 4">
-            <a:extLst>
-              <a:ext uri="{FF2B5EF4-FFF2-40B4-BE49-F238E27FC236}">
-                <a16:creationId xmlns:a16="http://schemas.microsoft.com/office/drawing/2014/main" id="{C8E9B765-2B27-46D1-9430-41231C0A20F0}"/>
-              </a:ext>
-            </a:extLst>
-          </p:cNvPr>
+          <p:cNvPr id="5" name="Footer Placeholder 4"/>
           <p:cNvSpPr>
             <a:spLocks noGrp="1"/>
           </p:cNvSpPr>
@@ -734,13 +696,7 @@
       </p:sp>
       <p:sp>
         <p:nvSpPr>
-          <p:cNvPr id="6" name="Slide Number Placeholder 5">
-            <a:extLst>
-              <a:ext uri="{FF2B5EF4-FFF2-40B4-BE49-F238E27FC236}">
-                <a16:creationId xmlns:a16="http://schemas.microsoft.com/office/drawing/2014/main" id="{2DF34FB1-A289-4343-BA30-3073E59B88CE}"/>
-              </a:ext>
-            </a:extLst>
-          </p:cNvPr>
+          <p:cNvPr id="6" name="Slide Number Placeholder 5"/>
           <p:cNvSpPr>
             <a:spLocks noGrp="1"/>
           </p:cNvSpPr>
@@ -755,18 +711,12 @@
           <a:p>
             <a:fld id="{BB013D27-52A3-4CBA-B800-970E6E57AE67}" type="slidenum">
               <a:rPr lang="zh-CN" altLang="en-US" smtClean="0"/>
-              <a:t>‹#›</a:t>
             </a:fld>
             <a:endParaRPr lang="zh-CN" altLang="en-US"/>
           </a:p>
         </p:txBody>
       </p:sp>
     </p:spTree>
-    <p:extLst>
-      <p:ext uri="{BB962C8B-B14F-4D97-AF65-F5344CB8AC3E}">
-        <p14:creationId xmlns:p14="http://schemas.microsoft.com/office/powerpoint/2010/main" val="391693688"/>
-      </p:ext>
-    </p:extLst>
   </p:cSld>
   <p:clrMapOvr>
     <a:masterClrMapping/>
@@ -793,13 +743,7 @@
       </p:grpSpPr>
       <p:sp>
         <p:nvSpPr>
-          <p:cNvPr id="2" name="Title 1">
-            <a:extLst>
-              <a:ext uri="{FF2B5EF4-FFF2-40B4-BE49-F238E27FC236}">
-                <a16:creationId xmlns:a16="http://schemas.microsoft.com/office/drawing/2014/main" id="{B651184F-9A13-4D9C-BE9E-923719D9CFD8}"/>
-              </a:ext>
-            </a:extLst>
-          </p:cNvPr>
+          <p:cNvPr id="2" name="Title 1"/>
           <p:cNvSpPr>
             <a:spLocks noGrp="1"/>
           </p:cNvSpPr>
@@ -822,13 +766,7 @@
       </p:sp>
       <p:sp>
         <p:nvSpPr>
-          <p:cNvPr id="3" name="Vertical Text Placeholder 2">
-            <a:extLst>
-              <a:ext uri="{FF2B5EF4-FFF2-40B4-BE49-F238E27FC236}">
-                <a16:creationId xmlns:a16="http://schemas.microsoft.com/office/drawing/2014/main" id="{5C27A858-5F6F-4F85-AB73-3A45F035CAF7}"/>
-              </a:ext>
-            </a:extLst>
-          </p:cNvPr>
+          <p:cNvPr id="3" name="Vertical Text Placeholder 2"/>
           <p:cNvSpPr>
             <a:spLocks noGrp="1"/>
           </p:cNvSpPr>
@@ -846,6 +784,7 @@
               <a:rPr lang="en-US" altLang="zh-CN"/>
               <a:t>Click to edit Master text styles</a:t>
             </a:r>
+            <a:endParaRPr lang="en-US" altLang="zh-CN"/>
           </a:p>
           <a:p>
             <a:pPr lvl="1"/>
@@ -853,6 +792,7 @@
               <a:rPr lang="en-US" altLang="zh-CN"/>
               <a:t>Second level</a:t>
             </a:r>
+            <a:endParaRPr lang="en-US" altLang="zh-CN"/>
           </a:p>
           <a:p>
             <a:pPr lvl="2"/>
@@ -860,6 +800,7 @@
               <a:rPr lang="en-US" altLang="zh-CN"/>
               <a:t>Third level</a:t>
             </a:r>
+            <a:endParaRPr lang="en-US" altLang="zh-CN"/>
           </a:p>
           <a:p>
             <a:pPr lvl="3"/>
@@ -867,6 +808,7 @@
               <a:rPr lang="en-US" altLang="zh-CN"/>
               <a:t>Fourth level</a:t>
             </a:r>
+            <a:endParaRPr lang="en-US" altLang="zh-CN"/>
           </a:p>
           <a:p>
             <a:pPr lvl="4"/>
@@ -880,13 +822,7 @@
       </p:sp>
       <p:sp>
         <p:nvSpPr>
-          <p:cNvPr id="4" name="Date Placeholder 3">
-            <a:extLst>
-              <a:ext uri="{FF2B5EF4-FFF2-40B4-BE49-F238E27FC236}">
-                <a16:creationId xmlns:a16="http://schemas.microsoft.com/office/drawing/2014/main" id="{7F3611DE-A566-4672-BED6-4567A8A3BF42}"/>
-              </a:ext>
-            </a:extLst>
-          </p:cNvPr>
+          <p:cNvPr id="4" name="Date Placeholder 3"/>
           <p:cNvSpPr>
             <a:spLocks noGrp="1"/>
           </p:cNvSpPr>
@@ -901,7 +837,6 @@
           <a:p>
             <a:fld id="{DF4DEC76-B1CC-4BD2-B293-05E0B687F717}" type="datetimeFigureOut">
               <a:rPr lang="zh-CN" altLang="en-US" smtClean="0"/>
-              <a:t>2020/9/19</a:t>
             </a:fld>
             <a:endParaRPr lang="zh-CN" altLang="en-US"/>
           </a:p>
@@ -909,13 +844,7 @@
       </p:sp>
       <p:sp>
         <p:nvSpPr>
-          <p:cNvPr id="5" name="Footer Placeholder 4">
-            <a:extLst>
-              <a:ext uri="{FF2B5EF4-FFF2-40B4-BE49-F238E27FC236}">
-                <a16:creationId xmlns:a16="http://schemas.microsoft.com/office/drawing/2014/main" id="{523A3F38-765C-427B-8795-280BC8D9BA19}"/>
-              </a:ext>
-            </a:extLst>
-          </p:cNvPr>
+          <p:cNvPr id="5" name="Footer Placeholder 4"/>
           <p:cNvSpPr>
             <a:spLocks noGrp="1"/>
           </p:cNvSpPr>
@@ -934,13 +863,7 @@
       </p:sp>
       <p:sp>
         <p:nvSpPr>
-          <p:cNvPr id="6" name="Slide Number Placeholder 5">
-            <a:extLst>
-              <a:ext uri="{FF2B5EF4-FFF2-40B4-BE49-F238E27FC236}">
-                <a16:creationId xmlns:a16="http://schemas.microsoft.com/office/drawing/2014/main" id="{04366B21-9529-4836-B9A5-335B39C079EE}"/>
-              </a:ext>
-            </a:extLst>
-          </p:cNvPr>
+          <p:cNvPr id="6" name="Slide Number Placeholder 5"/>
           <p:cNvSpPr>
             <a:spLocks noGrp="1"/>
           </p:cNvSpPr>
@@ -955,18 +878,12 @@
           <a:p>
             <a:fld id="{BB013D27-52A3-4CBA-B800-970E6E57AE67}" type="slidenum">
               <a:rPr lang="zh-CN" altLang="en-US" smtClean="0"/>
-              <a:t>‹#›</a:t>
             </a:fld>
             <a:endParaRPr lang="zh-CN" altLang="en-US"/>
           </a:p>
         </p:txBody>
       </p:sp>
     </p:spTree>
-    <p:extLst>
-      <p:ext uri="{BB962C8B-B14F-4D97-AF65-F5344CB8AC3E}">
-        <p14:creationId xmlns:p14="http://schemas.microsoft.com/office/powerpoint/2010/main" val="3181936438"/>
-      </p:ext>
-    </p:extLst>
   </p:cSld>
   <p:clrMapOvr>
     <a:masterClrMapping/>
@@ -993,13 +910,7 @@
       </p:grpSpPr>
       <p:sp>
         <p:nvSpPr>
-          <p:cNvPr id="2" name="Vertical Title 1">
-            <a:extLst>
-              <a:ext uri="{FF2B5EF4-FFF2-40B4-BE49-F238E27FC236}">
-                <a16:creationId xmlns:a16="http://schemas.microsoft.com/office/drawing/2014/main" id="{16B29336-EC82-40C1-B8F3-7D3B59F7E274}"/>
-              </a:ext>
-            </a:extLst>
-          </p:cNvPr>
+          <p:cNvPr id="2" name="Vertical Title 1"/>
           <p:cNvSpPr>
             <a:spLocks noGrp="1"/>
           </p:cNvSpPr>
@@ -1027,13 +938,7 @@
       </p:sp>
       <p:sp>
         <p:nvSpPr>
-          <p:cNvPr id="3" name="Vertical Text Placeholder 2">
-            <a:extLst>
-              <a:ext uri="{FF2B5EF4-FFF2-40B4-BE49-F238E27FC236}">
-                <a16:creationId xmlns:a16="http://schemas.microsoft.com/office/drawing/2014/main" id="{9C5FA3F2-D158-4061-B143-E416DAE925C9}"/>
-              </a:ext>
-            </a:extLst>
-          </p:cNvPr>
+          <p:cNvPr id="3" name="Vertical Text Placeholder 2"/>
           <p:cNvSpPr>
             <a:spLocks noGrp="1"/>
           </p:cNvSpPr>
@@ -1056,6 +961,7 @@
               <a:rPr lang="en-US" altLang="zh-CN"/>
               <a:t>Click to edit Master text styles</a:t>
             </a:r>
+            <a:endParaRPr lang="en-US" altLang="zh-CN"/>
           </a:p>
           <a:p>
             <a:pPr lvl="1"/>
@@ -1063,6 +969,7 @@
               <a:rPr lang="en-US" altLang="zh-CN"/>
               <a:t>Second level</a:t>
             </a:r>
+            <a:endParaRPr lang="en-US" altLang="zh-CN"/>
           </a:p>
           <a:p>
             <a:pPr lvl="2"/>
@@ -1070,6 +977,7 @@
               <a:rPr lang="en-US" altLang="zh-CN"/>
               <a:t>Third level</a:t>
             </a:r>
+            <a:endParaRPr lang="en-US" altLang="zh-CN"/>
           </a:p>
           <a:p>
             <a:pPr lvl="3"/>
@@ -1077,6 +985,7 @@
               <a:rPr lang="en-US" altLang="zh-CN"/>
               <a:t>Fourth level</a:t>
             </a:r>
+            <a:endParaRPr lang="en-US" altLang="zh-CN"/>
           </a:p>
           <a:p>
             <a:pPr lvl="4"/>
@@ -1090,13 +999,7 @@
       </p:sp>
       <p:sp>
         <p:nvSpPr>
-          <p:cNvPr id="4" name="Date Placeholder 3">
-            <a:extLst>
-              <a:ext uri="{FF2B5EF4-FFF2-40B4-BE49-F238E27FC236}">
-                <a16:creationId xmlns:a16="http://schemas.microsoft.com/office/drawing/2014/main" id="{6105B6AD-9F6A-4CDF-ADC7-D011D5E2B948}"/>
-              </a:ext>
-            </a:extLst>
-          </p:cNvPr>
+          <p:cNvPr id="4" name="Date Placeholder 3"/>
           <p:cNvSpPr>
             <a:spLocks noGrp="1"/>
           </p:cNvSpPr>
@@ -1111,7 +1014,6 @@
           <a:p>
             <a:fld id="{DF4DEC76-B1CC-4BD2-B293-05E0B687F717}" type="datetimeFigureOut">
               <a:rPr lang="zh-CN" altLang="en-US" smtClean="0"/>
-              <a:t>2020/9/19</a:t>
             </a:fld>
             <a:endParaRPr lang="zh-CN" altLang="en-US"/>
           </a:p>
@@ -1119,13 +1021,7 @@
       </p:sp>
       <p:sp>
         <p:nvSpPr>
-          <p:cNvPr id="5" name="Footer Placeholder 4">
-            <a:extLst>
-              <a:ext uri="{FF2B5EF4-FFF2-40B4-BE49-F238E27FC236}">
-                <a16:creationId xmlns:a16="http://schemas.microsoft.com/office/drawing/2014/main" id="{C84569B9-CCE2-4056-92DF-1DB856D4D2B1}"/>
-              </a:ext>
-            </a:extLst>
-          </p:cNvPr>
+          <p:cNvPr id="5" name="Footer Placeholder 4"/>
           <p:cNvSpPr>
             <a:spLocks noGrp="1"/>
           </p:cNvSpPr>
@@ -1144,13 +1040,7 @@
       </p:sp>
       <p:sp>
         <p:nvSpPr>
-          <p:cNvPr id="6" name="Slide Number Placeholder 5">
-            <a:extLst>
-              <a:ext uri="{FF2B5EF4-FFF2-40B4-BE49-F238E27FC236}">
-                <a16:creationId xmlns:a16="http://schemas.microsoft.com/office/drawing/2014/main" id="{48CC64FD-33DE-4021-A908-110220D9CB27}"/>
-              </a:ext>
-            </a:extLst>
-          </p:cNvPr>
+          <p:cNvPr id="6" name="Slide Number Placeholder 5"/>
           <p:cNvSpPr>
             <a:spLocks noGrp="1"/>
           </p:cNvSpPr>
@@ -1165,18 +1055,12 @@
           <a:p>
             <a:fld id="{BB013D27-52A3-4CBA-B800-970E6E57AE67}" type="slidenum">
               <a:rPr lang="zh-CN" altLang="en-US" smtClean="0"/>
-              <a:t>‹#›</a:t>
             </a:fld>
             <a:endParaRPr lang="zh-CN" altLang="en-US"/>
           </a:p>
         </p:txBody>
       </p:sp>
     </p:spTree>
-    <p:extLst>
-      <p:ext uri="{BB962C8B-B14F-4D97-AF65-F5344CB8AC3E}">
-        <p14:creationId xmlns:p14="http://schemas.microsoft.com/office/powerpoint/2010/main" val="1907487934"/>
-      </p:ext>
-    </p:extLst>
   </p:cSld>
   <p:clrMapOvr>
     <a:masterClrMapping/>
@@ -1203,13 +1087,7 @@
       </p:grpSpPr>
       <p:sp>
         <p:nvSpPr>
-          <p:cNvPr id="2" name="Title 1">
-            <a:extLst>
-              <a:ext uri="{FF2B5EF4-FFF2-40B4-BE49-F238E27FC236}">
-                <a16:creationId xmlns:a16="http://schemas.microsoft.com/office/drawing/2014/main" id="{B317EE57-66AA-4894-8A0B-408713A432A8}"/>
-              </a:ext>
-            </a:extLst>
-          </p:cNvPr>
+          <p:cNvPr id="2" name="Title 1"/>
           <p:cNvSpPr>
             <a:spLocks noGrp="1"/>
           </p:cNvSpPr>
@@ -1232,13 +1110,7 @@
       </p:sp>
       <p:sp>
         <p:nvSpPr>
-          <p:cNvPr id="3" name="Content Placeholder 2">
-            <a:extLst>
-              <a:ext uri="{FF2B5EF4-FFF2-40B4-BE49-F238E27FC236}">
-                <a16:creationId xmlns:a16="http://schemas.microsoft.com/office/drawing/2014/main" id="{1F8AD044-ABA2-42AF-B067-9FBDA656CE79}"/>
-              </a:ext>
-            </a:extLst>
-          </p:cNvPr>
+          <p:cNvPr id="3" name="Content Placeholder 2"/>
           <p:cNvSpPr>
             <a:spLocks noGrp="1"/>
           </p:cNvSpPr>
@@ -1256,6 +1128,7 @@
               <a:rPr lang="en-US" altLang="zh-CN"/>
               <a:t>Click to edit Master text styles</a:t>
             </a:r>
+            <a:endParaRPr lang="en-US" altLang="zh-CN"/>
           </a:p>
           <a:p>
             <a:pPr lvl="1"/>
@@ -1263,6 +1136,7 @@
               <a:rPr lang="en-US" altLang="zh-CN"/>
               <a:t>Second level</a:t>
             </a:r>
+            <a:endParaRPr lang="en-US" altLang="zh-CN"/>
           </a:p>
           <a:p>
             <a:pPr lvl="2"/>
@@ -1270,6 +1144,7 @@
               <a:rPr lang="en-US" altLang="zh-CN"/>
               <a:t>Third level</a:t>
             </a:r>
+            <a:endParaRPr lang="en-US" altLang="zh-CN"/>
           </a:p>
           <a:p>
             <a:pPr lvl="3"/>
@@ -1277,6 +1152,7 @@
               <a:rPr lang="en-US" altLang="zh-CN"/>
               <a:t>Fourth level</a:t>
             </a:r>
+            <a:endParaRPr lang="en-US" altLang="zh-CN"/>
           </a:p>
           <a:p>
             <a:pPr lvl="4"/>
@@ -1290,13 +1166,7 @@
       </p:sp>
       <p:sp>
         <p:nvSpPr>
-          <p:cNvPr id="4" name="Date Placeholder 3">
-            <a:extLst>
-              <a:ext uri="{FF2B5EF4-FFF2-40B4-BE49-F238E27FC236}">
-                <a16:creationId xmlns:a16="http://schemas.microsoft.com/office/drawing/2014/main" id="{A44758AA-233D-4D8A-8126-14E6B53CD966}"/>
-              </a:ext>
-            </a:extLst>
-          </p:cNvPr>
+          <p:cNvPr id="4" name="Date Placeholder 3"/>
           <p:cNvSpPr>
             <a:spLocks noGrp="1"/>
           </p:cNvSpPr>
@@ -1311,7 +1181,6 @@
           <a:p>
             <a:fld id="{DF4DEC76-B1CC-4BD2-B293-05E0B687F717}" type="datetimeFigureOut">
               <a:rPr lang="zh-CN" altLang="en-US" smtClean="0"/>
-              <a:t>2020/9/19</a:t>
             </a:fld>
             <a:endParaRPr lang="zh-CN" altLang="en-US"/>
           </a:p>
@@ -1319,13 +1188,7 @@
       </p:sp>
       <p:sp>
         <p:nvSpPr>
-          <p:cNvPr id="5" name="Footer Placeholder 4">
-            <a:extLst>
-              <a:ext uri="{FF2B5EF4-FFF2-40B4-BE49-F238E27FC236}">
-                <a16:creationId xmlns:a16="http://schemas.microsoft.com/office/drawing/2014/main" id="{1254E606-33AA-44C9-AC05-75EFDB638E7E}"/>
-              </a:ext>
-            </a:extLst>
-          </p:cNvPr>
+          <p:cNvPr id="5" name="Footer Placeholder 4"/>
           <p:cNvSpPr>
             <a:spLocks noGrp="1"/>
           </p:cNvSpPr>
@@ -1344,13 +1207,7 @@
       </p:sp>
       <p:sp>
         <p:nvSpPr>
-          <p:cNvPr id="6" name="Slide Number Placeholder 5">
-            <a:extLst>
-              <a:ext uri="{FF2B5EF4-FFF2-40B4-BE49-F238E27FC236}">
-                <a16:creationId xmlns:a16="http://schemas.microsoft.com/office/drawing/2014/main" id="{9EE0F810-8295-41E8-887C-B47BA5FD738B}"/>
-              </a:ext>
-            </a:extLst>
-          </p:cNvPr>
+          <p:cNvPr id="6" name="Slide Number Placeholder 5"/>
           <p:cNvSpPr>
             <a:spLocks noGrp="1"/>
           </p:cNvSpPr>
@@ -1365,18 +1222,12 @@
           <a:p>
             <a:fld id="{BB013D27-52A3-4CBA-B800-970E6E57AE67}" type="slidenum">
               <a:rPr lang="zh-CN" altLang="en-US" smtClean="0"/>
-              <a:t>‹#›</a:t>
             </a:fld>
             <a:endParaRPr lang="zh-CN" altLang="en-US"/>
           </a:p>
         </p:txBody>
       </p:sp>
     </p:spTree>
-    <p:extLst>
-      <p:ext uri="{BB962C8B-B14F-4D97-AF65-F5344CB8AC3E}">
-        <p14:creationId xmlns:p14="http://schemas.microsoft.com/office/powerpoint/2010/main" val="4161251882"/>
-      </p:ext>
-    </p:extLst>
   </p:cSld>
   <p:clrMapOvr>
     <a:masterClrMapping/>
@@ -1403,13 +1254,7 @@
       </p:grpSpPr>
       <p:sp>
         <p:nvSpPr>
-          <p:cNvPr id="2" name="Title 1">
-            <a:extLst>
-              <a:ext uri="{FF2B5EF4-FFF2-40B4-BE49-F238E27FC236}">
-                <a16:creationId xmlns:a16="http://schemas.microsoft.com/office/drawing/2014/main" id="{CFE73ECD-E0BB-4D68-8683-E6B2225B2466}"/>
-              </a:ext>
-            </a:extLst>
-          </p:cNvPr>
+          <p:cNvPr id="2" name="Title 1"/>
           <p:cNvSpPr>
             <a:spLocks noGrp="1"/>
           </p:cNvSpPr>
@@ -1441,13 +1286,7 @@
       </p:sp>
       <p:sp>
         <p:nvSpPr>
-          <p:cNvPr id="3" name="Text Placeholder 2">
-            <a:extLst>
-              <a:ext uri="{FF2B5EF4-FFF2-40B4-BE49-F238E27FC236}">
-                <a16:creationId xmlns:a16="http://schemas.microsoft.com/office/drawing/2014/main" id="{C6F57825-C3CE-427A-851E-4654F569B8D5}"/>
-              </a:ext>
-            </a:extLst>
-          </p:cNvPr>
+          <p:cNvPr id="3" name="Text Placeholder 2"/>
           <p:cNvSpPr>
             <a:spLocks noGrp="1"/>
           </p:cNvSpPr>
@@ -1561,18 +1400,13 @@
               <a:rPr lang="en-US" altLang="zh-CN"/>
               <a:t>Click to edit Master text styles</a:t>
             </a:r>
+            <a:endParaRPr lang="en-US" altLang="zh-CN"/>
           </a:p>
         </p:txBody>
       </p:sp>
       <p:sp>
         <p:nvSpPr>
-          <p:cNvPr id="4" name="Date Placeholder 3">
-            <a:extLst>
-              <a:ext uri="{FF2B5EF4-FFF2-40B4-BE49-F238E27FC236}">
-                <a16:creationId xmlns:a16="http://schemas.microsoft.com/office/drawing/2014/main" id="{918A728A-593C-41A6-9E81-B96EE1DBE504}"/>
-              </a:ext>
-            </a:extLst>
-          </p:cNvPr>
+          <p:cNvPr id="4" name="Date Placeholder 3"/>
           <p:cNvSpPr>
             <a:spLocks noGrp="1"/>
           </p:cNvSpPr>
@@ -1587,7 +1421,6 @@
           <a:p>
             <a:fld id="{DF4DEC76-B1CC-4BD2-B293-05E0B687F717}" type="datetimeFigureOut">
               <a:rPr lang="zh-CN" altLang="en-US" smtClean="0"/>
-              <a:t>2020/9/19</a:t>
             </a:fld>
             <a:endParaRPr lang="zh-CN" altLang="en-US"/>
           </a:p>
@@ -1595,13 +1428,7 @@
       </p:sp>
       <p:sp>
         <p:nvSpPr>
-          <p:cNvPr id="5" name="Footer Placeholder 4">
-            <a:extLst>
-              <a:ext uri="{FF2B5EF4-FFF2-40B4-BE49-F238E27FC236}">
-                <a16:creationId xmlns:a16="http://schemas.microsoft.com/office/drawing/2014/main" id="{8672F6AD-EDDA-48CC-B41C-A3C432083813}"/>
-              </a:ext>
-            </a:extLst>
-          </p:cNvPr>
+          <p:cNvPr id="5" name="Footer Placeholder 4"/>
           <p:cNvSpPr>
             <a:spLocks noGrp="1"/>
           </p:cNvSpPr>
@@ -1620,13 +1447,7 @@
       </p:sp>
       <p:sp>
         <p:nvSpPr>
-          <p:cNvPr id="6" name="Slide Number Placeholder 5">
-            <a:extLst>
-              <a:ext uri="{FF2B5EF4-FFF2-40B4-BE49-F238E27FC236}">
-                <a16:creationId xmlns:a16="http://schemas.microsoft.com/office/drawing/2014/main" id="{5DB82EB0-BE04-47AD-81DE-454F36263F4F}"/>
-              </a:ext>
-            </a:extLst>
-          </p:cNvPr>
+          <p:cNvPr id="6" name="Slide Number Placeholder 5"/>
           <p:cNvSpPr>
             <a:spLocks noGrp="1"/>
           </p:cNvSpPr>
@@ -1641,18 +1462,12 @@
           <a:p>
             <a:fld id="{BB013D27-52A3-4CBA-B800-970E6E57AE67}" type="slidenum">
               <a:rPr lang="zh-CN" altLang="en-US" smtClean="0"/>
-              <a:t>‹#›</a:t>
             </a:fld>
             <a:endParaRPr lang="zh-CN" altLang="en-US"/>
           </a:p>
         </p:txBody>
       </p:sp>
     </p:spTree>
-    <p:extLst>
-      <p:ext uri="{BB962C8B-B14F-4D97-AF65-F5344CB8AC3E}">
-        <p14:creationId xmlns:p14="http://schemas.microsoft.com/office/powerpoint/2010/main" val="701715930"/>
-      </p:ext>
-    </p:extLst>
   </p:cSld>
   <p:clrMapOvr>
     <a:masterClrMapping/>
@@ -1679,13 +1494,7 @@
       </p:grpSpPr>
       <p:sp>
         <p:nvSpPr>
-          <p:cNvPr id="2" name="Title 1">
-            <a:extLst>
-              <a:ext uri="{FF2B5EF4-FFF2-40B4-BE49-F238E27FC236}">
-                <a16:creationId xmlns:a16="http://schemas.microsoft.com/office/drawing/2014/main" id="{1068B0D8-59ED-4124-8221-4C0F5410A3DF}"/>
-              </a:ext>
-            </a:extLst>
-          </p:cNvPr>
+          <p:cNvPr id="2" name="Title 1"/>
           <p:cNvSpPr>
             <a:spLocks noGrp="1"/>
           </p:cNvSpPr>
@@ -1708,13 +1517,7 @@
       </p:sp>
       <p:sp>
         <p:nvSpPr>
-          <p:cNvPr id="3" name="Content Placeholder 2">
-            <a:extLst>
-              <a:ext uri="{FF2B5EF4-FFF2-40B4-BE49-F238E27FC236}">
-                <a16:creationId xmlns:a16="http://schemas.microsoft.com/office/drawing/2014/main" id="{DB29B843-8A5F-4A4A-809B-9C49393AF6C4}"/>
-              </a:ext>
-            </a:extLst>
-          </p:cNvPr>
+          <p:cNvPr id="3" name="Content Placeholder 2"/>
           <p:cNvSpPr>
             <a:spLocks noGrp="1"/>
           </p:cNvSpPr>
@@ -1737,6 +1540,7 @@
               <a:rPr lang="en-US" altLang="zh-CN"/>
               <a:t>Click to edit Master text styles</a:t>
             </a:r>
+            <a:endParaRPr lang="en-US" altLang="zh-CN"/>
           </a:p>
           <a:p>
             <a:pPr lvl="1"/>
@@ -1744,6 +1548,7 @@
               <a:rPr lang="en-US" altLang="zh-CN"/>
               <a:t>Second level</a:t>
             </a:r>
+            <a:endParaRPr lang="en-US" altLang="zh-CN"/>
           </a:p>
           <a:p>
             <a:pPr lvl="2"/>
@@ -1751,6 +1556,7 @@
               <a:rPr lang="en-US" altLang="zh-CN"/>
               <a:t>Third level</a:t>
             </a:r>
+            <a:endParaRPr lang="en-US" altLang="zh-CN"/>
           </a:p>
           <a:p>
             <a:pPr lvl="3"/>
@@ -1758,6 +1564,7 @@
               <a:rPr lang="en-US" altLang="zh-CN"/>
               <a:t>Fourth level</a:t>
             </a:r>
+            <a:endParaRPr lang="en-US" altLang="zh-CN"/>
           </a:p>
           <a:p>
             <a:pPr lvl="4"/>
@@ -1771,13 +1578,7 @@
       </p:sp>
       <p:sp>
         <p:nvSpPr>
-          <p:cNvPr id="4" name="Content Placeholder 3">
-            <a:extLst>
-              <a:ext uri="{FF2B5EF4-FFF2-40B4-BE49-F238E27FC236}">
-                <a16:creationId xmlns:a16="http://schemas.microsoft.com/office/drawing/2014/main" id="{E9A9260B-4F8F-4CD4-BF8E-F7A464C82F80}"/>
-              </a:ext>
-            </a:extLst>
-          </p:cNvPr>
+          <p:cNvPr id="4" name="Content Placeholder 3"/>
           <p:cNvSpPr>
             <a:spLocks noGrp="1"/>
           </p:cNvSpPr>
@@ -1800,6 +1601,7 @@
               <a:rPr lang="en-US" altLang="zh-CN"/>
               <a:t>Click to edit Master text styles</a:t>
             </a:r>
+            <a:endParaRPr lang="en-US" altLang="zh-CN"/>
           </a:p>
           <a:p>
             <a:pPr lvl="1"/>
@@ -1807,6 +1609,7 @@
               <a:rPr lang="en-US" altLang="zh-CN"/>
               <a:t>Second level</a:t>
             </a:r>
+            <a:endParaRPr lang="en-US" altLang="zh-CN"/>
           </a:p>
           <a:p>
             <a:pPr lvl="2"/>
@@ -1814,6 +1617,7 @@
               <a:rPr lang="en-US" altLang="zh-CN"/>
               <a:t>Third level</a:t>
             </a:r>
+            <a:endParaRPr lang="en-US" altLang="zh-CN"/>
           </a:p>
           <a:p>
             <a:pPr lvl="3"/>
@@ -1821,6 +1625,7 @@
               <a:rPr lang="en-US" altLang="zh-CN"/>
               <a:t>Fourth level</a:t>
             </a:r>
+            <a:endParaRPr lang="en-US" altLang="zh-CN"/>
           </a:p>
           <a:p>
             <a:pPr lvl="4"/>
@@ -1834,13 +1639,7 @@
       </p:sp>
       <p:sp>
         <p:nvSpPr>
-          <p:cNvPr id="5" name="Date Placeholder 4">
-            <a:extLst>
-              <a:ext uri="{FF2B5EF4-FFF2-40B4-BE49-F238E27FC236}">
-                <a16:creationId xmlns:a16="http://schemas.microsoft.com/office/drawing/2014/main" id="{71BD234E-D3D6-4F3C-871F-D076B9F04EC8}"/>
-              </a:ext>
-            </a:extLst>
-          </p:cNvPr>
+          <p:cNvPr id="5" name="Date Placeholder 4"/>
           <p:cNvSpPr>
             <a:spLocks noGrp="1"/>
           </p:cNvSpPr>
@@ -1855,7 +1654,6 @@
           <a:p>
             <a:fld id="{DF4DEC76-B1CC-4BD2-B293-05E0B687F717}" type="datetimeFigureOut">
               <a:rPr lang="zh-CN" altLang="en-US" smtClean="0"/>
-              <a:t>2020/9/19</a:t>
             </a:fld>
             <a:endParaRPr lang="zh-CN" altLang="en-US"/>
           </a:p>
@@ -1863,13 +1661,7 @@
       </p:sp>
       <p:sp>
         <p:nvSpPr>
-          <p:cNvPr id="6" name="Footer Placeholder 5">
-            <a:extLst>
-              <a:ext uri="{FF2B5EF4-FFF2-40B4-BE49-F238E27FC236}">
-                <a16:creationId xmlns:a16="http://schemas.microsoft.com/office/drawing/2014/main" id="{C63CC093-BF66-48F1-93A5-1A1AC3BBA6FE}"/>
-              </a:ext>
-            </a:extLst>
-          </p:cNvPr>
+          <p:cNvPr id="6" name="Footer Placeholder 5"/>
           <p:cNvSpPr>
             <a:spLocks noGrp="1"/>
           </p:cNvSpPr>
@@ -1888,13 +1680,7 @@
       </p:sp>
       <p:sp>
         <p:nvSpPr>
-          <p:cNvPr id="7" name="Slide Number Placeholder 6">
-            <a:extLst>
-              <a:ext uri="{FF2B5EF4-FFF2-40B4-BE49-F238E27FC236}">
-                <a16:creationId xmlns:a16="http://schemas.microsoft.com/office/drawing/2014/main" id="{49361EAC-E092-4D0B-A560-23379A1BAD24}"/>
-              </a:ext>
-            </a:extLst>
-          </p:cNvPr>
+          <p:cNvPr id="7" name="Slide Number Placeholder 6"/>
           <p:cNvSpPr>
             <a:spLocks noGrp="1"/>
           </p:cNvSpPr>
@@ -1909,18 +1695,12 @@
           <a:p>
             <a:fld id="{BB013D27-52A3-4CBA-B800-970E6E57AE67}" type="slidenum">
               <a:rPr lang="zh-CN" altLang="en-US" smtClean="0"/>
-              <a:t>‹#›</a:t>
             </a:fld>
             <a:endParaRPr lang="zh-CN" altLang="en-US"/>
           </a:p>
         </p:txBody>
       </p:sp>
     </p:spTree>
-    <p:extLst>
-      <p:ext uri="{BB962C8B-B14F-4D97-AF65-F5344CB8AC3E}">
-        <p14:creationId xmlns:p14="http://schemas.microsoft.com/office/powerpoint/2010/main" val="941847164"/>
-      </p:ext>
-    </p:extLst>
   </p:cSld>
   <p:clrMapOvr>
     <a:masterClrMapping/>
@@ -1947,13 +1727,7 @@
       </p:grpSpPr>
       <p:sp>
         <p:nvSpPr>
-          <p:cNvPr id="2" name="Title 1">
-            <a:extLst>
-              <a:ext uri="{FF2B5EF4-FFF2-40B4-BE49-F238E27FC236}">
-                <a16:creationId xmlns:a16="http://schemas.microsoft.com/office/drawing/2014/main" id="{875EB1D7-BADE-4276-A593-F2641BAE2C44}"/>
-              </a:ext>
-            </a:extLst>
-          </p:cNvPr>
+          <p:cNvPr id="2" name="Title 1"/>
           <p:cNvSpPr>
             <a:spLocks noGrp="1"/>
           </p:cNvSpPr>
@@ -1981,13 +1755,7 @@
       </p:sp>
       <p:sp>
         <p:nvSpPr>
-          <p:cNvPr id="3" name="Text Placeholder 2">
-            <a:extLst>
-              <a:ext uri="{FF2B5EF4-FFF2-40B4-BE49-F238E27FC236}">
-                <a16:creationId xmlns:a16="http://schemas.microsoft.com/office/drawing/2014/main" id="{E1F53F5C-30B4-4A4A-BF44-9F37D77A940D}"/>
-              </a:ext>
-            </a:extLst>
-          </p:cNvPr>
+          <p:cNvPr id="3" name="Text Placeholder 2"/>
           <p:cNvSpPr>
             <a:spLocks noGrp="1"/>
           </p:cNvSpPr>
@@ -2047,18 +1815,13 @@
               <a:rPr lang="en-US" altLang="zh-CN"/>
               <a:t>Click to edit Master text styles</a:t>
             </a:r>
+            <a:endParaRPr lang="en-US" altLang="zh-CN"/>
           </a:p>
         </p:txBody>
       </p:sp>
       <p:sp>
         <p:nvSpPr>
-          <p:cNvPr id="4" name="Content Placeholder 3">
-            <a:extLst>
-              <a:ext uri="{FF2B5EF4-FFF2-40B4-BE49-F238E27FC236}">
-                <a16:creationId xmlns:a16="http://schemas.microsoft.com/office/drawing/2014/main" id="{E63400BA-AB68-4190-8BE9-1E028DC92374}"/>
-              </a:ext>
-            </a:extLst>
-          </p:cNvPr>
+          <p:cNvPr id="4" name="Content Placeholder 3"/>
           <p:cNvSpPr>
             <a:spLocks noGrp="1"/>
           </p:cNvSpPr>
@@ -2081,6 +1844,7 @@
               <a:rPr lang="en-US" altLang="zh-CN"/>
               <a:t>Click to edit Master text styles</a:t>
             </a:r>
+            <a:endParaRPr lang="en-US" altLang="zh-CN"/>
           </a:p>
           <a:p>
             <a:pPr lvl="1"/>
@@ -2088,6 +1852,7 @@
               <a:rPr lang="en-US" altLang="zh-CN"/>
               <a:t>Second level</a:t>
             </a:r>
+            <a:endParaRPr lang="en-US" altLang="zh-CN"/>
           </a:p>
           <a:p>
             <a:pPr lvl="2"/>
@@ -2095,6 +1860,7 @@
               <a:rPr lang="en-US" altLang="zh-CN"/>
               <a:t>Third level</a:t>
             </a:r>
+            <a:endParaRPr lang="en-US" altLang="zh-CN"/>
           </a:p>
           <a:p>
             <a:pPr lvl="3"/>
@@ -2102,6 +1868,7 @@
               <a:rPr lang="en-US" altLang="zh-CN"/>
               <a:t>Fourth level</a:t>
             </a:r>
+            <a:endParaRPr lang="en-US" altLang="zh-CN"/>
           </a:p>
           <a:p>
             <a:pPr lvl="4"/>
@@ -2115,13 +1882,7 @@
       </p:sp>
       <p:sp>
         <p:nvSpPr>
-          <p:cNvPr id="5" name="Text Placeholder 4">
-            <a:extLst>
-              <a:ext uri="{FF2B5EF4-FFF2-40B4-BE49-F238E27FC236}">
-                <a16:creationId xmlns:a16="http://schemas.microsoft.com/office/drawing/2014/main" id="{E7F11483-AB00-4ADD-AFAD-67C841091371}"/>
-              </a:ext>
-            </a:extLst>
-          </p:cNvPr>
+          <p:cNvPr id="5" name="Text Placeholder 4"/>
           <p:cNvSpPr>
             <a:spLocks noGrp="1"/>
           </p:cNvSpPr>
@@ -2181,18 +1942,13 @@
               <a:rPr lang="en-US" altLang="zh-CN"/>
               <a:t>Click to edit Master text styles</a:t>
             </a:r>
+            <a:endParaRPr lang="en-US" altLang="zh-CN"/>
           </a:p>
         </p:txBody>
       </p:sp>
       <p:sp>
         <p:nvSpPr>
-          <p:cNvPr id="6" name="Content Placeholder 5">
-            <a:extLst>
-              <a:ext uri="{FF2B5EF4-FFF2-40B4-BE49-F238E27FC236}">
-                <a16:creationId xmlns:a16="http://schemas.microsoft.com/office/drawing/2014/main" id="{CD579A2C-C123-4935-BCC7-D70D76CA1522}"/>
-              </a:ext>
-            </a:extLst>
-          </p:cNvPr>
+          <p:cNvPr id="6" name="Content Placeholder 5"/>
           <p:cNvSpPr>
             <a:spLocks noGrp="1"/>
           </p:cNvSpPr>
@@ -2215,6 +1971,7 @@
               <a:rPr lang="en-US" altLang="zh-CN"/>
               <a:t>Click to edit Master text styles</a:t>
             </a:r>
+            <a:endParaRPr lang="en-US" altLang="zh-CN"/>
           </a:p>
           <a:p>
             <a:pPr lvl="1"/>
@@ -2222,6 +1979,7 @@
               <a:rPr lang="en-US" altLang="zh-CN"/>
               <a:t>Second level</a:t>
             </a:r>
+            <a:endParaRPr lang="en-US" altLang="zh-CN"/>
           </a:p>
           <a:p>
             <a:pPr lvl="2"/>
@@ -2229,6 +1987,7 @@
               <a:rPr lang="en-US" altLang="zh-CN"/>
               <a:t>Third level</a:t>
             </a:r>
+            <a:endParaRPr lang="en-US" altLang="zh-CN"/>
           </a:p>
           <a:p>
             <a:pPr lvl="3"/>
@@ -2236,6 +1995,7 @@
               <a:rPr lang="en-US" altLang="zh-CN"/>
               <a:t>Fourth level</a:t>
             </a:r>
+            <a:endParaRPr lang="en-US" altLang="zh-CN"/>
           </a:p>
           <a:p>
             <a:pPr lvl="4"/>
@@ -2249,13 +2009,7 @@
       </p:sp>
       <p:sp>
         <p:nvSpPr>
-          <p:cNvPr id="7" name="Date Placeholder 6">
-            <a:extLst>
-              <a:ext uri="{FF2B5EF4-FFF2-40B4-BE49-F238E27FC236}">
-                <a16:creationId xmlns:a16="http://schemas.microsoft.com/office/drawing/2014/main" id="{CEA45756-83DD-4BA4-8AC0-5407D9B0D940}"/>
-              </a:ext>
-            </a:extLst>
-          </p:cNvPr>
+          <p:cNvPr id="7" name="Date Placeholder 6"/>
           <p:cNvSpPr>
             <a:spLocks noGrp="1"/>
           </p:cNvSpPr>
@@ -2270,7 +2024,6 @@
           <a:p>
             <a:fld id="{DF4DEC76-B1CC-4BD2-B293-05E0B687F717}" type="datetimeFigureOut">
               <a:rPr lang="zh-CN" altLang="en-US" smtClean="0"/>
-              <a:t>2020/9/19</a:t>
             </a:fld>
             <a:endParaRPr lang="zh-CN" altLang="en-US"/>
           </a:p>
@@ -2278,13 +2031,7 @@
       </p:sp>
       <p:sp>
         <p:nvSpPr>
-          <p:cNvPr id="8" name="Footer Placeholder 7">
-            <a:extLst>
-              <a:ext uri="{FF2B5EF4-FFF2-40B4-BE49-F238E27FC236}">
-                <a16:creationId xmlns:a16="http://schemas.microsoft.com/office/drawing/2014/main" id="{819DB730-98D0-4B96-93B2-C20BE4BE4FEC}"/>
-              </a:ext>
-            </a:extLst>
-          </p:cNvPr>
+          <p:cNvPr id="8" name="Footer Placeholder 7"/>
           <p:cNvSpPr>
             <a:spLocks noGrp="1"/>
           </p:cNvSpPr>
@@ -2303,13 +2050,7 @@
       </p:sp>
       <p:sp>
         <p:nvSpPr>
-          <p:cNvPr id="9" name="Slide Number Placeholder 8">
-            <a:extLst>
-              <a:ext uri="{FF2B5EF4-FFF2-40B4-BE49-F238E27FC236}">
-                <a16:creationId xmlns:a16="http://schemas.microsoft.com/office/drawing/2014/main" id="{C525BBFE-2DBF-4A43-AAC6-179CBE0C62BE}"/>
-              </a:ext>
-            </a:extLst>
-          </p:cNvPr>
+          <p:cNvPr id="9" name="Slide Number Placeholder 8"/>
           <p:cNvSpPr>
             <a:spLocks noGrp="1"/>
           </p:cNvSpPr>
@@ -2324,18 +2065,12 @@
           <a:p>
             <a:fld id="{BB013D27-52A3-4CBA-B800-970E6E57AE67}" type="slidenum">
               <a:rPr lang="zh-CN" altLang="en-US" smtClean="0"/>
-              <a:t>‹#›</a:t>
             </a:fld>
             <a:endParaRPr lang="zh-CN" altLang="en-US"/>
           </a:p>
         </p:txBody>
       </p:sp>
     </p:spTree>
-    <p:extLst>
-      <p:ext uri="{BB962C8B-B14F-4D97-AF65-F5344CB8AC3E}">
-        <p14:creationId xmlns:p14="http://schemas.microsoft.com/office/powerpoint/2010/main" val="1205807528"/>
-      </p:ext>
-    </p:extLst>
   </p:cSld>
   <p:clrMapOvr>
     <a:masterClrMapping/>
@@ -2362,13 +2097,7 @@
       </p:grpSpPr>
       <p:sp>
         <p:nvSpPr>
-          <p:cNvPr id="2" name="Title 1">
-            <a:extLst>
-              <a:ext uri="{FF2B5EF4-FFF2-40B4-BE49-F238E27FC236}">
-                <a16:creationId xmlns:a16="http://schemas.microsoft.com/office/drawing/2014/main" id="{2A92F9A3-8C09-4101-BC2F-BD3B1F60F4E1}"/>
-              </a:ext>
-            </a:extLst>
-          </p:cNvPr>
+          <p:cNvPr id="2" name="Title 1"/>
           <p:cNvSpPr>
             <a:spLocks noGrp="1"/>
           </p:cNvSpPr>
@@ -2391,13 +2120,7 @@
       </p:sp>
       <p:sp>
         <p:nvSpPr>
-          <p:cNvPr id="3" name="Date Placeholder 2">
-            <a:extLst>
-              <a:ext uri="{FF2B5EF4-FFF2-40B4-BE49-F238E27FC236}">
-                <a16:creationId xmlns:a16="http://schemas.microsoft.com/office/drawing/2014/main" id="{0692EBBE-9675-4D88-8339-2431A2090B75}"/>
-              </a:ext>
-            </a:extLst>
-          </p:cNvPr>
+          <p:cNvPr id="3" name="Date Placeholder 2"/>
           <p:cNvSpPr>
             <a:spLocks noGrp="1"/>
           </p:cNvSpPr>
@@ -2412,7 +2135,6 @@
           <a:p>
             <a:fld id="{DF4DEC76-B1CC-4BD2-B293-05E0B687F717}" type="datetimeFigureOut">
               <a:rPr lang="zh-CN" altLang="en-US" smtClean="0"/>
-              <a:t>2020/9/19</a:t>
             </a:fld>
             <a:endParaRPr lang="zh-CN" altLang="en-US"/>
           </a:p>
@@ -2420,13 +2142,7 @@
       </p:sp>
       <p:sp>
         <p:nvSpPr>
-          <p:cNvPr id="4" name="Footer Placeholder 3">
-            <a:extLst>
-              <a:ext uri="{FF2B5EF4-FFF2-40B4-BE49-F238E27FC236}">
-                <a16:creationId xmlns:a16="http://schemas.microsoft.com/office/drawing/2014/main" id="{3E9CB5FE-8D7F-46AF-818B-507B3C330930}"/>
-              </a:ext>
-            </a:extLst>
-          </p:cNvPr>
+          <p:cNvPr id="4" name="Footer Placeholder 3"/>
           <p:cNvSpPr>
             <a:spLocks noGrp="1"/>
           </p:cNvSpPr>
@@ -2445,13 +2161,7 @@
       </p:sp>
       <p:sp>
         <p:nvSpPr>
-          <p:cNvPr id="5" name="Slide Number Placeholder 4">
-            <a:extLst>
-              <a:ext uri="{FF2B5EF4-FFF2-40B4-BE49-F238E27FC236}">
-                <a16:creationId xmlns:a16="http://schemas.microsoft.com/office/drawing/2014/main" id="{E3343400-9A02-4F2E-B7A7-866B6785D8DA}"/>
-              </a:ext>
-            </a:extLst>
-          </p:cNvPr>
+          <p:cNvPr id="5" name="Slide Number Placeholder 4"/>
           <p:cNvSpPr>
             <a:spLocks noGrp="1"/>
           </p:cNvSpPr>
@@ -2466,18 +2176,12 @@
           <a:p>
             <a:fld id="{BB013D27-52A3-4CBA-B800-970E6E57AE67}" type="slidenum">
               <a:rPr lang="zh-CN" altLang="en-US" smtClean="0"/>
-              <a:t>‹#›</a:t>
             </a:fld>
             <a:endParaRPr lang="zh-CN" altLang="en-US"/>
           </a:p>
         </p:txBody>
       </p:sp>
     </p:spTree>
-    <p:extLst>
-      <p:ext uri="{BB962C8B-B14F-4D97-AF65-F5344CB8AC3E}">
-        <p14:creationId xmlns:p14="http://schemas.microsoft.com/office/powerpoint/2010/main" val="3753862021"/>
-      </p:ext>
-    </p:extLst>
   </p:cSld>
   <p:clrMapOvr>
     <a:masterClrMapping/>
@@ -2504,13 +2208,7 @@
       </p:grpSpPr>
       <p:sp>
         <p:nvSpPr>
-          <p:cNvPr id="2" name="Date Placeholder 1">
-            <a:extLst>
-              <a:ext uri="{FF2B5EF4-FFF2-40B4-BE49-F238E27FC236}">
-                <a16:creationId xmlns:a16="http://schemas.microsoft.com/office/drawing/2014/main" id="{E0D487B2-A894-4E30-A594-8AB60CDD1E9A}"/>
-              </a:ext>
-            </a:extLst>
-          </p:cNvPr>
+          <p:cNvPr id="2" name="Date Placeholder 1"/>
           <p:cNvSpPr>
             <a:spLocks noGrp="1"/>
           </p:cNvSpPr>
@@ -2525,7 +2223,6 @@
           <a:p>
             <a:fld id="{DF4DEC76-B1CC-4BD2-B293-05E0B687F717}" type="datetimeFigureOut">
               <a:rPr lang="zh-CN" altLang="en-US" smtClean="0"/>
-              <a:t>2020/9/19</a:t>
             </a:fld>
             <a:endParaRPr lang="zh-CN" altLang="en-US"/>
           </a:p>
@@ -2533,13 +2230,7 @@
       </p:sp>
       <p:sp>
         <p:nvSpPr>
-          <p:cNvPr id="3" name="Footer Placeholder 2">
-            <a:extLst>
-              <a:ext uri="{FF2B5EF4-FFF2-40B4-BE49-F238E27FC236}">
-                <a16:creationId xmlns:a16="http://schemas.microsoft.com/office/drawing/2014/main" id="{5E6B2B2C-0E06-495A-ACB0-0DC54C217F83}"/>
-              </a:ext>
-            </a:extLst>
-          </p:cNvPr>
+          <p:cNvPr id="3" name="Footer Placeholder 2"/>
           <p:cNvSpPr>
             <a:spLocks noGrp="1"/>
           </p:cNvSpPr>
@@ -2558,13 +2249,7 @@
       </p:sp>
       <p:sp>
         <p:nvSpPr>
-          <p:cNvPr id="4" name="Slide Number Placeholder 3">
-            <a:extLst>
-              <a:ext uri="{FF2B5EF4-FFF2-40B4-BE49-F238E27FC236}">
-                <a16:creationId xmlns:a16="http://schemas.microsoft.com/office/drawing/2014/main" id="{5418EE31-C8F9-4C88-9885-1933EB7AF815}"/>
-              </a:ext>
-            </a:extLst>
-          </p:cNvPr>
+          <p:cNvPr id="4" name="Slide Number Placeholder 3"/>
           <p:cNvSpPr>
             <a:spLocks noGrp="1"/>
           </p:cNvSpPr>
@@ -2579,18 +2264,12 @@
           <a:p>
             <a:fld id="{BB013D27-52A3-4CBA-B800-970E6E57AE67}" type="slidenum">
               <a:rPr lang="zh-CN" altLang="en-US" smtClean="0"/>
-              <a:t>‹#›</a:t>
             </a:fld>
             <a:endParaRPr lang="zh-CN" altLang="en-US"/>
           </a:p>
         </p:txBody>
       </p:sp>
     </p:spTree>
-    <p:extLst>
-      <p:ext uri="{BB962C8B-B14F-4D97-AF65-F5344CB8AC3E}">
-        <p14:creationId xmlns:p14="http://schemas.microsoft.com/office/powerpoint/2010/main" val="2918647112"/>
-      </p:ext>
-    </p:extLst>
   </p:cSld>
   <p:clrMapOvr>
     <a:masterClrMapping/>
@@ -2617,13 +2296,7 @@
       </p:grpSpPr>
       <p:sp>
         <p:nvSpPr>
-          <p:cNvPr id="2" name="Title 1">
-            <a:extLst>
-              <a:ext uri="{FF2B5EF4-FFF2-40B4-BE49-F238E27FC236}">
-                <a16:creationId xmlns:a16="http://schemas.microsoft.com/office/drawing/2014/main" id="{176A756A-9CE9-4BE9-BCC3-C77BF75CCCF4}"/>
-              </a:ext>
-            </a:extLst>
-          </p:cNvPr>
+          <p:cNvPr id="2" name="Title 1"/>
           <p:cNvSpPr>
             <a:spLocks noGrp="1"/>
           </p:cNvSpPr>
@@ -2655,13 +2328,7 @@
       </p:sp>
       <p:sp>
         <p:nvSpPr>
-          <p:cNvPr id="3" name="Content Placeholder 2">
-            <a:extLst>
-              <a:ext uri="{FF2B5EF4-FFF2-40B4-BE49-F238E27FC236}">
-                <a16:creationId xmlns:a16="http://schemas.microsoft.com/office/drawing/2014/main" id="{91172368-629F-42BB-A9D7-8C8AB6EE1E77}"/>
-              </a:ext>
-            </a:extLst>
-          </p:cNvPr>
+          <p:cNvPr id="3" name="Content Placeholder 2"/>
           <p:cNvSpPr>
             <a:spLocks noGrp="1"/>
           </p:cNvSpPr>
@@ -2712,6 +2379,7 @@
               <a:rPr lang="en-US" altLang="zh-CN"/>
               <a:t>Click to edit Master text styles</a:t>
             </a:r>
+            <a:endParaRPr lang="en-US" altLang="zh-CN"/>
           </a:p>
           <a:p>
             <a:pPr lvl="1"/>
@@ -2719,6 +2387,7 @@
               <a:rPr lang="en-US" altLang="zh-CN"/>
               <a:t>Second level</a:t>
             </a:r>
+            <a:endParaRPr lang="en-US" altLang="zh-CN"/>
           </a:p>
           <a:p>
             <a:pPr lvl="2"/>
@@ -2726,6 +2395,7 @@
               <a:rPr lang="en-US" altLang="zh-CN"/>
               <a:t>Third level</a:t>
             </a:r>
+            <a:endParaRPr lang="en-US" altLang="zh-CN"/>
           </a:p>
           <a:p>
             <a:pPr lvl="3"/>
@@ -2733,6 +2403,7 @@
               <a:rPr lang="en-US" altLang="zh-CN"/>
               <a:t>Fourth level</a:t>
             </a:r>
+            <a:endParaRPr lang="en-US" altLang="zh-CN"/>
           </a:p>
           <a:p>
             <a:pPr lvl="4"/>
@@ -2746,13 +2417,7 @@
       </p:sp>
       <p:sp>
         <p:nvSpPr>
-          <p:cNvPr id="4" name="Text Placeholder 3">
-            <a:extLst>
-              <a:ext uri="{FF2B5EF4-FFF2-40B4-BE49-F238E27FC236}">
-                <a16:creationId xmlns:a16="http://schemas.microsoft.com/office/drawing/2014/main" id="{111C8ED0-4018-4766-99C0-7F0F1A572D06}"/>
-              </a:ext>
-            </a:extLst>
-          </p:cNvPr>
+          <p:cNvPr id="4" name="Text Placeholder 3"/>
           <p:cNvSpPr>
             <a:spLocks noGrp="1"/>
           </p:cNvSpPr>
@@ -2812,18 +2477,13 @@
               <a:rPr lang="en-US" altLang="zh-CN"/>
               <a:t>Click to edit Master text styles</a:t>
             </a:r>
+            <a:endParaRPr lang="en-US" altLang="zh-CN"/>
           </a:p>
         </p:txBody>
       </p:sp>
       <p:sp>
         <p:nvSpPr>
-          <p:cNvPr id="5" name="Date Placeholder 4">
-            <a:extLst>
-              <a:ext uri="{FF2B5EF4-FFF2-40B4-BE49-F238E27FC236}">
-                <a16:creationId xmlns:a16="http://schemas.microsoft.com/office/drawing/2014/main" id="{9B14AEC3-ECBF-4B5B-AFD3-1ECC28877F0D}"/>
-              </a:ext>
-            </a:extLst>
-          </p:cNvPr>
+          <p:cNvPr id="5" name="Date Placeholder 4"/>
           <p:cNvSpPr>
             <a:spLocks noGrp="1"/>
           </p:cNvSpPr>
@@ -2838,7 +2498,6 @@
           <a:p>
             <a:fld id="{DF4DEC76-B1CC-4BD2-B293-05E0B687F717}" type="datetimeFigureOut">
               <a:rPr lang="zh-CN" altLang="en-US" smtClean="0"/>
-              <a:t>2020/9/19</a:t>
             </a:fld>
             <a:endParaRPr lang="zh-CN" altLang="en-US"/>
           </a:p>
@@ -2846,13 +2505,7 @@
       </p:sp>
       <p:sp>
         <p:nvSpPr>
-          <p:cNvPr id="6" name="Footer Placeholder 5">
-            <a:extLst>
-              <a:ext uri="{FF2B5EF4-FFF2-40B4-BE49-F238E27FC236}">
-                <a16:creationId xmlns:a16="http://schemas.microsoft.com/office/drawing/2014/main" id="{087196A6-ED9F-43E3-92B4-71C3C6995E07}"/>
-              </a:ext>
-            </a:extLst>
-          </p:cNvPr>
+          <p:cNvPr id="6" name="Footer Placeholder 5"/>
           <p:cNvSpPr>
             <a:spLocks noGrp="1"/>
           </p:cNvSpPr>
@@ -2871,13 +2524,7 @@
       </p:sp>
       <p:sp>
         <p:nvSpPr>
-          <p:cNvPr id="7" name="Slide Number Placeholder 6">
-            <a:extLst>
-              <a:ext uri="{FF2B5EF4-FFF2-40B4-BE49-F238E27FC236}">
-                <a16:creationId xmlns:a16="http://schemas.microsoft.com/office/drawing/2014/main" id="{241D62EC-ABCA-437E-8530-99BE5B3BFB93}"/>
-              </a:ext>
-            </a:extLst>
-          </p:cNvPr>
+          <p:cNvPr id="7" name="Slide Number Placeholder 6"/>
           <p:cNvSpPr>
             <a:spLocks noGrp="1"/>
           </p:cNvSpPr>
@@ -2892,18 +2539,12 @@
           <a:p>
             <a:fld id="{BB013D27-52A3-4CBA-B800-970E6E57AE67}" type="slidenum">
               <a:rPr lang="zh-CN" altLang="en-US" smtClean="0"/>
-              <a:t>‹#›</a:t>
             </a:fld>
             <a:endParaRPr lang="zh-CN" altLang="en-US"/>
           </a:p>
         </p:txBody>
       </p:sp>
     </p:spTree>
-    <p:extLst>
-      <p:ext uri="{BB962C8B-B14F-4D97-AF65-F5344CB8AC3E}">
-        <p14:creationId xmlns:p14="http://schemas.microsoft.com/office/powerpoint/2010/main" val="2565534251"/>
-      </p:ext>
-    </p:extLst>
   </p:cSld>
   <p:clrMapOvr>
     <a:masterClrMapping/>
@@ -2930,13 +2571,7 @@
       </p:grpSpPr>
       <p:sp>
         <p:nvSpPr>
-          <p:cNvPr id="2" name="Title 1">
-            <a:extLst>
-              <a:ext uri="{FF2B5EF4-FFF2-40B4-BE49-F238E27FC236}">
-                <a16:creationId xmlns:a16="http://schemas.microsoft.com/office/drawing/2014/main" id="{7F46CA1C-630E-45F1-84C5-62E482988E3F}"/>
-              </a:ext>
-            </a:extLst>
-          </p:cNvPr>
+          <p:cNvPr id="2" name="Title 1"/>
           <p:cNvSpPr>
             <a:spLocks noGrp="1"/>
           </p:cNvSpPr>
@@ -2968,13 +2603,7 @@
       </p:sp>
       <p:sp>
         <p:nvSpPr>
-          <p:cNvPr id="3" name="Picture Placeholder 2">
-            <a:extLst>
-              <a:ext uri="{FF2B5EF4-FFF2-40B4-BE49-F238E27FC236}">
-                <a16:creationId xmlns:a16="http://schemas.microsoft.com/office/drawing/2014/main" id="{BB90F857-36FE-4609-B45D-9FD6B03EAAC5}"/>
-              </a:ext>
-            </a:extLst>
-          </p:cNvPr>
+          <p:cNvPr id="3" name="Picture Placeholder 2"/>
           <p:cNvSpPr>
             <a:spLocks noGrp="1"/>
           </p:cNvSpPr>
@@ -3035,13 +2664,7 @@
       </p:sp>
       <p:sp>
         <p:nvSpPr>
-          <p:cNvPr id="4" name="Text Placeholder 3">
-            <a:extLst>
-              <a:ext uri="{FF2B5EF4-FFF2-40B4-BE49-F238E27FC236}">
-                <a16:creationId xmlns:a16="http://schemas.microsoft.com/office/drawing/2014/main" id="{58177671-352C-4126-8DCC-E0B9B11733AA}"/>
-              </a:ext>
-            </a:extLst>
-          </p:cNvPr>
+          <p:cNvPr id="4" name="Text Placeholder 3"/>
           <p:cNvSpPr>
             <a:spLocks noGrp="1"/>
           </p:cNvSpPr>
@@ -3101,18 +2724,13 @@
               <a:rPr lang="en-US" altLang="zh-CN"/>
               <a:t>Click to edit Master text styles</a:t>
             </a:r>
+            <a:endParaRPr lang="en-US" altLang="zh-CN"/>
           </a:p>
         </p:txBody>
       </p:sp>
       <p:sp>
         <p:nvSpPr>
-          <p:cNvPr id="5" name="Date Placeholder 4">
-            <a:extLst>
-              <a:ext uri="{FF2B5EF4-FFF2-40B4-BE49-F238E27FC236}">
-                <a16:creationId xmlns:a16="http://schemas.microsoft.com/office/drawing/2014/main" id="{B975CE30-4E85-4433-9E19-DDA7692B7865}"/>
-              </a:ext>
-            </a:extLst>
-          </p:cNvPr>
+          <p:cNvPr id="5" name="Date Placeholder 4"/>
           <p:cNvSpPr>
             <a:spLocks noGrp="1"/>
           </p:cNvSpPr>
@@ -3127,7 +2745,6 @@
           <a:p>
             <a:fld id="{DF4DEC76-B1CC-4BD2-B293-05E0B687F717}" type="datetimeFigureOut">
               <a:rPr lang="zh-CN" altLang="en-US" smtClean="0"/>
-              <a:t>2020/9/19</a:t>
             </a:fld>
             <a:endParaRPr lang="zh-CN" altLang="en-US"/>
           </a:p>
@@ -3135,13 +2752,7 @@
       </p:sp>
       <p:sp>
         <p:nvSpPr>
-          <p:cNvPr id="6" name="Footer Placeholder 5">
-            <a:extLst>
-              <a:ext uri="{FF2B5EF4-FFF2-40B4-BE49-F238E27FC236}">
-                <a16:creationId xmlns:a16="http://schemas.microsoft.com/office/drawing/2014/main" id="{BCF07921-0C7E-488B-B5B5-FA72F0355592}"/>
-              </a:ext>
-            </a:extLst>
-          </p:cNvPr>
+          <p:cNvPr id="6" name="Footer Placeholder 5"/>
           <p:cNvSpPr>
             <a:spLocks noGrp="1"/>
           </p:cNvSpPr>
@@ -3160,13 +2771,7 @@
       </p:sp>
       <p:sp>
         <p:nvSpPr>
-          <p:cNvPr id="7" name="Slide Number Placeholder 6">
-            <a:extLst>
-              <a:ext uri="{FF2B5EF4-FFF2-40B4-BE49-F238E27FC236}">
-                <a16:creationId xmlns:a16="http://schemas.microsoft.com/office/drawing/2014/main" id="{6E3E6C04-5A08-4929-AB44-CB8104E6D4FD}"/>
-              </a:ext>
-            </a:extLst>
-          </p:cNvPr>
+          <p:cNvPr id="7" name="Slide Number Placeholder 6"/>
           <p:cNvSpPr>
             <a:spLocks noGrp="1"/>
           </p:cNvSpPr>
@@ -3181,18 +2786,12 @@
           <a:p>
             <a:fld id="{BB013D27-52A3-4CBA-B800-970E6E57AE67}" type="slidenum">
               <a:rPr lang="zh-CN" altLang="en-US" smtClean="0"/>
-              <a:t>‹#›</a:t>
             </a:fld>
             <a:endParaRPr lang="zh-CN" altLang="en-US"/>
           </a:p>
         </p:txBody>
       </p:sp>
     </p:spTree>
-    <p:extLst>
-      <p:ext uri="{BB962C8B-B14F-4D97-AF65-F5344CB8AC3E}">
-        <p14:creationId xmlns:p14="http://schemas.microsoft.com/office/powerpoint/2010/main" val="3837479570"/>
-      </p:ext>
-    </p:extLst>
   </p:cSld>
   <p:clrMapOvr>
     <a:masterClrMapping/>
@@ -3224,13 +2823,7 @@
       </p:grpSpPr>
       <p:sp>
         <p:nvSpPr>
-          <p:cNvPr id="2" name="Title Placeholder 1">
-            <a:extLst>
-              <a:ext uri="{FF2B5EF4-FFF2-40B4-BE49-F238E27FC236}">
-                <a16:creationId xmlns:a16="http://schemas.microsoft.com/office/drawing/2014/main" id="{FC9C855D-C9E3-4296-8F44-0FC3C72CE415}"/>
-              </a:ext>
-            </a:extLst>
-          </p:cNvPr>
+          <p:cNvPr id="2" name="Title Placeholder 1"/>
           <p:cNvSpPr>
             <a:spLocks noGrp="1"/>
           </p:cNvSpPr>
@@ -3263,13 +2856,7 @@
       </p:sp>
       <p:sp>
         <p:nvSpPr>
-          <p:cNvPr id="3" name="Text Placeholder 2">
-            <a:extLst>
-              <a:ext uri="{FF2B5EF4-FFF2-40B4-BE49-F238E27FC236}">
-                <a16:creationId xmlns:a16="http://schemas.microsoft.com/office/drawing/2014/main" id="{719712BE-7158-4541-A3D7-065D7AF4D1F6}"/>
-              </a:ext>
-            </a:extLst>
-          </p:cNvPr>
+          <p:cNvPr id="3" name="Text Placeholder 2"/>
           <p:cNvSpPr>
             <a:spLocks noGrp="1"/>
           </p:cNvSpPr>
@@ -3297,6 +2884,7 @@
               <a:rPr lang="en-US" altLang="zh-CN"/>
               <a:t>Click to edit Master text styles</a:t>
             </a:r>
+            <a:endParaRPr lang="en-US" altLang="zh-CN"/>
           </a:p>
           <a:p>
             <a:pPr lvl="1"/>
@@ -3304,6 +2892,7 @@
               <a:rPr lang="en-US" altLang="zh-CN"/>
               <a:t>Second level</a:t>
             </a:r>
+            <a:endParaRPr lang="en-US" altLang="zh-CN"/>
           </a:p>
           <a:p>
             <a:pPr lvl="2"/>
@@ -3311,6 +2900,7 @@
               <a:rPr lang="en-US" altLang="zh-CN"/>
               <a:t>Third level</a:t>
             </a:r>
+            <a:endParaRPr lang="en-US" altLang="zh-CN"/>
           </a:p>
           <a:p>
             <a:pPr lvl="3"/>
@@ -3318,6 +2908,7 @@
               <a:rPr lang="en-US" altLang="zh-CN"/>
               <a:t>Fourth level</a:t>
             </a:r>
+            <a:endParaRPr lang="en-US" altLang="zh-CN"/>
           </a:p>
           <a:p>
             <a:pPr lvl="4"/>
@@ -3331,13 +2922,7 @@
       </p:sp>
       <p:sp>
         <p:nvSpPr>
-          <p:cNvPr id="4" name="Date Placeholder 3">
-            <a:extLst>
-              <a:ext uri="{FF2B5EF4-FFF2-40B4-BE49-F238E27FC236}">
-                <a16:creationId xmlns:a16="http://schemas.microsoft.com/office/drawing/2014/main" id="{A7B2E859-A330-4E29-89B2-9B96E79537EA}"/>
-              </a:ext>
-            </a:extLst>
-          </p:cNvPr>
+          <p:cNvPr id="4" name="Date Placeholder 3"/>
           <p:cNvSpPr>
             <a:spLocks noGrp="1"/>
           </p:cNvSpPr>
@@ -3370,7 +2955,6 @@
           <a:p>
             <a:fld id="{DF4DEC76-B1CC-4BD2-B293-05E0B687F717}" type="datetimeFigureOut">
               <a:rPr lang="zh-CN" altLang="en-US" smtClean="0"/>
-              <a:t>2020/9/19</a:t>
             </a:fld>
             <a:endParaRPr lang="zh-CN" altLang="en-US"/>
           </a:p>
@@ -3378,13 +2962,7 @@
       </p:sp>
       <p:sp>
         <p:nvSpPr>
-          <p:cNvPr id="5" name="Footer Placeholder 4">
-            <a:extLst>
-              <a:ext uri="{FF2B5EF4-FFF2-40B4-BE49-F238E27FC236}">
-                <a16:creationId xmlns:a16="http://schemas.microsoft.com/office/drawing/2014/main" id="{57441DC8-650F-49E9-AC12-206939E2B62D}"/>
-              </a:ext>
-            </a:extLst>
-          </p:cNvPr>
+          <p:cNvPr id="5" name="Footer Placeholder 4"/>
           <p:cNvSpPr>
             <a:spLocks noGrp="1"/>
           </p:cNvSpPr>
@@ -3421,13 +2999,7 @@
       </p:sp>
       <p:sp>
         <p:nvSpPr>
-          <p:cNvPr id="6" name="Slide Number Placeholder 5">
-            <a:extLst>
-              <a:ext uri="{FF2B5EF4-FFF2-40B4-BE49-F238E27FC236}">
-                <a16:creationId xmlns:a16="http://schemas.microsoft.com/office/drawing/2014/main" id="{9D36E1A8-CA3D-4BA3-A112-0D31EAB61ED6}"/>
-              </a:ext>
-            </a:extLst>
-          </p:cNvPr>
+          <p:cNvPr id="6" name="Slide Number Placeholder 5"/>
           <p:cNvSpPr>
             <a:spLocks noGrp="1"/>
           </p:cNvSpPr>
@@ -3460,18 +3032,12 @@
           <a:p>
             <a:fld id="{BB013D27-52A3-4CBA-B800-970E6E57AE67}" type="slidenum">
               <a:rPr lang="zh-CN" altLang="en-US" smtClean="0"/>
-              <a:t>‹#›</a:t>
             </a:fld>
             <a:endParaRPr lang="zh-CN" altLang="en-US"/>
           </a:p>
         </p:txBody>
       </p:sp>
     </p:spTree>
-    <p:extLst>
-      <p:ext uri="{BB962C8B-B14F-4D97-AF65-F5344CB8AC3E}">
-        <p14:creationId xmlns:p14="http://schemas.microsoft.com/office/powerpoint/2010/main" val="3172987520"/>
-      </p:ext>
-    </p:extLst>
   </p:cSld>
   <p:clrMap bg1="lt1" tx1="dk1" bg2="lt2" tx2="dk2" accent1="accent1" accent2="accent2" accent3="accent3" accent4="accent4" accent5="accent5" accent6="accent6" hlink="hlink" folHlink="folHlink"/>
   <p:sldLayoutIdLst>
@@ -3789,13 +3355,7 @@
       </p:grpSpPr>
       <p:sp>
         <p:nvSpPr>
-          <p:cNvPr id="11" name="TextBox 10">
-            <a:extLst>
-              <a:ext uri="{FF2B5EF4-FFF2-40B4-BE49-F238E27FC236}">
-                <a16:creationId xmlns:a16="http://schemas.microsoft.com/office/drawing/2014/main" id="{5DD8932A-952B-4C57-B1DE-0E23BC2FA1FC}"/>
-              </a:ext>
-            </a:extLst>
-          </p:cNvPr>
+          <p:cNvPr id="11" name="TextBox 10"/>
           <p:cNvSpPr txBox="1"/>
           <p:nvPr/>
         </p:nvSpPr>
@@ -3823,6 +3383,7 @@
               <a:rPr lang="en-US" altLang="zh-CN" sz="3200" dirty="0"/>
               <a:t> 1-3</a:t>
             </a:r>
+            <a:endParaRPr lang="en-US" altLang="zh-CN" sz="3200" dirty="0"/>
           </a:p>
           <a:p>
             <a:r>
@@ -3835,13 +3396,7 @@
       </p:sp>
       <p:sp>
         <p:nvSpPr>
-          <p:cNvPr id="15" name="TextBox 14">
-            <a:extLst>
-              <a:ext uri="{FF2B5EF4-FFF2-40B4-BE49-F238E27FC236}">
-                <a16:creationId xmlns:a16="http://schemas.microsoft.com/office/drawing/2014/main" id="{09BAFE0D-9B4D-4B05-B28E-97FBFE7CE979}"/>
-              </a:ext>
-            </a:extLst>
-          </p:cNvPr>
+          <p:cNvPr id="15" name="TextBox 14"/>
           <p:cNvSpPr txBox="1"/>
           <p:nvPr/>
         </p:nvSpPr>
@@ -3875,16 +3430,8 @@
       </p:sp>
       <p:cxnSp>
         <p:nvCxnSpPr>
-          <p:cNvPr id="20" name="Straight Connector 19">
-            <a:extLst>
-              <a:ext uri="{FF2B5EF4-FFF2-40B4-BE49-F238E27FC236}">
-                <a16:creationId xmlns:a16="http://schemas.microsoft.com/office/drawing/2014/main" id="{7F5A8B8C-6E22-4A31-9AFE-A8AD15E407B1}"/>
-              </a:ext>
-            </a:extLst>
-          </p:cNvPr>
-          <p:cNvCxnSpPr>
-            <a:cxnSpLocks/>
-          </p:cNvCxnSpPr>
+          <p:cNvPr id="20" name="Straight Connector 19"/>
+          <p:cNvCxnSpPr/>
           <p:nvPr/>
         </p:nvCxnSpPr>
         <p:spPr>
@@ -3918,16 +3465,8 @@
       </p:cxnSp>
       <p:cxnSp>
         <p:nvCxnSpPr>
-          <p:cNvPr id="31" name="Straight Connector 30">
-            <a:extLst>
-              <a:ext uri="{FF2B5EF4-FFF2-40B4-BE49-F238E27FC236}">
-                <a16:creationId xmlns:a16="http://schemas.microsoft.com/office/drawing/2014/main" id="{AA10CC68-7437-44BB-8D75-D258260BB744}"/>
-              </a:ext>
-            </a:extLst>
-          </p:cNvPr>
-          <p:cNvCxnSpPr>
-            <a:cxnSpLocks/>
-          </p:cNvCxnSpPr>
+          <p:cNvPr id="31" name="Straight Connector 30"/>
+          <p:cNvCxnSpPr/>
           <p:nvPr/>
         </p:nvCxnSpPr>
         <p:spPr>
@@ -3961,13 +3500,7 @@
       </p:cxnSp>
       <p:sp>
         <p:nvSpPr>
-          <p:cNvPr id="4" name="Rectangle 3">
-            <a:extLst>
-              <a:ext uri="{FF2B5EF4-FFF2-40B4-BE49-F238E27FC236}">
-                <a16:creationId xmlns:a16="http://schemas.microsoft.com/office/drawing/2014/main" id="{62CD072F-8A98-43A9-86D5-209AA118294C}"/>
-              </a:ext>
-            </a:extLst>
-          </p:cNvPr>
+          <p:cNvPr id="4" name="Rectangle 3"/>
           <p:cNvSpPr/>
           <p:nvPr/>
         </p:nvSpPr>
@@ -4013,16 +3546,8 @@
       </p:sp>
       <p:cxnSp>
         <p:nvCxnSpPr>
-          <p:cNvPr id="52" name="Straight Connector 51">
-            <a:extLst>
-              <a:ext uri="{FF2B5EF4-FFF2-40B4-BE49-F238E27FC236}">
-                <a16:creationId xmlns:a16="http://schemas.microsoft.com/office/drawing/2014/main" id="{83F7D978-ABBD-4210-8DB8-6302471A8FDD}"/>
-              </a:ext>
-            </a:extLst>
-          </p:cNvPr>
-          <p:cNvCxnSpPr>
-            <a:cxnSpLocks/>
-          </p:cNvCxnSpPr>
+          <p:cNvPr id="52" name="Straight Connector 51"/>
+          <p:cNvCxnSpPr/>
           <p:nvPr/>
         </p:nvCxnSpPr>
         <p:spPr>
@@ -4056,16 +3581,8 @@
       </p:cxnSp>
       <p:cxnSp>
         <p:nvCxnSpPr>
-          <p:cNvPr id="53" name="Straight Connector 52">
-            <a:extLst>
-              <a:ext uri="{FF2B5EF4-FFF2-40B4-BE49-F238E27FC236}">
-                <a16:creationId xmlns:a16="http://schemas.microsoft.com/office/drawing/2014/main" id="{A67B62BC-8A90-419A-9167-D4826085ED38}"/>
-              </a:ext>
-            </a:extLst>
-          </p:cNvPr>
-          <p:cNvCxnSpPr>
-            <a:cxnSpLocks/>
-          </p:cNvCxnSpPr>
+          <p:cNvPr id="53" name="Straight Connector 52"/>
+          <p:cNvCxnSpPr/>
           <p:nvPr/>
         </p:nvCxnSpPr>
         <p:spPr>
@@ -4099,13 +3616,7 @@
       </p:cxnSp>
       <p:sp>
         <p:nvSpPr>
-          <p:cNvPr id="54" name="Rectangle 53">
-            <a:extLst>
-              <a:ext uri="{FF2B5EF4-FFF2-40B4-BE49-F238E27FC236}">
-                <a16:creationId xmlns:a16="http://schemas.microsoft.com/office/drawing/2014/main" id="{46A4D478-1FE0-4301-B748-D42D77AEC415}"/>
-              </a:ext>
-            </a:extLst>
-          </p:cNvPr>
+          <p:cNvPr id="54" name="Rectangle 53"/>
           <p:cNvSpPr/>
           <p:nvPr/>
         </p:nvSpPr>
@@ -4151,16 +3662,8 @@
       </p:sp>
       <p:cxnSp>
         <p:nvCxnSpPr>
-          <p:cNvPr id="57" name="Straight Connector 56">
-            <a:extLst>
-              <a:ext uri="{FF2B5EF4-FFF2-40B4-BE49-F238E27FC236}">
-                <a16:creationId xmlns:a16="http://schemas.microsoft.com/office/drawing/2014/main" id="{37A761D3-ADBC-41CF-858B-19FBA3BF0B85}"/>
-              </a:ext>
-            </a:extLst>
-          </p:cNvPr>
-          <p:cNvCxnSpPr>
-            <a:cxnSpLocks/>
-          </p:cNvCxnSpPr>
+          <p:cNvPr id="57" name="Straight Connector 56"/>
+          <p:cNvCxnSpPr/>
           <p:nvPr/>
         </p:nvCxnSpPr>
         <p:spPr>
@@ -4194,16 +3697,8 @@
       </p:cxnSp>
       <p:cxnSp>
         <p:nvCxnSpPr>
-          <p:cNvPr id="58" name="Straight Connector 57">
-            <a:extLst>
-              <a:ext uri="{FF2B5EF4-FFF2-40B4-BE49-F238E27FC236}">
-                <a16:creationId xmlns:a16="http://schemas.microsoft.com/office/drawing/2014/main" id="{A550FACE-5A78-4C73-ABE9-4531DF4F32B5}"/>
-              </a:ext>
-            </a:extLst>
-          </p:cNvPr>
-          <p:cNvCxnSpPr>
-            <a:cxnSpLocks/>
-          </p:cNvCxnSpPr>
+          <p:cNvPr id="58" name="Straight Connector 57"/>
+          <p:cNvCxnSpPr/>
           <p:nvPr/>
         </p:nvCxnSpPr>
         <p:spPr>
@@ -4237,13 +3732,7 @@
       </p:cxnSp>
       <p:sp>
         <p:nvSpPr>
-          <p:cNvPr id="59" name="Rectangle 58">
-            <a:extLst>
-              <a:ext uri="{FF2B5EF4-FFF2-40B4-BE49-F238E27FC236}">
-                <a16:creationId xmlns:a16="http://schemas.microsoft.com/office/drawing/2014/main" id="{226F3CDD-6A12-4087-8ABC-AA42C5E6D1A6}"/>
-              </a:ext>
-            </a:extLst>
-          </p:cNvPr>
+          <p:cNvPr id="59" name="Rectangle 58"/>
           <p:cNvSpPr/>
           <p:nvPr/>
         </p:nvSpPr>
@@ -4289,16 +3778,8 @@
       </p:sp>
       <p:cxnSp>
         <p:nvCxnSpPr>
-          <p:cNvPr id="61" name="Straight Connector 60">
-            <a:extLst>
-              <a:ext uri="{FF2B5EF4-FFF2-40B4-BE49-F238E27FC236}">
-                <a16:creationId xmlns:a16="http://schemas.microsoft.com/office/drawing/2014/main" id="{CA7833D8-2FF3-46AF-8B5C-946DDF90EDDC}"/>
-              </a:ext>
-            </a:extLst>
-          </p:cNvPr>
-          <p:cNvCxnSpPr>
-            <a:cxnSpLocks/>
-          </p:cNvCxnSpPr>
+          <p:cNvPr id="61" name="Straight Connector 60"/>
+          <p:cNvCxnSpPr/>
           <p:nvPr/>
         </p:nvCxnSpPr>
         <p:spPr>
@@ -4332,16 +3813,8 @@
       </p:cxnSp>
       <p:cxnSp>
         <p:nvCxnSpPr>
-          <p:cNvPr id="62" name="Straight Connector 61">
-            <a:extLst>
-              <a:ext uri="{FF2B5EF4-FFF2-40B4-BE49-F238E27FC236}">
-                <a16:creationId xmlns:a16="http://schemas.microsoft.com/office/drawing/2014/main" id="{0928D314-BAF8-4B50-894B-7C45236AAC5B}"/>
-              </a:ext>
-            </a:extLst>
-          </p:cNvPr>
-          <p:cNvCxnSpPr>
-            <a:cxnSpLocks/>
-          </p:cNvCxnSpPr>
+          <p:cNvPr id="62" name="Straight Connector 61"/>
+          <p:cNvCxnSpPr/>
           <p:nvPr/>
         </p:nvCxnSpPr>
         <p:spPr>
@@ -4375,13 +3848,7 @@
       </p:cxnSp>
       <p:sp>
         <p:nvSpPr>
-          <p:cNvPr id="63" name="Rectangle 62">
-            <a:extLst>
-              <a:ext uri="{FF2B5EF4-FFF2-40B4-BE49-F238E27FC236}">
-                <a16:creationId xmlns:a16="http://schemas.microsoft.com/office/drawing/2014/main" id="{79D9B79C-34BB-496E-91FA-6B53ECF928F3}"/>
-              </a:ext>
-            </a:extLst>
-          </p:cNvPr>
+          <p:cNvPr id="63" name="Rectangle 62"/>
           <p:cNvSpPr/>
           <p:nvPr/>
         </p:nvSpPr>
@@ -4427,13 +3894,7 @@
       </p:sp>
       <p:sp>
         <p:nvSpPr>
-          <p:cNvPr id="67" name="TextBox 66">
-            <a:extLst>
-              <a:ext uri="{FF2B5EF4-FFF2-40B4-BE49-F238E27FC236}">
-                <a16:creationId xmlns:a16="http://schemas.microsoft.com/office/drawing/2014/main" id="{65AD81FD-5A33-468D-BEA7-47F0FB42AE1B}"/>
-              </a:ext>
-            </a:extLst>
-          </p:cNvPr>
+          <p:cNvPr id="67" name="TextBox 66"/>
           <p:cNvSpPr txBox="1"/>
           <p:nvPr/>
         </p:nvSpPr>
@@ -4467,13 +3928,7 @@
       </p:sp>
       <p:sp>
         <p:nvSpPr>
-          <p:cNvPr id="69" name="TextBox 68">
-            <a:extLst>
-              <a:ext uri="{FF2B5EF4-FFF2-40B4-BE49-F238E27FC236}">
-                <a16:creationId xmlns:a16="http://schemas.microsoft.com/office/drawing/2014/main" id="{6A1E057F-2446-431B-BC3C-D6F4078E6F47}"/>
-              </a:ext>
-            </a:extLst>
-          </p:cNvPr>
+          <p:cNvPr id="69" name="TextBox 68"/>
           <p:cNvSpPr txBox="1"/>
           <p:nvPr/>
         </p:nvSpPr>
@@ -4507,13 +3962,7 @@
       </p:sp>
       <p:sp>
         <p:nvSpPr>
-          <p:cNvPr id="71" name="TextBox 70">
-            <a:extLst>
-              <a:ext uri="{FF2B5EF4-FFF2-40B4-BE49-F238E27FC236}">
-                <a16:creationId xmlns:a16="http://schemas.microsoft.com/office/drawing/2014/main" id="{759373D1-662D-4F3D-B71F-05FD6AB51C3E}"/>
-              </a:ext>
-            </a:extLst>
-          </p:cNvPr>
+          <p:cNvPr id="71" name="TextBox 70"/>
           <p:cNvSpPr txBox="1"/>
           <p:nvPr/>
         </p:nvSpPr>
@@ -4547,13 +3996,7 @@
       </p:sp>
       <p:cxnSp>
         <p:nvCxnSpPr>
-          <p:cNvPr id="73" name="Straight Arrow Connector 72">
-            <a:extLst>
-              <a:ext uri="{FF2B5EF4-FFF2-40B4-BE49-F238E27FC236}">
-                <a16:creationId xmlns:a16="http://schemas.microsoft.com/office/drawing/2014/main" id="{1F23514D-1DC2-4F75-95A2-88ACB09E132B}"/>
-              </a:ext>
-            </a:extLst>
-          </p:cNvPr>
+          <p:cNvPr id="73" name="Straight Arrow Connector 72"/>
           <p:cNvCxnSpPr/>
           <p:nvPr/>
         </p:nvCxnSpPr>
@@ -4589,16 +4032,8 @@
       </p:cxnSp>
       <p:cxnSp>
         <p:nvCxnSpPr>
-          <p:cNvPr id="74" name="Straight Arrow Connector 73">
-            <a:extLst>
-              <a:ext uri="{FF2B5EF4-FFF2-40B4-BE49-F238E27FC236}">
-                <a16:creationId xmlns:a16="http://schemas.microsoft.com/office/drawing/2014/main" id="{A3CDA6E4-A356-4E6A-B4F7-06723FAA36E8}"/>
-              </a:ext>
-            </a:extLst>
-          </p:cNvPr>
-          <p:cNvCxnSpPr>
-            <a:cxnSpLocks/>
-          </p:cNvCxnSpPr>
+          <p:cNvPr id="74" name="Straight Arrow Connector 73"/>
+          <p:cNvCxnSpPr/>
           <p:nvPr/>
         </p:nvCxnSpPr>
         <p:spPr>
@@ -4633,13 +4068,7 @@
       </p:cxnSp>
       <p:sp>
         <p:nvSpPr>
-          <p:cNvPr id="77" name="TextBox 76">
-            <a:extLst>
-              <a:ext uri="{FF2B5EF4-FFF2-40B4-BE49-F238E27FC236}">
-                <a16:creationId xmlns:a16="http://schemas.microsoft.com/office/drawing/2014/main" id="{1513BE0A-C47B-4A10-B1BD-B859FA55210D}"/>
-              </a:ext>
-            </a:extLst>
-          </p:cNvPr>
+          <p:cNvPr id="77" name="TextBox 76"/>
           <p:cNvSpPr txBox="1"/>
           <p:nvPr/>
         </p:nvSpPr>
@@ -4669,13 +4098,7 @@
       </p:sp>
       <p:sp>
         <p:nvSpPr>
-          <p:cNvPr id="81" name="TextBox 80">
-            <a:extLst>
-              <a:ext uri="{FF2B5EF4-FFF2-40B4-BE49-F238E27FC236}">
-                <a16:creationId xmlns:a16="http://schemas.microsoft.com/office/drawing/2014/main" id="{64B8A87C-98F3-4944-87F4-B26BEA7D71B8}"/>
-              </a:ext>
-            </a:extLst>
-          </p:cNvPr>
+          <p:cNvPr id="81" name="TextBox 80"/>
           <p:cNvSpPr txBox="1"/>
           <p:nvPr/>
         </p:nvSpPr>
@@ -4705,13 +4128,7 @@
       </p:sp>
       <p:sp>
         <p:nvSpPr>
-          <p:cNvPr id="83" name="TextBox 82">
-            <a:extLst>
-              <a:ext uri="{FF2B5EF4-FFF2-40B4-BE49-F238E27FC236}">
-                <a16:creationId xmlns:a16="http://schemas.microsoft.com/office/drawing/2014/main" id="{018AC509-3759-4B9B-A2E7-DD09A321BD42}"/>
-              </a:ext>
-            </a:extLst>
-          </p:cNvPr>
+          <p:cNvPr id="83" name="TextBox 82"/>
           <p:cNvSpPr txBox="1"/>
           <p:nvPr/>
         </p:nvSpPr>
@@ -4741,13 +4158,7 @@
       </p:sp>
       <p:sp>
         <p:nvSpPr>
-          <p:cNvPr id="85" name="TextBox 84">
-            <a:extLst>
-              <a:ext uri="{FF2B5EF4-FFF2-40B4-BE49-F238E27FC236}">
-                <a16:creationId xmlns:a16="http://schemas.microsoft.com/office/drawing/2014/main" id="{A04F2829-7760-4EEC-8BA4-47B7D32F540C}"/>
-              </a:ext>
-            </a:extLst>
-          </p:cNvPr>
+          <p:cNvPr id="85" name="TextBox 84"/>
           <p:cNvSpPr txBox="1"/>
           <p:nvPr/>
         </p:nvSpPr>
@@ -4777,13 +4188,7 @@
       </p:sp>
       <p:sp>
         <p:nvSpPr>
-          <p:cNvPr id="87" name="TextBox 86">
-            <a:extLst>
-              <a:ext uri="{FF2B5EF4-FFF2-40B4-BE49-F238E27FC236}">
-                <a16:creationId xmlns:a16="http://schemas.microsoft.com/office/drawing/2014/main" id="{5AF6ADDB-FC3B-45E8-BEE4-414372D023A3}"/>
-              </a:ext>
-            </a:extLst>
-          </p:cNvPr>
+          <p:cNvPr id="87" name="TextBox 86"/>
           <p:cNvSpPr txBox="1"/>
           <p:nvPr/>
         </p:nvSpPr>
@@ -4813,13 +4218,7 @@
       </p:sp>
       <p:sp>
         <p:nvSpPr>
-          <p:cNvPr id="89" name="TextBox 88">
-            <a:extLst>
-              <a:ext uri="{FF2B5EF4-FFF2-40B4-BE49-F238E27FC236}">
-                <a16:creationId xmlns:a16="http://schemas.microsoft.com/office/drawing/2014/main" id="{89D65CAB-DE08-4B37-8E89-73885DC7D4AD}"/>
-              </a:ext>
-            </a:extLst>
-          </p:cNvPr>
+          <p:cNvPr id="89" name="TextBox 88"/>
           <p:cNvSpPr txBox="1"/>
           <p:nvPr/>
         </p:nvSpPr>
@@ -4849,13 +4248,7 @@
       </p:sp>
       <p:sp>
         <p:nvSpPr>
-          <p:cNvPr id="91" name="TextBox 90">
-            <a:extLst>
-              <a:ext uri="{FF2B5EF4-FFF2-40B4-BE49-F238E27FC236}">
-                <a16:creationId xmlns:a16="http://schemas.microsoft.com/office/drawing/2014/main" id="{E3BC6467-F96B-4F42-877A-02AF17F0509E}"/>
-              </a:ext>
-            </a:extLst>
-          </p:cNvPr>
+          <p:cNvPr id="91" name="TextBox 90"/>
           <p:cNvSpPr txBox="1"/>
           <p:nvPr/>
         </p:nvSpPr>
@@ -4885,13 +4278,7 @@
       </p:sp>
       <p:sp>
         <p:nvSpPr>
-          <p:cNvPr id="93" name="TextBox 92">
-            <a:extLst>
-              <a:ext uri="{FF2B5EF4-FFF2-40B4-BE49-F238E27FC236}">
-                <a16:creationId xmlns:a16="http://schemas.microsoft.com/office/drawing/2014/main" id="{1FE85698-319D-4A75-9C9F-14868B069D98}"/>
-              </a:ext>
-            </a:extLst>
-          </p:cNvPr>
+          <p:cNvPr id="93" name="TextBox 92"/>
           <p:cNvSpPr txBox="1"/>
           <p:nvPr/>
         </p:nvSpPr>
@@ -4921,13 +4308,7 @@
       </p:sp>
       <p:sp>
         <p:nvSpPr>
-          <p:cNvPr id="95" name="TextBox 94">
-            <a:extLst>
-              <a:ext uri="{FF2B5EF4-FFF2-40B4-BE49-F238E27FC236}">
-                <a16:creationId xmlns:a16="http://schemas.microsoft.com/office/drawing/2014/main" id="{738B5B68-2DC3-4D22-BB15-DA131820677B}"/>
-              </a:ext>
-            </a:extLst>
-          </p:cNvPr>
+          <p:cNvPr id="95" name="TextBox 94"/>
           <p:cNvSpPr txBox="1"/>
           <p:nvPr/>
         </p:nvSpPr>
@@ -4957,13 +4338,7 @@
       </p:sp>
       <p:sp>
         <p:nvSpPr>
-          <p:cNvPr id="97" name="TextBox 96">
-            <a:extLst>
-              <a:ext uri="{FF2B5EF4-FFF2-40B4-BE49-F238E27FC236}">
-                <a16:creationId xmlns:a16="http://schemas.microsoft.com/office/drawing/2014/main" id="{499118F5-2A9F-4613-9518-52A4F163F8CF}"/>
-              </a:ext>
-            </a:extLst>
-          </p:cNvPr>
+          <p:cNvPr id="97" name="TextBox 96"/>
           <p:cNvSpPr txBox="1"/>
           <p:nvPr/>
         </p:nvSpPr>
@@ -4993,13 +4368,7 @@
       </p:sp>
       <p:sp>
         <p:nvSpPr>
-          <p:cNvPr id="99" name="TextBox 98">
-            <a:extLst>
-              <a:ext uri="{FF2B5EF4-FFF2-40B4-BE49-F238E27FC236}">
-                <a16:creationId xmlns:a16="http://schemas.microsoft.com/office/drawing/2014/main" id="{4C6E2344-244E-4959-92C8-61ED8811D8C1}"/>
-              </a:ext>
-            </a:extLst>
-          </p:cNvPr>
+          <p:cNvPr id="99" name="TextBox 98"/>
           <p:cNvSpPr txBox="1"/>
           <p:nvPr/>
         </p:nvSpPr>
@@ -5029,13 +4398,7 @@
       </p:sp>
       <p:sp>
         <p:nvSpPr>
-          <p:cNvPr id="101" name="TextBox 100">
-            <a:extLst>
-              <a:ext uri="{FF2B5EF4-FFF2-40B4-BE49-F238E27FC236}">
-                <a16:creationId xmlns:a16="http://schemas.microsoft.com/office/drawing/2014/main" id="{5CFC6268-B924-464D-B05B-C70315A1BE89}"/>
-              </a:ext>
-            </a:extLst>
-          </p:cNvPr>
+          <p:cNvPr id="101" name="TextBox 100"/>
           <p:cNvSpPr txBox="1"/>
           <p:nvPr/>
         </p:nvSpPr>
@@ -5065,13 +4428,7 @@
       </p:sp>
       <p:sp>
         <p:nvSpPr>
-          <p:cNvPr id="103" name="TextBox 102">
-            <a:extLst>
-              <a:ext uri="{FF2B5EF4-FFF2-40B4-BE49-F238E27FC236}">
-                <a16:creationId xmlns:a16="http://schemas.microsoft.com/office/drawing/2014/main" id="{A32F0B01-DF60-4451-923D-856DB76E7C11}"/>
-              </a:ext>
-            </a:extLst>
-          </p:cNvPr>
+          <p:cNvPr id="103" name="TextBox 102"/>
           <p:cNvSpPr txBox="1"/>
           <p:nvPr/>
         </p:nvSpPr>
@@ -5101,13 +4458,7 @@
       </p:sp>
       <p:sp>
         <p:nvSpPr>
-          <p:cNvPr id="105" name="TextBox 104">
-            <a:extLst>
-              <a:ext uri="{FF2B5EF4-FFF2-40B4-BE49-F238E27FC236}">
-                <a16:creationId xmlns:a16="http://schemas.microsoft.com/office/drawing/2014/main" id="{70D6F410-8A18-49D7-BDE6-1F95EBB34589}"/>
-              </a:ext>
-            </a:extLst>
-          </p:cNvPr>
+          <p:cNvPr id="105" name="TextBox 104"/>
           <p:cNvSpPr txBox="1"/>
           <p:nvPr/>
         </p:nvSpPr>
@@ -5137,16 +4488,8 @@
       </p:sp>
       <p:cxnSp>
         <p:nvCxnSpPr>
-          <p:cNvPr id="106" name="Straight Arrow Connector 105">
-            <a:extLst>
-              <a:ext uri="{FF2B5EF4-FFF2-40B4-BE49-F238E27FC236}">
-                <a16:creationId xmlns:a16="http://schemas.microsoft.com/office/drawing/2014/main" id="{688CC2FE-416F-43EE-8A67-87FCE0D3F5E8}"/>
-              </a:ext>
-            </a:extLst>
-          </p:cNvPr>
-          <p:cNvCxnSpPr>
-            <a:cxnSpLocks/>
-          </p:cNvCxnSpPr>
+          <p:cNvPr id="106" name="Straight Arrow Connector 105"/>
+          <p:cNvCxnSpPr/>
           <p:nvPr/>
         </p:nvCxnSpPr>
         <p:spPr>
@@ -5181,16 +4524,8 @@
       </p:cxnSp>
       <p:cxnSp>
         <p:nvCxnSpPr>
-          <p:cNvPr id="108" name="Straight Arrow Connector 107">
-            <a:extLst>
-              <a:ext uri="{FF2B5EF4-FFF2-40B4-BE49-F238E27FC236}">
-                <a16:creationId xmlns:a16="http://schemas.microsoft.com/office/drawing/2014/main" id="{32882D02-878A-4240-BB31-BE3881B8DE83}"/>
-              </a:ext>
-            </a:extLst>
-          </p:cNvPr>
-          <p:cNvCxnSpPr>
-            <a:cxnSpLocks/>
-          </p:cNvCxnSpPr>
+          <p:cNvPr id="108" name="Straight Arrow Connector 107"/>
+          <p:cNvCxnSpPr/>
           <p:nvPr/>
         </p:nvCxnSpPr>
         <p:spPr>
@@ -5225,16 +4560,8 @@
       </p:cxnSp>
       <p:cxnSp>
         <p:nvCxnSpPr>
-          <p:cNvPr id="113" name="Straight Arrow Connector 112">
-            <a:extLst>
-              <a:ext uri="{FF2B5EF4-FFF2-40B4-BE49-F238E27FC236}">
-                <a16:creationId xmlns:a16="http://schemas.microsoft.com/office/drawing/2014/main" id="{DA71265C-BE80-4BF8-9794-9C0B3BCBFB6D}"/>
-              </a:ext>
-            </a:extLst>
-          </p:cNvPr>
-          <p:cNvCxnSpPr>
-            <a:cxnSpLocks/>
-          </p:cNvCxnSpPr>
+          <p:cNvPr id="113" name="Straight Arrow Connector 112"/>
+          <p:cNvCxnSpPr/>
           <p:nvPr/>
         </p:nvCxnSpPr>
         <p:spPr>
@@ -5269,16 +4596,8 @@
       </p:cxnSp>
       <p:cxnSp>
         <p:nvCxnSpPr>
-          <p:cNvPr id="115" name="Straight Arrow Connector 114">
-            <a:extLst>
-              <a:ext uri="{FF2B5EF4-FFF2-40B4-BE49-F238E27FC236}">
-                <a16:creationId xmlns:a16="http://schemas.microsoft.com/office/drawing/2014/main" id="{0F6FCF2D-4D16-4FD4-AD87-35D357E242DD}"/>
-              </a:ext>
-            </a:extLst>
-          </p:cNvPr>
-          <p:cNvCxnSpPr>
-            <a:cxnSpLocks/>
-          </p:cNvCxnSpPr>
+          <p:cNvPr id="115" name="Straight Arrow Connector 114"/>
+          <p:cNvCxnSpPr/>
           <p:nvPr/>
         </p:nvCxnSpPr>
         <p:spPr>
@@ -5312,11 +4631,6 @@
         </p:style>
       </p:cxnSp>
     </p:spTree>
-    <p:extLst>
-      <p:ext uri="{BB962C8B-B14F-4D97-AF65-F5344CB8AC3E}">
-        <p14:creationId xmlns:p14="http://schemas.microsoft.com/office/powerpoint/2010/main" val="1005371444"/>
-      </p:ext>
-    </p:extLst>
   </p:cSld>
   <p:clrMapOvr>
     <a:masterClrMapping/>
@@ -5343,13 +4657,7 @@
       </p:grpSpPr>
       <p:sp>
         <p:nvSpPr>
-          <p:cNvPr id="4" name="Rectangle 3">
-            <a:extLst>
-              <a:ext uri="{FF2B5EF4-FFF2-40B4-BE49-F238E27FC236}">
-                <a16:creationId xmlns:a16="http://schemas.microsoft.com/office/drawing/2014/main" id="{62CD072F-8A98-43A9-86D5-209AA118294C}"/>
-              </a:ext>
-            </a:extLst>
-          </p:cNvPr>
+          <p:cNvPr id="4" name="Rectangle 3"/>
           <p:cNvSpPr/>
           <p:nvPr/>
         </p:nvSpPr>
@@ -5395,16 +4703,8 @@
       </p:sp>
       <p:cxnSp>
         <p:nvCxnSpPr>
-          <p:cNvPr id="21" name="Straight Connector 20">
-            <a:extLst>
-              <a:ext uri="{FF2B5EF4-FFF2-40B4-BE49-F238E27FC236}">
-                <a16:creationId xmlns:a16="http://schemas.microsoft.com/office/drawing/2014/main" id="{F3E6F9EF-FB52-46EC-9E73-6A21965844DE}"/>
-              </a:ext>
-            </a:extLst>
-          </p:cNvPr>
-          <p:cNvCxnSpPr>
-            <a:cxnSpLocks/>
-          </p:cNvCxnSpPr>
+          <p:cNvPr id="21" name="Straight Connector 20"/>
+          <p:cNvCxnSpPr/>
           <p:nvPr/>
         </p:nvCxnSpPr>
         <p:spPr>
@@ -5438,16 +4738,8 @@
       </p:cxnSp>
       <p:cxnSp>
         <p:nvCxnSpPr>
-          <p:cNvPr id="23" name="Straight Connector 22">
-            <a:extLst>
-              <a:ext uri="{FF2B5EF4-FFF2-40B4-BE49-F238E27FC236}">
-                <a16:creationId xmlns:a16="http://schemas.microsoft.com/office/drawing/2014/main" id="{4C3BA1DA-7091-42C3-954C-1BC94647E531}"/>
-              </a:ext>
-            </a:extLst>
-          </p:cNvPr>
-          <p:cNvCxnSpPr>
-            <a:cxnSpLocks/>
-          </p:cNvCxnSpPr>
+          <p:cNvPr id="23" name="Straight Connector 22"/>
+          <p:cNvCxnSpPr/>
           <p:nvPr/>
         </p:nvCxnSpPr>
         <p:spPr>
@@ -5479,14 +4771,14 @@
           </a:fontRef>
         </p:style>
       </p:cxnSp>
-      <mc:AlternateContent xmlns:mc="http://schemas.openxmlformats.org/markup-compatibility/2006" xmlns:a14="http://schemas.microsoft.com/office/drawing/2010/main">
-        <mc:Choice Requires="a14">
+      <mc:AlternateContent xmlns:mc="http://schemas.openxmlformats.org/markup-compatibility/2006">
+        <mc:Choice xmlns:a14="http://schemas.microsoft.com/office/drawing/2010/main" Requires="a14">
           <p:sp>
             <p:nvSpPr>
               <p:cNvPr id="5" name="TextBox 4">
                 <a:extLst>
                   <a:ext uri="{FF2B5EF4-FFF2-40B4-BE49-F238E27FC236}">
-                    <a16:creationId xmlns:a16="http://schemas.microsoft.com/office/drawing/2014/main" id="{933C7B55-98EE-47D3-8E5A-D9875C0D0522}"/>
+                    <ele attr="{933C7B55-98EE-47D3-8E5A-D9875C0D0522}"/>
                   </a:ext>
                 </a:extLst>
               </p:cNvPr>
@@ -5619,16 +4911,10 @@
             </p:txBody>
           </p:sp>
         </mc:Choice>
-        <mc:Fallback xmlns="">
+        <mc:Fallback>
           <p:sp>
             <p:nvSpPr>
-              <p:cNvPr id="5" name="TextBox 4">
-                <a:extLst>
-                  <a:ext uri="{FF2B5EF4-FFF2-40B4-BE49-F238E27FC236}">
-                    <a16:creationId xmlns:a16="http://schemas.microsoft.com/office/drawing/2014/main" id="{933C7B55-98EE-47D3-8E5A-D9875C0D0522}"/>
-                  </a:ext>
-                </a:extLst>
-              </p:cNvPr>
+              <p:cNvPr id="5" name="TextBox 4"/>
               <p:cNvSpPr txBox="1">
                 <a:spLocks noRot="1" noChangeAspect="1" noMove="1" noResize="1" noEditPoints="1" noAdjustHandles="1" noChangeArrowheads="1" noChangeShapeType="1" noTextEdit="1"/>
               </p:cNvSpPr>
@@ -5642,8 +4928,8 @@
               <a:prstGeom prst="rect">
                 <a:avLst/>
               </a:prstGeom>
-              <a:blipFill>
-                <a:blip r:embed="rId3"/>
+              <a:blipFill rotWithShape="1">
+                <a:blip r:embed="rId1"/>
                 <a:stretch>
                   <a:fillRect/>
                 </a:stretch>
@@ -5659,6 +4945,9 @@
                   </a:rPr>
                   <a:t> </a:t>
                 </a:r>
+                <a:endParaRPr lang="zh-CN" altLang="en-US">
+                  <a:noFill/>
+                </a:endParaRPr>
               </a:p>
             </p:txBody>
           </p:sp>
@@ -5666,16 +4955,8 @@
       </mc:AlternateContent>
       <p:cxnSp>
         <p:nvCxnSpPr>
-          <p:cNvPr id="16" name="Straight Connector 15">
-            <a:extLst>
-              <a:ext uri="{FF2B5EF4-FFF2-40B4-BE49-F238E27FC236}">
-                <a16:creationId xmlns:a16="http://schemas.microsoft.com/office/drawing/2014/main" id="{2D09326B-5756-407C-9874-9349145C0F21}"/>
-              </a:ext>
-            </a:extLst>
-          </p:cNvPr>
-          <p:cNvCxnSpPr>
-            <a:cxnSpLocks/>
-          </p:cNvCxnSpPr>
+          <p:cNvPr id="16" name="Straight Connector 15"/>
+          <p:cNvCxnSpPr/>
           <p:nvPr/>
         </p:nvCxnSpPr>
         <p:spPr>
@@ -5709,16 +4990,8 @@
       </p:cxnSp>
       <p:cxnSp>
         <p:nvCxnSpPr>
-          <p:cNvPr id="22" name="Straight Connector 21">
-            <a:extLst>
-              <a:ext uri="{FF2B5EF4-FFF2-40B4-BE49-F238E27FC236}">
-                <a16:creationId xmlns:a16="http://schemas.microsoft.com/office/drawing/2014/main" id="{BAD9B57C-65D6-4C9C-8987-6D2042EF1E53}"/>
-              </a:ext>
-            </a:extLst>
-          </p:cNvPr>
-          <p:cNvCxnSpPr>
-            <a:cxnSpLocks/>
-          </p:cNvCxnSpPr>
+          <p:cNvPr id="22" name="Straight Connector 21"/>
+          <p:cNvCxnSpPr/>
           <p:nvPr/>
         </p:nvCxnSpPr>
         <p:spPr>
@@ -5750,14 +5023,14 @@
           </a:fontRef>
         </p:style>
       </p:cxnSp>
-      <mc:AlternateContent xmlns:mc="http://schemas.openxmlformats.org/markup-compatibility/2006" xmlns:a14="http://schemas.microsoft.com/office/drawing/2010/main">
-        <mc:Choice Requires="a14">
+      <mc:AlternateContent xmlns:mc="http://schemas.openxmlformats.org/markup-compatibility/2006">
+        <mc:Choice xmlns:a14="http://schemas.microsoft.com/office/drawing/2010/main" Requires="a14">
           <p:sp>
             <p:nvSpPr>
               <p:cNvPr id="13" name="TextBox 12">
                 <a:extLst>
                   <a:ext uri="{FF2B5EF4-FFF2-40B4-BE49-F238E27FC236}">
-                    <a16:creationId xmlns:a16="http://schemas.microsoft.com/office/drawing/2014/main" id="{57A5736E-06B1-4E74-996F-069A11A889A4}"/>
+                    <ele attr="{57A5736E-06B1-4E74-996F-069A11A889A4}"/>
                   </a:ext>
                 </a:extLst>
               </p:cNvPr>
@@ -5890,16 +5163,10 @@
             </p:txBody>
           </p:sp>
         </mc:Choice>
-        <mc:Fallback xmlns="">
+        <mc:Fallback>
           <p:sp>
             <p:nvSpPr>
-              <p:cNvPr id="13" name="TextBox 12">
-                <a:extLst>
-                  <a:ext uri="{FF2B5EF4-FFF2-40B4-BE49-F238E27FC236}">
-                    <a16:creationId xmlns:a16="http://schemas.microsoft.com/office/drawing/2014/main" id="{57A5736E-06B1-4E74-996F-069A11A889A4}"/>
-                  </a:ext>
-                </a:extLst>
-              </p:cNvPr>
+              <p:cNvPr id="13" name="TextBox 12"/>
               <p:cNvSpPr txBox="1">
                 <a:spLocks noRot="1" noChangeAspect="1" noMove="1" noResize="1" noEditPoints="1" noAdjustHandles="1" noChangeArrowheads="1" noChangeShapeType="1" noTextEdit="1"/>
               </p:cNvSpPr>
@@ -5913,8 +5180,8 @@
               <a:prstGeom prst="rect">
                 <a:avLst/>
               </a:prstGeom>
-              <a:blipFill>
-                <a:blip r:embed="rId4"/>
+              <a:blipFill rotWithShape="1">
+                <a:blip r:embed="rId2"/>
                 <a:stretch>
                   <a:fillRect/>
                 </a:stretch>
@@ -5930,19 +5197,22 @@
                   </a:rPr>
                   <a:t> </a:t>
                 </a:r>
+                <a:endParaRPr lang="zh-CN" altLang="en-US">
+                  <a:noFill/>
+                </a:endParaRPr>
               </a:p>
             </p:txBody>
           </p:sp>
         </mc:Fallback>
       </mc:AlternateContent>
-      <mc:AlternateContent xmlns:mc="http://schemas.openxmlformats.org/markup-compatibility/2006" xmlns:a14="http://schemas.microsoft.com/office/drawing/2010/main">
-        <mc:Choice Requires="a14">
+      <mc:AlternateContent xmlns:mc="http://schemas.openxmlformats.org/markup-compatibility/2006">
+        <mc:Choice xmlns:a14="http://schemas.microsoft.com/office/drawing/2010/main" Requires="a14">
           <p:sp>
             <p:nvSpPr>
               <p:cNvPr id="14" name="TextBox 13">
                 <a:extLst>
                   <a:ext uri="{FF2B5EF4-FFF2-40B4-BE49-F238E27FC236}">
-                    <a16:creationId xmlns:a16="http://schemas.microsoft.com/office/drawing/2014/main" id="{563EA66D-FE1F-4602-B8E3-57BB06DD49FF}"/>
+                    <ele attr="{563EA66D-FE1F-4602-B8E3-57BB06DD49FF}"/>
                   </a:ext>
                 </a:extLst>
               </p:cNvPr>
@@ -6075,16 +5345,10 @@
             </p:txBody>
           </p:sp>
         </mc:Choice>
-        <mc:Fallback xmlns="">
+        <mc:Fallback>
           <p:sp>
             <p:nvSpPr>
-              <p:cNvPr id="14" name="TextBox 13">
-                <a:extLst>
-                  <a:ext uri="{FF2B5EF4-FFF2-40B4-BE49-F238E27FC236}">
-                    <a16:creationId xmlns:a16="http://schemas.microsoft.com/office/drawing/2014/main" id="{563EA66D-FE1F-4602-B8E3-57BB06DD49FF}"/>
-                  </a:ext>
-                </a:extLst>
-              </p:cNvPr>
+              <p:cNvPr id="14" name="TextBox 13"/>
               <p:cNvSpPr txBox="1">
                 <a:spLocks noRot="1" noChangeAspect="1" noMove="1" noResize="1" noEditPoints="1" noAdjustHandles="1" noChangeArrowheads="1" noChangeShapeType="1" noTextEdit="1"/>
               </p:cNvSpPr>
@@ -6098,8 +5362,8 @@
               <a:prstGeom prst="rect">
                 <a:avLst/>
               </a:prstGeom>
-              <a:blipFill>
-                <a:blip r:embed="rId5"/>
+              <a:blipFill rotWithShape="1">
+                <a:blip r:embed="rId3"/>
                 <a:stretch>
                   <a:fillRect/>
                 </a:stretch>
@@ -6115,19 +5379,22 @@
                   </a:rPr>
                   <a:t> </a:t>
                 </a:r>
+                <a:endParaRPr lang="zh-CN" altLang="en-US">
+                  <a:noFill/>
+                </a:endParaRPr>
               </a:p>
             </p:txBody>
           </p:sp>
         </mc:Fallback>
       </mc:AlternateContent>
-      <mc:AlternateContent xmlns:mc="http://schemas.openxmlformats.org/markup-compatibility/2006" xmlns:a14="http://schemas.microsoft.com/office/drawing/2010/main">
-        <mc:Choice Requires="a14">
+      <mc:AlternateContent xmlns:mc="http://schemas.openxmlformats.org/markup-compatibility/2006">
+        <mc:Choice xmlns:a14="http://schemas.microsoft.com/office/drawing/2010/main" Requires="a14">
           <p:sp>
             <p:nvSpPr>
               <p:cNvPr id="18" name="TextBox 17">
                 <a:extLst>
                   <a:ext uri="{FF2B5EF4-FFF2-40B4-BE49-F238E27FC236}">
-                    <a16:creationId xmlns:a16="http://schemas.microsoft.com/office/drawing/2014/main" id="{1CAE324C-62EE-4D4F-96AC-D9DD5C420169}"/>
+                    <ele attr="{1CAE324C-62EE-4D4F-96AC-D9DD5C420169}"/>
                   </a:ext>
                 </a:extLst>
               </p:cNvPr>
@@ -6210,16 +5477,10 @@
             </p:txBody>
           </p:sp>
         </mc:Choice>
-        <mc:Fallback xmlns="">
+        <mc:Fallback>
           <p:sp>
             <p:nvSpPr>
-              <p:cNvPr id="18" name="TextBox 17">
-                <a:extLst>
-                  <a:ext uri="{FF2B5EF4-FFF2-40B4-BE49-F238E27FC236}">
-                    <a16:creationId xmlns:a16="http://schemas.microsoft.com/office/drawing/2014/main" id="{1CAE324C-62EE-4D4F-96AC-D9DD5C420169}"/>
-                  </a:ext>
-                </a:extLst>
-              </p:cNvPr>
+              <p:cNvPr id="18" name="TextBox 17"/>
               <p:cNvSpPr txBox="1">
                 <a:spLocks noRot="1" noChangeAspect="1" noMove="1" noResize="1" noEditPoints="1" noAdjustHandles="1" noChangeArrowheads="1" noChangeShapeType="1" noTextEdit="1"/>
               </p:cNvSpPr>
@@ -6233,8 +5494,8 @@
               <a:prstGeom prst="rect">
                 <a:avLst/>
               </a:prstGeom>
-              <a:blipFill>
-                <a:blip r:embed="rId6"/>
+              <a:blipFill rotWithShape="1">
+                <a:blip r:embed="rId4"/>
                 <a:stretch>
                   <a:fillRect/>
                 </a:stretch>
@@ -6250,19 +5511,22 @@
                   </a:rPr>
                   <a:t> </a:t>
                 </a:r>
+                <a:endParaRPr lang="zh-CN" altLang="en-US">
+                  <a:noFill/>
+                </a:endParaRPr>
               </a:p>
             </p:txBody>
           </p:sp>
         </mc:Fallback>
       </mc:AlternateContent>
-      <mc:AlternateContent xmlns:mc="http://schemas.openxmlformats.org/markup-compatibility/2006" xmlns:a14="http://schemas.microsoft.com/office/drawing/2010/main">
-        <mc:Choice Requires="a14">
+      <mc:AlternateContent xmlns:mc="http://schemas.openxmlformats.org/markup-compatibility/2006">
+        <mc:Choice xmlns:a14="http://schemas.microsoft.com/office/drawing/2010/main" Requires="a14">
           <p:sp>
             <p:nvSpPr>
               <p:cNvPr id="19" name="TextBox 18">
                 <a:extLst>
                   <a:ext uri="{FF2B5EF4-FFF2-40B4-BE49-F238E27FC236}">
-                    <a16:creationId xmlns:a16="http://schemas.microsoft.com/office/drawing/2014/main" id="{2D5CA825-3757-40EC-9BE3-424B39FB5F2C}"/>
+                    <ele attr="{2D5CA825-3757-40EC-9BE3-424B39FB5F2C}"/>
                   </a:ext>
                 </a:extLst>
               </p:cNvPr>
@@ -6322,16 +5586,10 @@
             </p:txBody>
           </p:sp>
         </mc:Choice>
-        <mc:Fallback xmlns="">
+        <mc:Fallback>
           <p:sp>
             <p:nvSpPr>
-              <p:cNvPr id="19" name="TextBox 18">
-                <a:extLst>
-                  <a:ext uri="{FF2B5EF4-FFF2-40B4-BE49-F238E27FC236}">
-                    <a16:creationId xmlns:a16="http://schemas.microsoft.com/office/drawing/2014/main" id="{2D5CA825-3757-40EC-9BE3-424B39FB5F2C}"/>
-                  </a:ext>
-                </a:extLst>
-              </p:cNvPr>
+              <p:cNvPr id="19" name="TextBox 18"/>
               <p:cNvSpPr txBox="1">
                 <a:spLocks noRot="1" noChangeAspect="1" noMove="1" noResize="1" noEditPoints="1" noAdjustHandles="1" noChangeArrowheads="1" noChangeShapeType="1" noTextEdit="1"/>
               </p:cNvSpPr>
@@ -6345,8 +5603,8 @@
               <a:prstGeom prst="rect">
                 <a:avLst/>
               </a:prstGeom>
-              <a:blipFill>
-                <a:blip r:embed="rId7"/>
+              <a:blipFill rotWithShape="1">
+                <a:blip r:embed="rId5"/>
                 <a:stretch>
                   <a:fillRect/>
                 </a:stretch>
@@ -6362,19 +5620,22 @@
                   </a:rPr>
                   <a:t> </a:t>
                 </a:r>
+                <a:endParaRPr lang="zh-CN" altLang="en-US">
+                  <a:noFill/>
+                </a:endParaRPr>
               </a:p>
             </p:txBody>
           </p:sp>
         </mc:Fallback>
       </mc:AlternateContent>
-      <mc:AlternateContent xmlns:mc="http://schemas.openxmlformats.org/markup-compatibility/2006" xmlns:a14="http://schemas.microsoft.com/office/drawing/2010/main">
-        <mc:Choice Requires="a14">
+      <mc:AlternateContent xmlns:mc="http://schemas.openxmlformats.org/markup-compatibility/2006">
+        <mc:Choice xmlns:a14="http://schemas.microsoft.com/office/drawing/2010/main" Requires="a14">
           <p:sp>
             <p:nvSpPr>
               <p:cNvPr id="32" name="TextBox 31">
                 <a:extLst>
                   <a:ext uri="{FF2B5EF4-FFF2-40B4-BE49-F238E27FC236}">
-                    <a16:creationId xmlns:a16="http://schemas.microsoft.com/office/drawing/2014/main" id="{09D602C3-4C51-4C0B-AB13-5DFD944C2362}"/>
+                    <ele attr="{09D602C3-4C51-4C0B-AB13-5DFD944C2362}"/>
                   </a:ext>
                 </a:extLst>
               </p:cNvPr>
@@ -6434,16 +5695,10 @@
             </p:txBody>
           </p:sp>
         </mc:Choice>
-        <mc:Fallback xmlns="">
+        <mc:Fallback>
           <p:sp>
             <p:nvSpPr>
-              <p:cNvPr id="32" name="TextBox 31">
-                <a:extLst>
-                  <a:ext uri="{FF2B5EF4-FFF2-40B4-BE49-F238E27FC236}">
-                    <a16:creationId xmlns:a16="http://schemas.microsoft.com/office/drawing/2014/main" id="{09D602C3-4C51-4C0B-AB13-5DFD944C2362}"/>
-                  </a:ext>
-                </a:extLst>
-              </p:cNvPr>
+              <p:cNvPr id="32" name="TextBox 31"/>
               <p:cNvSpPr txBox="1">
                 <a:spLocks noRot="1" noChangeAspect="1" noMove="1" noResize="1" noEditPoints="1" noAdjustHandles="1" noChangeArrowheads="1" noChangeShapeType="1" noTextEdit="1"/>
               </p:cNvSpPr>
@@ -6457,8 +5712,8 @@
               <a:prstGeom prst="rect">
                 <a:avLst/>
               </a:prstGeom>
-              <a:blipFill>
-                <a:blip r:embed="rId8"/>
+              <a:blipFill rotWithShape="1">
+                <a:blip r:embed="rId6"/>
                 <a:stretch>
                   <a:fillRect/>
                 </a:stretch>
@@ -6474,19 +5729,22 @@
                   </a:rPr>
                   <a:t> </a:t>
                 </a:r>
+                <a:endParaRPr lang="zh-CN" altLang="en-US">
+                  <a:noFill/>
+                </a:endParaRPr>
               </a:p>
             </p:txBody>
           </p:sp>
         </mc:Fallback>
       </mc:AlternateContent>
-      <mc:AlternateContent xmlns:mc="http://schemas.openxmlformats.org/markup-compatibility/2006" xmlns:a14="http://schemas.microsoft.com/office/drawing/2010/main">
-        <mc:Choice Requires="a14">
+      <mc:AlternateContent xmlns:mc="http://schemas.openxmlformats.org/markup-compatibility/2006">
+        <mc:Choice xmlns:a14="http://schemas.microsoft.com/office/drawing/2010/main" Requires="a14">
           <p:sp>
             <p:nvSpPr>
               <p:cNvPr id="39" name="TextBox 38">
                 <a:extLst>
                   <a:ext uri="{FF2B5EF4-FFF2-40B4-BE49-F238E27FC236}">
-                    <a16:creationId xmlns:a16="http://schemas.microsoft.com/office/drawing/2014/main" id="{756C0336-7BD7-42E9-B1D0-28EA30C9F5B1}"/>
+                    <ele attr="{756C0336-7BD7-42E9-B1D0-28EA30C9F5B1}"/>
                   </a:ext>
                 </a:extLst>
               </p:cNvPr>
@@ -6537,16 +5795,10 @@
             </p:txBody>
           </p:sp>
         </mc:Choice>
-        <mc:Fallback xmlns="">
+        <mc:Fallback>
           <p:sp>
             <p:nvSpPr>
-              <p:cNvPr id="39" name="TextBox 38">
-                <a:extLst>
-                  <a:ext uri="{FF2B5EF4-FFF2-40B4-BE49-F238E27FC236}">
-                    <a16:creationId xmlns:a16="http://schemas.microsoft.com/office/drawing/2014/main" id="{756C0336-7BD7-42E9-B1D0-28EA30C9F5B1}"/>
-                  </a:ext>
-                </a:extLst>
-              </p:cNvPr>
+              <p:cNvPr id="39" name="TextBox 38"/>
               <p:cNvSpPr txBox="1">
                 <a:spLocks noRot="1" noChangeAspect="1" noMove="1" noResize="1" noEditPoints="1" noAdjustHandles="1" noChangeArrowheads="1" noChangeShapeType="1" noTextEdit="1"/>
               </p:cNvSpPr>
@@ -6560,8 +5812,8 @@
               <a:prstGeom prst="rect">
                 <a:avLst/>
               </a:prstGeom>
-              <a:blipFill>
-                <a:blip r:embed="rId9"/>
+              <a:blipFill rotWithShape="1">
+                <a:blip r:embed="rId7"/>
                 <a:stretch>
                   <a:fillRect/>
                 </a:stretch>
@@ -6577,19 +5829,22 @@
                   </a:rPr>
                   <a:t> </a:t>
                 </a:r>
+                <a:endParaRPr lang="zh-CN" altLang="en-US">
+                  <a:noFill/>
+                </a:endParaRPr>
               </a:p>
             </p:txBody>
           </p:sp>
         </mc:Fallback>
       </mc:AlternateContent>
-      <mc:AlternateContent xmlns:mc="http://schemas.openxmlformats.org/markup-compatibility/2006" xmlns:a14="http://schemas.microsoft.com/office/drawing/2010/main">
-        <mc:Choice Requires="a14">
+      <mc:AlternateContent xmlns:mc="http://schemas.openxmlformats.org/markup-compatibility/2006">
+        <mc:Choice xmlns:a14="http://schemas.microsoft.com/office/drawing/2010/main" Requires="a14">
           <p:sp>
             <p:nvSpPr>
               <p:cNvPr id="41" name="TextBox 40">
                 <a:extLst>
                   <a:ext uri="{FF2B5EF4-FFF2-40B4-BE49-F238E27FC236}">
-                    <a16:creationId xmlns:a16="http://schemas.microsoft.com/office/drawing/2014/main" id="{FCDD121C-60FB-4D33-B197-E9A5AA5B628F}"/>
+                    <ele attr="{FCDD121C-60FB-4D33-B197-E9A5AA5B628F}"/>
                   </a:ext>
                 </a:extLst>
               </p:cNvPr>
@@ -6640,16 +5895,10 @@
             </p:txBody>
           </p:sp>
         </mc:Choice>
-        <mc:Fallback xmlns="">
+        <mc:Fallback>
           <p:sp>
             <p:nvSpPr>
-              <p:cNvPr id="41" name="TextBox 40">
-                <a:extLst>
-                  <a:ext uri="{FF2B5EF4-FFF2-40B4-BE49-F238E27FC236}">
-                    <a16:creationId xmlns:a16="http://schemas.microsoft.com/office/drawing/2014/main" id="{FCDD121C-60FB-4D33-B197-E9A5AA5B628F}"/>
-                  </a:ext>
-                </a:extLst>
-              </p:cNvPr>
+              <p:cNvPr id="41" name="TextBox 40"/>
               <p:cNvSpPr txBox="1">
                 <a:spLocks noRot="1" noChangeAspect="1" noMove="1" noResize="1" noEditPoints="1" noAdjustHandles="1" noChangeArrowheads="1" noChangeShapeType="1" noTextEdit="1"/>
               </p:cNvSpPr>
@@ -6663,8 +5912,8 @@
               <a:prstGeom prst="rect">
                 <a:avLst/>
               </a:prstGeom>
-              <a:blipFill>
-                <a:blip r:embed="rId10"/>
+              <a:blipFill rotWithShape="1">
+                <a:blip r:embed="rId8"/>
                 <a:stretch>
                   <a:fillRect/>
                 </a:stretch>
@@ -6680,6 +5929,9 @@
                   </a:rPr>
                   <a:t> </a:t>
                 </a:r>
+                <a:endParaRPr lang="zh-CN" altLang="en-US">
+                  <a:noFill/>
+                </a:endParaRPr>
               </a:p>
             </p:txBody>
           </p:sp>
@@ -6687,13 +5939,7 @@
       </mc:AlternateContent>
       <p:sp>
         <p:nvSpPr>
-          <p:cNvPr id="42" name="Rectangle 41">
-            <a:extLst>
-              <a:ext uri="{FF2B5EF4-FFF2-40B4-BE49-F238E27FC236}">
-                <a16:creationId xmlns:a16="http://schemas.microsoft.com/office/drawing/2014/main" id="{53564F2A-F39B-4C6D-8145-5EE69477CF1F}"/>
-              </a:ext>
-            </a:extLst>
-          </p:cNvPr>
+          <p:cNvPr id="42" name="Rectangle 41"/>
           <p:cNvSpPr/>
           <p:nvPr/>
         </p:nvSpPr>
@@ -6739,16 +5985,8 @@
       </p:sp>
       <p:cxnSp>
         <p:nvCxnSpPr>
-          <p:cNvPr id="43" name="Straight Connector 42">
-            <a:extLst>
-              <a:ext uri="{FF2B5EF4-FFF2-40B4-BE49-F238E27FC236}">
-                <a16:creationId xmlns:a16="http://schemas.microsoft.com/office/drawing/2014/main" id="{245D85B0-5801-4C78-9350-91FD298FD95C}"/>
-              </a:ext>
-            </a:extLst>
-          </p:cNvPr>
-          <p:cNvCxnSpPr>
-            <a:cxnSpLocks/>
-          </p:cNvCxnSpPr>
+          <p:cNvPr id="43" name="Straight Connector 42"/>
+          <p:cNvCxnSpPr/>
           <p:nvPr/>
         </p:nvCxnSpPr>
         <p:spPr>
@@ -6782,16 +6020,8 @@
       </p:cxnSp>
       <p:cxnSp>
         <p:nvCxnSpPr>
-          <p:cNvPr id="44" name="Straight Connector 43">
-            <a:extLst>
-              <a:ext uri="{FF2B5EF4-FFF2-40B4-BE49-F238E27FC236}">
-                <a16:creationId xmlns:a16="http://schemas.microsoft.com/office/drawing/2014/main" id="{EB34EBD7-C765-4BE9-AB97-5CEB75FD9B74}"/>
-              </a:ext>
-            </a:extLst>
-          </p:cNvPr>
-          <p:cNvCxnSpPr>
-            <a:cxnSpLocks/>
-          </p:cNvCxnSpPr>
+          <p:cNvPr id="44" name="Straight Connector 43"/>
+          <p:cNvCxnSpPr/>
           <p:nvPr/>
         </p:nvCxnSpPr>
         <p:spPr>
@@ -6823,14 +6053,14 @@
           </a:fontRef>
         </p:style>
       </p:cxnSp>
-      <mc:AlternateContent xmlns:mc="http://schemas.openxmlformats.org/markup-compatibility/2006" xmlns:a14="http://schemas.microsoft.com/office/drawing/2010/main">
-        <mc:Choice Requires="a14">
+      <mc:AlternateContent xmlns:mc="http://schemas.openxmlformats.org/markup-compatibility/2006">
+        <mc:Choice xmlns:a14="http://schemas.microsoft.com/office/drawing/2010/main" Requires="a14">
           <p:sp>
             <p:nvSpPr>
               <p:cNvPr id="45" name="TextBox 44">
                 <a:extLst>
                   <a:ext uri="{FF2B5EF4-FFF2-40B4-BE49-F238E27FC236}">
-                    <a16:creationId xmlns:a16="http://schemas.microsoft.com/office/drawing/2014/main" id="{EA73357A-2EF5-4021-B47C-CF31635EACD3}"/>
+                    <ele attr="{EA73357A-2EF5-4021-B47C-CF31635EACD3}"/>
                   </a:ext>
                 </a:extLst>
               </p:cNvPr>
@@ -6963,16 +6193,10 @@
             </p:txBody>
           </p:sp>
         </mc:Choice>
-        <mc:Fallback xmlns="">
+        <mc:Fallback>
           <p:sp>
             <p:nvSpPr>
-              <p:cNvPr id="45" name="TextBox 44">
-                <a:extLst>
-                  <a:ext uri="{FF2B5EF4-FFF2-40B4-BE49-F238E27FC236}">
-                    <a16:creationId xmlns:a16="http://schemas.microsoft.com/office/drawing/2014/main" id="{EA73357A-2EF5-4021-B47C-CF31635EACD3}"/>
-                  </a:ext>
-                </a:extLst>
-              </p:cNvPr>
+              <p:cNvPr id="45" name="TextBox 44"/>
               <p:cNvSpPr txBox="1">
                 <a:spLocks noRot="1" noChangeAspect="1" noMove="1" noResize="1" noEditPoints="1" noAdjustHandles="1" noChangeArrowheads="1" noChangeShapeType="1" noTextEdit="1"/>
               </p:cNvSpPr>
@@ -6986,8 +6210,8 @@
               <a:prstGeom prst="rect">
                 <a:avLst/>
               </a:prstGeom>
-              <a:blipFill>
-                <a:blip r:embed="rId11"/>
+              <a:blipFill rotWithShape="1">
+                <a:blip r:embed="rId9"/>
                 <a:stretch>
                   <a:fillRect/>
                 </a:stretch>
@@ -7003,6 +6227,9 @@
                   </a:rPr>
                   <a:t> </a:t>
                 </a:r>
+                <a:endParaRPr lang="zh-CN" altLang="en-US">
+                  <a:noFill/>
+                </a:endParaRPr>
               </a:p>
             </p:txBody>
           </p:sp>
@@ -7010,16 +6237,8 @@
       </mc:AlternateContent>
       <p:cxnSp>
         <p:nvCxnSpPr>
-          <p:cNvPr id="46" name="Straight Connector 45">
-            <a:extLst>
-              <a:ext uri="{FF2B5EF4-FFF2-40B4-BE49-F238E27FC236}">
-                <a16:creationId xmlns:a16="http://schemas.microsoft.com/office/drawing/2014/main" id="{9CBC1E5B-453B-4836-8791-E21C658510EA}"/>
-              </a:ext>
-            </a:extLst>
-          </p:cNvPr>
-          <p:cNvCxnSpPr>
-            <a:cxnSpLocks/>
-          </p:cNvCxnSpPr>
+          <p:cNvPr id="46" name="Straight Connector 45"/>
+          <p:cNvCxnSpPr/>
           <p:nvPr/>
         </p:nvCxnSpPr>
         <p:spPr>
@@ -7053,16 +6272,8 @@
       </p:cxnSp>
       <p:cxnSp>
         <p:nvCxnSpPr>
-          <p:cNvPr id="47" name="Straight Connector 46">
-            <a:extLst>
-              <a:ext uri="{FF2B5EF4-FFF2-40B4-BE49-F238E27FC236}">
-                <a16:creationId xmlns:a16="http://schemas.microsoft.com/office/drawing/2014/main" id="{07F344C5-3240-4560-BF44-188D1FB67FD8}"/>
-              </a:ext>
-            </a:extLst>
-          </p:cNvPr>
-          <p:cNvCxnSpPr>
-            <a:cxnSpLocks/>
-          </p:cNvCxnSpPr>
+          <p:cNvPr id="47" name="Straight Connector 46"/>
+          <p:cNvCxnSpPr/>
           <p:nvPr/>
         </p:nvCxnSpPr>
         <p:spPr>
@@ -7094,14 +6305,14 @@
           </a:fontRef>
         </p:style>
       </p:cxnSp>
-      <mc:AlternateContent xmlns:mc="http://schemas.openxmlformats.org/markup-compatibility/2006" xmlns:a14="http://schemas.microsoft.com/office/drawing/2010/main">
-        <mc:Choice Requires="a14">
+      <mc:AlternateContent xmlns:mc="http://schemas.openxmlformats.org/markup-compatibility/2006">
+        <mc:Choice xmlns:a14="http://schemas.microsoft.com/office/drawing/2010/main" Requires="a14">
           <p:sp>
             <p:nvSpPr>
               <p:cNvPr id="48" name="TextBox 47">
                 <a:extLst>
                   <a:ext uri="{FF2B5EF4-FFF2-40B4-BE49-F238E27FC236}">
-                    <a16:creationId xmlns:a16="http://schemas.microsoft.com/office/drawing/2014/main" id="{5BC3F56C-FF6A-49B5-ACF8-5DCC0BDA3E0A}"/>
+                    <ele attr="{5BC3F56C-FF6A-49B5-ACF8-5DCC0BDA3E0A}"/>
                   </a:ext>
                 </a:extLst>
               </p:cNvPr>
@@ -7234,16 +6445,10 @@
             </p:txBody>
           </p:sp>
         </mc:Choice>
-        <mc:Fallback xmlns="">
+        <mc:Fallback>
           <p:sp>
             <p:nvSpPr>
-              <p:cNvPr id="48" name="TextBox 47">
-                <a:extLst>
-                  <a:ext uri="{FF2B5EF4-FFF2-40B4-BE49-F238E27FC236}">
-                    <a16:creationId xmlns:a16="http://schemas.microsoft.com/office/drawing/2014/main" id="{5BC3F56C-FF6A-49B5-ACF8-5DCC0BDA3E0A}"/>
-                  </a:ext>
-                </a:extLst>
-              </p:cNvPr>
+              <p:cNvPr id="48" name="TextBox 47"/>
               <p:cNvSpPr txBox="1">
                 <a:spLocks noRot="1" noChangeAspect="1" noMove="1" noResize="1" noEditPoints="1" noAdjustHandles="1" noChangeArrowheads="1" noChangeShapeType="1" noTextEdit="1"/>
               </p:cNvSpPr>
@@ -7257,8 +6462,8 @@
               <a:prstGeom prst="rect">
                 <a:avLst/>
               </a:prstGeom>
-              <a:blipFill>
-                <a:blip r:embed="rId12"/>
+              <a:blipFill rotWithShape="1">
+                <a:blip r:embed="rId10"/>
                 <a:stretch>
                   <a:fillRect/>
                 </a:stretch>
@@ -7274,19 +6479,22 @@
                   </a:rPr>
                   <a:t> </a:t>
                 </a:r>
+                <a:endParaRPr lang="zh-CN" altLang="en-US">
+                  <a:noFill/>
+                </a:endParaRPr>
               </a:p>
             </p:txBody>
           </p:sp>
         </mc:Fallback>
       </mc:AlternateContent>
-      <mc:AlternateContent xmlns:mc="http://schemas.openxmlformats.org/markup-compatibility/2006" xmlns:a14="http://schemas.microsoft.com/office/drawing/2010/main">
-        <mc:Choice Requires="a14">
+      <mc:AlternateContent xmlns:mc="http://schemas.openxmlformats.org/markup-compatibility/2006">
+        <mc:Choice xmlns:a14="http://schemas.microsoft.com/office/drawing/2010/main" Requires="a14">
           <p:sp>
             <p:nvSpPr>
               <p:cNvPr id="49" name="TextBox 48">
                 <a:extLst>
                   <a:ext uri="{FF2B5EF4-FFF2-40B4-BE49-F238E27FC236}">
-                    <a16:creationId xmlns:a16="http://schemas.microsoft.com/office/drawing/2014/main" id="{B37A9BFC-2DB7-4B9B-9AD9-F860C45C4AFC}"/>
+                    <ele attr="{B37A9BFC-2DB7-4B9B-9AD9-F860C45C4AFC}"/>
                   </a:ext>
                 </a:extLst>
               </p:cNvPr>
@@ -7419,16 +6627,10 @@
             </p:txBody>
           </p:sp>
         </mc:Choice>
-        <mc:Fallback xmlns="">
+        <mc:Fallback>
           <p:sp>
             <p:nvSpPr>
-              <p:cNvPr id="49" name="TextBox 48">
-                <a:extLst>
-                  <a:ext uri="{FF2B5EF4-FFF2-40B4-BE49-F238E27FC236}">
-                    <a16:creationId xmlns:a16="http://schemas.microsoft.com/office/drawing/2014/main" id="{B37A9BFC-2DB7-4B9B-9AD9-F860C45C4AFC}"/>
-                  </a:ext>
-                </a:extLst>
-              </p:cNvPr>
+              <p:cNvPr id="49" name="TextBox 48"/>
               <p:cNvSpPr txBox="1">
                 <a:spLocks noRot="1" noChangeAspect="1" noMove="1" noResize="1" noEditPoints="1" noAdjustHandles="1" noChangeArrowheads="1" noChangeShapeType="1" noTextEdit="1"/>
               </p:cNvSpPr>
@@ -7442,8 +6644,8 @@
               <a:prstGeom prst="rect">
                 <a:avLst/>
               </a:prstGeom>
-              <a:blipFill>
-                <a:blip r:embed="rId13"/>
+              <a:blipFill rotWithShape="1">
+                <a:blip r:embed="rId11"/>
                 <a:stretch>
                   <a:fillRect/>
                 </a:stretch>
@@ -7459,19 +6661,22 @@
                   </a:rPr>
                   <a:t> </a:t>
                 </a:r>
+                <a:endParaRPr lang="zh-CN" altLang="en-US">
+                  <a:noFill/>
+                </a:endParaRPr>
               </a:p>
             </p:txBody>
           </p:sp>
         </mc:Fallback>
       </mc:AlternateContent>
-      <mc:AlternateContent xmlns:mc="http://schemas.openxmlformats.org/markup-compatibility/2006" xmlns:a14="http://schemas.microsoft.com/office/drawing/2010/main">
-        <mc:Choice Requires="a14">
+      <mc:AlternateContent xmlns:mc="http://schemas.openxmlformats.org/markup-compatibility/2006">
+        <mc:Choice xmlns:a14="http://schemas.microsoft.com/office/drawing/2010/main" Requires="a14">
           <p:sp>
             <p:nvSpPr>
               <p:cNvPr id="50" name="TextBox 49">
                 <a:extLst>
                   <a:ext uri="{FF2B5EF4-FFF2-40B4-BE49-F238E27FC236}">
-                    <a16:creationId xmlns:a16="http://schemas.microsoft.com/office/drawing/2014/main" id="{44250EB2-F9D1-4365-9EFF-CBF4121FCED8}"/>
+                    <ele attr="{44250EB2-F9D1-4365-9EFF-CBF4121FCED8}"/>
                   </a:ext>
                 </a:extLst>
               </p:cNvPr>
@@ -7554,16 +6759,10 @@
             </p:txBody>
           </p:sp>
         </mc:Choice>
-        <mc:Fallback xmlns="">
+        <mc:Fallback>
           <p:sp>
             <p:nvSpPr>
-              <p:cNvPr id="50" name="TextBox 49">
-                <a:extLst>
-                  <a:ext uri="{FF2B5EF4-FFF2-40B4-BE49-F238E27FC236}">
-                    <a16:creationId xmlns:a16="http://schemas.microsoft.com/office/drawing/2014/main" id="{44250EB2-F9D1-4365-9EFF-CBF4121FCED8}"/>
-                  </a:ext>
-                </a:extLst>
-              </p:cNvPr>
+              <p:cNvPr id="50" name="TextBox 49"/>
               <p:cNvSpPr txBox="1">
                 <a:spLocks noRot="1" noChangeAspect="1" noMove="1" noResize="1" noEditPoints="1" noAdjustHandles="1" noChangeArrowheads="1" noChangeShapeType="1" noTextEdit="1"/>
               </p:cNvSpPr>
@@ -7577,8 +6776,8 @@
               <a:prstGeom prst="rect">
                 <a:avLst/>
               </a:prstGeom>
-              <a:blipFill>
-                <a:blip r:embed="rId14"/>
+              <a:blipFill rotWithShape="1">
+                <a:blip r:embed="rId12"/>
                 <a:stretch>
                   <a:fillRect/>
                 </a:stretch>
@@ -7594,19 +6793,22 @@
                   </a:rPr>
                   <a:t> </a:t>
                 </a:r>
+                <a:endParaRPr lang="zh-CN" altLang="en-US">
+                  <a:noFill/>
+                </a:endParaRPr>
               </a:p>
             </p:txBody>
           </p:sp>
         </mc:Fallback>
       </mc:AlternateContent>
-      <mc:AlternateContent xmlns:mc="http://schemas.openxmlformats.org/markup-compatibility/2006" xmlns:a14="http://schemas.microsoft.com/office/drawing/2010/main">
-        <mc:Choice Requires="a14">
+      <mc:AlternateContent xmlns:mc="http://schemas.openxmlformats.org/markup-compatibility/2006">
+        <mc:Choice xmlns:a14="http://schemas.microsoft.com/office/drawing/2010/main" Requires="a14">
           <p:sp>
             <p:nvSpPr>
               <p:cNvPr id="51" name="TextBox 50">
                 <a:extLst>
                   <a:ext uri="{FF2B5EF4-FFF2-40B4-BE49-F238E27FC236}">
-                    <a16:creationId xmlns:a16="http://schemas.microsoft.com/office/drawing/2014/main" id="{ED7A0522-1469-4CFE-ACE5-4234F6C09229}"/>
+                    <ele attr="{ED7A0522-1469-4CFE-ACE5-4234F6C09229}"/>
                   </a:ext>
                 </a:extLst>
               </p:cNvPr>
@@ -7666,16 +6868,10 @@
             </p:txBody>
           </p:sp>
         </mc:Choice>
-        <mc:Fallback xmlns="">
+        <mc:Fallback>
           <p:sp>
             <p:nvSpPr>
-              <p:cNvPr id="51" name="TextBox 50">
-                <a:extLst>
-                  <a:ext uri="{FF2B5EF4-FFF2-40B4-BE49-F238E27FC236}">
-                    <a16:creationId xmlns:a16="http://schemas.microsoft.com/office/drawing/2014/main" id="{ED7A0522-1469-4CFE-ACE5-4234F6C09229}"/>
-                  </a:ext>
-                </a:extLst>
-              </p:cNvPr>
+              <p:cNvPr id="51" name="TextBox 50"/>
               <p:cNvSpPr txBox="1">
                 <a:spLocks noRot="1" noChangeAspect="1" noMove="1" noResize="1" noEditPoints="1" noAdjustHandles="1" noChangeArrowheads="1" noChangeShapeType="1" noTextEdit="1"/>
               </p:cNvSpPr>
@@ -7689,8 +6885,8 @@
               <a:prstGeom prst="rect">
                 <a:avLst/>
               </a:prstGeom>
-              <a:blipFill>
-                <a:blip r:embed="rId15"/>
+              <a:blipFill rotWithShape="1">
+                <a:blip r:embed="rId13"/>
                 <a:stretch>
                   <a:fillRect/>
                 </a:stretch>
@@ -7706,19 +6902,22 @@
                   </a:rPr>
                   <a:t> </a:t>
                 </a:r>
+                <a:endParaRPr lang="zh-CN" altLang="en-US">
+                  <a:noFill/>
+                </a:endParaRPr>
               </a:p>
             </p:txBody>
           </p:sp>
         </mc:Fallback>
       </mc:AlternateContent>
-      <mc:AlternateContent xmlns:mc="http://schemas.openxmlformats.org/markup-compatibility/2006" xmlns:a14="http://schemas.microsoft.com/office/drawing/2010/main">
-        <mc:Choice Requires="a14">
+      <mc:AlternateContent xmlns:mc="http://schemas.openxmlformats.org/markup-compatibility/2006">
+        <mc:Choice xmlns:a14="http://schemas.microsoft.com/office/drawing/2010/main" Requires="a14">
           <p:sp>
             <p:nvSpPr>
               <p:cNvPr id="52" name="TextBox 51">
                 <a:extLst>
                   <a:ext uri="{FF2B5EF4-FFF2-40B4-BE49-F238E27FC236}">
-                    <a16:creationId xmlns:a16="http://schemas.microsoft.com/office/drawing/2014/main" id="{66489013-9938-493F-B615-C60514FBEE46}"/>
+                    <ele attr="{66489013-9938-493F-B615-C60514FBEE46}"/>
                   </a:ext>
                 </a:extLst>
               </p:cNvPr>
@@ -7778,16 +6977,10 @@
             </p:txBody>
           </p:sp>
         </mc:Choice>
-        <mc:Fallback xmlns="">
+        <mc:Fallback>
           <p:sp>
             <p:nvSpPr>
-              <p:cNvPr id="52" name="TextBox 51">
-                <a:extLst>
-                  <a:ext uri="{FF2B5EF4-FFF2-40B4-BE49-F238E27FC236}">
-                    <a16:creationId xmlns:a16="http://schemas.microsoft.com/office/drawing/2014/main" id="{66489013-9938-493F-B615-C60514FBEE46}"/>
-                  </a:ext>
-                </a:extLst>
-              </p:cNvPr>
+              <p:cNvPr id="52" name="TextBox 51"/>
               <p:cNvSpPr txBox="1">
                 <a:spLocks noRot="1" noChangeAspect="1" noMove="1" noResize="1" noEditPoints="1" noAdjustHandles="1" noChangeArrowheads="1" noChangeShapeType="1" noTextEdit="1"/>
               </p:cNvSpPr>
@@ -7801,8 +6994,8 @@
               <a:prstGeom prst="rect">
                 <a:avLst/>
               </a:prstGeom>
-              <a:blipFill>
-                <a:blip r:embed="rId16"/>
+              <a:blipFill rotWithShape="1">
+                <a:blip r:embed="rId14"/>
                 <a:stretch>
                   <a:fillRect/>
                 </a:stretch>
@@ -7818,19 +7011,22 @@
                   </a:rPr>
                   <a:t> </a:t>
                 </a:r>
+                <a:endParaRPr lang="zh-CN" altLang="en-US">
+                  <a:noFill/>
+                </a:endParaRPr>
               </a:p>
             </p:txBody>
           </p:sp>
         </mc:Fallback>
       </mc:AlternateContent>
-      <mc:AlternateContent xmlns:mc="http://schemas.openxmlformats.org/markup-compatibility/2006" xmlns:a14="http://schemas.microsoft.com/office/drawing/2010/main">
-        <mc:Choice Requires="a14">
+      <mc:AlternateContent xmlns:mc="http://schemas.openxmlformats.org/markup-compatibility/2006">
+        <mc:Choice xmlns:a14="http://schemas.microsoft.com/office/drawing/2010/main" Requires="a14">
           <p:sp>
             <p:nvSpPr>
               <p:cNvPr id="53" name="TextBox 52">
                 <a:extLst>
                   <a:ext uri="{FF2B5EF4-FFF2-40B4-BE49-F238E27FC236}">
-                    <a16:creationId xmlns:a16="http://schemas.microsoft.com/office/drawing/2014/main" id="{071483CC-0C51-47B3-B643-0D9A7A30E9AF}"/>
+                    <ele attr="{071483CC-0C51-47B3-B643-0D9A7A30E9AF}"/>
                   </a:ext>
                 </a:extLst>
               </p:cNvPr>
@@ -7881,16 +7077,10 @@
             </p:txBody>
           </p:sp>
         </mc:Choice>
-        <mc:Fallback xmlns="">
+        <mc:Fallback>
           <p:sp>
             <p:nvSpPr>
-              <p:cNvPr id="53" name="TextBox 52">
-                <a:extLst>
-                  <a:ext uri="{FF2B5EF4-FFF2-40B4-BE49-F238E27FC236}">
-                    <a16:creationId xmlns:a16="http://schemas.microsoft.com/office/drawing/2014/main" id="{071483CC-0C51-47B3-B643-0D9A7A30E9AF}"/>
-                  </a:ext>
-                </a:extLst>
-              </p:cNvPr>
+              <p:cNvPr id="53" name="TextBox 52"/>
               <p:cNvSpPr txBox="1">
                 <a:spLocks noRot="1" noChangeAspect="1" noMove="1" noResize="1" noEditPoints="1" noAdjustHandles="1" noChangeArrowheads="1" noChangeShapeType="1" noTextEdit="1"/>
               </p:cNvSpPr>
@@ -7904,8 +7094,8 @@
               <a:prstGeom prst="rect">
                 <a:avLst/>
               </a:prstGeom>
-              <a:blipFill>
-                <a:blip r:embed="rId17"/>
+              <a:blipFill rotWithShape="1">
+                <a:blip r:embed="rId15"/>
                 <a:stretch>
                   <a:fillRect/>
                 </a:stretch>
@@ -7921,19 +7111,22 @@
                   </a:rPr>
                   <a:t> </a:t>
                 </a:r>
+                <a:endParaRPr lang="zh-CN" altLang="en-US">
+                  <a:noFill/>
+                </a:endParaRPr>
               </a:p>
             </p:txBody>
           </p:sp>
         </mc:Fallback>
       </mc:AlternateContent>
-      <mc:AlternateContent xmlns:mc="http://schemas.openxmlformats.org/markup-compatibility/2006" xmlns:a14="http://schemas.microsoft.com/office/drawing/2010/main">
-        <mc:Choice Requires="a14">
+      <mc:AlternateContent xmlns:mc="http://schemas.openxmlformats.org/markup-compatibility/2006">
+        <mc:Choice xmlns:a14="http://schemas.microsoft.com/office/drawing/2010/main" Requires="a14">
           <p:sp>
             <p:nvSpPr>
               <p:cNvPr id="54" name="TextBox 53">
                 <a:extLst>
                   <a:ext uri="{FF2B5EF4-FFF2-40B4-BE49-F238E27FC236}">
-                    <a16:creationId xmlns:a16="http://schemas.microsoft.com/office/drawing/2014/main" id="{B0439D01-1443-4BEF-9214-FF8A060FB68D}"/>
+                    <ele attr="{B0439D01-1443-4BEF-9214-FF8A060FB68D}"/>
                   </a:ext>
                 </a:extLst>
               </p:cNvPr>
@@ -7984,16 +7177,10 @@
             </p:txBody>
           </p:sp>
         </mc:Choice>
-        <mc:Fallback xmlns="">
+        <mc:Fallback>
           <p:sp>
             <p:nvSpPr>
-              <p:cNvPr id="54" name="TextBox 53">
-                <a:extLst>
-                  <a:ext uri="{FF2B5EF4-FFF2-40B4-BE49-F238E27FC236}">
-                    <a16:creationId xmlns:a16="http://schemas.microsoft.com/office/drawing/2014/main" id="{B0439D01-1443-4BEF-9214-FF8A060FB68D}"/>
-                  </a:ext>
-                </a:extLst>
-              </p:cNvPr>
+              <p:cNvPr id="54" name="TextBox 53"/>
               <p:cNvSpPr txBox="1">
                 <a:spLocks noRot="1" noChangeAspect="1" noMove="1" noResize="1" noEditPoints="1" noAdjustHandles="1" noChangeArrowheads="1" noChangeShapeType="1" noTextEdit="1"/>
               </p:cNvSpPr>
@@ -8007,8 +7194,8 @@
               <a:prstGeom prst="rect">
                 <a:avLst/>
               </a:prstGeom>
-              <a:blipFill>
-                <a:blip r:embed="rId18"/>
+              <a:blipFill rotWithShape="1">
+                <a:blip r:embed="rId16"/>
                 <a:stretch>
                   <a:fillRect/>
                 </a:stretch>
@@ -8024,6 +7211,9 @@
                   </a:rPr>
                   <a:t> </a:t>
                 </a:r>
+                <a:endParaRPr lang="zh-CN" altLang="en-US">
+                  <a:noFill/>
+                </a:endParaRPr>
               </a:p>
             </p:txBody>
           </p:sp>
@@ -8031,13 +7221,7 @@
       </mc:AlternateContent>
       <p:sp>
         <p:nvSpPr>
-          <p:cNvPr id="2" name="Oval 1">
-            <a:extLst>
-              <a:ext uri="{FF2B5EF4-FFF2-40B4-BE49-F238E27FC236}">
-                <a16:creationId xmlns:a16="http://schemas.microsoft.com/office/drawing/2014/main" id="{56857875-03A0-4C08-BFE6-D2B58ECB3046}"/>
-              </a:ext>
-            </a:extLst>
-          </p:cNvPr>
+          <p:cNvPr id="2" name="Oval 1"/>
           <p:cNvSpPr/>
           <p:nvPr/>
         </p:nvSpPr>
@@ -8083,13 +7267,7 @@
       </p:sp>
       <p:sp>
         <p:nvSpPr>
-          <p:cNvPr id="3" name="Oval 2">
-            <a:extLst>
-              <a:ext uri="{FF2B5EF4-FFF2-40B4-BE49-F238E27FC236}">
-                <a16:creationId xmlns:a16="http://schemas.microsoft.com/office/drawing/2014/main" id="{21309F1B-9B4B-49BF-9AED-D19A5A46F2C2}"/>
-              </a:ext>
-            </a:extLst>
-          </p:cNvPr>
+          <p:cNvPr id="3" name="Oval 2"/>
           <p:cNvSpPr/>
           <p:nvPr/>
         </p:nvSpPr>
@@ -8134,11 +7312,6 @@
         </p:txBody>
       </p:sp>
     </p:spTree>
-    <p:extLst>
-      <p:ext uri="{BB962C8B-B14F-4D97-AF65-F5344CB8AC3E}">
-        <p14:creationId xmlns:p14="http://schemas.microsoft.com/office/powerpoint/2010/main" val="2676025378"/>
-      </p:ext>
-    </p:extLst>
   </p:cSld>
   <p:clrMapOvr>
     <a:masterClrMapping/>
@@ -8165,13 +7338,7 @@
       </p:grpSpPr>
       <p:sp>
         <p:nvSpPr>
-          <p:cNvPr id="15" name="TextBox 14">
-            <a:extLst>
-              <a:ext uri="{FF2B5EF4-FFF2-40B4-BE49-F238E27FC236}">
-                <a16:creationId xmlns:a16="http://schemas.microsoft.com/office/drawing/2014/main" id="{09BAFE0D-9B4D-4B05-B28E-97FBFE7CE979}"/>
-              </a:ext>
-            </a:extLst>
-          </p:cNvPr>
+          <p:cNvPr id="15" name="TextBox 14"/>
           <p:cNvSpPr txBox="1"/>
           <p:nvPr/>
         </p:nvSpPr>
@@ -8205,16 +7372,8 @@
       </p:sp>
       <p:cxnSp>
         <p:nvCxnSpPr>
-          <p:cNvPr id="20" name="Straight Connector 19">
-            <a:extLst>
-              <a:ext uri="{FF2B5EF4-FFF2-40B4-BE49-F238E27FC236}">
-                <a16:creationId xmlns:a16="http://schemas.microsoft.com/office/drawing/2014/main" id="{7F5A8B8C-6E22-4A31-9AFE-A8AD15E407B1}"/>
-              </a:ext>
-            </a:extLst>
-          </p:cNvPr>
-          <p:cNvCxnSpPr>
-            <a:cxnSpLocks/>
-          </p:cNvCxnSpPr>
+          <p:cNvPr id="20" name="Straight Connector 19"/>
+          <p:cNvCxnSpPr/>
           <p:nvPr/>
         </p:nvCxnSpPr>
         <p:spPr>
@@ -8248,16 +7407,8 @@
       </p:cxnSp>
       <p:cxnSp>
         <p:nvCxnSpPr>
-          <p:cNvPr id="31" name="Straight Connector 30">
-            <a:extLst>
-              <a:ext uri="{FF2B5EF4-FFF2-40B4-BE49-F238E27FC236}">
-                <a16:creationId xmlns:a16="http://schemas.microsoft.com/office/drawing/2014/main" id="{AA10CC68-7437-44BB-8D75-D258260BB744}"/>
-              </a:ext>
-            </a:extLst>
-          </p:cNvPr>
-          <p:cNvCxnSpPr>
-            <a:cxnSpLocks/>
-          </p:cNvCxnSpPr>
+          <p:cNvPr id="31" name="Straight Connector 30"/>
+          <p:cNvCxnSpPr/>
           <p:nvPr/>
         </p:nvCxnSpPr>
         <p:spPr>
@@ -8291,13 +7442,7 @@
       </p:cxnSp>
       <p:sp>
         <p:nvSpPr>
-          <p:cNvPr id="4" name="Rectangle 3">
-            <a:extLst>
-              <a:ext uri="{FF2B5EF4-FFF2-40B4-BE49-F238E27FC236}">
-                <a16:creationId xmlns:a16="http://schemas.microsoft.com/office/drawing/2014/main" id="{62CD072F-8A98-43A9-86D5-209AA118294C}"/>
-              </a:ext>
-            </a:extLst>
-          </p:cNvPr>
+          <p:cNvPr id="4" name="Rectangle 3"/>
           <p:cNvSpPr/>
           <p:nvPr/>
         </p:nvSpPr>
@@ -8343,16 +7488,8 @@
       </p:sp>
       <p:cxnSp>
         <p:nvCxnSpPr>
-          <p:cNvPr id="52" name="Straight Connector 51">
-            <a:extLst>
-              <a:ext uri="{FF2B5EF4-FFF2-40B4-BE49-F238E27FC236}">
-                <a16:creationId xmlns:a16="http://schemas.microsoft.com/office/drawing/2014/main" id="{83F7D978-ABBD-4210-8DB8-6302471A8FDD}"/>
-              </a:ext>
-            </a:extLst>
-          </p:cNvPr>
-          <p:cNvCxnSpPr>
-            <a:cxnSpLocks/>
-          </p:cNvCxnSpPr>
+          <p:cNvPr id="52" name="Straight Connector 51"/>
+          <p:cNvCxnSpPr/>
           <p:nvPr/>
         </p:nvCxnSpPr>
         <p:spPr>
@@ -8386,16 +7523,8 @@
       </p:cxnSp>
       <p:cxnSp>
         <p:nvCxnSpPr>
-          <p:cNvPr id="53" name="Straight Connector 52">
-            <a:extLst>
-              <a:ext uri="{FF2B5EF4-FFF2-40B4-BE49-F238E27FC236}">
-                <a16:creationId xmlns:a16="http://schemas.microsoft.com/office/drawing/2014/main" id="{A67B62BC-8A90-419A-9167-D4826085ED38}"/>
-              </a:ext>
-            </a:extLst>
-          </p:cNvPr>
-          <p:cNvCxnSpPr>
-            <a:cxnSpLocks/>
-          </p:cNvCxnSpPr>
+          <p:cNvPr id="53" name="Straight Connector 52"/>
+          <p:cNvCxnSpPr/>
           <p:nvPr/>
         </p:nvCxnSpPr>
         <p:spPr>
@@ -8429,13 +7558,7 @@
       </p:cxnSp>
       <p:sp>
         <p:nvSpPr>
-          <p:cNvPr id="54" name="Rectangle 53">
-            <a:extLst>
-              <a:ext uri="{FF2B5EF4-FFF2-40B4-BE49-F238E27FC236}">
-                <a16:creationId xmlns:a16="http://schemas.microsoft.com/office/drawing/2014/main" id="{46A4D478-1FE0-4301-B748-D42D77AEC415}"/>
-              </a:ext>
-            </a:extLst>
-          </p:cNvPr>
+          <p:cNvPr id="54" name="Rectangle 53"/>
           <p:cNvSpPr/>
           <p:nvPr/>
         </p:nvSpPr>
@@ -8481,16 +7604,8 @@
       </p:sp>
       <p:cxnSp>
         <p:nvCxnSpPr>
-          <p:cNvPr id="57" name="Straight Connector 56">
-            <a:extLst>
-              <a:ext uri="{FF2B5EF4-FFF2-40B4-BE49-F238E27FC236}">
-                <a16:creationId xmlns:a16="http://schemas.microsoft.com/office/drawing/2014/main" id="{37A761D3-ADBC-41CF-858B-19FBA3BF0B85}"/>
-              </a:ext>
-            </a:extLst>
-          </p:cNvPr>
-          <p:cNvCxnSpPr>
-            <a:cxnSpLocks/>
-          </p:cNvCxnSpPr>
+          <p:cNvPr id="57" name="Straight Connector 56"/>
+          <p:cNvCxnSpPr/>
           <p:nvPr/>
         </p:nvCxnSpPr>
         <p:spPr>
@@ -8524,16 +7639,8 @@
       </p:cxnSp>
       <p:cxnSp>
         <p:nvCxnSpPr>
-          <p:cNvPr id="58" name="Straight Connector 57">
-            <a:extLst>
-              <a:ext uri="{FF2B5EF4-FFF2-40B4-BE49-F238E27FC236}">
-                <a16:creationId xmlns:a16="http://schemas.microsoft.com/office/drawing/2014/main" id="{A550FACE-5A78-4C73-ABE9-4531DF4F32B5}"/>
-              </a:ext>
-            </a:extLst>
-          </p:cNvPr>
-          <p:cNvCxnSpPr>
-            <a:cxnSpLocks/>
-          </p:cNvCxnSpPr>
+          <p:cNvPr id="58" name="Straight Connector 57"/>
+          <p:cNvCxnSpPr/>
           <p:nvPr/>
         </p:nvCxnSpPr>
         <p:spPr>
@@ -8567,13 +7674,7 @@
       </p:cxnSp>
       <p:sp>
         <p:nvSpPr>
-          <p:cNvPr id="59" name="Rectangle 58">
-            <a:extLst>
-              <a:ext uri="{FF2B5EF4-FFF2-40B4-BE49-F238E27FC236}">
-                <a16:creationId xmlns:a16="http://schemas.microsoft.com/office/drawing/2014/main" id="{226F3CDD-6A12-4087-8ABC-AA42C5E6D1A6}"/>
-              </a:ext>
-            </a:extLst>
-          </p:cNvPr>
+          <p:cNvPr id="59" name="Rectangle 58"/>
           <p:cNvSpPr/>
           <p:nvPr/>
         </p:nvSpPr>
@@ -8619,16 +7720,8 @@
       </p:sp>
       <p:cxnSp>
         <p:nvCxnSpPr>
-          <p:cNvPr id="61" name="Straight Connector 60">
-            <a:extLst>
-              <a:ext uri="{FF2B5EF4-FFF2-40B4-BE49-F238E27FC236}">
-                <a16:creationId xmlns:a16="http://schemas.microsoft.com/office/drawing/2014/main" id="{CA7833D8-2FF3-46AF-8B5C-946DDF90EDDC}"/>
-              </a:ext>
-            </a:extLst>
-          </p:cNvPr>
-          <p:cNvCxnSpPr>
-            <a:cxnSpLocks/>
-          </p:cNvCxnSpPr>
+          <p:cNvPr id="61" name="Straight Connector 60"/>
+          <p:cNvCxnSpPr/>
           <p:nvPr/>
         </p:nvCxnSpPr>
         <p:spPr>
@@ -8662,16 +7755,8 @@
       </p:cxnSp>
       <p:cxnSp>
         <p:nvCxnSpPr>
-          <p:cNvPr id="62" name="Straight Connector 61">
-            <a:extLst>
-              <a:ext uri="{FF2B5EF4-FFF2-40B4-BE49-F238E27FC236}">
-                <a16:creationId xmlns:a16="http://schemas.microsoft.com/office/drawing/2014/main" id="{0928D314-BAF8-4B50-894B-7C45236AAC5B}"/>
-              </a:ext>
-            </a:extLst>
-          </p:cNvPr>
-          <p:cNvCxnSpPr>
-            <a:cxnSpLocks/>
-          </p:cNvCxnSpPr>
+          <p:cNvPr id="62" name="Straight Connector 61"/>
+          <p:cNvCxnSpPr/>
           <p:nvPr/>
         </p:nvCxnSpPr>
         <p:spPr>
@@ -8705,13 +7790,7 @@
       </p:cxnSp>
       <p:sp>
         <p:nvSpPr>
-          <p:cNvPr id="63" name="Rectangle 62">
-            <a:extLst>
-              <a:ext uri="{FF2B5EF4-FFF2-40B4-BE49-F238E27FC236}">
-                <a16:creationId xmlns:a16="http://schemas.microsoft.com/office/drawing/2014/main" id="{79D9B79C-34BB-496E-91FA-6B53ECF928F3}"/>
-              </a:ext>
-            </a:extLst>
-          </p:cNvPr>
+          <p:cNvPr id="63" name="Rectangle 62"/>
           <p:cNvSpPr/>
           <p:nvPr/>
         </p:nvSpPr>
@@ -8757,13 +7836,7 @@
       </p:sp>
       <p:sp>
         <p:nvSpPr>
-          <p:cNvPr id="83" name="TextBox 82">
-            <a:extLst>
-              <a:ext uri="{FF2B5EF4-FFF2-40B4-BE49-F238E27FC236}">
-                <a16:creationId xmlns:a16="http://schemas.microsoft.com/office/drawing/2014/main" id="{018AC509-3759-4B9B-A2E7-DD09A321BD42}"/>
-              </a:ext>
-            </a:extLst>
-          </p:cNvPr>
+          <p:cNvPr id="83" name="TextBox 82"/>
           <p:cNvSpPr txBox="1"/>
           <p:nvPr/>
         </p:nvSpPr>
@@ -8793,13 +7866,7 @@
       </p:sp>
       <p:sp>
         <p:nvSpPr>
-          <p:cNvPr id="85" name="TextBox 84">
-            <a:extLst>
-              <a:ext uri="{FF2B5EF4-FFF2-40B4-BE49-F238E27FC236}">
-                <a16:creationId xmlns:a16="http://schemas.microsoft.com/office/drawing/2014/main" id="{A04F2829-7760-4EEC-8BA4-47B7D32F540C}"/>
-              </a:ext>
-            </a:extLst>
-          </p:cNvPr>
+          <p:cNvPr id="85" name="TextBox 84"/>
           <p:cNvSpPr txBox="1"/>
           <p:nvPr/>
         </p:nvSpPr>
@@ -8829,13 +7896,7 @@
       </p:sp>
       <p:sp>
         <p:nvSpPr>
-          <p:cNvPr id="87" name="TextBox 86">
-            <a:extLst>
-              <a:ext uri="{FF2B5EF4-FFF2-40B4-BE49-F238E27FC236}">
-                <a16:creationId xmlns:a16="http://schemas.microsoft.com/office/drawing/2014/main" id="{5AF6ADDB-FC3B-45E8-BEE4-414372D023A3}"/>
-              </a:ext>
-            </a:extLst>
-          </p:cNvPr>
+          <p:cNvPr id="87" name="TextBox 86"/>
           <p:cNvSpPr txBox="1"/>
           <p:nvPr/>
         </p:nvSpPr>
@@ -8865,13 +7926,7 @@
       </p:sp>
       <p:sp>
         <p:nvSpPr>
-          <p:cNvPr id="89" name="TextBox 88">
-            <a:extLst>
-              <a:ext uri="{FF2B5EF4-FFF2-40B4-BE49-F238E27FC236}">
-                <a16:creationId xmlns:a16="http://schemas.microsoft.com/office/drawing/2014/main" id="{89D65CAB-DE08-4B37-8E89-73885DC7D4AD}"/>
-              </a:ext>
-            </a:extLst>
-          </p:cNvPr>
+          <p:cNvPr id="89" name="TextBox 88"/>
           <p:cNvSpPr txBox="1"/>
           <p:nvPr/>
         </p:nvSpPr>
@@ -8901,13 +7956,7 @@
       </p:sp>
       <p:sp>
         <p:nvSpPr>
-          <p:cNvPr id="91" name="TextBox 90">
-            <a:extLst>
-              <a:ext uri="{FF2B5EF4-FFF2-40B4-BE49-F238E27FC236}">
-                <a16:creationId xmlns:a16="http://schemas.microsoft.com/office/drawing/2014/main" id="{E3BC6467-F96B-4F42-877A-02AF17F0509E}"/>
-              </a:ext>
-            </a:extLst>
-          </p:cNvPr>
+          <p:cNvPr id="91" name="TextBox 90"/>
           <p:cNvSpPr txBox="1"/>
           <p:nvPr/>
         </p:nvSpPr>
@@ -8937,13 +7986,7 @@
       </p:sp>
       <p:sp>
         <p:nvSpPr>
-          <p:cNvPr id="93" name="TextBox 92">
-            <a:extLst>
-              <a:ext uri="{FF2B5EF4-FFF2-40B4-BE49-F238E27FC236}">
-                <a16:creationId xmlns:a16="http://schemas.microsoft.com/office/drawing/2014/main" id="{1FE85698-319D-4A75-9C9F-14868B069D98}"/>
-              </a:ext>
-            </a:extLst>
-          </p:cNvPr>
+          <p:cNvPr id="93" name="TextBox 92"/>
           <p:cNvSpPr txBox="1"/>
           <p:nvPr/>
         </p:nvSpPr>
@@ -8973,13 +8016,7 @@
       </p:sp>
       <p:sp>
         <p:nvSpPr>
-          <p:cNvPr id="95" name="TextBox 94">
-            <a:extLst>
-              <a:ext uri="{FF2B5EF4-FFF2-40B4-BE49-F238E27FC236}">
-                <a16:creationId xmlns:a16="http://schemas.microsoft.com/office/drawing/2014/main" id="{738B5B68-2DC3-4D22-BB15-DA131820677B}"/>
-              </a:ext>
-            </a:extLst>
-          </p:cNvPr>
+          <p:cNvPr id="95" name="TextBox 94"/>
           <p:cNvSpPr txBox="1"/>
           <p:nvPr/>
         </p:nvSpPr>
@@ -9009,13 +8046,7 @@
       </p:sp>
       <p:sp>
         <p:nvSpPr>
-          <p:cNvPr id="97" name="TextBox 96">
-            <a:extLst>
-              <a:ext uri="{FF2B5EF4-FFF2-40B4-BE49-F238E27FC236}">
-                <a16:creationId xmlns:a16="http://schemas.microsoft.com/office/drawing/2014/main" id="{499118F5-2A9F-4613-9518-52A4F163F8CF}"/>
-              </a:ext>
-            </a:extLst>
-          </p:cNvPr>
+          <p:cNvPr id="97" name="TextBox 96"/>
           <p:cNvSpPr txBox="1"/>
           <p:nvPr/>
         </p:nvSpPr>
@@ -9045,13 +8076,7 @@
       </p:sp>
       <p:sp>
         <p:nvSpPr>
-          <p:cNvPr id="99" name="TextBox 98">
-            <a:extLst>
-              <a:ext uri="{FF2B5EF4-FFF2-40B4-BE49-F238E27FC236}">
-                <a16:creationId xmlns:a16="http://schemas.microsoft.com/office/drawing/2014/main" id="{4C6E2344-244E-4959-92C8-61ED8811D8C1}"/>
-              </a:ext>
-            </a:extLst>
-          </p:cNvPr>
+          <p:cNvPr id="99" name="TextBox 98"/>
           <p:cNvSpPr txBox="1"/>
           <p:nvPr/>
         </p:nvSpPr>
@@ -9081,13 +8106,7 @@
       </p:sp>
       <p:sp>
         <p:nvSpPr>
-          <p:cNvPr id="101" name="TextBox 100">
-            <a:extLst>
-              <a:ext uri="{FF2B5EF4-FFF2-40B4-BE49-F238E27FC236}">
-                <a16:creationId xmlns:a16="http://schemas.microsoft.com/office/drawing/2014/main" id="{5CFC6268-B924-464D-B05B-C70315A1BE89}"/>
-              </a:ext>
-            </a:extLst>
-          </p:cNvPr>
+          <p:cNvPr id="101" name="TextBox 100"/>
           <p:cNvSpPr txBox="1"/>
           <p:nvPr/>
         </p:nvSpPr>
@@ -9117,13 +8136,7 @@
       </p:sp>
       <p:sp>
         <p:nvSpPr>
-          <p:cNvPr id="103" name="TextBox 102">
-            <a:extLst>
-              <a:ext uri="{FF2B5EF4-FFF2-40B4-BE49-F238E27FC236}">
-                <a16:creationId xmlns:a16="http://schemas.microsoft.com/office/drawing/2014/main" id="{A32F0B01-DF60-4451-923D-856DB76E7C11}"/>
-              </a:ext>
-            </a:extLst>
-          </p:cNvPr>
+          <p:cNvPr id="103" name="TextBox 102"/>
           <p:cNvSpPr txBox="1"/>
           <p:nvPr/>
         </p:nvSpPr>
@@ -9153,13 +8166,7 @@
       </p:sp>
       <p:sp>
         <p:nvSpPr>
-          <p:cNvPr id="105" name="TextBox 104">
-            <a:extLst>
-              <a:ext uri="{FF2B5EF4-FFF2-40B4-BE49-F238E27FC236}">
-                <a16:creationId xmlns:a16="http://schemas.microsoft.com/office/drawing/2014/main" id="{70D6F410-8A18-49D7-BDE6-1F95EBB34589}"/>
-              </a:ext>
-            </a:extLst>
-          </p:cNvPr>
+          <p:cNvPr id="105" name="TextBox 104"/>
           <p:cNvSpPr txBox="1"/>
           <p:nvPr/>
         </p:nvSpPr>
@@ -9187,14 +8194,14 @@
           </a:p>
         </p:txBody>
       </p:sp>
-      <mc:AlternateContent xmlns:mc="http://schemas.openxmlformats.org/markup-compatibility/2006" xmlns:a14="http://schemas.microsoft.com/office/drawing/2010/main">
-        <mc:Choice Requires="a14">
+      <mc:AlternateContent xmlns:mc="http://schemas.openxmlformats.org/markup-compatibility/2006">
+        <mc:Choice xmlns:a14="http://schemas.microsoft.com/office/drawing/2010/main" Requires="a14">
           <p:sp>
             <p:nvSpPr>
               <p:cNvPr id="2" name="TextBox 1">
                 <a:extLst>
                   <a:ext uri="{FF2B5EF4-FFF2-40B4-BE49-F238E27FC236}">
-                    <a16:creationId xmlns:a16="http://schemas.microsoft.com/office/drawing/2014/main" id="{1E5FF24D-7BC8-4B50-A9E7-1BAB3EB7A364}"/>
+                    <ele attr="{1E5FF24D-7BC8-4B50-A9E7-1BAB3EB7A364}"/>
                   </a:ext>
                 </a:extLst>
               </p:cNvPr>
@@ -9327,16 +8334,10 @@
             </p:txBody>
           </p:sp>
         </mc:Choice>
-        <mc:Fallback xmlns="">
+        <mc:Fallback>
           <p:sp>
             <p:nvSpPr>
-              <p:cNvPr id="2" name="TextBox 1">
-                <a:extLst>
-                  <a:ext uri="{FF2B5EF4-FFF2-40B4-BE49-F238E27FC236}">
-                    <a16:creationId xmlns:a16="http://schemas.microsoft.com/office/drawing/2014/main" id="{1E5FF24D-7BC8-4B50-A9E7-1BAB3EB7A364}"/>
-                  </a:ext>
-                </a:extLst>
-              </p:cNvPr>
+              <p:cNvPr id="2" name="TextBox 1"/>
               <p:cNvSpPr txBox="1">
                 <a:spLocks noRot="1" noChangeAspect="1" noMove="1" noResize="1" noEditPoints="1" noAdjustHandles="1" noChangeArrowheads="1" noChangeShapeType="1" noTextEdit="1"/>
               </p:cNvSpPr>
@@ -9350,8 +8351,8 @@
               <a:prstGeom prst="rect">
                 <a:avLst/>
               </a:prstGeom>
-              <a:blipFill>
-                <a:blip r:embed="rId2"/>
+              <a:blipFill rotWithShape="1">
+                <a:blip r:embed="rId1"/>
                 <a:stretch>
                   <a:fillRect b="-23529"/>
                 </a:stretch>
@@ -9367,6 +8368,9 @@
                   </a:rPr>
                   <a:t> </a:t>
                 </a:r>
+                <a:endParaRPr lang="zh-CN" altLang="en-US">
+                  <a:noFill/>
+                </a:endParaRPr>
               </a:p>
             </p:txBody>
           </p:sp>
@@ -9374,13 +8378,7 @@
       </mc:AlternateContent>
       <p:sp>
         <p:nvSpPr>
-          <p:cNvPr id="5" name="TextBox 4">
-            <a:extLst>
-              <a:ext uri="{FF2B5EF4-FFF2-40B4-BE49-F238E27FC236}">
-                <a16:creationId xmlns:a16="http://schemas.microsoft.com/office/drawing/2014/main" id="{C1C48AA8-27C0-46C0-BACE-E6DFB113FD24}"/>
-              </a:ext>
-            </a:extLst>
-          </p:cNvPr>
+          <p:cNvPr id="5" name="TextBox 4"/>
           <p:cNvSpPr txBox="1"/>
           <p:nvPr/>
         </p:nvSpPr>
@@ -9414,13 +8412,7 @@
       </p:sp>
       <p:sp>
         <p:nvSpPr>
-          <p:cNvPr id="6" name="TextBox 5">
-            <a:extLst>
-              <a:ext uri="{FF2B5EF4-FFF2-40B4-BE49-F238E27FC236}">
-                <a16:creationId xmlns:a16="http://schemas.microsoft.com/office/drawing/2014/main" id="{C3B4E557-CA00-4FB6-A1CF-DE52A1035AE0}"/>
-              </a:ext>
-            </a:extLst>
-          </p:cNvPr>
+          <p:cNvPr id="6" name="TextBox 5"/>
           <p:cNvSpPr txBox="1"/>
           <p:nvPr/>
         </p:nvSpPr>
@@ -9454,13 +8446,7 @@
       </p:sp>
       <p:sp>
         <p:nvSpPr>
-          <p:cNvPr id="7" name="TextBox 6">
-            <a:extLst>
-              <a:ext uri="{FF2B5EF4-FFF2-40B4-BE49-F238E27FC236}">
-                <a16:creationId xmlns:a16="http://schemas.microsoft.com/office/drawing/2014/main" id="{519CA3EB-1E27-4B74-9261-148A5EB719BE}"/>
-              </a:ext>
-            </a:extLst>
-          </p:cNvPr>
+          <p:cNvPr id="7" name="TextBox 6"/>
           <p:cNvSpPr txBox="1"/>
           <p:nvPr/>
         </p:nvSpPr>
@@ -9492,14 +8478,14 @@
           </a:p>
         </p:txBody>
       </p:sp>
-      <mc:AlternateContent xmlns:mc="http://schemas.openxmlformats.org/markup-compatibility/2006" xmlns:a14="http://schemas.microsoft.com/office/drawing/2010/main">
-        <mc:Choice Requires="a14">
+      <mc:AlternateContent xmlns:mc="http://schemas.openxmlformats.org/markup-compatibility/2006">
+        <mc:Choice xmlns:a14="http://schemas.microsoft.com/office/drawing/2010/main" Requires="a14">
           <p:sp>
             <p:nvSpPr>
               <p:cNvPr id="9" name="TextBox 8">
                 <a:extLst>
                   <a:ext uri="{FF2B5EF4-FFF2-40B4-BE49-F238E27FC236}">
-                    <a16:creationId xmlns:a16="http://schemas.microsoft.com/office/drawing/2014/main" id="{3E1B4DFB-D459-4381-904B-95BF8E4C926C}"/>
+                    <ele attr="{3E1B4DFB-D459-4381-904B-95BF8E4C926C}"/>
                   </a:ext>
                 </a:extLst>
               </p:cNvPr>
@@ -9632,16 +8618,10 @@
             </p:txBody>
           </p:sp>
         </mc:Choice>
-        <mc:Fallback xmlns="">
+        <mc:Fallback>
           <p:sp>
             <p:nvSpPr>
-              <p:cNvPr id="9" name="TextBox 8">
-                <a:extLst>
-                  <a:ext uri="{FF2B5EF4-FFF2-40B4-BE49-F238E27FC236}">
-                    <a16:creationId xmlns:a16="http://schemas.microsoft.com/office/drawing/2014/main" id="{3E1B4DFB-D459-4381-904B-95BF8E4C926C}"/>
-                  </a:ext>
-                </a:extLst>
-              </p:cNvPr>
+              <p:cNvPr id="9" name="TextBox 8"/>
               <p:cNvSpPr txBox="1">
                 <a:spLocks noRot="1" noChangeAspect="1" noMove="1" noResize="1" noEditPoints="1" noAdjustHandles="1" noChangeArrowheads="1" noChangeShapeType="1" noTextEdit="1"/>
               </p:cNvSpPr>
@@ -9655,8 +8635,8 @@
               <a:prstGeom prst="rect">
                 <a:avLst/>
               </a:prstGeom>
-              <a:blipFill>
-                <a:blip r:embed="rId3"/>
+              <a:blipFill rotWithShape="1">
+                <a:blip r:embed="rId2"/>
                 <a:stretch>
                   <a:fillRect b="-23529"/>
                 </a:stretch>
@@ -9672,19 +8652,22 @@
                   </a:rPr>
                   <a:t> </a:t>
                 </a:r>
+                <a:endParaRPr lang="zh-CN" altLang="en-US">
+                  <a:noFill/>
+                </a:endParaRPr>
               </a:p>
             </p:txBody>
           </p:sp>
         </mc:Fallback>
       </mc:AlternateContent>
-      <mc:AlternateContent xmlns:mc="http://schemas.openxmlformats.org/markup-compatibility/2006" xmlns:a14="http://schemas.microsoft.com/office/drawing/2010/main">
-        <mc:Choice Requires="a14">
+      <mc:AlternateContent xmlns:mc="http://schemas.openxmlformats.org/markup-compatibility/2006">
+        <mc:Choice xmlns:a14="http://schemas.microsoft.com/office/drawing/2010/main" Requires="a14">
           <p:sp>
             <p:nvSpPr>
               <p:cNvPr id="10" name="TextBox 9">
                 <a:extLst>
                   <a:ext uri="{FF2B5EF4-FFF2-40B4-BE49-F238E27FC236}">
-                    <a16:creationId xmlns:a16="http://schemas.microsoft.com/office/drawing/2014/main" id="{2B01E312-BC78-44B9-84EE-6ACE6470E094}"/>
+                    <ele attr="{2B01E312-BC78-44B9-84EE-6ACE6470E094}"/>
                   </a:ext>
                 </a:extLst>
               </p:cNvPr>
@@ -9817,16 +8800,10 @@
             </p:txBody>
           </p:sp>
         </mc:Choice>
-        <mc:Fallback xmlns="">
+        <mc:Fallback>
           <p:sp>
             <p:nvSpPr>
-              <p:cNvPr id="10" name="TextBox 9">
-                <a:extLst>
-                  <a:ext uri="{FF2B5EF4-FFF2-40B4-BE49-F238E27FC236}">
-                    <a16:creationId xmlns:a16="http://schemas.microsoft.com/office/drawing/2014/main" id="{2B01E312-BC78-44B9-84EE-6ACE6470E094}"/>
-                  </a:ext>
-                </a:extLst>
-              </p:cNvPr>
+              <p:cNvPr id="10" name="TextBox 9"/>
               <p:cNvSpPr txBox="1">
                 <a:spLocks noRot="1" noChangeAspect="1" noMove="1" noResize="1" noEditPoints="1" noAdjustHandles="1" noChangeArrowheads="1" noChangeShapeType="1" noTextEdit="1"/>
               </p:cNvSpPr>
@@ -9840,8 +8817,8 @@
               <a:prstGeom prst="rect">
                 <a:avLst/>
               </a:prstGeom>
-              <a:blipFill>
-                <a:blip r:embed="rId4"/>
+              <a:blipFill rotWithShape="1">
+                <a:blip r:embed="rId3"/>
                 <a:stretch>
                   <a:fillRect b="-23529"/>
                 </a:stretch>
@@ -9857,19 +8834,22 @@
                   </a:rPr>
                   <a:t> </a:t>
                 </a:r>
+                <a:endParaRPr lang="zh-CN" altLang="en-US">
+                  <a:noFill/>
+                </a:endParaRPr>
               </a:p>
             </p:txBody>
           </p:sp>
         </mc:Fallback>
       </mc:AlternateContent>
-      <mc:AlternateContent xmlns:mc="http://schemas.openxmlformats.org/markup-compatibility/2006" xmlns:a14="http://schemas.microsoft.com/office/drawing/2010/main">
-        <mc:Choice Requires="a14">
+      <mc:AlternateContent xmlns:mc="http://schemas.openxmlformats.org/markup-compatibility/2006">
+        <mc:Choice xmlns:a14="http://schemas.microsoft.com/office/drawing/2010/main" Requires="a14">
           <p:sp>
             <p:nvSpPr>
               <p:cNvPr id="12" name="TextBox 11">
                 <a:extLst>
                   <a:ext uri="{FF2B5EF4-FFF2-40B4-BE49-F238E27FC236}">
-                    <a16:creationId xmlns:a16="http://schemas.microsoft.com/office/drawing/2014/main" id="{DB54663D-682A-45CB-A313-9F96D6846F26}"/>
+                    <ele attr="{DB54663D-682A-45CB-A313-9F96D6846F26}"/>
                   </a:ext>
                 </a:extLst>
               </p:cNvPr>
@@ -10002,16 +8982,10 @@
             </p:txBody>
           </p:sp>
         </mc:Choice>
-        <mc:Fallback xmlns="">
+        <mc:Fallback>
           <p:sp>
             <p:nvSpPr>
-              <p:cNvPr id="12" name="TextBox 11">
-                <a:extLst>
-                  <a:ext uri="{FF2B5EF4-FFF2-40B4-BE49-F238E27FC236}">
-                    <a16:creationId xmlns:a16="http://schemas.microsoft.com/office/drawing/2014/main" id="{DB54663D-682A-45CB-A313-9F96D6846F26}"/>
-                  </a:ext>
-                </a:extLst>
-              </p:cNvPr>
+              <p:cNvPr id="12" name="TextBox 11"/>
               <p:cNvSpPr txBox="1">
                 <a:spLocks noRot="1" noChangeAspect="1" noMove="1" noResize="1" noEditPoints="1" noAdjustHandles="1" noChangeArrowheads="1" noChangeShapeType="1" noTextEdit="1"/>
               </p:cNvSpPr>
@@ -10025,8 +8999,8 @@
               <a:prstGeom prst="rect">
                 <a:avLst/>
               </a:prstGeom>
-              <a:blipFill>
-                <a:blip r:embed="rId5"/>
+              <a:blipFill rotWithShape="1">
+                <a:blip r:embed="rId4"/>
                 <a:stretch>
                   <a:fillRect b="-26000"/>
                 </a:stretch>
@@ -10042,19 +9016,22 @@
                   </a:rPr>
                   <a:t> </a:t>
                 </a:r>
+                <a:endParaRPr lang="zh-CN" altLang="en-US">
+                  <a:noFill/>
+                </a:endParaRPr>
               </a:p>
             </p:txBody>
           </p:sp>
         </mc:Fallback>
       </mc:AlternateContent>
-      <mc:AlternateContent xmlns:mc="http://schemas.openxmlformats.org/markup-compatibility/2006" xmlns:a14="http://schemas.microsoft.com/office/drawing/2010/main">
-        <mc:Choice Requires="a14">
+      <mc:AlternateContent xmlns:mc="http://schemas.openxmlformats.org/markup-compatibility/2006">
+        <mc:Choice xmlns:a14="http://schemas.microsoft.com/office/drawing/2010/main" Requires="a14">
           <p:sp>
             <p:nvSpPr>
               <p:cNvPr id="13" name="TextBox 12">
                 <a:extLst>
                   <a:ext uri="{FF2B5EF4-FFF2-40B4-BE49-F238E27FC236}">
-                    <a16:creationId xmlns:a16="http://schemas.microsoft.com/office/drawing/2014/main" id="{AD7CBD4D-9CAA-4DBB-B429-8A9535C10B89}"/>
+                    <ele attr="{AD7CBD4D-9CAA-4DBB-B429-8A9535C10B89}"/>
                   </a:ext>
                 </a:extLst>
               </p:cNvPr>
@@ -10137,16 +9114,10 @@
             </p:txBody>
           </p:sp>
         </mc:Choice>
-        <mc:Fallback xmlns="">
+        <mc:Fallback>
           <p:sp>
             <p:nvSpPr>
-              <p:cNvPr id="13" name="TextBox 12">
-                <a:extLst>
-                  <a:ext uri="{FF2B5EF4-FFF2-40B4-BE49-F238E27FC236}">
-                    <a16:creationId xmlns:a16="http://schemas.microsoft.com/office/drawing/2014/main" id="{AD7CBD4D-9CAA-4DBB-B429-8A9535C10B89}"/>
-                  </a:ext>
-                </a:extLst>
-              </p:cNvPr>
+              <p:cNvPr id="13" name="TextBox 12"/>
               <p:cNvSpPr txBox="1">
                 <a:spLocks noRot="1" noChangeAspect="1" noMove="1" noResize="1" noEditPoints="1" noAdjustHandles="1" noChangeArrowheads="1" noChangeShapeType="1" noTextEdit="1"/>
               </p:cNvSpPr>
@@ -10160,8 +9131,8 @@
               <a:prstGeom prst="rect">
                 <a:avLst/>
               </a:prstGeom>
-              <a:blipFill>
-                <a:blip r:embed="rId6"/>
+              <a:blipFill rotWithShape="1">
+                <a:blip r:embed="rId5"/>
                 <a:stretch>
                   <a:fillRect b="-6000"/>
                 </a:stretch>
@@ -10177,19 +9148,22 @@
                   </a:rPr>
                   <a:t> </a:t>
                 </a:r>
+                <a:endParaRPr lang="zh-CN" altLang="en-US">
+                  <a:noFill/>
+                </a:endParaRPr>
               </a:p>
             </p:txBody>
           </p:sp>
         </mc:Fallback>
       </mc:AlternateContent>
-      <mc:AlternateContent xmlns:mc="http://schemas.openxmlformats.org/markup-compatibility/2006" xmlns:a14="http://schemas.microsoft.com/office/drawing/2010/main">
-        <mc:Choice Requires="a14">
+      <mc:AlternateContent xmlns:mc="http://schemas.openxmlformats.org/markup-compatibility/2006">
+        <mc:Choice xmlns:a14="http://schemas.microsoft.com/office/drawing/2010/main" Requires="a14">
           <p:sp>
             <p:nvSpPr>
               <p:cNvPr id="14" name="TextBox 13">
                 <a:extLst>
                   <a:ext uri="{FF2B5EF4-FFF2-40B4-BE49-F238E27FC236}">
-                    <a16:creationId xmlns:a16="http://schemas.microsoft.com/office/drawing/2014/main" id="{5E6A40A4-891F-4277-AA11-51C86D5FCF32}"/>
+                    <ele attr="{5E6A40A4-891F-4277-AA11-51C86D5FCF32}"/>
                   </a:ext>
                 </a:extLst>
               </p:cNvPr>
@@ -10272,16 +9246,10 @@
             </p:txBody>
           </p:sp>
         </mc:Choice>
-        <mc:Fallback xmlns="">
+        <mc:Fallback>
           <p:sp>
             <p:nvSpPr>
-              <p:cNvPr id="14" name="TextBox 13">
-                <a:extLst>
-                  <a:ext uri="{FF2B5EF4-FFF2-40B4-BE49-F238E27FC236}">
-                    <a16:creationId xmlns:a16="http://schemas.microsoft.com/office/drawing/2014/main" id="{5E6A40A4-891F-4277-AA11-51C86D5FCF32}"/>
-                  </a:ext>
-                </a:extLst>
-              </p:cNvPr>
+              <p:cNvPr id="14" name="TextBox 13"/>
               <p:cNvSpPr txBox="1">
                 <a:spLocks noRot="1" noChangeAspect="1" noMove="1" noResize="1" noEditPoints="1" noAdjustHandles="1" noChangeArrowheads="1" noChangeShapeType="1" noTextEdit="1"/>
               </p:cNvSpPr>
@@ -10295,8 +9263,8 @@
               <a:prstGeom prst="rect">
                 <a:avLst/>
               </a:prstGeom>
-              <a:blipFill>
-                <a:blip r:embed="rId7"/>
+              <a:blipFill rotWithShape="1">
+                <a:blip r:embed="rId6"/>
                 <a:stretch>
                   <a:fillRect b="-5882"/>
                 </a:stretch>
@@ -10312,19 +9280,22 @@
                   </a:rPr>
                   <a:t> </a:t>
                 </a:r>
+                <a:endParaRPr lang="zh-CN" altLang="en-US">
+                  <a:noFill/>
+                </a:endParaRPr>
               </a:p>
             </p:txBody>
           </p:sp>
         </mc:Fallback>
       </mc:AlternateContent>
-      <mc:AlternateContent xmlns:mc="http://schemas.openxmlformats.org/markup-compatibility/2006" xmlns:a14="http://schemas.microsoft.com/office/drawing/2010/main">
-        <mc:Choice Requires="a14">
+      <mc:AlternateContent xmlns:mc="http://schemas.openxmlformats.org/markup-compatibility/2006">
+        <mc:Choice xmlns:a14="http://schemas.microsoft.com/office/drawing/2010/main" Requires="a14">
           <p:sp>
             <p:nvSpPr>
               <p:cNvPr id="16" name="TextBox 15">
                 <a:extLst>
                   <a:ext uri="{FF2B5EF4-FFF2-40B4-BE49-F238E27FC236}">
-                    <a16:creationId xmlns:a16="http://schemas.microsoft.com/office/drawing/2014/main" id="{F5384A60-4F56-4F2A-876B-01642D6D212B}"/>
+                    <ele attr="{F5384A60-4F56-4F2A-876B-01642D6D212B}"/>
                   </a:ext>
                 </a:extLst>
               </p:cNvPr>
@@ -10407,16 +9378,10 @@
             </p:txBody>
           </p:sp>
         </mc:Choice>
-        <mc:Fallback xmlns="">
+        <mc:Fallback>
           <p:sp>
             <p:nvSpPr>
-              <p:cNvPr id="16" name="TextBox 15">
-                <a:extLst>
-                  <a:ext uri="{FF2B5EF4-FFF2-40B4-BE49-F238E27FC236}">
-                    <a16:creationId xmlns:a16="http://schemas.microsoft.com/office/drawing/2014/main" id="{F5384A60-4F56-4F2A-876B-01642D6D212B}"/>
-                  </a:ext>
-                </a:extLst>
-              </p:cNvPr>
+              <p:cNvPr id="16" name="TextBox 15"/>
               <p:cNvSpPr txBox="1">
                 <a:spLocks noRot="1" noChangeAspect="1" noMove="1" noResize="1" noEditPoints="1" noAdjustHandles="1" noChangeArrowheads="1" noChangeShapeType="1" noTextEdit="1"/>
               </p:cNvSpPr>
@@ -10430,8 +9395,8 @@
               <a:prstGeom prst="rect">
                 <a:avLst/>
               </a:prstGeom>
-              <a:blipFill>
-                <a:blip r:embed="rId8"/>
+              <a:blipFill rotWithShape="1">
+                <a:blip r:embed="rId7"/>
                 <a:stretch>
                   <a:fillRect b="-5882"/>
                 </a:stretch>
@@ -10447,19 +9412,22 @@
                   </a:rPr>
                   <a:t> </a:t>
                 </a:r>
+                <a:endParaRPr lang="zh-CN" altLang="en-US">
+                  <a:noFill/>
+                </a:endParaRPr>
               </a:p>
             </p:txBody>
           </p:sp>
         </mc:Fallback>
       </mc:AlternateContent>
-      <mc:AlternateContent xmlns:mc="http://schemas.openxmlformats.org/markup-compatibility/2006" xmlns:a14="http://schemas.microsoft.com/office/drawing/2010/main">
-        <mc:Choice Requires="a14">
+      <mc:AlternateContent xmlns:mc="http://schemas.openxmlformats.org/markup-compatibility/2006">
+        <mc:Choice xmlns:a14="http://schemas.microsoft.com/office/drawing/2010/main" Requires="a14">
           <p:sp>
             <p:nvSpPr>
               <p:cNvPr id="17" name="TextBox 16">
                 <a:extLst>
                   <a:ext uri="{FF2B5EF4-FFF2-40B4-BE49-F238E27FC236}">
-                    <a16:creationId xmlns:a16="http://schemas.microsoft.com/office/drawing/2014/main" id="{C4A83384-7995-444B-98A6-DB381DC8ABDC}"/>
+                    <ele attr="{C4A83384-7995-444B-98A6-DB381DC8ABDC}"/>
                   </a:ext>
                 </a:extLst>
               </p:cNvPr>
@@ -10542,16 +9510,10 @@
             </p:txBody>
           </p:sp>
         </mc:Choice>
-        <mc:Fallback xmlns="">
+        <mc:Fallback>
           <p:sp>
             <p:nvSpPr>
-              <p:cNvPr id="17" name="TextBox 16">
-                <a:extLst>
-                  <a:ext uri="{FF2B5EF4-FFF2-40B4-BE49-F238E27FC236}">
-                    <a16:creationId xmlns:a16="http://schemas.microsoft.com/office/drawing/2014/main" id="{C4A83384-7995-444B-98A6-DB381DC8ABDC}"/>
-                  </a:ext>
-                </a:extLst>
-              </p:cNvPr>
+              <p:cNvPr id="17" name="TextBox 16"/>
               <p:cNvSpPr txBox="1">
                 <a:spLocks noRot="1" noChangeAspect="1" noMove="1" noResize="1" noEditPoints="1" noAdjustHandles="1" noChangeArrowheads="1" noChangeShapeType="1" noTextEdit="1"/>
               </p:cNvSpPr>
@@ -10565,8 +9527,8 @@
               <a:prstGeom prst="rect">
                 <a:avLst/>
               </a:prstGeom>
-              <a:blipFill>
-                <a:blip r:embed="rId9"/>
+              <a:blipFill rotWithShape="1">
+                <a:blip r:embed="rId8"/>
                 <a:stretch>
                   <a:fillRect b="-5882"/>
                 </a:stretch>
@@ -10582,19 +9544,22 @@
                   </a:rPr>
                   <a:t> </a:t>
                 </a:r>
+                <a:endParaRPr lang="zh-CN" altLang="en-US">
+                  <a:noFill/>
+                </a:endParaRPr>
               </a:p>
             </p:txBody>
           </p:sp>
         </mc:Fallback>
       </mc:AlternateContent>
-      <mc:AlternateContent xmlns:mc="http://schemas.openxmlformats.org/markup-compatibility/2006" xmlns:a14="http://schemas.microsoft.com/office/drawing/2010/main">
-        <mc:Choice Requires="a14">
+      <mc:AlternateContent xmlns:mc="http://schemas.openxmlformats.org/markup-compatibility/2006">
+        <mc:Choice xmlns:a14="http://schemas.microsoft.com/office/drawing/2010/main" Requires="a14">
           <p:sp>
             <p:nvSpPr>
               <p:cNvPr id="19" name="TextBox 18">
                 <a:extLst>
                   <a:ext uri="{FF2B5EF4-FFF2-40B4-BE49-F238E27FC236}">
-                    <a16:creationId xmlns:a16="http://schemas.microsoft.com/office/drawing/2014/main" id="{0BEB8DC5-CFD9-45DD-8910-61F7A90FCF62}"/>
+                    <ele attr="{0BEB8DC5-CFD9-45DD-8910-61F7A90FCF62}"/>
                   </a:ext>
                 </a:extLst>
               </p:cNvPr>
@@ -10727,16 +9692,10 @@
             </p:txBody>
           </p:sp>
         </mc:Choice>
-        <mc:Fallback xmlns="">
+        <mc:Fallback>
           <p:sp>
             <p:nvSpPr>
-              <p:cNvPr id="19" name="TextBox 18">
-                <a:extLst>
-                  <a:ext uri="{FF2B5EF4-FFF2-40B4-BE49-F238E27FC236}">
-                    <a16:creationId xmlns:a16="http://schemas.microsoft.com/office/drawing/2014/main" id="{0BEB8DC5-CFD9-45DD-8910-61F7A90FCF62}"/>
-                  </a:ext>
-                </a:extLst>
-              </p:cNvPr>
+              <p:cNvPr id="19" name="TextBox 18"/>
               <p:cNvSpPr txBox="1">
                 <a:spLocks noRot="1" noChangeAspect="1" noMove="1" noResize="1" noEditPoints="1" noAdjustHandles="1" noChangeArrowheads="1" noChangeShapeType="1" noTextEdit="1"/>
               </p:cNvSpPr>
@@ -10750,8 +9709,8 @@
               <a:prstGeom prst="rect">
                 <a:avLst/>
               </a:prstGeom>
-              <a:blipFill>
-                <a:blip r:embed="rId10"/>
+              <a:blipFill rotWithShape="1">
+                <a:blip r:embed="rId9"/>
                 <a:stretch>
                   <a:fillRect b="-26000"/>
                 </a:stretch>
@@ -10767,19 +9726,22 @@
                   </a:rPr>
                   <a:t> </a:t>
                 </a:r>
+                <a:endParaRPr lang="zh-CN" altLang="en-US">
+                  <a:noFill/>
+                </a:endParaRPr>
               </a:p>
             </p:txBody>
           </p:sp>
         </mc:Fallback>
       </mc:AlternateContent>
-      <mc:AlternateContent xmlns:mc="http://schemas.openxmlformats.org/markup-compatibility/2006" xmlns:a14="http://schemas.microsoft.com/office/drawing/2010/main">
-        <mc:Choice Requires="a14">
+      <mc:AlternateContent xmlns:mc="http://schemas.openxmlformats.org/markup-compatibility/2006">
+        <mc:Choice xmlns:a14="http://schemas.microsoft.com/office/drawing/2010/main" Requires="a14">
           <p:sp>
             <p:nvSpPr>
               <p:cNvPr id="21" name="TextBox 20">
                 <a:extLst>
                   <a:ext uri="{FF2B5EF4-FFF2-40B4-BE49-F238E27FC236}">
-                    <a16:creationId xmlns:a16="http://schemas.microsoft.com/office/drawing/2014/main" id="{A8988DB3-E902-4AA8-9171-C4FCFF5DA838}"/>
+                    <ele attr="{A8988DB3-E902-4AA8-9171-C4FCFF5DA838}"/>
                   </a:ext>
                 </a:extLst>
               </p:cNvPr>
@@ -10912,16 +9874,10 @@
             </p:txBody>
           </p:sp>
         </mc:Choice>
-        <mc:Fallback xmlns="">
+        <mc:Fallback>
           <p:sp>
             <p:nvSpPr>
-              <p:cNvPr id="21" name="TextBox 20">
-                <a:extLst>
-                  <a:ext uri="{FF2B5EF4-FFF2-40B4-BE49-F238E27FC236}">
-                    <a16:creationId xmlns:a16="http://schemas.microsoft.com/office/drawing/2014/main" id="{A8988DB3-E902-4AA8-9171-C4FCFF5DA838}"/>
-                  </a:ext>
-                </a:extLst>
-              </p:cNvPr>
+              <p:cNvPr id="21" name="TextBox 20"/>
               <p:cNvSpPr txBox="1">
                 <a:spLocks noRot="1" noChangeAspect="1" noMove="1" noResize="1" noEditPoints="1" noAdjustHandles="1" noChangeArrowheads="1" noChangeShapeType="1" noTextEdit="1"/>
               </p:cNvSpPr>
@@ -10935,8 +9891,8 @@
               <a:prstGeom prst="rect">
                 <a:avLst/>
               </a:prstGeom>
-              <a:blipFill>
-                <a:blip r:embed="rId11"/>
+              <a:blipFill rotWithShape="1">
+                <a:blip r:embed="rId10"/>
                 <a:stretch>
                   <a:fillRect b="-26000"/>
                 </a:stretch>
@@ -10952,19 +9908,22 @@
                   </a:rPr>
                   <a:t> </a:t>
                 </a:r>
+                <a:endParaRPr lang="zh-CN" altLang="en-US">
+                  <a:noFill/>
+                </a:endParaRPr>
               </a:p>
             </p:txBody>
           </p:sp>
         </mc:Fallback>
       </mc:AlternateContent>
-      <mc:AlternateContent xmlns:mc="http://schemas.openxmlformats.org/markup-compatibility/2006" xmlns:a14="http://schemas.microsoft.com/office/drawing/2010/main">
-        <mc:Choice Requires="a14">
+      <mc:AlternateContent xmlns:mc="http://schemas.openxmlformats.org/markup-compatibility/2006">
+        <mc:Choice xmlns:a14="http://schemas.microsoft.com/office/drawing/2010/main" Requires="a14">
           <p:sp>
             <p:nvSpPr>
               <p:cNvPr id="22" name="TextBox 21">
                 <a:extLst>
                   <a:ext uri="{FF2B5EF4-FFF2-40B4-BE49-F238E27FC236}">
-                    <a16:creationId xmlns:a16="http://schemas.microsoft.com/office/drawing/2014/main" id="{EB9F9D9D-72A0-4FAD-AD99-65BD0A8CC06E}"/>
+                    <ele attr="{EB9F9D9D-72A0-4FAD-AD99-65BD0A8CC06E}"/>
                   </a:ext>
                 </a:extLst>
               </p:cNvPr>
@@ -11097,16 +10056,10 @@
             </p:txBody>
           </p:sp>
         </mc:Choice>
-        <mc:Fallback xmlns="">
+        <mc:Fallback>
           <p:sp>
             <p:nvSpPr>
-              <p:cNvPr id="22" name="TextBox 21">
-                <a:extLst>
-                  <a:ext uri="{FF2B5EF4-FFF2-40B4-BE49-F238E27FC236}">
-                    <a16:creationId xmlns:a16="http://schemas.microsoft.com/office/drawing/2014/main" id="{EB9F9D9D-72A0-4FAD-AD99-65BD0A8CC06E}"/>
-                  </a:ext>
-                </a:extLst>
-              </p:cNvPr>
+              <p:cNvPr id="22" name="TextBox 21"/>
               <p:cNvSpPr txBox="1">
                 <a:spLocks noRot="1" noChangeAspect="1" noMove="1" noResize="1" noEditPoints="1" noAdjustHandles="1" noChangeArrowheads="1" noChangeShapeType="1" noTextEdit="1"/>
               </p:cNvSpPr>
@@ -11120,8 +10073,8 @@
               <a:prstGeom prst="rect">
                 <a:avLst/>
               </a:prstGeom>
-              <a:blipFill>
-                <a:blip r:embed="rId12"/>
+              <a:blipFill rotWithShape="1">
+                <a:blip r:embed="rId11"/>
                 <a:stretch>
                   <a:fillRect b="-26000"/>
                 </a:stretch>
@@ -11137,19 +10090,22 @@
                   </a:rPr>
                   <a:t> </a:t>
                 </a:r>
+                <a:endParaRPr lang="zh-CN" altLang="en-US">
+                  <a:noFill/>
+                </a:endParaRPr>
               </a:p>
             </p:txBody>
           </p:sp>
         </mc:Fallback>
       </mc:AlternateContent>
-      <mc:AlternateContent xmlns:mc="http://schemas.openxmlformats.org/markup-compatibility/2006" xmlns:a14="http://schemas.microsoft.com/office/drawing/2010/main">
-        <mc:Choice Requires="a14">
+      <mc:AlternateContent xmlns:mc="http://schemas.openxmlformats.org/markup-compatibility/2006">
+        <mc:Choice xmlns:a14="http://schemas.microsoft.com/office/drawing/2010/main" Requires="a14">
           <p:sp>
             <p:nvSpPr>
               <p:cNvPr id="23" name="TextBox 22">
                 <a:extLst>
                   <a:ext uri="{FF2B5EF4-FFF2-40B4-BE49-F238E27FC236}">
-                    <a16:creationId xmlns:a16="http://schemas.microsoft.com/office/drawing/2014/main" id="{BFBF3471-7AB1-48D8-849E-F32119BA66A2}"/>
+                    <ele attr="{BFBF3471-7AB1-48D8-849E-F32119BA66A2}"/>
                   </a:ext>
                 </a:extLst>
               </p:cNvPr>
@@ -11282,16 +10238,10 @@
             </p:txBody>
           </p:sp>
         </mc:Choice>
-        <mc:Fallback xmlns="">
+        <mc:Fallback>
           <p:sp>
             <p:nvSpPr>
-              <p:cNvPr id="23" name="TextBox 22">
-                <a:extLst>
-                  <a:ext uri="{FF2B5EF4-FFF2-40B4-BE49-F238E27FC236}">
-                    <a16:creationId xmlns:a16="http://schemas.microsoft.com/office/drawing/2014/main" id="{BFBF3471-7AB1-48D8-849E-F32119BA66A2}"/>
-                  </a:ext>
-                </a:extLst>
-              </p:cNvPr>
+              <p:cNvPr id="23" name="TextBox 22"/>
               <p:cNvSpPr txBox="1">
                 <a:spLocks noRot="1" noChangeAspect="1" noMove="1" noResize="1" noEditPoints="1" noAdjustHandles="1" noChangeArrowheads="1" noChangeShapeType="1" noTextEdit="1"/>
               </p:cNvSpPr>
@@ -11305,8 +10255,8 @@
               <a:prstGeom prst="rect">
                 <a:avLst/>
               </a:prstGeom>
-              <a:blipFill>
-                <a:blip r:embed="rId13"/>
+              <a:blipFill rotWithShape="1">
+                <a:blip r:embed="rId12"/>
                 <a:stretch>
                   <a:fillRect b="-23529"/>
                 </a:stretch>
@@ -11322,19 +10272,22 @@
                   </a:rPr>
                   <a:t> </a:t>
                 </a:r>
+                <a:endParaRPr lang="zh-CN" altLang="en-US">
+                  <a:noFill/>
+                </a:endParaRPr>
               </a:p>
             </p:txBody>
           </p:sp>
         </mc:Fallback>
       </mc:AlternateContent>
-      <mc:AlternateContent xmlns:mc="http://schemas.openxmlformats.org/markup-compatibility/2006" xmlns:a14="http://schemas.microsoft.com/office/drawing/2010/main">
-        <mc:Choice Requires="a14">
+      <mc:AlternateContent xmlns:mc="http://schemas.openxmlformats.org/markup-compatibility/2006">
+        <mc:Choice xmlns:a14="http://schemas.microsoft.com/office/drawing/2010/main" Requires="a14">
           <p:sp>
             <p:nvSpPr>
               <p:cNvPr id="24" name="TextBox 23">
                 <a:extLst>
                   <a:ext uri="{FF2B5EF4-FFF2-40B4-BE49-F238E27FC236}">
-                    <a16:creationId xmlns:a16="http://schemas.microsoft.com/office/drawing/2014/main" id="{CCE91E7C-A424-4FE5-8149-15789E5537D7}"/>
+                    <ele attr="{CCE91E7C-A424-4FE5-8149-15789E5537D7}"/>
                   </a:ext>
                 </a:extLst>
               </p:cNvPr>
@@ -11467,16 +10420,10 @@
             </p:txBody>
           </p:sp>
         </mc:Choice>
-        <mc:Fallback xmlns="">
+        <mc:Fallback>
           <p:sp>
             <p:nvSpPr>
-              <p:cNvPr id="24" name="TextBox 23">
-                <a:extLst>
-                  <a:ext uri="{FF2B5EF4-FFF2-40B4-BE49-F238E27FC236}">
-                    <a16:creationId xmlns:a16="http://schemas.microsoft.com/office/drawing/2014/main" id="{CCE91E7C-A424-4FE5-8149-15789E5537D7}"/>
-                  </a:ext>
-                </a:extLst>
-              </p:cNvPr>
+              <p:cNvPr id="24" name="TextBox 23"/>
               <p:cNvSpPr txBox="1">
                 <a:spLocks noRot="1" noChangeAspect="1" noMove="1" noResize="1" noEditPoints="1" noAdjustHandles="1" noChangeArrowheads="1" noChangeShapeType="1" noTextEdit="1"/>
               </p:cNvSpPr>
@@ -11490,8 +10437,8 @@
               <a:prstGeom prst="rect">
                 <a:avLst/>
               </a:prstGeom>
-              <a:blipFill>
-                <a:blip r:embed="rId14"/>
+              <a:blipFill rotWithShape="1">
+                <a:blip r:embed="rId13"/>
                 <a:stretch>
                   <a:fillRect b="-26000"/>
                 </a:stretch>
@@ -11507,19 +10454,22 @@
                   </a:rPr>
                   <a:t> </a:t>
                 </a:r>
+                <a:endParaRPr lang="zh-CN" altLang="en-US">
+                  <a:noFill/>
+                </a:endParaRPr>
               </a:p>
             </p:txBody>
           </p:sp>
         </mc:Fallback>
       </mc:AlternateContent>
-      <mc:AlternateContent xmlns:mc="http://schemas.openxmlformats.org/markup-compatibility/2006" xmlns:a14="http://schemas.microsoft.com/office/drawing/2010/main">
-        <mc:Choice Requires="a14">
+      <mc:AlternateContent xmlns:mc="http://schemas.openxmlformats.org/markup-compatibility/2006">
+        <mc:Choice xmlns:a14="http://schemas.microsoft.com/office/drawing/2010/main" Requires="a14">
           <p:sp>
             <p:nvSpPr>
               <p:cNvPr id="25" name="TextBox 24">
                 <a:extLst>
                   <a:ext uri="{FF2B5EF4-FFF2-40B4-BE49-F238E27FC236}">
-                    <a16:creationId xmlns:a16="http://schemas.microsoft.com/office/drawing/2014/main" id="{8DE36BF0-3AC0-4C96-8151-465DCD7A1F91}"/>
+                    <ele attr="{8DE36BF0-3AC0-4C96-8151-465DCD7A1F91}"/>
                   </a:ext>
                 </a:extLst>
               </p:cNvPr>
@@ -11652,16 +10602,10 @@
             </p:txBody>
           </p:sp>
         </mc:Choice>
-        <mc:Fallback xmlns="">
+        <mc:Fallback>
           <p:sp>
             <p:nvSpPr>
-              <p:cNvPr id="25" name="TextBox 24">
-                <a:extLst>
-                  <a:ext uri="{FF2B5EF4-FFF2-40B4-BE49-F238E27FC236}">
-                    <a16:creationId xmlns:a16="http://schemas.microsoft.com/office/drawing/2014/main" id="{8DE36BF0-3AC0-4C96-8151-465DCD7A1F91}"/>
-                  </a:ext>
-                </a:extLst>
-              </p:cNvPr>
+              <p:cNvPr id="25" name="TextBox 24"/>
               <p:cNvSpPr txBox="1">
                 <a:spLocks noRot="1" noChangeAspect="1" noMove="1" noResize="1" noEditPoints="1" noAdjustHandles="1" noChangeArrowheads="1" noChangeShapeType="1" noTextEdit="1"/>
               </p:cNvSpPr>
@@ -11675,8 +10619,8 @@
               <a:prstGeom prst="rect">
                 <a:avLst/>
               </a:prstGeom>
-              <a:blipFill>
-                <a:blip r:embed="rId15"/>
+              <a:blipFill rotWithShape="1">
+                <a:blip r:embed="rId14"/>
                 <a:stretch>
                   <a:fillRect b="-26000"/>
                 </a:stretch>
@@ -11692,19 +10636,22 @@
                   </a:rPr>
                   <a:t> </a:t>
                 </a:r>
+                <a:endParaRPr lang="zh-CN" altLang="en-US">
+                  <a:noFill/>
+                </a:endParaRPr>
               </a:p>
             </p:txBody>
           </p:sp>
         </mc:Fallback>
       </mc:AlternateContent>
-      <mc:AlternateContent xmlns:mc="http://schemas.openxmlformats.org/markup-compatibility/2006" xmlns:a14="http://schemas.microsoft.com/office/drawing/2010/main">
-        <mc:Choice Requires="a14">
+      <mc:AlternateContent xmlns:mc="http://schemas.openxmlformats.org/markup-compatibility/2006">
+        <mc:Choice xmlns:a14="http://schemas.microsoft.com/office/drawing/2010/main" Requires="a14">
           <p:sp>
             <p:nvSpPr>
               <p:cNvPr id="26" name="TextBox 25">
                 <a:extLst>
                   <a:ext uri="{FF2B5EF4-FFF2-40B4-BE49-F238E27FC236}">
-                    <a16:creationId xmlns:a16="http://schemas.microsoft.com/office/drawing/2014/main" id="{F59DE665-FB92-4B32-AB0B-4F8B66841B24}"/>
+                    <ele attr="{F59DE665-FB92-4B32-AB0B-4F8B66841B24}"/>
                   </a:ext>
                 </a:extLst>
               </p:cNvPr>
@@ -11837,16 +10784,10 @@
             </p:txBody>
           </p:sp>
         </mc:Choice>
-        <mc:Fallback xmlns="">
+        <mc:Fallback>
           <p:sp>
             <p:nvSpPr>
-              <p:cNvPr id="26" name="TextBox 25">
-                <a:extLst>
-                  <a:ext uri="{FF2B5EF4-FFF2-40B4-BE49-F238E27FC236}">
-                    <a16:creationId xmlns:a16="http://schemas.microsoft.com/office/drawing/2014/main" id="{F59DE665-FB92-4B32-AB0B-4F8B66841B24}"/>
-                  </a:ext>
-                </a:extLst>
-              </p:cNvPr>
+              <p:cNvPr id="26" name="TextBox 25"/>
               <p:cNvSpPr txBox="1">
                 <a:spLocks noRot="1" noChangeAspect="1" noMove="1" noResize="1" noEditPoints="1" noAdjustHandles="1" noChangeArrowheads="1" noChangeShapeType="1" noTextEdit="1"/>
               </p:cNvSpPr>
@@ -11860,8 +10801,8 @@
               <a:prstGeom prst="rect">
                 <a:avLst/>
               </a:prstGeom>
-              <a:blipFill>
-                <a:blip r:embed="rId16"/>
+              <a:blipFill rotWithShape="1">
+                <a:blip r:embed="rId15"/>
                 <a:stretch>
                   <a:fillRect b="-23529"/>
                 </a:stretch>
@@ -11877,19 +10818,22 @@
                   </a:rPr>
                   <a:t> </a:t>
                 </a:r>
+                <a:endParaRPr lang="zh-CN" altLang="en-US">
+                  <a:noFill/>
+                </a:endParaRPr>
               </a:p>
             </p:txBody>
           </p:sp>
         </mc:Fallback>
       </mc:AlternateContent>
-      <mc:AlternateContent xmlns:mc="http://schemas.openxmlformats.org/markup-compatibility/2006" xmlns:a14="http://schemas.microsoft.com/office/drawing/2010/main">
-        <mc:Choice Requires="a14">
+      <mc:AlternateContent xmlns:mc="http://schemas.openxmlformats.org/markup-compatibility/2006">
+        <mc:Choice xmlns:a14="http://schemas.microsoft.com/office/drawing/2010/main" Requires="a14">
           <p:sp>
             <p:nvSpPr>
               <p:cNvPr id="28" name="TextBox 27">
                 <a:extLst>
                   <a:ext uri="{FF2B5EF4-FFF2-40B4-BE49-F238E27FC236}">
-                    <a16:creationId xmlns:a16="http://schemas.microsoft.com/office/drawing/2014/main" id="{05651DCA-732D-4227-9C37-409A0A99642F}"/>
+                    <ele attr="{05651DCA-732D-4227-9C37-409A0A99642F}"/>
                   </a:ext>
                 </a:extLst>
               </p:cNvPr>
@@ -12040,16 +10984,10 @@
             </p:txBody>
           </p:sp>
         </mc:Choice>
-        <mc:Fallback xmlns="">
+        <mc:Fallback>
           <p:sp>
             <p:nvSpPr>
-              <p:cNvPr id="28" name="TextBox 27">
-                <a:extLst>
-                  <a:ext uri="{FF2B5EF4-FFF2-40B4-BE49-F238E27FC236}">
-                    <a16:creationId xmlns:a16="http://schemas.microsoft.com/office/drawing/2014/main" id="{05651DCA-732D-4227-9C37-409A0A99642F}"/>
-                  </a:ext>
-                </a:extLst>
-              </p:cNvPr>
+              <p:cNvPr id="28" name="TextBox 27"/>
               <p:cNvSpPr txBox="1">
                 <a:spLocks noRot="1" noChangeAspect="1" noMove="1" noResize="1" noEditPoints="1" noAdjustHandles="1" noChangeArrowheads="1" noChangeShapeType="1" noTextEdit="1"/>
               </p:cNvSpPr>
@@ -12063,8 +11001,8 @@
               <a:prstGeom prst="rect">
                 <a:avLst/>
               </a:prstGeom>
-              <a:blipFill>
-                <a:blip r:embed="rId17"/>
+              <a:blipFill rotWithShape="1">
+                <a:blip r:embed="rId16"/>
                 <a:stretch>
                   <a:fillRect b="-23529"/>
                 </a:stretch>
@@ -12080,19 +11018,22 @@
                   </a:rPr>
                   <a:t> </a:t>
                 </a:r>
+                <a:endParaRPr lang="zh-CN" altLang="en-US">
+                  <a:noFill/>
+                </a:endParaRPr>
               </a:p>
             </p:txBody>
           </p:sp>
         </mc:Fallback>
       </mc:AlternateContent>
-      <mc:AlternateContent xmlns:mc="http://schemas.openxmlformats.org/markup-compatibility/2006" xmlns:a14="http://schemas.microsoft.com/office/drawing/2010/main">
-        <mc:Choice Requires="a14">
+      <mc:AlternateContent xmlns:mc="http://schemas.openxmlformats.org/markup-compatibility/2006">
+        <mc:Choice xmlns:a14="http://schemas.microsoft.com/office/drawing/2010/main" Requires="a14">
           <p:sp>
             <p:nvSpPr>
               <p:cNvPr id="29" name="TextBox 28">
                 <a:extLst>
                   <a:ext uri="{FF2B5EF4-FFF2-40B4-BE49-F238E27FC236}">
-                    <a16:creationId xmlns:a16="http://schemas.microsoft.com/office/drawing/2014/main" id="{E9D570A1-A6BD-48ED-A3E5-966B5B326E7E}"/>
+                    <ele attr="{E9D570A1-A6BD-48ED-A3E5-966B5B326E7E}"/>
                   </a:ext>
                 </a:extLst>
               </p:cNvPr>
@@ -12243,16 +11184,10 @@
             </p:txBody>
           </p:sp>
         </mc:Choice>
-        <mc:Fallback xmlns="">
+        <mc:Fallback>
           <p:sp>
             <p:nvSpPr>
-              <p:cNvPr id="29" name="TextBox 28">
-                <a:extLst>
-                  <a:ext uri="{FF2B5EF4-FFF2-40B4-BE49-F238E27FC236}">
-                    <a16:creationId xmlns:a16="http://schemas.microsoft.com/office/drawing/2014/main" id="{E9D570A1-A6BD-48ED-A3E5-966B5B326E7E}"/>
-                  </a:ext>
-                </a:extLst>
-              </p:cNvPr>
+              <p:cNvPr id="29" name="TextBox 28"/>
               <p:cNvSpPr txBox="1">
                 <a:spLocks noRot="1" noChangeAspect="1" noMove="1" noResize="1" noEditPoints="1" noAdjustHandles="1" noChangeArrowheads="1" noChangeShapeType="1" noTextEdit="1"/>
               </p:cNvSpPr>
@@ -12266,8 +11201,8 @@
               <a:prstGeom prst="rect">
                 <a:avLst/>
               </a:prstGeom>
-              <a:blipFill>
-                <a:blip r:embed="rId18"/>
+              <a:blipFill rotWithShape="1">
+                <a:blip r:embed="rId17"/>
                 <a:stretch>
                   <a:fillRect b="-26000"/>
                 </a:stretch>
@@ -12283,19 +11218,22 @@
                   </a:rPr>
                   <a:t> </a:t>
                 </a:r>
+                <a:endParaRPr lang="zh-CN" altLang="en-US">
+                  <a:noFill/>
+                </a:endParaRPr>
               </a:p>
             </p:txBody>
           </p:sp>
         </mc:Fallback>
       </mc:AlternateContent>
-      <mc:AlternateContent xmlns:mc="http://schemas.openxmlformats.org/markup-compatibility/2006" xmlns:a14="http://schemas.microsoft.com/office/drawing/2010/main">
-        <mc:Choice Requires="a14">
+      <mc:AlternateContent xmlns:mc="http://schemas.openxmlformats.org/markup-compatibility/2006">
+        <mc:Choice xmlns:a14="http://schemas.microsoft.com/office/drawing/2010/main" Requires="a14">
           <p:sp>
             <p:nvSpPr>
               <p:cNvPr id="30" name="TextBox 29">
                 <a:extLst>
                   <a:ext uri="{FF2B5EF4-FFF2-40B4-BE49-F238E27FC236}">
-                    <a16:creationId xmlns:a16="http://schemas.microsoft.com/office/drawing/2014/main" id="{80DFF4EA-AA53-45BD-9C25-F0A982D06850}"/>
+                    <ele attr="{80DFF4EA-AA53-45BD-9C25-F0A982D06850}"/>
                   </a:ext>
                 </a:extLst>
               </p:cNvPr>
@@ -12446,16 +11384,10 @@
             </p:txBody>
           </p:sp>
         </mc:Choice>
-        <mc:Fallback xmlns="">
+        <mc:Fallback>
           <p:sp>
             <p:nvSpPr>
-              <p:cNvPr id="30" name="TextBox 29">
-                <a:extLst>
-                  <a:ext uri="{FF2B5EF4-FFF2-40B4-BE49-F238E27FC236}">
-                    <a16:creationId xmlns:a16="http://schemas.microsoft.com/office/drawing/2014/main" id="{80DFF4EA-AA53-45BD-9C25-F0A982D06850}"/>
-                  </a:ext>
-                </a:extLst>
-              </p:cNvPr>
+              <p:cNvPr id="30" name="TextBox 29"/>
               <p:cNvSpPr txBox="1">
                 <a:spLocks noRot="1" noChangeAspect="1" noMove="1" noResize="1" noEditPoints="1" noAdjustHandles="1" noChangeArrowheads="1" noChangeShapeType="1" noTextEdit="1"/>
               </p:cNvSpPr>
@@ -12469,8 +11401,8 @@
               <a:prstGeom prst="rect">
                 <a:avLst/>
               </a:prstGeom>
-              <a:blipFill>
-                <a:blip r:embed="rId19"/>
+              <a:blipFill rotWithShape="1">
+                <a:blip r:embed="rId18"/>
                 <a:stretch>
                   <a:fillRect b="-26000"/>
                 </a:stretch>
@@ -12486,19 +11418,22 @@
                   </a:rPr>
                   <a:t> </a:t>
                 </a:r>
+                <a:endParaRPr lang="zh-CN" altLang="en-US">
+                  <a:noFill/>
+                </a:endParaRPr>
               </a:p>
             </p:txBody>
           </p:sp>
         </mc:Fallback>
       </mc:AlternateContent>
-      <mc:AlternateContent xmlns:mc="http://schemas.openxmlformats.org/markup-compatibility/2006" xmlns:a14="http://schemas.microsoft.com/office/drawing/2010/main">
-        <mc:Choice Requires="a14">
+      <mc:AlternateContent xmlns:mc="http://schemas.openxmlformats.org/markup-compatibility/2006">
+        <mc:Choice xmlns:a14="http://schemas.microsoft.com/office/drawing/2010/main" Requires="a14">
           <p:sp>
             <p:nvSpPr>
               <p:cNvPr id="32" name="TextBox 31">
                 <a:extLst>
                   <a:ext uri="{FF2B5EF4-FFF2-40B4-BE49-F238E27FC236}">
-                    <a16:creationId xmlns:a16="http://schemas.microsoft.com/office/drawing/2014/main" id="{59FBE99C-0E87-4DAC-809E-6EC3549FFFCD}"/>
+                    <ele attr="{59FBE99C-0E87-4DAC-809E-6EC3549FFFCD}"/>
                   </a:ext>
                 </a:extLst>
               </p:cNvPr>
@@ -12649,16 +11584,10 @@
             </p:txBody>
           </p:sp>
         </mc:Choice>
-        <mc:Fallback xmlns="">
+        <mc:Fallback>
           <p:sp>
             <p:nvSpPr>
-              <p:cNvPr id="32" name="TextBox 31">
-                <a:extLst>
-                  <a:ext uri="{FF2B5EF4-FFF2-40B4-BE49-F238E27FC236}">
-                    <a16:creationId xmlns:a16="http://schemas.microsoft.com/office/drawing/2014/main" id="{59FBE99C-0E87-4DAC-809E-6EC3549FFFCD}"/>
-                  </a:ext>
-                </a:extLst>
-              </p:cNvPr>
+              <p:cNvPr id="32" name="TextBox 31"/>
               <p:cNvSpPr txBox="1">
                 <a:spLocks noRot="1" noChangeAspect="1" noMove="1" noResize="1" noEditPoints="1" noAdjustHandles="1" noChangeArrowheads="1" noChangeShapeType="1" noTextEdit="1"/>
               </p:cNvSpPr>
@@ -12672,8 +11601,8 @@
               <a:prstGeom prst="rect">
                 <a:avLst/>
               </a:prstGeom>
-              <a:blipFill>
-                <a:blip r:embed="rId20"/>
+              <a:blipFill rotWithShape="1">
+                <a:blip r:embed="rId19"/>
                 <a:stretch>
                   <a:fillRect b="-23529"/>
                 </a:stretch>
@@ -12689,19 +11618,22 @@
                   </a:rPr>
                   <a:t> </a:t>
                 </a:r>
+                <a:endParaRPr lang="zh-CN" altLang="en-US">
+                  <a:noFill/>
+                </a:endParaRPr>
               </a:p>
             </p:txBody>
           </p:sp>
         </mc:Fallback>
       </mc:AlternateContent>
-      <mc:AlternateContent xmlns:mc="http://schemas.openxmlformats.org/markup-compatibility/2006" xmlns:a14="http://schemas.microsoft.com/office/drawing/2010/main">
-        <mc:Choice Requires="a14">
+      <mc:AlternateContent xmlns:mc="http://schemas.openxmlformats.org/markup-compatibility/2006">
+        <mc:Choice xmlns:a14="http://schemas.microsoft.com/office/drawing/2010/main" Requires="a14">
           <p:sp>
             <p:nvSpPr>
               <p:cNvPr id="33" name="TextBox 32">
                 <a:extLst>
                   <a:ext uri="{FF2B5EF4-FFF2-40B4-BE49-F238E27FC236}">
-                    <a16:creationId xmlns:a16="http://schemas.microsoft.com/office/drawing/2014/main" id="{A08CB6D5-EFFE-4206-A73A-B5D818E35F10}"/>
+                    <ele attr="{A08CB6D5-EFFE-4206-A73A-B5D818E35F10}"/>
                   </a:ext>
                 </a:extLst>
               </p:cNvPr>
@@ -12852,16 +11784,10 @@
             </p:txBody>
           </p:sp>
         </mc:Choice>
-        <mc:Fallback xmlns="">
+        <mc:Fallback>
           <p:sp>
             <p:nvSpPr>
-              <p:cNvPr id="33" name="TextBox 32">
-                <a:extLst>
-                  <a:ext uri="{FF2B5EF4-FFF2-40B4-BE49-F238E27FC236}">
-                    <a16:creationId xmlns:a16="http://schemas.microsoft.com/office/drawing/2014/main" id="{A08CB6D5-EFFE-4206-A73A-B5D818E35F10}"/>
-                  </a:ext>
-                </a:extLst>
-              </p:cNvPr>
+              <p:cNvPr id="33" name="TextBox 32"/>
               <p:cNvSpPr txBox="1">
                 <a:spLocks noRot="1" noChangeAspect="1" noMove="1" noResize="1" noEditPoints="1" noAdjustHandles="1" noChangeArrowheads="1" noChangeShapeType="1" noTextEdit="1"/>
               </p:cNvSpPr>
@@ -12875,8 +11801,8 @@
               <a:prstGeom prst="rect">
                 <a:avLst/>
               </a:prstGeom>
-              <a:blipFill>
-                <a:blip r:embed="rId21"/>
+              <a:blipFill rotWithShape="1">
+                <a:blip r:embed="rId20"/>
                 <a:stretch>
                   <a:fillRect b="-23529"/>
                 </a:stretch>
@@ -12892,19 +11818,22 @@
                   </a:rPr>
                   <a:t> </a:t>
                 </a:r>
+                <a:endParaRPr lang="zh-CN" altLang="en-US">
+                  <a:noFill/>
+                </a:endParaRPr>
               </a:p>
             </p:txBody>
           </p:sp>
         </mc:Fallback>
       </mc:AlternateContent>
-      <mc:AlternateContent xmlns:mc="http://schemas.openxmlformats.org/markup-compatibility/2006" xmlns:a14="http://schemas.microsoft.com/office/drawing/2010/main">
-        <mc:Choice Requires="a14">
+      <mc:AlternateContent xmlns:mc="http://schemas.openxmlformats.org/markup-compatibility/2006">
+        <mc:Choice xmlns:a14="http://schemas.microsoft.com/office/drawing/2010/main" Requires="a14">
           <p:sp>
             <p:nvSpPr>
               <p:cNvPr id="34" name="TextBox 33">
                 <a:extLst>
                   <a:ext uri="{FF2B5EF4-FFF2-40B4-BE49-F238E27FC236}">
-                    <a16:creationId xmlns:a16="http://schemas.microsoft.com/office/drawing/2014/main" id="{A207174C-8877-4F1C-8951-BDEC0200A854}"/>
+                    <ele attr="{A207174C-8877-4F1C-8951-BDEC0200A854}"/>
                   </a:ext>
                 </a:extLst>
               </p:cNvPr>
@@ -13055,16 +11984,10 @@
             </p:txBody>
           </p:sp>
         </mc:Choice>
-        <mc:Fallback xmlns="">
+        <mc:Fallback>
           <p:sp>
             <p:nvSpPr>
-              <p:cNvPr id="34" name="TextBox 33">
-                <a:extLst>
-                  <a:ext uri="{FF2B5EF4-FFF2-40B4-BE49-F238E27FC236}">
-                    <a16:creationId xmlns:a16="http://schemas.microsoft.com/office/drawing/2014/main" id="{A207174C-8877-4F1C-8951-BDEC0200A854}"/>
-                  </a:ext>
-                </a:extLst>
-              </p:cNvPr>
+              <p:cNvPr id="34" name="TextBox 33"/>
               <p:cNvSpPr txBox="1">
                 <a:spLocks noRot="1" noChangeAspect="1" noMove="1" noResize="1" noEditPoints="1" noAdjustHandles="1" noChangeArrowheads="1" noChangeShapeType="1" noTextEdit="1"/>
               </p:cNvSpPr>
@@ -13078,8 +12001,8 @@
               <a:prstGeom prst="rect">
                 <a:avLst/>
               </a:prstGeom>
-              <a:blipFill>
-                <a:blip r:embed="rId22"/>
+              <a:blipFill rotWithShape="1">
+                <a:blip r:embed="rId21"/>
                 <a:stretch>
                   <a:fillRect b="-23529"/>
                 </a:stretch>
@@ -13095,19 +12018,22 @@
                   </a:rPr>
                   <a:t> </a:t>
                 </a:r>
+                <a:endParaRPr lang="zh-CN" altLang="en-US">
+                  <a:noFill/>
+                </a:endParaRPr>
               </a:p>
             </p:txBody>
           </p:sp>
         </mc:Fallback>
       </mc:AlternateContent>
-      <mc:AlternateContent xmlns:mc="http://schemas.openxmlformats.org/markup-compatibility/2006" xmlns:a14="http://schemas.microsoft.com/office/drawing/2010/main">
-        <mc:Choice Requires="a14">
+      <mc:AlternateContent xmlns:mc="http://schemas.openxmlformats.org/markup-compatibility/2006">
+        <mc:Choice xmlns:a14="http://schemas.microsoft.com/office/drawing/2010/main" Requires="a14">
           <p:sp>
             <p:nvSpPr>
               <p:cNvPr id="35" name="TextBox 34">
                 <a:extLst>
                   <a:ext uri="{FF2B5EF4-FFF2-40B4-BE49-F238E27FC236}">
-                    <a16:creationId xmlns:a16="http://schemas.microsoft.com/office/drawing/2014/main" id="{096146C7-D456-4363-AB50-929E65F6E46C}"/>
+                    <ele attr="{096146C7-D456-4363-AB50-929E65F6E46C}"/>
                   </a:ext>
                 </a:extLst>
               </p:cNvPr>
@@ -13240,16 +12166,10 @@
             </p:txBody>
           </p:sp>
         </mc:Choice>
-        <mc:Fallback xmlns="">
+        <mc:Fallback>
           <p:sp>
             <p:nvSpPr>
-              <p:cNvPr id="35" name="TextBox 34">
-                <a:extLst>
-                  <a:ext uri="{FF2B5EF4-FFF2-40B4-BE49-F238E27FC236}">
-                    <a16:creationId xmlns:a16="http://schemas.microsoft.com/office/drawing/2014/main" id="{096146C7-D456-4363-AB50-929E65F6E46C}"/>
-                  </a:ext>
-                </a:extLst>
-              </p:cNvPr>
+              <p:cNvPr id="35" name="TextBox 34"/>
               <p:cNvSpPr txBox="1">
                 <a:spLocks noRot="1" noChangeAspect="1" noMove="1" noResize="1" noEditPoints="1" noAdjustHandles="1" noChangeArrowheads="1" noChangeShapeType="1" noTextEdit="1"/>
               </p:cNvSpPr>
@@ -13263,8 +12183,8 @@
               <a:prstGeom prst="rect">
                 <a:avLst/>
               </a:prstGeom>
-              <a:blipFill>
-                <a:blip r:embed="rId23"/>
+              <a:blipFill rotWithShape="1">
+                <a:blip r:embed="rId22"/>
                 <a:stretch>
                   <a:fillRect b="-23529"/>
                 </a:stretch>
@@ -13280,19 +12200,22 @@
                   </a:rPr>
                   <a:t> </a:t>
                 </a:r>
+                <a:endParaRPr lang="zh-CN" altLang="en-US">
+                  <a:noFill/>
+                </a:endParaRPr>
               </a:p>
             </p:txBody>
           </p:sp>
         </mc:Fallback>
       </mc:AlternateContent>
-      <mc:AlternateContent xmlns:mc="http://schemas.openxmlformats.org/markup-compatibility/2006" xmlns:a14="http://schemas.microsoft.com/office/drawing/2010/main">
-        <mc:Choice Requires="a14">
+      <mc:AlternateContent xmlns:mc="http://schemas.openxmlformats.org/markup-compatibility/2006">
+        <mc:Choice xmlns:a14="http://schemas.microsoft.com/office/drawing/2010/main" Requires="a14">
           <p:sp>
             <p:nvSpPr>
               <p:cNvPr id="36" name="TextBox 35">
                 <a:extLst>
                   <a:ext uri="{FF2B5EF4-FFF2-40B4-BE49-F238E27FC236}">
-                    <a16:creationId xmlns:a16="http://schemas.microsoft.com/office/drawing/2014/main" id="{0C23E3DB-26C0-4BB5-8FF8-6BED86ED9987}"/>
+                    <ele attr="{0C23E3DB-26C0-4BB5-8FF8-6BED86ED9987}"/>
                   </a:ext>
                 </a:extLst>
               </p:cNvPr>
@@ -13443,16 +12366,10 @@
             </p:txBody>
           </p:sp>
         </mc:Choice>
-        <mc:Fallback xmlns="">
+        <mc:Fallback>
           <p:sp>
             <p:nvSpPr>
-              <p:cNvPr id="36" name="TextBox 35">
-                <a:extLst>
-                  <a:ext uri="{FF2B5EF4-FFF2-40B4-BE49-F238E27FC236}">
-                    <a16:creationId xmlns:a16="http://schemas.microsoft.com/office/drawing/2014/main" id="{0C23E3DB-26C0-4BB5-8FF8-6BED86ED9987}"/>
-                  </a:ext>
-                </a:extLst>
-              </p:cNvPr>
+              <p:cNvPr id="36" name="TextBox 35"/>
               <p:cNvSpPr txBox="1">
                 <a:spLocks noRot="1" noChangeAspect="1" noMove="1" noResize="1" noEditPoints="1" noAdjustHandles="1" noChangeArrowheads="1" noChangeShapeType="1" noTextEdit="1"/>
               </p:cNvSpPr>
@@ -13466,8 +12383,8 @@
               <a:prstGeom prst="rect">
                 <a:avLst/>
               </a:prstGeom>
-              <a:blipFill>
-                <a:blip r:embed="rId24"/>
+              <a:blipFill rotWithShape="1">
+                <a:blip r:embed="rId23"/>
                 <a:stretch>
                   <a:fillRect b="-23529"/>
                 </a:stretch>
@@ -13483,19 +12400,22 @@
                   </a:rPr>
                   <a:t> </a:t>
                 </a:r>
+                <a:endParaRPr lang="zh-CN" altLang="en-US">
+                  <a:noFill/>
+                </a:endParaRPr>
               </a:p>
             </p:txBody>
           </p:sp>
         </mc:Fallback>
       </mc:AlternateContent>
-      <mc:AlternateContent xmlns:mc="http://schemas.openxmlformats.org/markup-compatibility/2006" xmlns:a14="http://schemas.microsoft.com/office/drawing/2010/main">
-        <mc:Choice Requires="a14">
+      <mc:AlternateContent xmlns:mc="http://schemas.openxmlformats.org/markup-compatibility/2006">
+        <mc:Choice xmlns:a14="http://schemas.microsoft.com/office/drawing/2010/main" Requires="a14">
           <p:sp>
             <p:nvSpPr>
               <p:cNvPr id="37" name="TextBox 36">
                 <a:extLst>
                   <a:ext uri="{FF2B5EF4-FFF2-40B4-BE49-F238E27FC236}">
-                    <a16:creationId xmlns:a16="http://schemas.microsoft.com/office/drawing/2014/main" id="{D575E787-DAFE-478C-8190-CEB887AC80C4}"/>
+                    <ele attr="{D575E787-DAFE-478C-8190-CEB887AC80C4}"/>
                   </a:ext>
                 </a:extLst>
               </p:cNvPr>
@@ -13646,16 +12566,10 @@
             </p:txBody>
           </p:sp>
         </mc:Choice>
-        <mc:Fallback xmlns="">
+        <mc:Fallback>
           <p:sp>
             <p:nvSpPr>
-              <p:cNvPr id="37" name="TextBox 36">
-                <a:extLst>
-                  <a:ext uri="{FF2B5EF4-FFF2-40B4-BE49-F238E27FC236}">
-                    <a16:creationId xmlns:a16="http://schemas.microsoft.com/office/drawing/2014/main" id="{D575E787-DAFE-478C-8190-CEB887AC80C4}"/>
-                  </a:ext>
-                </a:extLst>
-              </p:cNvPr>
+              <p:cNvPr id="37" name="TextBox 36"/>
               <p:cNvSpPr txBox="1">
                 <a:spLocks noRot="1" noChangeAspect="1" noMove="1" noResize="1" noEditPoints="1" noAdjustHandles="1" noChangeArrowheads="1" noChangeShapeType="1" noTextEdit="1"/>
               </p:cNvSpPr>
@@ -13669,8 +12583,8 @@
               <a:prstGeom prst="rect">
                 <a:avLst/>
               </a:prstGeom>
-              <a:blipFill>
-                <a:blip r:embed="rId25"/>
+              <a:blipFill rotWithShape="1">
+                <a:blip r:embed="rId24"/>
                 <a:stretch>
                   <a:fillRect b="-26000"/>
                 </a:stretch>
@@ -13686,17 +12600,15 @@
                   </a:rPr>
                   <a:t> </a:t>
                 </a:r>
+                <a:endParaRPr lang="zh-CN" altLang="en-US">
+                  <a:noFill/>
+                </a:endParaRPr>
               </a:p>
             </p:txBody>
           </p:sp>
         </mc:Fallback>
       </mc:AlternateContent>
     </p:spTree>
-    <p:extLst>
-      <p:ext uri="{BB962C8B-B14F-4D97-AF65-F5344CB8AC3E}">
-        <p14:creationId xmlns:p14="http://schemas.microsoft.com/office/powerpoint/2010/main" val="1301577996"/>
-      </p:ext>
-    </p:extLst>
   </p:cSld>
   <p:clrMapOvr>
     <a:masterClrMapping/>
@@ -13723,16 +12635,8 @@
       </p:grpSpPr>
       <p:cxnSp>
         <p:nvCxnSpPr>
-          <p:cNvPr id="60" name="Straight Connector 59">
-            <a:extLst>
-              <a:ext uri="{FF2B5EF4-FFF2-40B4-BE49-F238E27FC236}">
-                <a16:creationId xmlns:a16="http://schemas.microsoft.com/office/drawing/2014/main" id="{A764FBB3-5497-471E-AC0C-5231E5C7A9B6}"/>
-              </a:ext>
-            </a:extLst>
-          </p:cNvPr>
-          <p:cNvCxnSpPr>
-            <a:cxnSpLocks/>
-          </p:cNvCxnSpPr>
+          <p:cNvPr id="60" name="Straight Connector 59"/>
+          <p:cNvCxnSpPr/>
           <p:nvPr/>
         </p:nvCxnSpPr>
         <p:spPr>
@@ -13766,16 +12670,8 @@
       </p:cxnSp>
       <p:cxnSp>
         <p:nvCxnSpPr>
-          <p:cNvPr id="64" name="Straight Connector 63">
-            <a:extLst>
-              <a:ext uri="{FF2B5EF4-FFF2-40B4-BE49-F238E27FC236}">
-                <a16:creationId xmlns:a16="http://schemas.microsoft.com/office/drawing/2014/main" id="{55FAA3CF-77E8-44F3-A505-42872269D8F6}"/>
-              </a:ext>
-            </a:extLst>
-          </p:cNvPr>
-          <p:cNvCxnSpPr>
-            <a:cxnSpLocks/>
-          </p:cNvCxnSpPr>
+          <p:cNvPr id="64" name="Straight Connector 63"/>
+          <p:cNvCxnSpPr/>
           <p:nvPr/>
         </p:nvCxnSpPr>
         <p:spPr>
@@ -13809,13 +12705,7 @@
       </p:cxnSp>
       <p:sp>
         <p:nvSpPr>
-          <p:cNvPr id="3" name="Rectangle 2">
-            <a:extLst>
-              <a:ext uri="{FF2B5EF4-FFF2-40B4-BE49-F238E27FC236}">
-                <a16:creationId xmlns:a16="http://schemas.microsoft.com/office/drawing/2014/main" id="{E6F1D252-C663-4EBF-A16E-FB79DA41CAA8}"/>
-              </a:ext>
-            </a:extLst>
-          </p:cNvPr>
+          <p:cNvPr id="3" name="Rectangle 2"/>
           <p:cNvSpPr/>
           <p:nvPr/>
         </p:nvSpPr>
@@ -13859,14 +12749,14 @@
           </a:p>
         </p:txBody>
       </p:sp>
-      <mc:AlternateContent xmlns:mc="http://schemas.openxmlformats.org/markup-compatibility/2006" xmlns:a14="http://schemas.microsoft.com/office/drawing/2010/main">
-        <mc:Choice Requires="a14">
+      <mc:AlternateContent xmlns:mc="http://schemas.openxmlformats.org/markup-compatibility/2006">
+        <mc:Choice xmlns:a14="http://schemas.microsoft.com/office/drawing/2010/main" Requires="a14">
           <p:sp>
             <p:nvSpPr>
               <p:cNvPr id="2" name="TextBox 1">
                 <a:extLst>
                   <a:ext uri="{FF2B5EF4-FFF2-40B4-BE49-F238E27FC236}">
-                    <a16:creationId xmlns:a16="http://schemas.microsoft.com/office/drawing/2014/main" id="{195A16CF-B6CE-4131-837C-63F61E85BDA1}"/>
+                    <ele attr="{195A16CF-B6CE-4131-837C-63F61E85BDA1}"/>
                   </a:ext>
                 </a:extLst>
               </p:cNvPr>
@@ -13926,16 +12816,10 @@
             </p:txBody>
           </p:sp>
         </mc:Choice>
-        <mc:Fallback xmlns="">
+        <mc:Fallback>
           <p:sp>
             <p:nvSpPr>
-              <p:cNvPr id="2" name="TextBox 1">
-                <a:extLst>
-                  <a:ext uri="{FF2B5EF4-FFF2-40B4-BE49-F238E27FC236}">
-                    <a16:creationId xmlns:a16="http://schemas.microsoft.com/office/drawing/2014/main" id="{195A16CF-B6CE-4131-837C-63F61E85BDA1}"/>
-                  </a:ext>
-                </a:extLst>
-              </p:cNvPr>
+              <p:cNvPr id="2" name="TextBox 1"/>
               <p:cNvSpPr txBox="1">
                 <a:spLocks noRot="1" noChangeAspect="1" noMove="1" noResize="1" noEditPoints="1" noAdjustHandles="1" noChangeArrowheads="1" noChangeShapeType="1" noTextEdit="1"/>
               </p:cNvSpPr>
@@ -13949,8 +12833,8 @@
               <a:prstGeom prst="rect">
                 <a:avLst/>
               </a:prstGeom>
-              <a:blipFill>
-                <a:blip r:embed="rId2"/>
+              <a:blipFill rotWithShape="1">
+                <a:blip r:embed="rId1"/>
                 <a:stretch>
                   <a:fillRect l="-15942" r="-15942" b="-6557"/>
                 </a:stretch>
@@ -13966,19 +12850,22 @@
                   </a:rPr>
                   <a:t> </a:t>
                 </a:r>
+                <a:endParaRPr lang="zh-CN" altLang="en-US">
+                  <a:noFill/>
+                </a:endParaRPr>
               </a:p>
             </p:txBody>
           </p:sp>
         </mc:Fallback>
       </mc:AlternateContent>
-      <mc:AlternateContent xmlns:mc="http://schemas.openxmlformats.org/markup-compatibility/2006" xmlns:a14="http://schemas.microsoft.com/office/drawing/2010/main">
-        <mc:Choice Requires="a14">
+      <mc:AlternateContent xmlns:mc="http://schemas.openxmlformats.org/markup-compatibility/2006">
+        <mc:Choice xmlns:a14="http://schemas.microsoft.com/office/drawing/2010/main" Requires="a14">
           <p:sp>
             <p:nvSpPr>
               <p:cNvPr id="4" name="TextBox 3">
                 <a:extLst>
                   <a:ext uri="{FF2B5EF4-FFF2-40B4-BE49-F238E27FC236}">
-                    <a16:creationId xmlns:a16="http://schemas.microsoft.com/office/drawing/2014/main" id="{40EE7A0F-8A61-439C-AC46-18D11B1120D1}"/>
+                    <ele attr="{40EE7A0F-8A61-439C-AC46-18D11B1120D1}"/>
                   </a:ext>
                 </a:extLst>
               </p:cNvPr>
@@ -14056,16 +12943,10 @@
             </p:txBody>
           </p:sp>
         </mc:Choice>
-        <mc:Fallback xmlns="">
+        <mc:Fallback>
           <p:sp>
             <p:nvSpPr>
-              <p:cNvPr id="4" name="TextBox 3">
-                <a:extLst>
-                  <a:ext uri="{FF2B5EF4-FFF2-40B4-BE49-F238E27FC236}">
-                    <a16:creationId xmlns:a16="http://schemas.microsoft.com/office/drawing/2014/main" id="{40EE7A0F-8A61-439C-AC46-18D11B1120D1}"/>
-                  </a:ext>
-                </a:extLst>
-              </p:cNvPr>
+              <p:cNvPr id="4" name="TextBox 3"/>
               <p:cNvSpPr txBox="1">
                 <a:spLocks noRot="1" noChangeAspect="1" noMove="1" noResize="1" noEditPoints="1" noAdjustHandles="1" noChangeArrowheads="1" noChangeShapeType="1" noTextEdit="1"/>
               </p:cNvSpPr>
@@ -14079,8 +12960,8 @@
               <a:prstGeom prst="rect">
                 <a:avLst/>
               </a:prstGeom>
-              <a:blipFill>
-                <a:blip r:embed="rId3"/>
+              <a:blipFill rotWithShape="1">
+                <a:blip r:embed="rId2"/>
                 <a:stretch>
                   <a:fillRect l="-4878" r="-5366" b="-8333"/>
                 </a:stretch>
@@ -14096,19 +12977,22 @@
                   </a:rPr>
                   <a:t> </a:t>
                 </a:r>
+                <a:endParaRPr lang="zh-CN" altLang="en-US">
+                  <a:noFill/>
+                </a:endParaRPr>
               </a:p>
             </p:txBody>
           </p:sp>
         </mc:Fallback>
       </mc:AlternateContent>
-      <mc:AlternateContent xmlns:mc="http://schemas.openxmlformats.org/markup-compatibility/2006" xmlns:a14="http://schemas.microsoft.com/office/drawing/2010/main">
-        <mc:Choice Requires="a14">
+      <mc:AlternateContent xmlns:mc="http://schemas.openxmlformats.org/markup-compatibility/2006">
+        <mc:Choice xmlns:a14="http://schemas.microsoft.com/office/drawing/2010/main" Requires="a14">
           <p:sp>
             <p:nvSpPr>
               <p:cNvPr id="6" name="TextBox 5">
                 <a:extLst>
                   <a:ext uri="{FF2B5EF4-FFF2-40B4-BE49-F238E27FC236}">
-                    <a16:creationId xmlns:a16="http://schemas.microsoft.com/office/drawing/2014/main" id="{E6ACA351-C698-43A3-AA4E-57D8B7E2FF66}"/>
+                    <ele attr="{E6ACA351-C698-43A3-AA4E-57D8B7E2FF66}"/>
                   </a:ext>
                 </a:extLst>
               </p:cNvPr>
@@ -14186,16 +13070,10 @@
             </p:txBody>
           </p:sp>
         </mc:Choice>
-        <mc:Fallback xmlns="">
+        <mc:Fallback>
           <p:sp>
             <p:nvSpPr>
-              <p:cNvPr id="6" name="TextBox 5">
-                <a:extLst>
-                  <a:ext uri="{FF2B5EF4-FFF2-40B4-BE49-F238E27FC236}">
-                    <a16:creationId xmlns:a16="http://schemas.microsoft.com/office/drawing/2014/main" id="{E6ACA351-C698-43A3-AA4E-57D8B7E2FF66}"/>
-                  </a:ext>
-                </a:extLst>
-              </p:cNvPr>
+              <p:cNvPr id="6" name="TextBox 5"/>
               <p:cNvSpPr txBox="1">
                 <a:spLocks noRot="1" noChangeAspect="1" noMove="1" noResize="1" noEditPoints="1" noAdjustHandles="1" noChangeArrowheads="1" noChangeShapeType="1" noTextEdit="1"/>
               </p:cNvSpPr>
@@ -14209,8 +13087,8 @@
               <a:prstGeom prst="rect">
                 <a:avLst/>
               </a:prstGeom>
-              <a:blipFill>
-                <a:blip r:embed="rId4"/>
+              <a:blipFill rotWithShape="1">
+                <a:blip r:embed="rId3"/>
                 <a:stretch>
                   <a:fillRect l="-4878" r="-5366" b="-6557"/>
                 </a:stretch>
@@ -14226,19 +13104,22 @@
                   </a:rPr>
                   <a:t> </a:t>
                 </a:r>
+                <a:endParaRPr lang="zh-CN" altLang="en-US">
+                  <a:noFill/>
+                </a:endParaRPr>
               </a:p>
             </p:txBody>
           </p:sp>
         </mc:Fallback>
       </mc:AlternateContent>
-      <mc:AlternateContent xmlns:mc="http://schemas.openxmlformats.org/markup-compatibility/2006" xmlns:a14="http://schemas.microsoft.com/office/drawing/2010/main">
-        <mc:Choice Requires="a14">
+      <mc:AlternateContent xmlns:mc="http://schemas.openxmlformats.org/markup-compatibility/2006">
+        <mc:Choice xmlns:a14="http://schemas.microsoft.com/office/drawing/2010/main" Requires="a14">
           <p:sp>
             <p:nvSpPr>
               <p:cNvPr id="8" name="TextBox 7">
                 <a:extLst>
                   <a:ext uri="{FF2B5EF4-FFF2-40B4-BE49-F238E27FC236}">
-                    <a16:creationId xmlns:a16="http://schemas.microsoft.com/office/drawing/2014/main" id="{607968E1-5E1F-44D8-9DB9-3F61D679A5EF}"/>
+                    <ele attr="{607968E1-5E1F-44D8-9DB9-3F61D679A5EF}"/>
                   </a:ext>
                 </a:extLst>
               </p:cNvPr>
@@ -14316,16 +13197,10 @@
             </p:txBody>
           </p:sp>
         </mc:Choice>
-        <mc:Fallback xmlns="">
+        <mc:Fallback>
           <p:sp>
             <p:nvSpPr>
-              <p:cNvPr id="8" name="TextBox 7">
-                <a:extLst>
-                  <a:ext uri="{FF2B5EF4-FFF2-40B4-BE49-F238E27FC236}">
-                    <a16:creationId xmlns:a16="http://schemas.microsoft.com/office/drawing/2014/main" id="{607968E1-5E1F-44D8-9DB9-3F61D679A5EF}"/>
-                  </a:ext>
-                </a:extLst>
-              </p:cNvPr>
+              <p:cNvPr id="8" name="TextBox 7"/>
               <p:cNvSpPr txBox="1">
                 <a:spLocks noRot="1" noChangeAspect="1" noMove="1" noResize="1" noEditPoints="1" noAdjustHandles="1" noChangeArrowheads="1" noChangeShapeType="1" noTextEdit="1"/>
               </p:cNvSpPr>
@@ -14339,8 +13214,8 @@
               <a:prstGeom prst="rect">
                 <a:avLst/>
               </a:prstGeom>
-              <a:blipFill>
-                <a:blip r:embed="rId5"/>
+              <a:blipFill rotWithShape="1">
+                <a:blip r:embed="rId4"/>
                 <a:stretch>
                   <a:fillRect l="-4545" r="-5051" b="-6667"/>
                 </a:stretch>
@@ -14356,19 +13231,22 @@
                   </a:rPr>
                   <a:t> </a:t>
                 </a:r>
+                <a:endParaRPr lang="zh-CN" altLang="en-US">
+                  <a:noFill/>
+                </a:endParaRPr>
               </a:p>
             </p:txBody>
           </p:sp>
         </mc:Fallback>
       </mc:AlternateContent>
-      <mc:AlternateContent xmlns:mc="http://schemas.openxmlformats.org/markup-compatibility/2006" xmlns:a14="http://schemas.microsoft.com/office/drawing/2010/main">
-        <mc:Choice Requires="a14">
+      <mc:AlternateContent xmlns:mc="http://schemas.openxmlformats.org/markup-compatibility/2006">
+        <mc:Choice xmlns:a14="http://schemas.microsoft.com/office/drawing/2010/main" Requires="a14">
           <p:sp>
             <p:nvSpPr>
               <p:cNvPr id="10" name="TextBox 9">
                 <a:extLst>
                   <a:ext uri="{FF2B5EF4-FFF2-40B4-BE49-F238E27FC236}">
-                    <a16:creationId xmlns:a16="http://schemas.microsoft.com/office/drawing/2014/main" id="{E9215AA9-E856-430D-A0AA-7CB05F9AF6EF}"/>
+                    <ele attr="{E9215AA9-E856-430D-A0AA-7CB05F9AF6EF}"/>
                   </a:ext>
                 </a:extLst>
               </p:cNvPr>
@@ -14446,16 +13324,10 @@
             </p:txBody>
           </p:sp>
         </mc:Choice>
-        <mc:Fallback xmlns="">
+        <mc:Fallback>
           <p:sp>
             <p:nvSpPr>
-              <p:cNvPr id="10" name="TextBox 9">
-                <a:extLst>
-                  <a:ext uri="{FF2B5EF4-FFF2-40B4-BE49-F238E27FC236}">
-                    <a16:creationId xmlns:a16="http://schemas.microsoft.com/office/drawing/2014/main" id="{E9215AA9-E856-430D-A0AA-7CB05F9AF6EF}"/>
-                  </a:ext>
-                </a:extLst>
-              </p:cNvPr>
+              <p:cNvPr id="10" name="TextBox 9"/>
               <p:cNvSpPr txBox="1">
                 <a:spLocks noRot="1" noChangeAspect="1" noMove="1" noResize="1" noEditPoints="1" noAdjustHandles="1" noChangeArrowheads="1" noChangeShapeType="1" noTextEdit="1"/>
               </p:cNvSpPr>
@@ -14469,8 +13341,8 @@
               <a:prstGeom prst="rect">
                 <a:avLst/>
               </a:prstGeom>
-              <a:blipFill>
-                <a:blip r:embed="rId6"/>
+              <a:blipFill rotWithShape="1">
+                <a:blip r:embed="rId5"/>
                 <a:stretch>
                   <a:fillRect l="-5051" r="-4545" b="-6557"/>
                 </a:stretch>
@@ -14486,6 +13358,9 @@
                   </a:rPr>
                   <a:t> </a:t>
                 </a:r>
+                <a:endParaRPr lang="zh-CN" altLang="en-US">
+                  <a:noFill/>
+                </a:endParaRPr>
               </a:p>
             </p:txBody>
           </p:sp>
@@ -14498,7 +13373,7 @@
               <p:cNvPr id="12" name="TextBox 11">
                 <a:extLst>
                   <a:ext uri="{FF2B5EF4-FFF2-40B4-BE49-F238E27FC236}">
-                    <a16:creationId xmlns:a16="http://schemas.microsoft.com/office/drawing/2014/main" id="{BE577278-F2F8-4B68-AB28-EB6B05348DC7}"/>
+                    <ele attr="{BE577278-F2F8-4B68-AB28-EB6B05348DC7}"/>
                   </a:ext>
                 </a:extLst>
               </p:cNvPr>
@@ -14561,13 +13436,7 @@
         <mc:Fallback>
           <p:sp>
             <p:nvSpPr>
-              <p:cNvPr id="12" name="TextBox 11">
-                <a:extLst>
-                  <a:ext uri="{FF2B5EF4-FFF2-40B4-BE49-F238E27FC236}">
-                    <a16:creationId xmlns:a16="http://schemas.microsoft.com/office/drawing/2014/main" id="{BE577278-F2F8-4B68-AB28-EB6B05348DC7}"/>
-                  </a:ext>
-                </a:extLst>
-              </p:cNvPr>
+              <p:cNvPr id="12" name="TextBox 11"/>
               <p:cNvSpPr txBox="1">
                 <a:spLocks noRot="1" noChangeAspect="1" noMove="1" noResize="1" noEditPoints="1" noAdjustHandles="1" noChangeArrowheads="1" noChangeShapeType="1" noTextEdit="1"/>
               </p:cNvSpPr>
@@ -14581,8 +13450,8 @@
               <a:prstGeom prst="rect">
                 <a:avLst/>
               </a:prstGeom>
-              <a:blipFill>
-                <a:blip r:embed="rId7"/>
+              <a:blipFill rotWithShape="1">
+                <a:blip r:embed="rId6"/>
                 <a:stretch>
                   <a:fillRect l="-16129" r="-17742" b="-6557"/>
                 </a:stretch>
@@ -14598,17 +13467,73 @@
                   </a:rPr>
                   <a:t> </a:t>
                 </a:r>
+                <a:endParaRPr lang="zh-CN" altLang="en-US">
+                  <a:noFill/>
+                </a:endParaRPr>
               </a:p>
             </p:txBody>
           </p:sp>
         </mc:Fallback>
       </mc:AlternateContent>
     </p:spTree>
-    <p:extLst>
-      <p:ext uri="{BB962C8B-B14F-4D97-AF65-F5344CB8AC3E}">
-        <p14:creationId xmlns:p14="http://schemas.microsoft.com/office/powerpoint/2010/main" val="1060683850"/>
-      </p:ext>
-    </p:extLst>
+  </p:cSld>
+  <p:clrMapOvr>
+    <a:masterClrMapping/>
+  </p:clrMapOvr>
+</p:sld>
+</file>
+
+<file path=ppt/slides/slide5.xml><?xml version="1.0" encoding="utf-8"?>
+<p:sld xmlns:a="http://schemas.openxmlformats.org/drawingml/2006/main" xmlns:r="http://schemas.openxmlformats.org/officeDocument/2006/relationships" xmlns:p="http://schemas.openxmlformats.org/presentationml/2006/main">
+  <p:cSld>
+    <p:spTree>
+      <p:nvGrpSpPr>
+        <p:cNvPr id="1" name=""/>
+        <p:cNvGrpSpPr/>
+        <p:nvPr/>
+      </p:nvGrpSpPr>
+      <p:grpSpPr/>
+      <p:sp>
+        <p:nvSpPr>
+          <p:cNvPr id="2" name="标题 1"/>
+          <p:cNvSpPr>
+            <a:spLocks noGrp="1"/>
+          </p:cNvSpPr>
+          <p:nvPr>
+            <p:ph type="title"/>
+          </p:nvPr>
+        </p:nvSpPr>
+        <p:spPr/>
+        <p:txBody>
+          <a:bodyPr/>
+          <a:p>
+            <a:endParaRPr lang="zh-CN" altLang="en-US"/>
+          </a:p>
+        </p:txBody>
+      </p:sp>
+      <p:sp>
+        <p:nvSpPr>
+          <p:cNvPr id="3" name="内容占位符 2"/>
+          <p:cNvSpPr>
+            <a:spLocks noGrp="1"/>
+          </p:cNvSpPr>
+          <p:nvPr>
+            <p:ph idx="1"/>
+          </p:nvPr>
+        </p:nvSpPr>
+        <p:spPr/>
+        <p:txBody>
+          <a:bodyPr/>
+          <a:p>
+            <a:r>
+              <a:rPr lang="en-US" altLang="zh-CN"/>
+              <a:t>1</a:t>
+            </a:r>
+            <a:endParaRPr lang="en-US" altLang="zh-CN"/>
+          </a:p>
+        </p:txBody>
+      </p:sp>
+    </p:spTree>
   </p:cSld>
   <p:clrMapOvr>
     <a:masterClrMapping/>
@@ -14659,7 +13584,7 @@
     </a:clrScheme>
     <a:fontScheme name="Office">
       <a:majorFont>
-        <a:latin typeface="等线 Light" panose="020F0302020204030204"/>
+        <a:latin typeface="等线 Light"/>
         <a:ea typeface=""/>
         <a:cs typeface=""/>
         <a:font script="Jpan" typeface="游ゴシック Light"/>
@@ -14692,26 +13617,9 @@
         <a:font script="Viet" typeface="Times New Roman"/>
         <a:font script="Uigh" typeface="Microsoft Uighur"/>
         <a:font script="Geor" typeface="Sylfaen"/>
-        <a:font script="Armn" typeface="Arial"/>
-        <a:font script="Bugi" typeface="Leelawadee UI"/>
-        <a:font script="Bopo" typeface="Microsoft JhengHei"/>
-        <a:font script="Java" typeface="Javanese Text"/>
-        <a:font script="Lisu" typeface="Segoe UI"/>
-        <a:font script="Mymr" typeface="Myanmar Text"/>
-        <a:font script="Nkoo" typeface="Ebrima"/>
-        <a:font script="Olck" typeface="Nirmala UI"/>
-        <a:font script="Osma" typeface="Ebrima"/>
-        <a:font script="Phag" typeface="Phagspa"/>
-        <a:font script="Syrn" typeface="Estrangelo Edessa"/>
-        <a:font script="Syrj" typeface="Estrangelo Edessa"/>
-        <a:font script="Syre" typeface="Estrangelo Edessa"/>
-        <a:font script="Sora" typeface="Nirmala UI"/>
-        <a:font script="Tale" typeface="Microsoft Tai Le"/>
-        <a:font script="Talu" typeface="Microsoft New Tai Lue"/>
-        <a:font script="Tfng" typeface="Ebrima"/>
       </a:majorFont>
       <a:minorFont>
-        <a:latin typeface="等线" panose="020F0502020204030204"/>
+        <a:latin typeface="等线"/>
         <a:ea typeface=""/>
         <a:cs typeface=""/>
         <a:font script="Jpan" typeface="游ゴシック"/>
@@ -14744,23 +13652,6 @@
         <a:font script="Viet" typeface="Arial"/>
         <a:font script="Uigh" typeface="Microsoft Uighur"/>
         <a:font script="Geor" typeface="Sylfaen"/>
-        <a:font script="Armn" typeface="Arial"/>
-        <a:font script="Bugi" typeface="Leelawadee UI"/>
-        <a:font script="Bopo" typeface="Microsoft JhengHei"/>
-        <a:font script="Java" typeface="Javanese Text"/>
-        <a:font script="Lisu" typeface="Segoe UI"/>
-        <a:font script="Mymr" typeface="Myanmar Text"/>
-        <a:font script="Nkoo" typeface="Ebrima"/>
-        <a:font script="Olck" typeface="Nirmala UI"/>
-        <a:font script="Osma" typeface="Ebrima"/>
-        <a:font script="Phag" typeface="Phagspa"/>
-        <a:font script="Syrn" typeface="Estrangelo Edessa"/>
-        <a:font script="Syrj" typeface="Estrangelo Edessa"/>
-        <a:font script="Syre" typeface="Estrangelo Edessa"/>
-        <a:font script="Sora" typeface="Nirmala UI"/>
-        <a:font script="Tale" typeface="Microsoft Tai Le"/>
-        <a:font script="Talu" typeface="Microsoft New Tai Lue"/>
-        <a:font script="Tfng" typeface="Ebrima"/>
       </a:minorFont>
     </a:fontScheme>
     <a:fmtScheme name="Office">
@@ -14901,8 +13792,6 @@
       </a:bgFillStyleLst>
     </a:fmtScheme>
   </a:themeElements>
-  <a:objectDefaults/>
-  <a:extraClrSchemeLst/>
   <a:extLst>
     <a:ext uri="{05A4C25C-085E-4340-85A3-A5531E510DB2}">
       <thm15:themeFamily xmlns:thm15="http://schemas.microsoft.com/office/thememl/2012/main" name="Office Theme" id="{62F939B6-93AF-4DB8-9C6B-D6C7DFDC589F}" vid="{4A3C46E8-61CC-4603-A589-7422A47A8E4A}"/>
@@ -14954,7 +13843,7 @@
     </a:clrScheme>
     <a:fontScheme name="Office">
       <a:majorFont>
-        <a:latin typeface="等线 Light" panose="020F0302020204030204"/>
+        <a:latin typeface="等线 Light"/>
         <a:ea typeface=""/>
         <a:cs typeface=""/>
         <a:font script="Jpan" typeface="游ゴシック Light"/>
@@ -14987,26 +13876,9 @@
         <a:font script="Viet" typeface="Times New Roman"/>
         <a:font script="Uigh" typeface="Microsoft Uighur"/>
         <a:font script="Geor" typeface="Sylfaen"/>
-        <a:font script="Armn" typeface="Arial"/>
-        <a:font script="Bugi" typeface="Leelawadee UI"/>
-        <a:font script="Bopo" typeface="Microsoft JhengHei"/>
-        <a:font script="Java" typeface="Javanese Text"/>
-        <a:font script="Lisu" typeface="Segoe UI"/>
-        <a:font script="Mymr" typeface="Myanmar Text"/>
-        <a:font script="Nkoo" typeface="Ebrima"/>
-        <a:font script="Olck" typeface="Nirmala UI"/>
-        <a:font script="Osma" typeface="Ebrima"/>
-        <a:font script="Phag" typeface="Phagspa"/>
-        <a:font script="Syrn" typeface="Estrangelo Edessa"/>
-        <a:font script="Syrj" typeface="Estrangelo Edessa"/>
-        <a:font script="Syre" typeface="Estrangelo Edessa"/>
-        <a:font script="Sora" typeface="Nirmala UI"/>
-        <a:font script="Tale" typeface="Microsoft Tai Le"/>
-        <a:font script="Talu" typeface="Microsoft New Tai Lue"/>
-        <a:font script="Tfng" typeface="Ebrima"/>
       </a:majorFont>
       <a:minorFont>
-        <a:latin typeface="等线" panose="020F0502020204030204"/>
+        <a:latin typeface="等线"/>
         <a:ea typeface=""/>
         <a:cs typeface=""/>
         <a:font script="Jpan" typeface="游ゴシック"/>
@@ -15039,23 +13911,6 @@
         <a:font script="Viet" typeface="Arial"/>
         <a:font script="Uigh" typeface="Microsoft Uighur"/>
         <a:font script="Geor" typeface="Sylfaen"/>
-        <a:font script="Armn" typeface="Arial"/>
-        <a:font script="Bugi" typeface="Leelawadee UI"/>
-        <a:font script="Bopo" typeface="Microsoft JhengHei"/>
-        <a:font script="Java" typeface="Javanese Text"/>
-        <a:font script="Lisu" typeface="Segoe UI"/>
-        <a:font script="Mymr" typeface="Myanmar Text"/>
-        <a:font script="Nkoo" typeface="Ebrima"/>
-        <a:font script="Olck" typeface="Nirmala UI"/>
-        <a:font script="Osma" typeface="Ebrima"/>
-        <a:font script="Phag" typeface="Phagspa"/>
-        <a:font script="Syrn" typeface="Estrangelo Edessa"/>
-        <a:font script="Syrj" typeface="Estrangelo Edessa"/>
-        <a:font script="Syre" typeface="Estrangelo Edessa"/>
-        <a:font script="Sora" typeface="Nirmala UI"/>
-        <a:font script="Tale" typeface="Microsoft Tai Le"/>
-        <a:font script="Talu" typeface="Microsoft New Tai Lue"/>
-        <a:font script="Tfng" typeface="Ebrima"/>
       </a:minorFont>
     </a:fontScheme>
     <a:fmtScheme name="Office">
@@ -15196,8 +14051,6 @@
       </a:bgFillStyleLst>
     </a:fmtScheme>
   </a:themeElements>
-  <a:objectDefaults/>
-  <a:extraClrSchemeLst/>
   <a:extLst>
     <a:ext uri="{05A4C25C-085E-4340-85A3-A5531E510DB2}">
       <thm15:themeFamily xmlns:thm15="http://schemas.microsoft.com/office/thememl/2012/main" name="Office Theme" id="{62F939B6-93AF-4DB8-9C6B-D6C7DFDC589F}" vid="{4A3C46E8-61CC-4603-A589-7422A47A8E4A}"/>

--- a/Figures.pptx
+++ b/Figures.pptx
@@ -12,7 +12,7 @@
     <p:sldId id="258" r:id="rId4"/>
     <p:sldId id="259" r:id="rId6"/>
     <p:sldId id="260" r:id="rId7"/>
-    <p:sldId id="261" r:id="rId8"/>
+    <p:sldId id="262" r:id="rId8"/>
   </p:sldIdLst>
   <p:sldSz cx="12192000" cy="6858000"/>
   <p:notesSz cx="6858000" cy="9144000"/>
@@ -13493,43 +13493,310 @@
         <p:nvPr/>
       </p:nvGrpSpPr>
       <p:grpSpPr/>
+      <p:pic>
+        <p:nvPicPr>
+          <p:cNvPr id="8" name="图片 7"/>
+          <p:cNvPicPr>
+            <a:picLocks noChangeAspect="1"/>
+          </p:cNvPicPr>
+          <p:nvPr/>
+        </p:nvPicPr>
+        <p:blipFill>
+          <a:blip r:embed="rId1"/>
+          <a:stretch>
+            <a:fillRect/>
+          </a:stretch>
+        </p:blipFill>
+        <p:spPr>
+          <a:xfrm rot="16200000">
+            <a:off x="3746500" y="1417320"/>
+            <a:ext cx="3175000" cy="3175000"/>
+          </a:xfrm>
+          <a:prstGeom prst="rect">
+            <a:avLst/>
+          </a:prstGeom>
+        </p:spPr>
+      </p:pic>
+      <p:cxnSp>
+        <p:nvCxnSpPr>
+          <p:cNvPr id="9" name="直接箭头连接符 8"/>
+          <p:cNvCxnSpPr/>
+          <p:nvPr/>
+        </p:nvCxnSpPr>
+        <p:spPr>
+          <a:xfrm flipH="1" flipV="1">
+            <a:off x="5331460" y="948055"/>
+            <a:ext cx="5715" cy="1701165"/>
+          </a:xfrm>
+          <a:prstGeom prst="straightConnector1">
+            <a:avLst/>
+          </a:prstGeom>
+          <a:ln w="38100">
+            <a:solidFill>
+              <a:srgbClr val="FF0000"/>
+            </a:solidFill>
+            <a:headEnd type="none"/>
+            <a:tailEnd type="triangle" w="med" len="med"/>
+          </a:ln>
+        </p:spPr>
+        <p:style>
+          <a:lnRef idx="1">
+            <a:schemeClr val="dk1"/>
+          </a:lnRef>
+          <a:fillRef idx="0">
+            <a:schemeClr val="dk1"/>
+          </a:fillRef>
+          <a:effectRef idx="0">
+            <a:schemeClr val="dk1"/>
+          </a:effectRef>
+          <a:fontRef idx="minor">
+            <a:schemeClr val="tx1"/>
+          </a:fontRef>
+        </p:style>
+      </p:cxnSp>
+      <p:cxnSp>
+        <p:nvCxnSpPr>
+          <p:cNvPr id="10" name="直接箭头连接符 9"/>
+          <p:cNvCxnSpPr/>
+          <p:nvPr/>
+        </p:nvCxnSpPr>
+        <p:spPr>
+          <a:xfrm flipH="1" flipV="1">
+            <a:off x="3647440" y="2637155"/>
+            <a:ext cx="1689735" cy="6985"/>
+          </a:xfrm>
+          <a:prstGeom prst="straightConnector1">
+            <a:avLst/>
+          </a:prstGeom>
+          <a:ln w="38100">
+            <a:solidFill>
+              <a:srgbClr val="FF0000"/>
+            </a:solidFill>
+            <a:headEnd type="none"/>
+            <a:tailEnd type="triangle" w="med" len="med"/>
+          </a:ln>
+        </p:spPr>
+        <p:style>
+          <a:lnRef idx="1">
+            <a:schemeClr val="dk1"/>
+          </a:lnRef>
+          <a:fillRef idx="0">
+            <a:schemeClr val="dk1"/>
+          </a:fillRef>
+          <a:effectRef idx="0">
+            <a:schemeClr val="dk1"/>
+          </a:effectRef>
+          <a:fontRef idx="minor">
+            <a:schemeClr val="tx1"/>
+          </a:fontRef>
+        </p:style>
+      </p:cxnSp>
+      <p:graphicFrame>
+        <p:nvGraphicFramePr>
+          <p:cNvPr id="11" name="对象 10">
+            <a:hlinkClick r:id="" action="ppaction://ole?verb="/>
+          </p:cNvPr>
+          <p:cNvGraphicFramePr>
+            <a:graphicFrameLocks noChangeAspect="1"/>
+          </p:cNvGraphicFramePr>
+          <p:nvPr/>
+        </p:nvGraphicFramePr>
+        <p:xfrm>
+          <a:off x="5417820" y="807720"/>
+          <a:ext cx="165100" cy="609600"/>
+        </p:xfrm>
+        <a:graphic>
+          <a:graphicData uri="http://schemas.openxmlformats.org/presentationml/2006/ole">
+            <mc:AlternateContent xmlns:mc="http://schemas.openxmlformats.org/markup-compatibility/2006">
+              <mc:Choice xmlns:v="urn:schemas-microsoft-com:vml" Requires="v">
+                <p:oleObj spid="_x0000_s1025" name="" r:id="rId2" imgW="177165" imgH="609600" progId="Equation.KSEE3">
+                  <p:embed/>
+                </p:oleObj>
+              </mc:Choice>
+              <mc:Fallback>
+                <p:oleObj name="" r:id="rId2" imgW="177165" imgH="609600" progId="Equation.KSEE3">
+                  <p:embed/>
+                  <p:pic>
+                    <p:nvPicPr>
+                      <p:cNvPr id="0" name="图片 1024"/>
+                      <p:cNvPicPr/>
+                      <p:nvPr/>
+                    </p:nvPicPr>
+                    <p:blipFill>
+                      <a:blip r:embed="rId3"/>
+                      <a:stretch>
+                        <a:fillRect/>
+                      </a:stretch>
+                    </p:blipFill>
+                    <p:spPr>
+                      <a:xfrm>
+                        <a:off x="5417820" y="807720"/>
+                        <a:ext cx="165100" cy="609600"/>
+                      </a:xfrm>
+                      <a:prstGeom prst="rect">
+                        <a:avLst/>
+                      </a:prstGeom>
+                    </p:spPr>
+                  </p:pic>
+                </p:oleObj>
+              </mc:Fallback>
+            </mc:AlternateContent>
+          </a:graphicData>
+        </a:graphic>
+      </p:graphicFrame>
+      <p:graphicFrame>
+        <p:nvGraphicFramePr>
+          <p:cNvPr id="12" name="对象 11">
+            <a:hlinkClick r:id="" action="ppaction://ole?verb="/>
+          </p:cNvPr>
+          <p:cNvGraphicFramePr>
+            <a:graphicFrameLocks noChangeAspect="1"/>
+          </p:cNvGraphicFramePr>
+          <p:nvPr/>
+        </p:nvGraphicFramePr>
+        <p:xfrm>
+          <a:off x="3469958" y="2545715"/>
+          <a:ext cx="177165" cy="609600"/>
+        </p:xfrm>
+        <a:graphic>
+          <a:graphicData uri="http://schemas.openxmlformats.org/presentationml/2006/ole">
+            <mc:AlternateContent xmlns:mc="http://schemas.openxmlformats.org/markup-compatibility/2006">
+              <mc:Choice xmlns:v="urn:schemas-microsoft-com:vml" Requires="v">
+                <p:oleObj spid="_x0000_s2" name="" r:id="rId4" imgW="190500" imgH="609600" progId="Equation.KSEE3">
+                  <p:embed/>
+                </p:oleObj>
+              </mc:Choice>
+              <mc:Fallback>
+                <p:oleObj name="" r:id="rId4" imgW="190500" imgH="609600" progId="Equation.KSEE3">
+                  <p:embed/>
+                  <p:pic>
+                    <p:nvPicPr>
+                      <p:cNvPr id="0" name="图片 1024"/>
+                      <p:cNvPicPr/>
+                      <p:nvPr/>
+                    </p:nvPicPr>
+                    <p:blipFill>
+                      <a:blip r:embed="rId5"/>
+                      <a:stretch>
+                        <a:fillRect/>
+                      </a:stretch>
+                    </p:blipFill>
+                    <p:spPr>
+                      <a:xfrm>
+                        <a:off x="3469958" y="2545715"/>
+                        <a:ext cx="177165" cy="609600"/>
+                      </a:xfrm>
+                      <a:prstGeom prst="rect">
+                        <a:avLst/>
+                      </a:prstGeom>
+                    </p:spPr>
+                  </p:pic>
+                </p:oleObj>
+              </mc:Fallback>
+            </mc:AlternateContent>
+          </a:graphicData>
+        </a:graphic>
+      </p:graphicFrame>
+      <p:cxnSp>
+        <p:nvCxnSpPr>
+          <p:cNvPr id="13" name="直接箭头连接符 12"/>
+          <p:cNvCxnSpPr/>
+          <p:nvPr/>
+        </p:nvCxnSpPr>
+        <p:spPr>
+          <a:xfrm flipV="1">
+            <a:off x="6096000" y="948055"/>
+            <a:ext cx="1905" cy="897255"/>
+          </a:xfrm>
+          <a:prstGeom prst="straightConnector1">
+            <a:avLst/>
+          </a:prstGeom>
+          <a:ln w="38100">
+            <a:solidFill>
+              <a:schemeClr val="tx1"/>
+            </a:solidFill>
+            <a:tailEnd type="arrow"/>
+          </a:ln>
+        </p:spPr>
+        <p:style>
+          <a:lnRef idx="1">
+            <a:schemeClr val="accent1"/>
+          </a:lnRef>
+          <a:fillRef idx="0">
+            <a:schemeClr val="accent1"/>
+          </a:fillRef>
+          <a:effectRef idx="0">
+            <a:schemeClr val="accent1"/>
+          </a:effectRef>
+          <a:fontRef idx="minor">
+            <a:schemeClr val="tx1"/>
+          </a:fontRef>
+        </p:style>
+      </p:cxnSp>
       <p:sp>
         <p:nvSpPr>
-          <p:cNvPr id="2" name="标题 1"/>
-          <p:cNvSpPr>
-            <a:spLocks noGrp="1"/>
-          </p:cNvSpPr>
-          <p:nvPr>
-            <p:ph type="title"/>
-          </p:nvPr>
+          <p:cNvPr id="14" name="文本框 13"/>
+          <p:cNvSpPr txBox="1"/>
+          <p:nvPr/>
         </p:nvSpPr>
-        <p:spPr/>
+        <p:spPr>
+          <a:xfrm>
+            <a:off x="5765800" y="1979295"/>
+            <a:ext cx="1489075" cy="368300"/>
+          </a:xfrm>
+          <a:prstGeom prst="rect">
+            <a:avLst/>
+          </a:prstGeom>
+          <a:noFill/>
+        </p:spPr>
         <p:txBody>
-          <a:bodyPr/>
-          <a:p>
-            <a:endParaRPr lang="zh-CN" altLang="en-US"/>
+          <a:bodyPr wrap="square" rtlCol="0">
+            <a:spAutoFit/>
+          </a:bodyPr>
+          <a:p>
+            <a:r>
+              <a:rPr lang="en-US" altLang="zh-CN"/>
+              <a:t>Head</a:t>
+            </a:r>
+            <a:endParaRPr lang="en-US" altLang="zh-CN"/>
           </a:p>
         </p:txBody>
       </p:sp>
       <p:sp>
         <p:nvSpPr>
-          <p:cNvPr id="3" name="内容占位符 2"/>
-          <p:cNvSpPr>
-            <a:spLocks noGrp="1"/>
-          </p:cNvSpPr>
-          <p:nvPr>
-            <p:ph idx="1"/>
-          </p:nvPr>
+          <p:cNvPr id="16" name="新月形 15"/>
+          <p:cNvSpPr/>
+          <p:nvPr/>
         </p:nvSpPr>
-        <p:spPr/>
+        <p:spPr>
+          <a:xfrm rot="5400000">
+            <a:off x="5093335" y="3597910"/>
+            <a:ext cx="481965" cy="607060"/>
+          </a:xfrm>
+          <a:prstGeom prst="moon">
+            <a:avLst/>
+          </a:prstGeom>
+          <a:ln w="28575"/>
+        </p:spPr>
+        <p:style>
+          <a:lnRef idx="2">
+            <a:schemeClr val="dk1"/>
+          </a:lnRef>
+          <a:fillRef idx="1">
+            <a:schemeClr val="lt1"/>
+          </a:fillRef>
+          <a:effectRef idx="0">
+            <a:schemeClr val="dk1"/>
+          </a:effectRef>
+          <a:fontRef idx="minor">
+            <a:schemeClr val="dk1"/>
+          </a:fontRef>
+        </p:style>
         <p:txBody>
-          <a:bodyPr/>
-          <a:p>
-            <a:r>
-              <a:rPr lang="en-US" altLang="zh-CN"/>
-              <a:t>1</a:t>
-            </a:r>
-            <a:endParaRPr lang="en-US" altLang="zh-CN"/>
+          <a:bodyPr rtlCol="0" anchor="ctr"/>
+          <a:p>
+            <a:pPr algn="ctr"/>
+            <a:endParaRPr lang="zh-CN" altLang="en-US"/>
           </a:p>
         </p:txBody>
       </p:sp>

--- a/Figures.pptx
+++ b/Figures.pptx
@@ -13,6 +13,7 @@
     <p:sldId id="259" r:id="rId6"/>
     <p:sldId id="260" r:id="rId7"/>
     <p:sldId id="262" r:id="rId8"/>
+    <p:sldId id="263" r:id="rId9"/>
   </p:sldIdLst>
   <p:sldSz cx="12192000" cy="6858000"/>
   <p:notesSz cx="6858000" cy="9144000"/>
@@ -13808,6 +13809,175 @@
 </p:sld>
 </file>
 
+<file path=ppt/slides/slide6.xml><?xml version="1.0" encoding="utf-8"?>
+<p:sld xmlns:a="http://schemas.openxmlformats.org/drawingml/2006/main" xmlns:r="http://schemas.openxmlformats.org/officeDocument/2006/relationships" xmlns:p="http://schemas.openxmlformats.org/presentationml/2006/main">
+  <p:cSld>
+    <p:spTree>
+      <p:nvGrpSpPr>
+        <p:cNvPr id="1" name=""/>
+        <p:cNvGrpSpPr/>
+        <p:nvPr/>
+      </p:nvGrpSpPr>
+      <p:grpSpPr/>
+      <p:cxnSp>
+        <p:nvCxnSpPr>
+          <p:cNvPr id="64" name="Straight Connector 63"/>
+          <p:cNvCxnSpPr>
+            <a:stCxn id="4" idx="3"/>
+            <a:endCxn id="4" idx="1"/>
+          </p:cNvCxnSpPr>
+          <p:nvPr/>
+        </p:nvCxnSpPr>
+        <p:spPr>
+          <a:xfrm flipH="1">
+            <a:off x="4256405" y="3164205"/>
+            <a:ext cx="3657600" cy="0"/>
+          </a:xfrm>
+          <a:prstGeom prst="line">
+            <a:avLst/>
+          </a:prstGeom>
+          <a:ln w="38100">
+            <a:solidFill>
+              <a:srgbClr val="FFC000"/>
+            </a:solidFill>
+          </a:ln>
+        </p:spPr>
+        <p:style>
+          <a:lnRef idx="1">
+            <a:schemeClr val="accent1"/>
+          </a:lnRef>
+          <a:fillRef idx="0">
+            <a:schemeClr val="accent1"/>
+          </a:fillRef>
+          <a:effectRef idx="0">
+            <a:schemeClr val="accent1"/>
+          </a:effectRef>
+          <a:fontRef idx="minor">
+            <a:schemeClr val="tx1"/>
+          </a:fontRef>
+        </p:style>
+      </p:cxnSp>
+      <p:sp>
+        <p:nvSpPr>
+          <p:cNvPr id="4" name="Rectangle 2"/>
+          <p:cNvSpPr/>
+          <p:nvPr/>
+        </p:nvSpPr>
+        <p:spPr>
+          <a:xfrm>
+            <a:off x="4256405" y="1792425"/>
+            <a:ext cx="3657600" cy="2743200"/>
+          </a:xfrm>
+          <a:prstGeom prst="rect">
+            <a:avLst/>
+          </a:prstGeom>
+          <a:noFill/>
+          <a:ln w="38100">
+            <a:solidFill>
+              <a:srgbClr val="0070C0"/>
+            </a:solidFill>
+          </a:ln>
+        </p:spPr>
+        <p:style>
+          <a:lnRef idx="2">
+            <a:schemeClr val="accent1">
+              <a:shade val="50000"/>
+            </a:schemeClr>
+          </a:lnRef>
+          <a:fillRef idx="1">
+            <a:schemeClr val="accent1"/>
+          </a:fillRef>
+          <a:effectRef idx="0">
+            <a:schemeClr val="accent1"/>
+          </a:effectRef>
+          <a:fontRef idx="minor">
+            <a:schemeClr val="lt1"/>
+          </a:fontRef>
+        </p:style>
+        <p:txBody>
+          <a:bodyPr rtlCol="0" anchor="ctr"/>
+          <a:p>
+            <a:pPr algn="ctr"/>
+            <a:endParaRPr lang="zh-CN" altLang="en-US"/>
+          </a:p>
+        </p:txBody>
+      </p:sp>
+      <p:sp>
+        <p:nvSpPr>
+          <p:cNvPr id="9" name="椭圆 8"/>
+          <p:cNvSpPr/>
+          <p:nvPr/>
+        </p:nvSpPr>
+        <p:spPr>
+          <a:xfrm>
+            <a:off x="6036310" y="3795395"/>
+            <a:ext cx="97155" cy="108585"/>
+          </a:xfrm>
+          <a:prstGeom prst="ellipse">
+            <a:avLst/>
+          </a:prstGeom>
+        </p:spPr>
+        <p:style>
+          <a:lnRef idx="2">
+            <a:schemeClr val="accent2">
+              <a:shade val="50000"/>
+            </a:schemeClr>
+          </a:lnRef>
+          <a:fillRef idx="1">
+            <a:schemeClr val="accent2"/>
+          </a:fillRef>
+          <a:effectRef idx="0">
+            <a:schemeClr val="accent2"/>
+          </a:effectRef>
+          <a:fontRef idx="minor">
+            <a:schemeClr val="lt1"/>
+          </a:fontRef>
+        </p:style>
+        <p:txBody>
+          <a:bodyPr rtlCol="0" anchor="ctr"/>
+          <a:p>
+            <a:pPr algn="ctr"/>
+            <a:endParaRPr lang="zh-CN" altLang="en-US"/>
+          </a:p>
+        </p:txBody>
+      </p:sp>
+      <p:sp>
+        <p:nvSpPr>
+          <p:cNvPr id="11" name="文本框 10"/>
+          <p:cNvSpPr txBox="1"/>
+          <p:nvPr/>
+        </p:nvSpPr>
+        <p:spPr>
+          <a:xfrm>
+            <a:off x="6263005" y="3795395"/>
+            <a:ext cx="1324610" cy="368300"/>
+          </a:xfrm>
+          <a:prstGeom prst="rect">
+            <a:avLst/>
+          </a:prstGeom>
+          <a:noFill/>
+        </p:spPr>
+        <p:txBody>
+          <a:bodyPr wrap="square" rtlCol="0">
+            <a:spAutoFit/>
+          </a:bodyPr>
+          <a:p>
+            <a:r>
+              <a:rPr lang="en-US" altLang="zh-CN"/>
+              <a:t>Bary Centre</a:t>
+            </a:r>
+            <a:endParaRPr lang="en-US" altLang="zh-CN"/>
+          </a:p>
+        </p:txBody>
+      </p:sp>
+    </p:spTree>
+  </p:cSld>
+  <p:clrMapOvr>
+    <a:masterClrMapping/>
+  </p:clrMapOvr>
+</p:sld>
+</file>
+
 <file path=ppt/theme/theme1.xml><?xml version="1.0" encoding="utf-8"?>
 <a:theme xmlns:a="http://schemas.openxmlformats.org/drawingml/2006/main" name="Office Theme">
   <a:themeElements>

--- a/Figures.pptx
+++ b/Figures.pptx
@@ -5,15 +5,15 @@
     <p:sldMasterId id="2147483648" r:id="rId1"/>
   </p:sldMasterIdLst>
   <p:notesMasterIdLst>
-    <p:notesMasterId r:id="rId5"/>
+    <p:notesMasterId r:id="rId8"/>
   </p:notesMasterIdLst>
   <p:sldIdLst>
-    <p:sldId id="256" r:id="rId3"/>
-    <p:sldId id="258" r:id="rId4"/>
-    <p:sldId id="259" r:id="rId6"/>
-    <p:sldId id="260" r:id="rId7"/>
-    <p:sldId id="262" r:id="rId8"/>
-    <p:sldId id="263" r:id="rId9"/>
+    <p:sldId id="256" r:id="rId2"/>
+    <p:sldId id="258" r:id="rId3"/>
+    <p:sldId id="259" r:id="rId4"/>
+    <p:sldId id="260" r:id="rId5"/>
+    <p:sldId id="262" r:id="rId6"/>
+    <p:sldId id="263" r:id="rId7"/>
   </p:sldIdLst>
   <p:sldSz cx="12192000" cy="6858000"/>
   <p:notesSz cx="6858000" cy="9144000"/>
@@ -112,6 +112,11 @@
       </a:defRPr>
     </a:lvl9pPr>
   </p:defaultTextStyle>
+  <p:extLst>
+    <p:ext uri="{EFAFB233-063F-42B5-8137-9DF3F51BA10A}">
+      <p15:sldGuideLst xmlns:p15="http://schemas.microsoft.com/office/powerpoint/2012/main"/>
+    </p:ext>
+  </p:extLst>
 </p:presentation>
 </file>
 
@@ -197,6 +202,7 @@
           <a:p>
             <a:fld id="{37C0385F-9857-4EBC-B12B-077032DC4A24}" type="datetimeFigureOut">
               <a:rPr lang="zh-CN" altLang="en-US" smtClean="0"/>
+              <a:t>2020/9/19</a:t>
             </a:fld>
             <a:endParaRPr lang="zh-CN" altLang="en-US"/>
           </a:p>
@@ -263,7 +269,6 @@
               <a:rPr lang="en-US" altLang="zh-CN"/>
               <a:t>Click to edit Master text styles</a:t>
             </a:r>
-            <a:endParaRPr lang="en-US" altLang="zh-CN"/>
           </a:p>
           <a:p>
             <a:pPr lvl="1"/>
@@ -271,7 +276,6 @@
               <a:rPr lang="en-US" altLang="zh-CN"/>
               <a:t>Second level</a:t>
             </a:r>
-            <a:endParaRPr lang="en-US" altLang="zh-CN"/>
           </a:p>
           <a:p>
             <a:pPr lvl="2"/>
@@ -279,7 +283,6 @@
               <a:rPr lang="en-US" altLang="zh-CN"/>
               <a:t>Third level</a:t>
             </a:r>
-            <a:endParaRPr lang="en-US" altLang="zh-CN"/>
           </a:p>
           <a:p>
             <a:pPr lvl="3"/>
@@ -287,7 +290,6 @@
               <a:rPr lang="en-US" altLang="zh-CN"/>
               <a:t>Fourth level</a:t>
             </a:r>
-            <a:endParaRPr lang="en-US" altLang="zh-CN"/>
           </a:p>
           <a:p>
             <a:pPr lvl="4"/>
@@ -359,6 +361,7 @@
           <a:p>
             <a:fld id="{12FE7FD0-BB34-40C4-BAE1-9991ACF139AC}" type="slidenum">
               <a:rPr lang="zh-CN" altLang="en-US" smtClean="0"/>
+              <a:t>‹#›</a:t>
             </a:fld>
             <a:endParaRPr lang="zh-CN" altLang="en-US"/>
           </a:p>
@@ -527,6 +530,7 @@
           <a:p>
             <a:fld id="{12FE7FD0-BB34-40C4-BAE1-9991ACF139AC}" type="slidenum">
               <a:rPr lang="zh-CN" altLang="en-US" smtClean="0"/>
+              <a:t>2</a:t>
             </a:fld>
             <a:endParaRPr lang="zh-CN" altLang="en-US"/>
           </a:p>
@@ -671,6 +675,7 @@
           <a:p>
             <a:fld id="{DF4DEC76-B1CC-4BD2-B293-05E0B687F717}" type="datetimeFigureOut">
               <a:rPr lang="zh-CN" altLang="en-US" smtClean="0"/>
+              <a:t>2020/9/19</a:t>
             </a:fld>
             <a:endParaRPr lang="zh-CN" altLang="en-US"/>
           </a:p>
@@ -712,6 +717,7 @@
           <a:p>
             <a:fld id="{BB013D27-52A3-4CBA-B800-970E6E57AE67}" type="slidenum">
               <a:rPr lang="zh-CN" altLang="en-US" smtClean="0"/>
+              <a:t>‹#›</a:t>
             </a:fld>
             <a:endParaRPr lang="zh-CN" altLang="en-US"/>
           </a:p>
@@ -785,7 +791,6 @@
               <a:rPr lang="en-US" altLang="zh-CN"/>
               <a:t>Click to edit Master text styles</a:t>
             </a:r>
-            <a:endParaRPr lang="en-US" altLang="zh-CN"/>
           </a:p>
           <a:p>
             <a:pPr lvl="1"/>
@@ -793,7 +798,6 @@
               <a:rPr lang="en-US" altLang="zh-CN"/>
               <a:t>Second level</a:t>
             </a:r>
-            <a:endParaRPr lang="en-US" altLang="zh-CN"/>
           </a:p>
           <a:p>
             <a:pPr lvl="2"/>
@@ -801,7 +805,6 @@
               <a:rPr lang="en-US" altLang="zh-CN"/>
               <a:t>Third level</a:t>
             </a:r>
-            <a:endParaRPr lang="en-US" altLang="zh-CN"/>
           </a:p>
           <a:p>
             <a:pPr lvl="3"/>
@@ -809,7 +812,6 @@
               <a:rPr lang="en-US" altLang="zh-CN"/>
               <a:t>Fourth level</a:t>
             </a:r>
-            <a:endParaRPr lang="en-US" altLang="zh-CN"/>
           </a:p>
           <a:p>
             <a:pPr lvl="4"/>
@@ -838,6 +840,7 @@
           <a:p>
             <a:fld id="{DF4DEC76-B1CC-4BD2-B293-05E0B687F717}" type="datetimeFigureOut">
               <a:rPr lang="zh-CN" altLang="en-US" smtClean="0"/>
+              <a:t>2020/9/19</a:t>
             </a:fld>
             <a:endParaRPr lang="zh-CN" altLang="en-US"/>
           </a:p>
@@ -879,6 +882,7 @@
           <a:p>
             <a:fld id="{BB013D27-52A3-4CBA-B800-970E6E57AE67}" type="slidenum">
               <a:rPr lang="zh-CN" altLang="en-US" smtClean="0"/>
+              <a:t>‹#›</a:t>
             </a:fld>
             <a:endParaRPr lang="zh-CN" altLang="en-US"/>
           </a:p>
@@ -962,7 +966,6 @@
               <a:rPr lang="en-US" altLang="zh-CN"/>
               <a:t>Click to edit Master text styles</a:t>
             </a:r>
-            <a:endParaRPr lang="en-US" altLang="zh-CN"/>
           </a:p>
           <a:p>
             <a:pPr lvl="1"/>
@@ -970,7 +973,6 @@
               <a:rPr lang="en-US" altLang="zh-CN"/>
               <a:t>Second level</a:t>
             </a:r>
-            <a:endParaRPr lang="en-US" altLang="zh-CN"/>
           </a:p>
           <a:p>
             <a:pPr lvl="2"/>
@@ -978,7 +980,6 @@
               <a:rPr lang="en-US" altLang="zh-CN"/>
               <a:t>Third level</a:t>
             </a:r>
-            <a:endParaRPr lang="en-US" altLang="zh-CN"/>
           </a:p>
           <a:p>
             <a:pPr lvl="3"/>
@@ -986,7 +987,6 @@
               <a:rPr lang="en-US" altLang="zh-CN"/>
               <a:t>Fourth level</a:t>
             </a:r>
-            <a:endParaRPr lang="en-US" altLang="zh-CN"/>
           </a:p>
           <a:p>
             <a:pPr lvl="4"/>
@@ -1015,6 +1015,7 @@
           <a:p>
             <a:fld id="{DF4DEC76-B1CC-4BD2-B293-05E0B687F717}" type="datetimeFigureOut">
               <a:rPr lang="zh-CN" altLang="en-US" smtClean="0"/>
+              <a:t>2020/9/19</a:t>
             </a:fld>
             <a:endParaRPr lang="zh-CN" altLang="en-US"/>
           </a:p>
@@ -1056,6 +1057,7 @@
           <a:p>
             <a:fld id="{BB013D27-52A3-4CBA-B800-970E6E57AE67}" type="slidenum">
               <a:rPr lang="zh-CN" altLang="en-US" smtClean="0"/>
+              <a:t>‹#›</a:t>
             </a:fld>
             <a:endParaRPr lang="zh-CN" altLang="en-US"/>
           </a:p>
@@ -1129,7 +1131,6 @@
               <a:rPr lang="en-US" altLang="zh-CN"/>
               <a:t>Click to edit Master text styles</a:t>
             </a:r>
-            <a:endParaRPr lang="en-US" altLang="zh-CN"/>
           </a:p>
           <a:p>
             <a:pPr lvl="1"/>
@@ -1137,7 +1138,6 @@
               <a:rPr lang="en-US" altLang="zh-CN"/>
               <a:t>Second level</a:t>
             </a:r>
-            <a:endParaRPr lang="en-US" altLang="zh-CN"/>
           </a:p>
           <a:p>
             <a:pPr lvl="2"/>
@@ -1145,7 +1145,6 @@
               <a:rPr lang="en-US" altLang="zh-CN"/>
               <a:t>Third level</a:t>
             </a:r>
-            <a:endParaRPr lang="en-US" altLang="zh-CN"/>
           </a:p>
           <a:p>
             <a:pPr lvl="3"/>
@@ -1153,7 +1152,6 @@
               <a:rPr lang="en-US" altLang="zh-CN"/>
               <a:t>Fourth level</a:t>
             </a:r>
-            <a:endParaRPr lang="en-US" altLang="zh-CN"/>
           </a:p>
           <a:p>
             <a:pPr lvl="4"/>
@@ -1182,6 +1180,7 @@
           <a:p>
             <a:fld id="{DF4DEC76-B1CC-4BD2-B293-05E0B687F717}" type="datetimeFigureOut">
               <a:rPr lang="zh-CN" altLang="en-US" smtClean="0"/>
+              <a:t>2020/9/19</a:t>
             </a:fld>
             <a:endParaRPr lang="zh-CN" altLang="en-US"/>
           </a:p>
@@ -1223,6 +1222,7 @@
           <a:p>
             <a:fld id="{BB013D27-52A3-4CBA-B800-970E6E57AE67}" type="slidenum">
               <a:rPr lang="zh-CN" altLang="en-US" smtClean="0"/>
+              <a:t>‹#›</a:t>
             </a:fld>
             <a:endParaRPr lang="zh-CN" altLang="en-US"/>
           </a:p>
@@ -1401,7 +1401,6 @@
               <a:rPr lang="en-US" altLang="zh-CN"/>
               <a:t>Click to edit Master text styles</a:t>
             </a:r>
-            <a:endParaRPr lang="en-US" altLang="zh-CN"/>
           </a:p>
         </p:txBody>
       </p:sp>
@@ -1422,6 +1421,7 @@
           <a:p>
             <a:fld id="{DF4DEC76-B1CC-4BD2-B293-05E0B687F717}" type="datetimeFigureOut">
               <a:rPr lang="zh-CN" altLang="en-US" smtClean="0"/>
+              <a:t>2020/9/19</a:t>
             </a:fld>
             <a:endParaRPr lang="zh-CN" altLang="en-US"/>
           </a:p>
@@ -1463,6 +1463,7 @@
           <a:p>
             <a:fld id="{BB013D27-52A3-4CBA-B800-970E6E57AE67}" type="slidenum">
               <a:rPr lang="zh-CN" altLang="en-US" smtClean="0"/>
+              <a:t>‹#›</a:t>
             </a:fld>
             <a:endParaRPr lang="zh-CN" altLang="en-US"/>
           </a:p>
@@ -1541,7 +1542,6 @@
               <a:rPr lang="en-US" altLang="zh-CN"/>
               <a:t>Click to edit Master text styles</a:t>
             </a:r>
-            <a:endParaRPr lang="en-US" altLang="zh-CN"/>
           </a:p>
           <a:p>
             <a:pPr lvl="1"/>
@@ -1549,7 +1549,6 @@
               <a:rPr lang="en-US" altLang="zh-CN"/>
               <a:t>Second level</a:t>
             </a:r>
-            <a:endParaRPr lang="en-US" altLang="zh-CN"/>
           </a:p>
           <a:p>
             <a:pPr lvl="2"/>
@@ -1557,7 +1556,6 @@
               <a:rPr lang="en-US" altLang="zh-CN"/>
               <a:t>Third level</a:t>
             </a:r>
-            <a:endParaRPr lang="en-US" altLang="zh-CN"/>
           </a:p>
           <a:p>
             <a:pPr lvl="3"/>
@@ -1565,7 +1563,6 @@
               <a:rPr lang="en-US" altLang="zh-CN"/>
               <a:t>Fourth level</a:t>
             </a:r>
-            <a:endParaRPr lang="en-US" altLang="zh-CN"/>
           </a:p>
           <a:p>
             <a:pPr lvl="4"/>
@@ -1602,7 +1599,6 @@
               <a:rPr lang="en-US" altLang="zh-CN"/>
               <a:t>Click to edit Master text styles</a:t>
             </a:r>
-            <a:endParaRPr lang="en-US" altLang="zh-CN"/>
           </a:p>
           <a:p>
             <a:pPr lvl="1"/>
@@ -1610,7 +1606,6 @@
               <a:rPr lang="en-US" altLang="zh-CN"/>
               <a:t>Second level</a:t>
             </a:r>
-            <a:endParaRPr lang="en-US" altLang="zh-CN"/>
           </a:p>
           <a:p>
             <a:pPr lvl="2"/>
@@ -1618,7 +1613,6 @@
               <a:rPr lang="en-US" altLang="zh-CN"/>
               <a:t>Third level</a:t>
             </a:r>
-            <a:endParaRPr lang="en-US" altLang="zh-CN"/>
           </a:p>
           <a:p>
             <a:pPr lvl="3"/>
@@ -1626,7 +1620,6 @@
               <a:rPr lang="en-US" altLang="zh-CN"/>
               <a:t>Fourth level</a:t>
             </a:r>
-            <a:endParaRPr lang="en-US" altLang="zh-CN"/>
           </a:p>
           <a:p>
             <a:pPr lvl="4"/>
@@ -1655,6 +1648,7 @@
           <a:p>
             <a:fld id="{DF4DEC76-B1CC-4BD2-B293-05E0B687F717}" type="datetimeFigureOut">
               <a:rPr lang="zh-CN" altLang="en-US" smtClean="0"/>
+              <a:t>2020/9/19</a:t>
             </a:fld>
             <a:endParaRPr lang="zh-CN" altLang="en-US"/>
           </a:p>
@@ -1696,6 +1690,7 @@
           <a:p>
             <a:fld id="{BB013D27-52A3-4CBA-B800-970E6E57AE67}" type="slidenum">
               <a:rPr lang="zh-CN" altLang="en-US" smtClean="0"/>
+              <a:t>‹#›</a:t>
             </a:fld>
             <a:endParaRPr lang="zh-CN" altLang="en-US"/>
           </a:p>
@@ -1816,7 +1811,6 @@
               <a:rPr lang="en-US" altLang="zh-CN"/>
               <a:t>Click to edit Master text styles</a:t>
             </a:r>
-            <a:endParaRPr lang="en-US" altLang="zh-CN"/>
           </a:p>
         </p:txBody>
       </p:sp>
@@ -1845,7 +1839,6 @@
               <a:rPr lang="en-US" altLang="zh-CN"/>
               <a:t>Click to edit Master text styles</a:t>
             </a:r>
-            <a:endParaRPr lang="en-US" altLang="zh-CN"/>
           </a:p>
           <a:p>
             <a:pPr lvl="1"/>
@@ -1853,7 +1846,6 @@
               <a:rPr lang="en-US" altLang="zh-CN"/>
               <a:t>Second level</a:t>
             </a:r>
-            <a:endParaRPr lang="en-US" altLang="zh-CN"/>
           </a:p>
           <a:p>
             <a:pPr lvl="2"/>
@@ -1861,7 +1853,6 @@
               <a:rPr lang="en-US" altLang="zh-CN"/>
               <a:t>Third level</a:t>
             </a:r>
-            <a:endParaRPr lang="en-US" altLang="zh-CN"/>
           </a:p>
           <a:p>
             <a:pPr lvl="3"/>
@@ -1869,7 +1860,6 @@
               <a:rPr lang="en-US" altLang="zh-CN"/>
               <a:t>Fourth level</a:t>
             </a:r>
-            <a:endParaRPr lang="en-US" altLang="zh-CN"/>
           </a:p>
           <a:p>
             <a:pPr lvl="4"/>
@@ -1943,7 +1933,6 @@
               <a:rPr lang="en-US" altLang="zh-CN"/>
               <a:t>Click to edit Master text styles</a:t>
             </a:r>
-            <a:endParaRPr lang="en-US" altLang="zh-CN"/>
           </a:p>
         </p:txBody>
       </p:sp>
@@ -1972,7 +1961,6 @@
               <a:rPr lang="en-US" altLang="zh-CN"/>
               <a:t>Click to edit Master text styles</a:t>
             </a:r>
-            <a:endParaRPr lang="en-US" altLang="zh-CN"/>
           </a:p>
           <a:p>
             <a:pPr lvl="1"/>
@@ -1980,7 +1968,6 @@
               <a:rPr lang="en-US" altLang="zh-CN"/>
               <a:t>Second level</a:t>
             </a:r>
-            <a:endParaRPr lang="en-US" altLang="zh-CN"/>
           </a:p>
           <a:p>
             <a:pPr lvl="2"/>
@@ -1988,7 +1975,6 @@
               <a:rPr lang="en-US" altLang="zh-CN"/>
               <a:t>Third level</a:t>
             </a:r>
-            <a:endParaRPr lang="en-US" altLang="zh-CN"/>
           </a:p>
           <a:p>
             <a:pPr lvl="3"/>
@@ -1996,7 +1982,6 @@
               <a:rPr lang="en-US" altLang="zh-CN"/>
               <a:t>Fourth level</a:t>
             </a:r>
-            <a:endParaRPr lang="en-US" altLang="zh-CN"/>
           </a:p>
           <a:p>
             <a:pPr lvl="4"/>
@@ -2025,6 +2010,7 @@
           <a:p>
             <a:fld id="{DF4DEC76-B1CC-4BD2-B293-05E0B687F717}" type="datetimeFigureOut">
               <a:rPr lang="zh-CN" altLang="en-US" smtClean="0"/>
+              <a:t>2020/9/19</a:t>
             </a:fld>
             <a:endParaRPr lang="zh-CN" altLang="en-US"/>
           </a:p>
@@ -2066,6 +2052,7 @@
           <a:p>
             <a:fld id="{BB013D27-52A3-4CBA-B800-970E6E57AE67}" type="slidenum">
               <a:rPr lang="zh-CN" altLang="en-US" smtClean="0"/>
+              <a:t>‹#›</a:t>
             </a:fld>
             <a:endParaRPr lang="zh-CN" altLang="en-US"/>
           </a:p>
@@ -2136,6 +2123,7 @@
           <a:p>
             <a:fld id="{DF4DEC76-B1CC-4BD2-B293-05E0B687F717}" type="datetimeFigureOut">
               <a:rPr lang="zh-CN" altLang="en-US" smtClean="0"/>
+              <a:t>2020/9/19</a:t>
             </a:fld>
             <a:endParaRPr lang="zh-CN" altLang="en-US"/>
           </a:p>
@@ -2177,6 +2165,7 @@
           <a:p>
             <a:fld id="{BB013D27-52A3-4CBA-B800-970E6E57AE67}" type="slidenum">
               <a:rPr lang="zh-CN" altLang="en-US" smtClean="0"/>
+              <a:t>‹#›</a:t>
             </a:fld>
             <a:endParaRPr lang="zh-CN" altLang="en-US"/>
           </a:p>
@@ -2224,6 +2213,7 @@
           <a:p>
             <a:fld id="{DF4DEC76-B1CC-4BD2-B293-05E0B687F717}" type="datetimeFigureOut">
               <a:rPr lang="zh-CN" altLang="en-US" smtClean="0"/>
+              <a:t>2020/9/19</a:t>
             </a:fld>
             <a:endParaRPr lang="zh-CN" altLang="en-US"/>
           </a:p>
@@ -2265,6 +2255,7 @@
           <a:p>
             <a:fld id="{BB013D27-52A3-4CBA-B800-970E6E57AE67}" type="slidenum">
               <a:rPr lang="zh-CN" altLang="en-US" smtClean="0"/>
+              <a:t>‹#›</a:t>
             </a:fld>
             <a:endParaRPr lang="zh-CN" altLang="en-US"/>
           </a:p>
@@ -2380,7 +2371,6 @@
               <a:rPr lang="en-US" altLang="zh-CN"/>
               <a:t>Click to edit Master text styles</a:t>
             </a:r>
-            <a:endParaRPr lang="en-US" altLang="zh-CN"/>
           </a:p>
           <a:p>
             <a:pPr lvl="1"/>
@@ -2388,7 +2378,6 @@
               <a:rPr lang="en-US" altLang="zh-CN"/>
               <a:t>Second level</a:t>
             </a:r>
-            <a:endParaRPr lang="en-US" altLang="zh-CN"/>
           </a:p>
           <a:p>
             <a:pPr lvl="2"/>
@@ -2396,7 +2385,6 @@
               <a:rPr lang="en-US" altLang="zh-CN"/>
               <a:t>Third level</a:t>
             </a:r>
-            <a:endParaRPr lang="en-US" altLang="zh-CN"/>
           </a:p>
           <a:p>
             <a:pPr lvl="3"/>
@@ -2404,7 +2392,6 @@
               <a:rPr lang="en-US" altLang="zh-CN"/>
               <a:t>Fourth level</a:t>
             </a:r>
-            <a:endParaRPr lang="en-US" altLang="zh-CN"/>
           </a:p>
           <a:p>
             <a:pPr lvl="4"/>
@@ -2478,7 +2465,6 @@
               <a:rPr lang="en-US" altLang="zh-CN"/>
               <a:t>Click to edit Master text styles</a:t>
             </a:r>
-            <a:endParaRPr lang="en-US" altLang="zh-CN"/>
           </a:p>
         </p:txBody>
       </p:sp>
@@ -2499,6 +2485,7 @@
           <a:p>
             <a:fld id="{DF4DEC76-B1CC-4BD2-B293-05E0B687F717}" type="datetimeFigureOut">
               <a:rPr lang="zh-CN" altLang="en-US" smtClean="0"/>
+              <a:t>2020/9/19</a:t>
             </a:fld>
             <a:endParaRPr lang="zh-CN" altLang="en-US"/>
           </a:p>
@@ -2540,6 +2527,7 @@
           <a:p>
             <a:fld id="{BB013D27-52A3-4CBA-B800-970E6E57AE67}" type="slidenum">
               <a:rPr lang="zh-CN" altLang="en-US" smtClean="0"/>
+              <a:t>‹#›</a:t>
             </a:fld>
             <a:endParaRPr lang="zh-CN" altLang="en-US"/>
           </a:p>
@@ -2725,7 +2713,6 @@
               <a:rPr lang="en-US" altLang="zh-CN"/>
               <a:t>Click to edit Master text styles</a:t>
             </a:r>
-            <a:endParaRPr lang="en-US" altLang="zh-CN"/>
           </a:p>
         </p:txBody>
       </p:sp>
@@ -2746,6 +2733,7 @@
           <a:p>
             <a:fld id="{DF4DEC76-B1CC-4BD2-B293-05E0B687F717}" type="datetimeFigureOut">
               <a:rPr lang="zh-CN" altLang="en-US" smtClean="0"/>
+              <a:t>2020/9/19</a:t>
             </a:fld>
             <a:endParaRPr lang="zh-CN" altLang="en-US"/>
           </a:p>
@@ -2787,6 +2775,7 @@
           <a:p>
             <a:fld id="{BB013D27-52A3-4CBA-B800-970E6E57AE67}" type="slidenum">
               <a:rPr lang="zh-CN" altLang="en-US" smtClean="0"/>
+              <a:t>‹#›</a:t>
             </a:fld>
             <a:endParaRPr lang="zh-CN" altLang="en-US"/>
           </a:p>
@@ -2885,7 +2874,6 @@
               <a:rPr lang="en-US" altLang="zh-CN"/>
               <a:t>Click to edit Master text styles</a:t>
             </a:r>
-            <a:endParaRPr lang="en-US" altLang="zh-CN"/>
           </a:p>
           <a:p>
             <a:pPr lvl="1"/>
@@ -2893,7 +2881,6 @@
               <a:rPr lang="en-US" altLang="zh-CN"/>
               <a:t>Second level</a:t>
             </a:r>
-            <a:endParaRPr lang="en-US" altLang="zh-CN"/>
           </a:p>
           <a:p>
             <a:pPr lvl="2"/>
@@ -2901,7 +2888,6 @@
               <a:rPr lang="en-US" altLang="zh-CN"/>
               <a:t>Third level</a:t>
             </a:r>
-            <a:endParaRPr lang="en-US" altLang="zh-CN"/>
           </a:p>
           <a:p>
             <a:pPr lvl="3"/>
@@ -2909,7 +2895,6 @@
               <a:rPr lang="en-US" altLang="zh-CN"/>
               <a:t>Fourth level</a:t>
             </a:r>
-            <a:endParaRPr lang="en-US" altLang="zh-CN"/>
           </a:p>
           <a:p>
             <a:pPr lvl="4"/>
@@ -2956,6 +2941,7 @@
           <a:p>
             <a:fld id="{DF4DEC76-B1CC-4BD2-B293-05E0B687F717}" type="datetimeFigureOut">
               <a:rPr lang="zh-CN" altLang="en-US" smtClean="0"/>
+              <a:t>2020/9/19</a:t>
             </a:fld>
             <a:endParaRPr lang="zh-CN" altLang="en-US"/>
           </a:p>
@@ -3033,6 +3019,7 @@
           <a:p>
             <a:fld id="{BB013D27-52A3-4CBA-B800-970E6E57AE67}" type="slidenum">
               <a:rPr lang="zh-CN" altLang="en-US" smtClean="0"/>
+              <a:t>‹#›</a:t>
             </a:fld>
             <a:endParaRPr lang="zh-CN" altLang="en-US"/>
           </a:p>
@@ -3384,7 +3371,6 @@
               <a:rPr lang="en-US" altLang="zh-CN" sz="3200" dirty="0"/>
               <a:t> 1-3</a:t>
             </a:r>
-            <a:endParaRPr lang="en-US" altLang="zh-CN" sz="3200" dirty="0"/>
           </a:p>
           <a:p>
             <a:r>
@@ -4772,16 +4758,12 @@
           </a:fontRef>
         </p:style>
       </p:cxnSp>
-      <mc:AlternateContent xmlns:mc="http://schemas.openxmlformats.org/markup-compatibility/2006">
-        <mc:Choice xmlns:a14="http://schemas.microsoft.com/office/drawing/2010/main" Requires="a14">
+      <mc:AlternateContent xmlns:mc="http://schemas.openxmlformats.org/markup-compatibility/2006" xmlns:a14="http://schemas.microsoft.com/office/drawing/2010/main">
+        <mc:Choice Requires="a14">
           <p:sp>
             <p:nvSpPr>
               <p:cNvPr id="5" name="TextBox 4">
-                <a:extLst>
-                  <a:ext uri="{FF2B5EF4-FFF2-40B4-BE49-F238E27FC236}">
-                    <ele attr="{933C7B55-98EE-47D3-8E5A-D9875C0D0522}"/>
-                  </a:ext>
-                </a:extLst>
+                <a:extLst/>
               </p:cNvPr>
               <p:cNvSpPr txBox="1"/>
               <p:nvPr/>
@@ -4912,7 +4894,7 @@
             </p:txBody>
           </p:sp>
         </mc:Choice>
-        <mc:Fallback>
+        <mc:Fallback xmlns="">
           <p:sp>
             <p:nvSpPr>
               <p:cNvPr id="5" name="TextBox 4"/>
@@ -4930,7 +4912,7 @@
                 <a:avLst/>
               </a:prstGeom>
               <a:blipFill rotWithShape="1">
-                <a:blip r:embed="rId1"/>
+                <a:blip r:embed="rId3"/>
                 <a:stretch>
                   <a:fillRect/>
                 </a:stretch>
@@ -5024,16 +5006,12 @@
           </a:fontRef>
         </p:style>
       </p:cxnSp>
-      <mc:AlternateContent xmlns:mc="http://schemas.openxmlformats.org/markup-compatibility/2006">
-        <mc:Choice xmlns:a14="http://schemas.microsoft.com/office/drawing/2010/main" Requires="a14">
+      <mc:AlternateContent xmlns:mc="http://schemas.openxmlformats.org/markup-compatibility/2006" xmlns:a14="http://schemas.microsoft.com/office/drawing/2010/main">
+        <mc:Choice Requires="a14">
           <p:sp>
             <p:nvSpPr>
               <p:cNvPr id="13" name="TextBox 12">
-                <a:extLst>
-                  <a:ext uri="{FF2B5EF4-FFF2-40B4-BE49-F238E27FC236}">
-                    <ele attr="{57A5736E-06B1-4E74-996F-069A11A889A4}"/>
-                  </a:ext>
-                </a:extLst>
+                <a:extLst/>
               </p:cNvPr>
               <p:cNvSpPr txBox="1"/>
               <p:nvPr/>
@@ -5164,7 +5142,7 @@
             </p:txBody>
           </p:sp>
         </mc:Choice>
-        <mc:Fallback>
+        <mc:Fallback xmlns="">
           <p:sp>
             <p:nvSpPr>
               <p:cNvPr id="13" name="TextBox 12"/>
@@ -5182,7 +5160,7 @@
                 <a:avLst/>
               </a:prstGeom>
               <a:blipFill rotWithShape="1">
-                <a:blip r:embed="rId2"/>
+                <a:blip r:embed="rId4"/>
                 <a:stretch>
                   <a:fillRect/>
                 </a:stretch>
@@ -5206,16 +5184,12 @@
           </p:sp>
         </mc:Fallback>
       </mc:AlternateContent>
-      <mc:AlternateContent xmlns:mc="http://schemas.openxmlformats.org/markup-compatibility/2006">
-        <mc:Choice xmlns:a14="http://schemas.microsoft.com/office/drawing/2010/main" Requires="a14">
+      <mc:AlternateContent xmlns:mc="http://schemas.openxmlformats.org/markup-compatibility/2006" xmlns:a14="http://schemas.microsoft.com/office/drawing/2010/main">
+        <mc:Choice Requires="a14">
           <p:sp>
             <p:nvSpPr>
               <p:cNvPr id="14" name="TextBox 13">
-                <a:extLst>
-                  <a:ext uri="{FF2B5EF4-FFF2-40B4-BE49-F238E27FC236}">
-                    <ele attr="{563EA66D-FE1F-4602-B8E3-57BB06DD49FF}"/>
-                  </a:ext>
-                </a:extLst>
+                <a:extLst/>
               </p:cNvPr>
               <p:cNvSpPr txBox="1"/>
               <p:nvPr/>
@@ -5346,7 +5320,7 @@
             </p:txBody>
           </p:sp>
         </mc:Choice>
-        <mc:Fallback>
+        <mc:Fallback xmlns="">
           <p:sp>
             <p:nvSpPr>
               <p:cNvPr id="14" name="TextBox 13"/>
@@ -5364,7 +5338,7 @@
                 <a:avLst/>
               </a:prstGeom>
               <a:blipFill rotWithShape="1">
-                <a:blip r:embed="rId3"/>
+                <a:blip r:embed="rId5"/>
                 <a:stretch>
                   <a:fillRect/>
                 </a:stretch>
@@ -5388,16 +5362,12 @@
           </p:sp>
         </mc:Fallback>
       </mc:AlternateContent>
-      <mc:AlternateContent xmlns:mc="http://schemas.openxmlformats.org/markup-compatibility/2006">
-        <mc:Choice xmlns:a14="http://schemas.microsoft.com/office/drawing/2010/main" Requires="a14">
+      <mc:AlternateContent xmlns:mc="http://schemas.openxmlformats.org/markup-compatibility/2006" xmlns:a14="http://schemas.microsoft.com/office/drawing/2010/main">
+        <mc:Choice Requires="a14">
           <p:sp>
             <p:nvSpPr>
               <p:cNvPr id="18" name="TextBox 17">
-                <a:extLst>
-                  <a:ext uri="{FF2B5EF4-FFF2-40B4-BE49-F238E27FC236}">
-                    <ele attr="{1CAE324C-62EE-4D4F-96AC-D9DD5C420169}"/>
-                  </a:ext>
-                </a:extLst>
+                <a:extLst/>
               </p:cNvPr>
               <p:cNvSpPr txBox="1"/>
               <p:nvPr/>
@@ -5478,7 +5448,7 @@
             </p:txBody>
           </p:sp>
         </mc:Choice>
-        <mc:Fallback>
+        <mc:Fallback xmlns="">
           <p:sp>
             <p:nvSpPr>
               <p:cNvPr id="18" name="TextBox 17"/>
@@ -5496,7 +5466,7 @@
                 <a:avLst/>
               </a:prstGeom>
               <a:blipFill rotWithShape="1">
-                <a:blip r:embed="rId4"/>
+                <a:blip r:embed="rId6"/>
                 <a:stretch>
                   <a:fillRect/>
                 </a:stretch>
@@ -5520,16 +5490,12 @@
           </p:sp>
         </mc:Fallback>
       </mc:AlternateContent>
-      <mc:AlternateContent xmlns:mc="http://schemas.openxmlformats.org/markup-compatibility/2006">
-        <mc:Choice xmlns:a14="http://schemas.microsoft.com/office/drawing/2010/main" Requires="a14">
+      <mc:AlternateContent xmlns:mc="http://schemas.openxmlformats.org/markup-compatibility/2006" xmlns:a14="http://schemas.microsoft.com/office/drawing/2010/main">
+        <mc:Choice Requires="a14">
           <p:sp>
             <p:nvSpPr>
               <p:cNvPr id="19" name="TextBox 18">
-                <a:extLst>
-                  <a:ext uri="{FF2B5EF4-FFF2-40B4-BE49-F238E27FC236}">
-                    <ele attr="{2D5CA825-3757-40EC-9BE3-424B39FB5F2C}"/>
-                  </a:ext>
-                </a:extLst>
+                <a:extLst/>
               </p:cNvPr>
               <p:cNvSpPr txBox="1"/>
               <p:nvPr/>
@@ -5587,7 +5553,7 @@
             </p:txBody>
           </p:sp>
         </mc:Choice>
-        <mc:Fallback>
+        <mc:Fallback xmlns="">
           <p:sp>
             <p:nvSpPr>
               <p:cNvPr id="19" name="TextBox 18"/>
@@ -5605,7 +5571,7 @@
                 <a:avLst/>
               </a:prstGeom>
               <a:blipFill rotWithShape="1">
-                <a:blip r:embed="rId5"/>
+                <a:blip r:embed="rId7"/>
                 <a:stretch>
                   <a:fillRect/>
                 </a:stretch>
@@ -5629,16 +5595,12 @@
           </p:sp>
         </mc:Fallback>
       </mc:AlternateContent>
-      <mc:AlternateContent xmlns:mc="http://schemas.openxmlformats.org/markup-compatibility/2006">
-        <mc:Choice xmlns:a14="http://schemas.microsoft.com/office/drawing/2010/main" Requires="a14">
+      <mc:AlternateContent xmlns:mc="http://schemas.openxmlformats.org/markup-compatibility/2006" xmlns:a14="http://schemas.microsoft.com/office/drawing/2010/main">
+        <mc:Choice Requires="a14">
           <p:sp>
             <p:nvSpPr>
               <p:cNvPr id="32" name="TextBox 31">
-                <a:extLst>
-                  <a:ext uri="{FF2B5EF4-FFF2-40B4-BE49-F238E27FC236}">
-                    <ele attr="{09D602C3-4C51-4C0B-AB13-5DFD944C2362}"/>
-                  </a:ext>
-                </a:extLst>
+                <a:extLst/>
               </p:cNvPr>
               <p:cNvSpPr txBox="1"/>
               <p:nvPr/>
@@ -5696,7 +5658,7 @@
             </p:txBody>
           </p:sp>
         </mc:Choice>
-        <mc:Fallback>
+        <mc:Fallback xmlns="">
           <p:sp>
             <p:nvSpPr>
               <p:cNvPr id="32" name="TextBox 31"/>
@@ -5714,7 +5676,7 @@
                 <a:avLst/>
               </a:prstGeom>
               <a:blipFill rotWithShape="1">
-                <a:blip r:embed="rId6"/>
+                <a:blip r:embed="rId8"/>
                 <a:stretch>
                   <a:fillRect/>
                 </a:stretch>
@@ -5738,16 +5700,12 @@
           </p:sp>
         </mc:Fallback>
       </mc:AlternateContent>
-      <mc:AlternateContent xmlns:mc="http://schemas.openxmlformats.org/markup-compatibility/2006">
-        <mc:Choice xmlns:a14="http://schemas.microsoft.com/office/drawing/2010/main" Requires="a14">
+      <mc:AlternateContent xmlns:mc="http://schemas.openxmlformats.org/markup-compatibility/2006" xmlns:a14="http://schemas.microsoft.com/office/drawing/2010/main">
+        <mc:Choice Requires="a14">
           <p:sp>
             <p:nvSpPr>
               <p:cNvPr id="39" name="TextBox 38">
-                <a:extLst>
-                  <a:ext uri="{FF2B5EF4-FFF2-40B4-BE49-F238E27FC236}">
-                    <ele attr="{756C0336-7BD7-42E9-B1D0-28EA30C9F5B1}"/>
-                  </a:ext>
-                </a:extLst>
+                <a:extLst/>
               </p:cNvPr>
               <p:cNvSpPr txBox="1"/>
               <p:nvPr/>
@@ -5796,7 +5754,7 @@
             </p:txBody>
           </p:sp>
         </mc:Choice>
-        <mc:Fallback>
+        <mc:Fallback xmlns="">
           <p:sp>
             <p:nvSpPr>
               <p:cNvPr id="39" name="TextBox 38"/>
@@ -5814,7 +5772,7 @@
                 <a:avLst/>
               </a:prstGeom>
               <a:blipFill rotWithShape="1">
-                <a:blip r:embed="rId7"/>
+                <a:blip r:embed="rId9"/>
                 <a:stretch>
                   <a:fillRect/>
                 </a:stretch>
@@ -5838,16 +5796,12 @@
           </p:sp>
         </mc:Fallback>
       </mc:AlternateContent>
-      <mc:AlternateContent xmlns:mc="http://schemas.openxmlformats.org/markup-compatibility/2006">
-        <mc:Choice xmlns:a14="http://schemas.microsoft.com/office/drawing/2010/main" Requires="a14">
+      <mc:AlternateContent xmlns:mc="http://schemas.openxmlformats.org/markup-compatibility/2006" xmlns:a14="http://schemas.microsoft.com/office/drawing/2010/main">
+        <mc:Choice Requires="a14">
           <p:sp>
             <p:nvSpPr>
               <p:cNvPr id="41" name="TextBox 40">
-                <a:extLst>
-                  <a:ext uri="{FF2B5EF4-FFF2-40B4-BE49-F238E27FC236}">
-                    <ele attr="{FCDD121C-60FB-4D33-B197-E9A5AA5B628F}"/>
-                  </a:ext>
-                </a:extLst>
+                <a:extLst/>
               </p:cNvPr>
               <p:cNvSpPr txBox="1"/>
               <p:nvPr/>
@@ -5896,7 +5850,7 @@
             </p:txBody>
           </p:sp>
         </mc:Choice>
-        <mc:Fallback>
+        <mc:Fallback xmlns="">
           <p:sp>
             <p:nvSpPr>
               <p:cNvPr id="41" name="TextBox 40"/>
@@ -5914,7 +5868,7 @@
                 <a:avLst/>
               </a:prstGeom>
               <a:blipFill rotWithShape="1">
-                <a:blip r:embed="rId8"/>
+                <a:blip r:embed="rId10"/>
                 <a:stretch>
                   <a:fillRect/>
                 </a:stretch>
@@ -6054,16 +6008,12 @@
           </a:fontRef>
         </p:style>
       </p:cxnSp>
-      <mc:AlternateContent xmlns:mc="http://schemas.openxmlformats.org/markup-compatibility/2006">
-        <mc:Choice xmlns:a14="http://schemas.microsoft.com/office/drawing/2010/main" Requires="a14">
+      <mc:AlternateContent xmlns:mc="http://schemas.openxmlformats.org/markup-compatibility/2006" xmlns:a14="http://schemas.microsoft.com/office/drawing/2010/main">
+        <mc:Choice Requires="a14">
           <p:sp>
             <p:nvSpPr>
               <p:cNvPr id="45" name="TextBox 44">
-                <a:extLst>
-                  <a:ext uri="{FF2B5EF4-FFF2-40B4-BE49-F238E27FC236}">
-                    <ele attr="{EA73357A-2EF5-4021-B47C-CF31635EACD3}"/>
-                  </a:ext>
-                </a:extLst>
+                <a:extLst/>
               </p:cNvPr>
               <p:cNvSpPr txBox="1"/>
               <p:nvPr/>
@@ -6194,7 +6144,7 @@
             </p:txBody>
           </p:sp>
         </mc:Choice>
-        <mc:Fallback>
+        <mc:Fallback xmlns="">
           <p:sp>
             <p:nvSpPr>
               <p:cNvPr id="45" name="TextBox 44"/>
@@ -6212,7 +6162,7 @@
                 <a:avLst/>
               </a:prstGeom>
               <a:blipFill rotWithShape="1">
-                <a:blip r:embed="rId9"/>
+                <a:blip r:embed="rId11"/>
                 <a:stretch>
                   <a:fillRect/>
                 </a:stretch>
@@ -6306,16 +6256,12 @@
           </a:fontRef>
         </p:style>
       </p:cxnSp>
-      <mc:AlternateContent xmlns:mc="http://schemas.openxmlformats.org/markup-compatibility/2006">
-        <mc:Choice xmlns:a14="http://schemas.microsoft.com/office/drawing/2010/main" Requires="a14">
+      <mc:AlternateContent xmlns:mc="http://schemas.openxmlformats.org/markup-compatibility/2006" xmlns:a14="http://schemas.microsoft.com/office/drawing/2010/main">
+        <mc:Choice Requires="a14">
           <p:sp>
             <p:nvSpPr>
               <p:cNvPr id="48" name="TextBox 47">
-                <a:extLst>
-                  <a:ext uri="{FF2B5EF4-FFF2-40B4-BE49-F238E27FC236}">
-                    <ele attr="{5BC3F56C-FF6A-49B5-ACF8-5DCC0BDA3E0A}"/>
-                  </a:ext>
-                </a:extLst>
+                <a:extLst/>
               </p:cNvPr>
               <p:cNvSpPr txBox="1"/>
               <p:nvPr/>
@@ -6446,7 +6392,7 @@
             </p:txBody>
           </p:sp>
         </mc:Choice>
-        <mc:Fallback>
+        <mc:Fallback xmlns="">
           <p:sp>
             <p:nvSpPr>
               <p:cNvPr id="48" name="TextBox 47"/>
@@ -6464,7 +6410,7 @@
                 <a:avLst/>
               </a:prstGeom>
               <a:blipFill rotWithShape="1">
-                <a:blip r:embed="rId10"/>
+                <a:blip r:embed="rId12"/>
                 <a:stretch>
                   <a:fillRect/>
                 </a:stretch>
@@ -6488,16 +6434,12 @@
           </p:sp>
         </mc:Fallback>
       </mc:AlternateContent>
-      <mc:AlternateContent xmlns:mc="http://schemas.openxmlformats.org/markup-compatibility/2006">
-        <mc:Choice xmlns:a14="http://schemas.microsoft.com/office/drawing/2010/main" Requires="a14">
+      <mc:AlternateContent xmlns:mc="http://schemas.openxmlformats.org/markup-compatibility/2006" xmlns:a14="http://schemas.microsoft.com/office/drawing/2010/main">
+        <mc:Choice Requires="a14">
           <p:sp>
             <p:nvSpPr>
               <p:cNvPr id="49" name="TextBox 48">
-                <a:extLst>
-                  <a:ext uri="{FF2B5EF4-FFF2-40B4-BE49-F238E27FC236}">
-                    <ele attr="{B37A9BFC-2DB7-4B9B-9AD9-F860C45C4AFC}"/>
-                  </a:ext>
-                </a:extLst>
+                <a:extLst/>
               </p:cNvPr>
               <p:cNvSpPr txBox="1"/>
               <p:nvPr/>
@@ -6628,7 +6570,7 @@
             </p:txBody>
           </p:sp>
         </mc:Choice>
-        <mc:Fallback>
+        <mc:Fallback xmlns="">
           <p:sp>
             <p:nvSpPr>
               <p:cNvPr id="49" name="TextBox 48"/>
@@ -6646,7 +6588,7 @@
                 <a:avLst/>
               </a:prstGeom>
               <a:blipFill rotWithShape="1">
-                <a:blip r:embed="rId11"/>
+                <a:blip r:embed="rId13"/>
                 <a:stretch>
                   <a:fillRect/>
                 </a:stretch>
@@ -6670,16 +6612,12 @@
           </p:sp>
         </mc:Fallback>
       </mc:AlternateContent>
-      <mc:AlternateContent xmlns:mc="http://schemas.openxmlformats.org/markup-compatibility/2006">
-        <mc:Choice xmlns:a14="http://schemas.microsoft.com/office/drawing/2010/main" Requires="a14">
+      <mc:AlternateContent xmlns:mc="http://schemas.openxmlformats.org/markup-compatibility/2006" xmlns:a14="http://schemas.microsoft.com/office/drawing/2010/main">
+        <mc:Choice Requires="a14">
           <p:sp>
             <p:nvSpPr>
               <p:cNvPr id="50" name="TextBox 49">
-                <a:extLst>
-                  <a:ext uri="{FF2B5EF4-FFF2-40B4-BE49-F238E27FC236}">
-                    <ele attr="{44250EB2-F9D1-4365-9EFF-CBF4121FCED8}"/>
-                  </a:ext>
-                </a:extLst>
+                <a:extLst/>
               </p:cNvPr>
               <p:cNvSpPr txBox="1"/>
               <p:nvPr/>
@@ -6760,7 +6698,7 @@
             </p:txBody>
           </p:sp>
         </mc:Choice>
-        <mc:Fallback>
+        <mc:Fallback xmlns="">
           <p:sp>
             <p:nvSpPr>
               <p:cNvPr id="50" name="TextBox 49"/>
@@ -6778,7 +6716,7 @@
                 <a:avLst/>
               </a:prstGeom>
               <a:blipFill rotWithShape="1">
-                <a:blip r:embed="rId12"/>
+                <a:blip r:embed="rId14"/>
                 <a:stretch>
                   <a:fillRect/>
                 </a:stretch>
@@ -6802,16 +6740,12 @@
           </p:sp>
         </mc:Fallback>
       </mc:AlternateContent>
-      <mc:AlternateContent xmlns:mc="http://schemas.openxmlformats.org/markup-compatibility/2006">
-        <mc:Choice xmlns:a14="http://schemas.microsoft.com/office/drawing/2010/main" Requires="a14">
+      <mc:AlternateContent xmlns:mc="http://schemas.openxmlformats.org/markup-compatibility/2006" xmlns:a14="http://schemas.microsoft.com/office/drawing/2010/main">
+        <mc:Choice Requires="a14">
           <p:sp>
             <p:nvSpPr>
               <p:cNvPr id="51" name="TextBox 50">
-                <a:extLst>
-                  <a:ext uri="{FF2B5EF4-FFF2-40B4-BE49-F238E27FC236}">
-                    <ele attr="{ED7A0522-1469-4CFE-ACE5-4234F6C09229}"/>
-                  </a:ext>
-                </a:extLst>
+                <a:extLst/>
               </p:cNvPr>
               <p:cNvSpPr txBox="1"/>
               <p:nvPr/>
@@ -6869,7 +6803,7 @@
             </p:txBody>
           </p:sp>
         </mc:Choice>
-        <mc:Fallback>
+        <mc:Fallback xmlns="">
           <p:sp>
             <p:nvSpPr>
               <p:cNvPr id="51" name="TextBox 50"/>
@@ -6887,7 +6821,7 @@
                 <a:avLst/>
               </a:prstGeom>
               <a:blipFill rotWithShape="1">
-                <a:blip r:embed="rId13"/>
+                <a:blip r:embed="rId15"/>
                 <a:stretch>
                   <a:fillRect/>
                 </a:stretch>
@@ -6911,16 +6845,12 @@
           </p:sp>
         </mc:Fallback>
       </mc:AlternateContent>
-      <mc:AlternateContent xmlns:mc="http://schemas.openxmlformats.org/markup-compatibility/2006">
-        <mc:Choice xmlns:a14="http://schemas.microsoft.com/office/drawing/2010/main" Requires="a14">
+      <mc:AlternateContent xmlns:mc="http://schemas.openxmlformats.org/markup-compatibility/2006" xmlns:a14="http://schemas.microsoft.com/office/drawing/2010/main">
+        <mc:Choice Requires="a14">
           <p:sp>
             <p:nvSpPr>
               <p:cNvPr id="52" name="TextBox 51">
-                <a:extLst>
-                  <a:ext uri="{FF2B5EF4-FFF2-40B4-BE49-F238E27FC236}">
-                    <ele attr="{66489013-9938-493F-B615-C60514FBEE46}"/>
-                  </a:ext>
-                </a:extLst>
+                <a:extLst/>
               </p:cNvPr>
               <p:cNvSpPr txBox="1"/>
               <p:nvPr/>
@@ -6978,7 +6908,7 @@
             </p:txBody>
           </p:sp>
         </mc:Choice>
-        <mc:Fallback>
+        <mc:Fallback xmlns="">
           <p:sp>
             <p:nvSpPr>
               <p:cNvPr id="52" name="TextBox 51"/>
@@ -6996,7 +6926,7 @@
                 <a:avLst/>
               </a:prstGeom>
               <a:blipFill rotWithShape="1">
-                <a:blip r:embed="rId14"/>
+                <a:blip r:embed="rId16"/>
                 <a:stretch>
                   <a:fillRect/>
                 </a:stretch>
@@ -7020,16 +6950,12 @@
           </p:sp>
         </mc:Fallback>
       </mc:AlternateContent>
-      <mc:AlternateContent xmlns:mc="http://schemas.openxmlformats.org/markup-compatibility/2006">
-        <mc:Choice xmlns:a14="http://schemas.microsoft.com/office/drawing/2010/main" Requires="a14">
+      <mc:AlternateContent xmlns:mc="http://schemas.openxmlformats.org/markup-compatibility/2006" xmlns:a14="http://schemas.microsoft.com/office/drawing/2010/main">
+        <mc:Choice Requires="a14">
           <p:sp>
             <p:nvSpPr>
               <p:cNvPr id="53" name="TextBox 52">
-                <a:extLst>
-                  <a:ext uri="{FF2B5EF4-FFF2-40B4-BE49-F238E27FC236}">
-                    <ele attr="{071483CC-0C51-47B3-B643-0D9A7A30E9AF}"/>
-                  </a:ext>
-                </a:extLst>
+                <a:extLst/>
               </p:cNvPr>
               <p:cNvSpPr txBox="1"/>
               <p:nvPr/>
@@ -7078,7 +7004,7 @@
             </p:txBody>
           </p:sp>
         </mc:Choice>
-        <mc:Fallback>
+        <mc:Fallback xmlns="">
           <p:sp>
             <p:nvSpPr>
               <p:cNvPr id="53" name="TextBox 52"/>
@@ -7096,7 +7022,7 @@
                 <a:avLst/>
               </a:prstGeom>
               <a:blipFill rotWithShape="1">
-                <a:blip r:embed="rId15"/>
+                <a:blip r:embed="rId17"/>
                 <a:stretch>
                   <a:fillRect/>
                 </a:stretch>
@@ -7120,16 +7046,12 @@
           </p:sp>
         </mc:Fallback>
       </mc:AlternateContent>
-      <mc:AlternateContent xmlns:mc="http://schemas.openxmlformats.org/markup-compatibility/2006">
-        <mc:Choice xmlns:a14="http://schemas.microsoft.com/office/drawing/2010/main" Requires="a14">
+      <mc:AlternateContent xmlns:mc="http://schemas.openxmlformats.org/markup-compatibility/2006" xmlns:a14="http://schemas.microsoft.com/office/drawing/2010/main">
+        <mc:Choice Requires="a14">
           <p:sp>
             <p:nvSpPr>
               <p:cNvPr id="54" name="TextBox 53">
-                <a:extLst>
-                  <a:ext uri="{FF2B5EF4-FFF2-40B4-BE49-F238E27FC236}">
-                    <ele attr="{B0439D01-1443-4BEF-9214-FF8A060FB68D}"/>
-                  </a:ext>
-                </a:extLst>
+                <a:extLst/>
               </p:cNvPr>
               <p:cNvSpPr txBox="1"/>
               <p:nvPr/>
@@ -7178,7 +7100,7 @@
             </p:txBody>
           </p:sp>
         </mc:Choice>
-        <mc:Fallback>
+        <mc:Fallback xmlns="">
           <p:sp>
             <p:nvSpPr>
               <p:cNvPr id="54" name="TextBox 53"/>
@@ -7196,7 +7118,7 @@
                 <a:avLst/>
               </a:prstGeom>
               <a:blipFill rotWithShape="1">
-                <a:blip r:embed="rId16"/>
+                <a:blip r:embed="rId18"/>
                 <a:stretch>
                   <a:fillRect/>
                 </a:stretch>
@@ -8195,16 +8117,12 @@
           </a:p>
         </p:txBody>
       </p:sp>
-      <mc:AlternateContent xmlns:mc="http://schemas.openxmlformats.org/markup-compatibility/2006">
-        <mc:Choice xmlns:a14="http://schemas.microsoft.com/office/drawing/2010/main" Requires="a14">
+      <mc:AlternateContent xmlns:mc="http://schemas.openxmlformats.org/markup-compatibility/2006" xmlns:a14="http://schemas.microsoft.com/office/drawing/2010/main">
+        <mc:Choice Requires="a14">
           <p:sp>
             <p:nvSpPr>
               <p:cNvPr id="2" name="TextBox 1">
-                <a:extLst>
-                  <a:ext uri="{FF2B5EF4-FFF2-40B4-BE49-F238E27FC236}">
-                    <ele attr="{1E5FF24D-7BC8-4B50-A9E7-1BAB3EB7A364}"/>
-                  </a:ext>
-                </a:extLst>
+                <a:extLst/>
               </p:cNvPr>
               <p:cNvSpPr txBox="1"/>
               <p:nvPr/>
@@ -8335,7 +8253,7 @@
             </p:txBody>
           </p:sp>
         </mc:Choice>
-        <mc:Fallback>
+        <mc:Fallback xmlns="">
           <p:sp>
             <p:nvSpPr>
               <p:cNvPr id="2" name="TextBox 1"/>
@@ -8353,7 +8271,7 @@
                 <a:avLst/>
               </a:prstGeom>
               <a:blipFill rotWithShape="1">
-                <a:blip r:embed="rId1"/>
+                <a:blip r:embed="rId2"/>
                 <a:stretch>
                   <a:fillRect b="-23529"/>
                 </a:stretch>
@@ -8479,16 +8397,12 @@
           </a:p>
         </p:txBody>
       </p:sp>
-      <mc:AlternateContent xmlns:mc="http://schemas.openxmlformats.org/markup-compatibility/2006">
-        <mc:Choice xmlns:a14="http://schemas.microsoft.com/office/drawing/2010/main" Requires="a14">
+      <mc:AlternateContent xmlns:mc="http://schemas.openxmlformats.org/markup-compatibility/2006" xmlns:a14="http://schemas.microsoft.com/office/drawing/2010/main">
+        <mc:Choice Requires="a14">
           <p:sp>
             <p:nvSpPr>
               <p:cNvPr id="9" name="TextBox 8">
-                <a:extLst>
-                  <a:ext uri="{FF2B5EF4-FFF2-40B4-BE49-F238E27FC236}">
-                    <ele attr="{3E1B4DFB-D459-4381-904B-95BF8E4C926C}"/>
-                  </a:ext>
-                </a:extLst>
+                <a:extLst/>
               </p:cNvPr>
               <p:cNvSpPr txBox="1"/>
               <p:nvPr/>
@@ -8619,7 +8533,7 @@
             </p:txBody>
           </p:sp>
         </mc:Choice>
-        <mc:Fallback>
+        <mc:Fallback xmlns="">
           <p:sp>
             <p:nvSpPr>
               <p:cNvPr id="9" name="TextBox 8"/>
@@ -8637,7 +8551,7 @@
                 <a:avLst/>
               </a:prstGeom>
               <a:blipFill rotWithShape="1">
-                <a:blip r:embed="rId2"/>
+                <a:blip r:embed="rId3"/>
                 <a:stretch>
                   <a:fillRect b="-23529"/>
                 </a:stretch>
@@ -8661,16 +8575,12 @@
           </p:sp>
         </mc:Fallback>
       </mc:AlternateContent>
-      <mc:AlternateContent xmlns:mc="http://schemas.openxmlformats.org/markup-compatibility/2006">
-        <mc:Choice xmlns:a14="http://schemas.microsoft.com/office/drawing/2010/main" Requires="a14">
+      <mc:AlternateContent xmlns:mc="http://schemas.openxmlformats.org/markup-compatibility/2006" xmlns:a14="http://schemas.microsoft.com/office/drawing/2010/main">
+        <mc:Choice Requires="a14">
           <p:sp>
             <p:nvSpPr>
               <p:cNvPr id="10" name="TextBox 9">
-                <a:extLst>
-                  <a:ext uri="{FF2B5EF4-FFF2-40B4-BE49-F238E27FC236}">
-                    <ele attr="{2B01E312-BC78-44B9-84EE-6ACE6470E094}"/>
-                  </a:ext>
-                </a:extLst>
+                <a:extLst/>
               </p:cNvPr>
               <p:cNvSpPr txBox="1"/>
               <p:nvPr/>
@@ -8801,7 +8711,7 @@
             </p:txBody>
           </p:sp>
         </mc:Choice>
-        <mc:Fallback>
+        <mc:Fallback xmlns="">
           <p:sp>
             <p:nvSpPr>
               <p:cNvPr id="10" name="TextBox 9"/>
@@ -8819,7 +8729,7 @@
                 <a:avLst/>
               </a:prstGeom>
               <a:blipFill rotWithShape="1">
-                <a:blip r:embed="rId3"/>
+                <a:blip r:embed="rId4"/>
                 <a:stretch>
                   <a:fillRect b="-23529"/>
                 </a:stretch>
@@ -8843,16 +8753,12 @@
           </p:sp>
         </mc:Fallback>
       </mc:AlternateContent>
-      <mc:AlternateContent xmlns:mc="http://schemas.openxmlformats.org/markup-compatibility/2006">
-        <mc:Choice xmlns:a14="http://schemas.microsoft.com/office/drawing/2010/main" Requires="a14">
+      <mc:AlternateContent xmlns:mc="http://schemas.openxmlformats.org/markup-compatibility/2006" xmlns:a14="http://schemas.microsoft.com/office/drawing/2010/main">
+        <mc:Choice Requires="a14">
           <p:sp>
             <p:nvSpPr>
               <p:cNvPr id="12" name="TextBox 11">
-                <a:extLst>
-                  <a:ext uri="{FF2B5EF4-FFF2-40B4-BE49-F238E27FC236}">
-                    <ele attr="{DB54663D-682A-45CB-A313-9F96D6846F26}"/>
-                  </a:ext>
-                </a:extLst>
+                <a:extLst/>
               </p:cNvPr>
               <p:cNvSpPr txBox="1"/>
               <p:nvPr/>
@@ -8983,7 +8889,7 @@
             </p:txBody>
           </p:sp>
         </mc:Choice>
-        <mc:Fallback>
+        <mc:Fallback xmlns="">
           <p:sp>
             <p:nvSpPr>
               <p:cNvPr id="12" name="TextBox 11"/>
@@ -9001,7 +8907,7 @@
                 <a:avLst/>
               </a:prstGeom>
               <a:blipFill rotWithShape="1">
-                <a:blip r:embed="rId4"/>
+                <a:blip r:embed="rId5"/>
                 <a:stretch>
                   <a:fillRect b="-26000"/>
                 </a:stretch>
@@ -9025,16 +8931,12 @@
           </p:sp>
         </mc:Fallback>
       </mc:AlternateContent>
-      <mc:AlternateContent xmlns:mc="http://schemas.openxmlformats.org/markup-compatibility/2006">
-        <mc:Choice xmlns:a14="http://schemas.microsoft.com/office/drawing/2010/main" Requires="a14">
+      <mc:AlternateContent xmlns:mc="http://schemas.openxmlformats.org/markup-compatibility/2006" xmlns:a14="http://schemas.microsoft.com/office/drawing/2010/main">
+        <mc:Choice Requires="a14">
           <p:sp>
             <p:nvSpPr>
               <p:cNvPr id="13" name="TextBox 12">
-                <a:extLst>
-                  <a:ext uri="{FF2B5EF4-FFF2-40B4-BE49-F238E27FC236}">
-                    <ele attr="{AD7CBD4D-9CAA-4DBB-B429-8A9535C10B89}"/>
-                  </a:ext>
-                </a:extLst>
+                <a:extLst/>
               </p:cNvPr>
               <p:cNvSpPr txBox="1"/>
               <p:nvPr/>
@@ -9115,7 +9017,7 @@
             </p:txBody>
           </p:sp>
         </mc:Choice>
-        <mc:Fallback>
+        <mc:Fallback xmlns="">
           <p:sp>
             <p:nvSpPr>
               <p:cNvPr id="13" name="TextBox 12"/>
@@ -9133,7 +9035,7 @@
                 <a:avLst/>
               </a:prstGeom>
               <a:blipFill rotWithShape="1">
-                <a:blip r:embed="rId5"/>
+                <a:blip r:embed="rId6"/>
                 <a:stretch>
                   <a:fillRect b="-6000"/>
                 </a:stretch>
@@ -9157,16 +9059,12 @@
           </p:sp>
         </mc:Fallback>
       </mc:AlternateContent>
-      <mc:AlternateContent xmlns:mc="http://schemas.openxmlformats.org/markup-compatibility/2006">
-        <mc:Choice xmlns:a14="http://schemas.microsoft.com/office/drawing/2010/main" Requires="a14">
+      <mc:AlternateContent xmlns:mc="http://schemas.openxmlformats.org/markup-compatibility/2006" xmlns:a14="http://schemas.microsoft.com/office/drawing/2010/main">
+        <mc:Choice Requires="a14">
           <p:sp>
             <p:nvSpPr>
               <p:cNvPr id="14" name="TextBox 13">
-                <a:extLst>
-                  <a:ext uri="{FF2B5EF4-FFF2-40B4-BE49-F238E27FC236}">
-                    <ele attr="{5E6A40A4-891F-4277-AA11-51C86D5FCF32}"/>
-                  </a:ext>
-                </a:extLst>
+                <a:extLst/>
               </p:cNvPr>
               <p:cNvSpPr txBox="1"/>
               <p:nvPr/>
@@ -9247,7 +9145,7 @@
             </p:txBody>
           </p:sp>
         </mc:Choice>
-        <mc:Fallback>
+        <mc:Fallback xmlns="">
           <p:sp>
             <p:nvSpPr>
               <p:cNvPr id="14" name="TextBox 13"/>
@@ -9265,7 +9163,7 @@
                 <a:avLst/>
               </a:prstGeom>
               <a:blipFill rotWithShape="1">
-                <a:blip r:embed="rId6"/>
+                <a:blip r:embed="rId7"/>
                 <a:stretch>
                   <a:fillRect b="-5882"/>
                 </a:stretch>
@@ -9289,16 +9187,12 @@
           </p:sp>
         </mc:Fallback>
       </mc:AlternateContent>
-      <mc:AlternateContent xmlns:mc="http://schemas.openxmlformats.org/markup-compatibility/2006">
-        <mc:Choice xmlns:a14="http://schemas.microsoft.com/office/drawing/2010/main" Requires="a14">
+      <mc:AlternateContent xmlns:mc="http://schemas.openxmlformats.org/markup-compatibility/2006" xmlns:a14="http://schemas.microsoft.com/office/drawing/2010/main">
+        <mc:Choice Requires="a14">
           <p:sp>
             <p:nvSpPr>
               <p:cNvPr id="16" name="TextBox 15">
-                <a:extLst>
-                  <a:ext uri="{FF2B5EF4-FFF2-40B4-BE49-F238E27FC236}">
-                    <ele attr="{F5384A60-4F56-4F2A-876B-01642D6D212B}"/>
-                  </a:ext>
-                </a:extLst>
+                <a:extLst/>
               </p:cNvPr>
               <p:cNvSpPr txBox="1"/>
               <p:nvPr/>
@@ -9379,7 +9273,7 @@
             </p:txBody>
           </p:sp>
         </mc:Choice>
-        <mc:Fallback>
+        <mc:Fallback xmlns="">
           <p:sp>
             <p:nvSpPr>
               <p:cNvPr id="16" name="TextBox 15"/>
@@ -9397,7 +9291,7 @@
                 <a:avLst/>
               </a:prstGeom>
               <a:blipFill rotWithShape="1">
-                <a:blip r:embed="rId7"/>
+                <a:blip r:embed="rId8"/>
                 <a:stretch>
                   <a:fillRect b="-5882"/>
                 </a:stretch>
@@ -9421,16 +9315,12 @@
           </p:sp>
         </mc:Fallback>
       </mc:AlternateContent>
-      <mc:AlternateContent xmlns:mc="http://schemas.openxmlformats.org/markup-compatibility/2006">
-        <mc:Choice xmlns:a14="http://schemas.microsoft.com/office/drawing/2010/main" Requires="a14">
+      <mc:AlternateContent xmlns:mc="http://schemas.openxmlformats.org/markup-compatibility/2006" xmlns:a14="http://schemas.microsoft.com/office/drawing/2010/main">
+        <mc:Choice Requires="a14">
           <p:sp>
             <p:nvSpPr>
               <p:cNvPr id="17" name="TextBox 16">
-                <a:extLst>
-                  <a:ext uri="{FF2B5EF4-FFF2-40B4-BE49-F238E27FC236}">
-                    <ele attr="{C4A83384-7995-444B-98A6-DB381DC8ABDC}"/>
-                  </a:ext>
-                </a:extLst>
+                <a:extLst/>
               </p:cNvPr>
               <p:cNvSpPr txBox="1"/>
               <p:nvPr/>
@@ -9511,7 +9401,7 @@
             </p:txBody>
           </p:sp>
         </mc:Choice>
-        <mc:Fallback>
+        <mc:Fallback xmlns="">
           <p:sp>
             <p:nvSpPr>
               <p:cNvPr id="17" name="TextBox 16"/>
@@ -9529,7 +9419,7 @@
                 <a:avLst/>
               </a:prstGeom>
               <a:blipFill rotWithShape="1">
-                <a:blip r:embed="rId8"/>
+                <a:blip r:embed="rId9"/>
                 <a:stretch>
                   <a:fillRect b="-5882"/>
                 </a:stretch>
@@ -9553,16 +9443,12 @@
           </p:sp>
         </mc:Fallback>
       </mc:AlternateContent>
-      <mc:AlternateContent xmlns:mc="http://schemas.openxmlformats.org/markup-compatibility/2006">
-        <mc:Choice xmlns:a14="http://schemas.microsoft.com/office/drawing/2010/main" Requires="a14">
+      <mc:AlternateContent xmlns:mc="http://schemas.openxmlformats.org/markup-compatibility/2006" xmlns:a14="http://schemas.microsoft.com/office/drawing/2010/main">
+        <mc:Choice Requires="a14">
           <p:sp>
             <p:nvSpPr>
               <p:cNvPr id="19" name="TextBox 18">
-                <a:extLst>
-                  <a:ext uri="{FF2B5EF4-FFF2-40B4-BE49-F238E27FC236}">
-                    <ele attr="{0BEB8DC5-CFD9-45DD-8910-61F7A90FCF62}"/>
-                  </a:ext>
-                </a:extLst>
+                <a:extLst/>
               </p:cNvPr>
               <p:cNvSpPr txBox="1"/>
               <p:nvPr/>
@@ -9693,7 +9579,7 @@
             </p:txBody>
           </p:sp>
         </mc:Choice>
-        <mc:Fallback>
+        <mc:Fallback xmlns="">
           <p:sp>
             <p:nvSpPr>
               <p:cNvPr id="19" name="TextBox 18"/>
@@ -9711,7 +9597,7 @@
                 <a:avLst/>
               </a:prstGeom>
               <a:blipFill rotWithShape="1">
-                <a:blip r:embed="rId9"/>
+                <a:blip r:embed="rId10"/>
                 <a:stretch>
                   <a:fillRect b="-26000"/>
                 </a:stretch>
@@ -9735,16 +9621,12 @@
           </p:sp>
         </mc:Fallback>
       </mc:AlternateContent>
-      <mc:AlternateContent xmlns:mc="http://schemas.openxmlformats.org/markup-compatibility/2006">
-        <mc:Choice xmlns:a14="http://schemas.microsoft.com/office/drawing/2010/main" Requires="a14">
+      <mc:AlternateContent xmlns:mc="http://schemas.openxmlformats.org/markup-compatibility/2006" xmlns:a14="http://schemas.microsoft.com/office/drawing/2010/main">
+        <mc:Choice Requires="a14">
           <p:sp>
             <p:nvSpPr>
               <p:cNvPr id="21" name="TextBox 20">
-                <a:extLst>
-                  <a:ext uri="{FF2B5EF4-FFF2-40B4-BE49-F238E27FC236}">
-                    <ele attr="{A8988DB3-E902-4AA8-9171-C4FCFF5DA838}"/>
-                  </a:ext>
-                </a:extLst>
+                <a:extLst/>
               </p:cNvPr>
               <p:cNvSpPr txBox="1"/>
               <p:nvPr/>
@@ -9875,7 +9757,7 @@
             </p:txBody>
           </p:sp>
         </mc:Choice>
-        <mc:Fallback>
+        <mc:Fallback xmlns="">
           <p:sp>
             <p:nvSpPr>
               <p:cNvPr id="21" name="TextBox 20"/>
@@ -9893,7 +9775,7 @@
                 <a:avLst/>
               </a:prstGeom>
               <a:blipFill rotWithShape="1">
-                <a:blip r:embed="rId10"/>
+                <a:blip r:embed="rId11"/>
                 <a:stretch>
                   <a:fillRect b="-26000"/>
                 </a:stretch>
@@ -9917,16 +9799,12 @@
           </p:sp>
         </mc:Fallback>
       </mc:AlternateContent>
-      <mc:AlternateContent xmlns:mc="http://schemas.openxmlformats.org/markup-compatibility/2006">
-        <mc:Choice xmlns:a14="http://schemas.microsoft.com/office/drawing/2010/main" Requires="a14">
+      <mc:AlternateContent xmlns:mc="http://schemas.openxmlformats.org/markup-compatibility/2006" xmlns:a14="http://schemas.microsoft.com/office/drawing/2010/main">
+        <mc:Choice Requires="a14">
           <p:sp>
             <p:nvSpPr>
               <p:cNvPr id="22" name="TextBox 21">
-                <a:extLst>
-                  <a:ext uri="{FF2B5EF4-FFF2-40B4-BE49-F238E27FC236}">
-                    <ele attr="{EB9F9D9D-72A0-4FAD-AD99-65BD0A8CC06E}"/>
-                  </a:ext>
-                </a:extLst>
+                <a:extLst/>
               </p:cNvPr>
               <p:cNvSpPr txBox="1"/>
               <p:nvPr/>
@@ -10057,7 +9935,7 @@
             </p:txBody>
           </p:sp>
         </mc:Choice>
-        <mc:Fallback>
+        <mc:Fallback xmlns="">
           <p:sp>
             <p:nvSpPr>
               <p:cNvPr id="22" name="TextBox 21"/>
@@ -10075,7 +9953,7 @@
                 <a:avLst/>
               </a:prstGeom>
               <a:blipFill rotWithShape="1">
-                <a:blip r:embed="rId11"/>
+                <a:blip r:embed="rId12"/>
                 <a:stretch>
                   <a:fillRect b="-26000"/>
                 </a:stretch>
@@ -10099,16 +9977,12 @@
           </p:sp>
         </mc:Fallback>
       </mc:AlternateContent>
-      <mc:AlternateContent xmlns:mc="http://schemas.openxmlformats.org/markup-compatibility/2006">
-        <mc:Choice xmlns:a14="http://schemas.microsoft.com/office/drawing/2010/main" Requires="a14">
+      <mc:AlternateContent xmlns:mc="http://schemas.openxmlformats.org/markup-compatibility/2006" xmlns:a14="http://schemas.microsoft.com/office/drawing/2010/main">
+        <mc:Choice Requires="a14">
           <p:sp>
             <p:nvSpPr>
               <p:cNvPr id="23" name="TextBox 22">
-                <a:extLst>
-                  <a:ext uri="{FF2B5EF4-FFF2-40B4-BE49-F238E27FC236}">
-                    <ele attr="{BFBF3471-7AB1-48D8-849E-F32119BA66A2}"/>
-                  </a:ext>
-                </a:extLst>
+                <a:extLst/>
               </p:cNvPr>
               <p:cNvSpPr txBox="1"/>
               <p:nvPr/>
@@ -10239,7 +10113,7 @@
             </p:txBody>
           </p:sp>
         </mc:Choice>
-        <mc:Fallback>
+        <mc:Fallback xmlns="">
           <p:sp>
             <p:nvSpPr>
               <p:cNvPr id="23" name="TextBox 22"/>
@@ -10257,7 +10131,7 @@
                 <a:avLst/>
               </a:prstGeom>
               <a:blipFill rotWithShape="1">
-                <a:blip r:embed="rId12"/>
+                <a:blip r:embed="rId13"/>
                 <a:stretch>
                   <a:fillRect b="-23529"/>
                 </a:stretch>
@@ -10281,16 +10155,12 @@
           </p:sp>
         </mc:Fallback>
       </mc:AlternateContent>
-      <mc:AlternateContent xmlns:mc="http://schemas.openxmlformats.org/markup-compatibility/2006">
-        <mc:Choice xmlns:a14="http://schemas.microsoft.com/office/drawing/2010/main" Requires="a14">
+      <mc:AlternateContent xmlns:mc="http://schemas.openxmlformats.org/markup-compatibility/2006" xmlns:a14="http://schemas.microsoft.com/office/drawing/2010/main">
+        <mc:Choice Requires="a14">
           <p:sp>
             <p:nvSpPr>
               <p:cNvPr id="24" name="TextBox 23">
-                <a:extLst>
-                  <a:ext uri="{FF2B5EF4-FFF2-40B4-BE49-F238E27FC236}">
-                    <ele attr="{CCE91E7C-A424-4FE5-8149-15789E5537D7}"/>
-                  </a:ext>
-                </a:extLst>
+                <a:extLst/>
               </p:cNvPr>
               <p:cNvSpPr txBox="1"/>
               <p:nvPr/>
@@ -10421,7 +10291,7 @@
             </p:txBody>
           </p:sp>
         </mc:Choice>
-        <mc:Fallback>
+        <mc:Fallback xmlns="">
           <p:sp>
             <p:nvSpPr>
               <p:cNvPr id="24" name="TextBox 23"/>
@@ -10439,7 +10309,7 @@
                 <a:avLst/>
               </a:prstGeom>
               <a:blipFill rotWithShape="1">
-                <a:blip r:embed="rId13"/>
+                <a:blip r:embed="rId14"/>
                 <a:stretch>
                   <a:fillRect b="-26000"/>
                 </a:stretch>
@@ -10463,16 +10333,12 @@
           </p:sp>
         </mc:Fallback>
       </mc:AlternateContent>
-      <mc:AlternateContent xmlns:mc="http://schemas.openxmlformats.org/markup-compatibility/2006">
-        <mc:Choice xmlns:a14="http://schemas.microsoft.com/office/drawing/2010/main" Requires="a14">
+      <mc:AlternateContent xmlns:mc="http://schemas.openxmlformats.org/markup-compatibility/2006" xmlns:a14="http://schemas.microsoft.com/office/drawing/2010/main">
+        <mc:Choice Requires="a14">
           <p:sp>
             <p:nvSpPr>
               <p:cNvPr id="25" name="TextBox 24">
-                <a:extLst>
-                  <a:ext uri="{FF2B5EF4-FFF2-40B4-BE49-F238E27FC236}">
-                    <ele attr="{8DE36BF0-3AC0-4C96-8151-465DCD7A1F91}"/>
-                  </a:ext>
-                </a:extLst>
+                <a:extLst/>
               </p:cNvPr>
               <p:cNvSpPr txBox="1"/>
               <p:nvPr/>
@@ -10603,7 +10469,7 @@
             </p:txBody>
           </p:sp>
         </mc:Choice>
-        <mc:Fallback>
+        <mc:Fallback xmlns="">
           <p:sp>
             <p:nvSpPr>
               <p:cNvPr id="25" name="TextBox 24"/>
@@ -10621,7 +10487,7 @@
                 <a:avLst/>
               </a:prstGeom>
               <a:blipFill rotWithShape="1">
-                <a:blip r:embed="rId14"/>
+                <a:blip r:embed="rId15"/>
                 <a:stretch>
                   <a:fillRect b="-26000"/>
                 </a:stretch>
@@ -10645,16 +10511,12 @@
           </p:sp>
         </mc:Fallback>
       </mc:AlternateContent>
-      <mc:AlternateContent xmlns:mc="http://schemas.openxmlformats.org/markup-compatibility/2006">
-        <mc:Choice xmlns:a14="http://schemas.microsoft.com/office/drawing/2010/main" Requires="a14">
+      <mc:AlternateContent xmlns:mc="http://schemas.openxmlformats.org/markup-compatibility/2006" xmlns:a14="http://schemas.microsoft.com/office/drawing/2010/main">
+        <mc:Choice Requires="a14">
           <p:sp>
             <p:nvSpPr>
               <p:cNvPr id="26" name="TextBox 25">
-                <a:extLst>
-                  <a:ext uri="{FF2B5EF4-FFF2-40B4-BE49-F238E27FC236}">
-                    <ele attr="{F59DE665-FB92-4B32-AB0B-4F8B66841B24}"/>
-                  </a:ext>
-                </a:extLst>
+                <a:extLst/>
               </p:cNvPr>
               <p:cNvSpPr txBox="1"/>
               <p:nvPr/>
@@ -10785,7 +10647,7 @@
             </p:txBody>
           </p:sp>
         </mc:Choice>
-        <mc:Fallback>
+        <mc:Fallback xmlns="">
           <p:sp>
             <p:nvSpPr>
               <p:cNvPr id="26" name="TextBox 25"/>
@@ -10803,7 +10665,7 @@
                 <a:avLst/>
               </a:prstGeom>
               <a:blipFill rotWithShape="1">
-                <a:blip r:embed="rId15"/>
+                <a:blip r:embed="rId16"/>
                 <a:stretch>
                   <a:fillRect b="-23529"/>
                 </a:stretch>
@@ -10827,16 +10689,12 @@
           </p:sp>
         </mc:Fallback>
       </mc:AlternateContent>
-      <mc:AlternateContent xmlns:mc="http://schemas.openxmlformats.org/markup-compatibility/2006">
-        <mc:Choice xmlns:a14="http://schemas.microsoft.com/office/drawing/2010/main" Requires="a14">
+      <mc:AlternateContent xmlns:mc="http://schemas.openxmlformats.org/markup-compatibility/2006" xmlns:a14="http://schemas.microsoft.com/office/drawing/2010/main">
+        <mc:Choice Requires="a14">
           <p:sp>
             <p:nvSpPr>
               <p:cNvPr id="28" name="TextBox 27">
-                <a:extLst>
-                  <a:ext uri="{FF2B5EF4-FFF2-40B4-BE49-F238E27FC236}">
-                    <ele attr="{05651DCA-732D-4227-9C37-409A0A99642F}"/>
-                  </a:ext>
-                </a:extLst>
+                <a:extLst/>
               </p:cNvPr>
               <p:cNvSpPr txBox="1"/>
               <p:nvPr/>
@@ -10985,7 +10843,7 @@
             </p:txBody>
           </p:sp>
         </mc:Choice>
-        <mc:Fallback>
+        <mc:Fallback xmlns="">
           <p:sp>
             <p:nvSpPr>
               <p:cNvPr id="28" name="TextBox 27"/>
@@ -11003,7 +10861,7 @@
                 <a:avLst/>
               </a:prstGeom>
               <a:blipFill rotWithShape="1">
-                <a:blip r:embed="rId16"/>
+                <a:blip r:embed="rId17"/>
                 <a:stretch>
                   <a:fillRect b="-23529"/>
                 </a:stretch>
@@ -11027,16 +10885,12 @@
           </p:sp>
         </mc:Fallback>
       </mc:AlternateContent>
-      <mc:AlternateContent xmlns:mc="http://schemas.openxmlformats.org/markup-compatibility/2006">
-        <mc:Choice xmlns:a14="http://schemas.microsoft.com/office/drawing/2010/main" Requires="a14">
+      <mc:AlternateContent xmlns:mc="http://schemas.openxmlformats.org/markup-compatibility/2006" xmlns:a14="http://schemas.microsoft.com/office/drawing/2010/main">
+        <mc:Choice Requires="a14">
           <p:sp>
             <p:nvSpPr>
               <p:cNvPr id="29" name="TextBox 28">
-                <a:extLst>
-                  <a:ext uri="{FF2B5EF4-FFF2-40B4-BE49-F238E27FC236}">
-                    <ele attr="{E9D570A1-A6BD-48ED-A3E5-966B5B326E7E}"/>
-                  </a:ext>
-                </a:extLst>
+                <a:extLst/>
               </p:cNvPr>
               <p:cNvSpPr txBox="1"/>
               <p:nvPr/>
@@ -11185,7 +11039,7 @@
             </p:txBody>
           </p:sp>
         </mc:Choice>
-        <mc:Fallback>
+        <mc:Fallback xmlns="">
           <p:sp>
             <p:nvSpPr>
               <p:cNvPr id="29" name="TextBox 28"/>
@@ -11203,7 +11057,7 @@
                 <a:avLst/>
               </a:prstGeom>
               <a:blipFill rotWithShape="1">
-                <a:blip r:embed="rId17"/>
+                <a:blip r:embed="rId18"/>
                 <a:stretch>
                   <a:fillRect b="-26000"/>
                 </a:stretch>
@@ -11227,16 +11081,12 @@
           </p:sp>
         </mc:Fallback>
       </mc:AlternateContent>
-      <mc:AlternateContent xmlns:mc="http://schemas.openxmlformats.org/markup-compatibility/2006">
-        <mc:Choice xmlns:a14="http://schemas.microsoft.com/office/drawing/2010/main" Requires="a14">
+      <mc:AlternateContent xmlns:mc="http://schemas.openxmlformats.org/markup-compatibility/2006" xmlns:a14="http://schemas.microsoft.com/office/drawing/2010/main">
+        <mc:Choice Requires="a14">
           <p:sp>
             <p:nvSpPr>
               <p:cNvPr id="30" name="TextBox 29">
-                <a:extLst>
-                  <a:ext uri="{FF2B5EF4-FFF2-40B4-BE49-F238E27FC236}">
-                    <ele attr="{80DFF4EA-AA53-45BD-9C25-F0A982D06850}"/>
-                  </a:ext>
-                </a:extLst>
+                <a:extLst/>
               </p:cNvPr>
               <p:cNvSpPr txBox="1"/>
               <p:nvPr/>
@@ -11385,7 +11235,7 @@
             </p:txBody>
           </p:sp>
         </mc:Choice>
-        <mc:Fallback>
+        <mc:Fallback xmlns="">
           <p:sp>
             <p:nvSpPr>
               <p:cNvPr id="30" name="TextBox 29"/>
@@ -11403,7 +11253,7 @@
                 <a:avLst/>
               </a:prstGeom>
               <a:blipFill rotWithShape="1">
-                <a:blip r:embed="rId18"/>
+                <a:blip r:embed="rId19"/>
                 <a:stretch>
                   <a:fillRect b="-26000"/>
                 </a:stretch>
@@ -11427,16 +11277,12 @@
           </p:sp>
         </mc:Fallback>
       </mc:AlternateContent>
-      <mc:AlternateContent xmlns:mc="http://schemas.openxmlformats.org/markup-compatibility/2006">
-        <mc:Choice xmlns:a14="http://schemas.microsoft.com/office/drawing/2010/main" Requires="a14">
+      <mc:AlternateContent xmlns:mc="http://schemas.openxmlformats.org/markup-compatibility/2006" xmlns:a14="http://schemas.microsoft.com/office/drawing/2010/main">
+        <mc:Choice Requires="a14">
           <p:sp>
             <p:nvSpPr>
               <p:cNvPr id="32" name="TextBox 31">
-                <a:extLst>
-                  <a:ext uri="{FF2B5EF4-FFF2-40B4-BE49-F238E27FC236}">
-                    <ele attr="{59FBE99C-0E87-4DAC-809E-6EC3549FFFCD}"/>
-                  </a:ext>
-                </a:extLst>
+                <a:extLst/>
               </p:cNvPr>
               <p:cNvSpPr txBox="1"/>
               <p:nvPr/>
@@ -11585,7 +11431,7 @@
             </p:txBody>
           </p:sp>
         </mc:Choice>
-        <mc:Fallback>
+        <mc:Fallback xmlns="">
           <p:sp>
             <p:nvSpPr>
               <p:cNvPr id="32" name="TextBox 31"/>
@@ -11603,7 +11449,7 @@
                 <a:avLst/>
               </a:prstGeom>
               <a:blipFill rotWithShape="1">
-                <a:blip r:embed="rId19"/>
+                <a:blip r:embed="rId20"/>
                 <a:stretch>
                   <a:fillRect b="-23529"/>
                 </a:stretch>
@@ -11627,16 +11473,12 @@
           </p:sp>
         </mc:Fallback>
       </mc:AlternateContent>
-      <mc:AlternateContent xmlns:mc="http://schemas.openxmlformats.org/markup-compatibility/2006">
-        <mc:Choice xmlns:a14="http://schemas.microsoft.com/office/drawing/2010/main" Requires="a14">
+      <mc:AlternateContent xmlns:mc="http://schemas.openxmlformats.org/markup-compatibility/2006" xmlns:a14="http://schemas.microsoft.com/office/drawing/2010/main">
+        <mc:Choice Requires="a14">
           <p:sp>
             <p:nvSpPr>
               <p:cNvPr id="33" name="TextBox 32">
-                <a:extLst>
-                  <a:ext uri="{FF2B5EF4-FFF2-40B4-BE49-F238E27FC236}">
-                    <ele attr="{A08CB6D5-EFFE-4206-A73A-B5D818E35F10}"/>
-                  </a:ext>
-                </a:extLst>
+                <a:extLst/>
               </p:cNvPr>
               <p:cNvSpPr txBox="1"/>
               <p:nvPr/>
@@ -11785,7 +11627,7 @@
             </p:txBody>
           </p:sp>
         </mc:Choice>
-        <mc:Fallback>
+        <mc:Fallback xmlns="">
           <p:sp>
             <p:nvSpPr>
               <p:cNvPr id="33" name="TextBox 32"/>
@@ -11803,7 +11645,7 @@
                 <a:avLst/>
               </a:prstGeom>
               <a:blipFill rotWithShape="1">
-                <a:blip r:embed="rId20"/>
+                <a:blip r:embed="rId21"/>
                 <a:stretch>
                   <a:fillRect b="-23529"/>
                 </a:stretch>
@@ -11827,16 +11669,12 @@
           </p:sp>
         </mc:Fallback>
       </mc:AlternateContent>
-      <mc:AlternateContent xmlns:mc="http://schemas.openxmlformats.org/markup-compatibility/2006">
-        <mc:Choice xmlns:a14="http://schemas.microsoft.com/office/drawing/2010/main" Requires="a14">
+      <mc:AlternateContent xmlns:mc="http://schemas.openxmlformats.org/markup-compatibility/2006" xmlns:a14="http://schemas.microsoft.com/office/drawing/2010/main">
+        <mc:Choice Requires="a14">
           <p:sp>
             <p:nvSpPr>
               <p:cNvPr id="34" name="TextBox 33">
-                <a:extLst>
-                  <a:ext uri="{FF2B5EF4-FFF2-40B4-BE49-F238E27FC236}">
-                    <ele attr="{A207174C-8877-4F1C-8951-BDEC0200A854}"/>
-                  </a:ext>
-                </a:extLst>
+                <a:extLst/>
               </p:cNvPr>
               <p:cNvSpPr txBox="1"/>
               <p:nvPr/>
@@ -11985,7 +11823,7 @@
             </p:txBody>
           </p:sp>
         </mc:Choice>
-        <mc:Fallback>
+        <mc:Fallback xmlns="">
           <p:sp>
             <p:nvSpPr>
               <p:cNvPr id="34" name="TextBox 33"/>
@@ -12003,7 +11841,7 @@
                 <a:avLst/>
               </a:prstGeom>
               <a:blipFill rotWithShape="1">
-                <a:blip r:embed="rId21"/>
+                <a:blip r:embed="rId22"/>
                 <a:stretch>
                   <a:fillRect b="-23529"/>
                 </a:stretch>
@@ -12027,16 +11865,12 @@
           </p:sp>
         </mc:Fallback>
       </mc:AlternateContent>
-      <mc:AlternateContent xmlns:mc="http://schemas.openxmlformats.org/markup-compatibility/2006">
-        <mc:Choice xmlns:a14="http://schemas.microsoft.com/office/drawing/2010/main" Requires="a14">
+      <mc:AlternateContent xmlns:mc="http://schemas.openxmlformats.org/markup-compatibility/2006" xmlns:a14="http://schemas.microsoft.com/office/drawing/2010/main">
+        <mc:Choice Requires="a14">
           <p:sp>
             <p:nvSpPr>
               <p:cNvPr id="35" name="TextBox 34">
-                <a:extLst>
-                  <a:ext uri="{FF2B5EF4-FFF2-40B4-BE49-F238E27FC236}">
-                    <ele attr="{096146C7-D456-4363-AB50-929E65F6E46C}"/>
-                  </a:ext>
-                </a:extLst>
+                <a:extLst/>
               </p:cNvPr>
               <p:cNvSpPr txBox="1"/>
               <p:nvPr/>
@@ -12167,7 +12001,7 @@
             </p:txBody>
           </p:sp>
         </mc:Choice>
-        <mc:Fallback>
+        <mc:Fallback xmlns="">
           <p:sp>
             <p:nvSpPr>
               <p:cNvPr id="35" name="TextBox 34"/>
@@ -12185,7 +12019,7 @@
                 <a:avLst/>
               </a:prstGeom>
               <a:blipFill rotWithShape="1">
-                <a:blip r:embed="rId22"/>
+                <a:blip r:embed="rId23"/>
                 <a:stretch>
                   <a:fillRect b="-23529"/>
                 </a:stretch>
@@ -12209,16 +12043,12 @@
           </p:sp>
         </mc:Fallback>
       </mc:AlternateContent>
-      <mc:AlternateContent xmlns:mc="http://schemas.openxmlformats.org/markup-compatibility/2006">
-        <mc:Choice xmlns:a14="http://schemas.microsoft.com/office/drawing/2010/main" Requires="a14">
+      <mc:AlternateContent xmlns:mc="http://schemas.openxmlformats.org/markup-compatibility/2006" xmlns:a14="http://schemas.microsoft.com/office/drawing/2010/main">
+        <mc:Choice Requires="a14">
           <p:sp>
             <p:nvSpPr>
               <p:cNvPr id="36" name="TextBox 35">
-                <a:extLst>
-                  <a:ext uri="{FF2B5EF4-FFF2-40B4-BE49-F238E27FC236}">
-                    <ele attr="{0C23E3DB-26C0-4BB5-8FF8-6BED86ED9987}"/>
-                  </a:ext>
-                </a:extLst>
+                <a:extLst/>
               </p:cNvPr>
               <p:cNvSpPr txBox="1"/>
               <p:nvPr/>
@@ -12367,7 +12197,7 @@
             </p:txBody>
           </p:sp>
         </mc:Choice>
-        <mc:Fallback>
+        <mc:Fallback xmlns="">
           <p:sp>
             <p:nvSpPr>
               <p:cNvPr id="36" name="TextBox 35"/>
@@ -12385,7 +12215,7 @@
                 <a:avLst/>
               </a:prstGeom>
               <a:blipFill rotWithShape="1">
-                <a:blip r:embed="rId23"/>
+                <a:blip r:embed="rId24"/>
                 <a:stretch>
                   <a:fillRect b="-23529"/>
                 </a:stretch>
@@ -12409,16 +12239,12 @@
           </p:sp>
         </mc:Fallback>
       </mc:AlternateContent>
-      <mc:AlternateContent xmlns:mc="http://schemas.openxmlformats.org/markup-compatibility/2006">
-        <mc:Choice xmlns:a14="http://schemas.microsoft.com/office/drawing/2010/main" Requires="a14">
+      <mc:AlternateContent xmlns:mc="http://schemas.openxmlformats.org/markup-compatibility/2006" xmlns:a14="http://schemas.microsoft.com/office/drawing/2010/main">
+        <mc:Choice Requires="a14">
           <p:sp>
             <p:nvSpPr>
               <p:cNvPr id="37" name="TextBox 36">
-                <a:extLst>
-                  <a:ext uri="{FF2B5EF4-FFF2-40B4-BE49-F238E27FC236}">
-                    <ele attr="{D575E787-DAFE-478C-8190-CEB887AC80C4}"/>
-                  </a:ext>
-                </a:extLst>
+                <a:extLst/>
               </p:cNvPr>
               <p:cNvSpPr txBox="1"/>
               <p:nvPr/>
@@ -12567,7 +12393,7 @@
             </p:txBody>
           </p:sp>
         </mc:Choice>
-        <mc:Fallback>
+        <mc:Fallback xmlns="">
           <p:sp>
             <p:nvSpPr>
               <p:cNvPr id="37" name="TextBox 36"/>
@@ -12585,7 +12411,7 @@
                 <a:avLst/>
               </a:prstGeom>
               <a:blipFill rotWithShape="1">
-                <a:blip r:embed="rId24"/>
+                <a:blip r:embed="rId25"/>
                 <a:stretch>
                   <a:fillRect b="-26000"/>
                 </a:stretch>
@@ -12750,16 +12576,12 @@
           </a:p>
         </p:txBody>
       </p:sp>
-      <mc:AlternateContent xmlns:mc="http://schemas.openxmlformats.org/markup-compatibility/2006">
-        <mc:Choice xmlns:a14="http://schemas.microsoft.com/office/drawing/2010/main" Requires="a14">
+      <mc:AlternateContent xmlns:mc="http://schemas.openxmlformats.org/markup-compatibility/2006" xmlns:a14="http://schemas.microsoft.com/office/drawing/2010/main">
+        <mc:Choice Requires="a14">
           <p:sp>
             <p:nvSpPr>
               <p:cNvPr id="2" name="TextBox 1">
-                <a:extLst>
-                  <a:ext uri="{FF2B5EF4-FFF2-40B4-BE49-F238E27FC236}">
-                    <ele attr="{195A16CF-B6CE-4131-837C-63F61E85BDA1}"/>
-                  </a:ext>
-                </a:extLst>
+                <a:extLst/>
               </p:cNvPr>
               <p:cNvSpPr txBox="1"/>
               <p:nvPr/>
@@ -12817,7 +12639,7 @@
             </p:txBody>
           </p:sp>
         </mc:Choice>
-        <mc:Fallback>
+        <mc:Fallback xmlns="">
           <p:sp>
             <p:nvSpPr>
               <p:cNvPr id="2" name="TextBox 1"/>
@@ -12835,7 +12657,7 @@
                 <a:avLst/>
               </a:prstGeom>
               <a:blipFill rotWithShape="1">
-                <a:blip r:embed="rId1"/>
+                <a:blip r:embed="rId2"/>
                 <a:stretch>
                   <a:fillRect l="-15942" r="-15942" b="-6557"/>
                 </a:stretch>
@@ -12859,16 +12681,12 @@
           </p:sp>
         </mc:Fallback>
       </mc:AlternateContent>
-      <mc:AlternateContent xmlns:mc="http://schemas.openxmlformats.org/markup-compatibility/2006">
-        <mc:Choice xmlns:a14="http://schemas.microsoft.com/office/drawing/2010/main" Requires="a14">
+      <mc:AlternateContent xmlns:mc="http://schemas.openxmlformats.org/markup-compatibility/2006" xmlns:a14="http://schemas.microsoft.com/office/drawing/2010/main">
+        <mc:Choice Requires="a14">
           <p:sp>
             <p:nvSpPr>
               <p:cNvPr id="4" name="TextBox 3">
-                <a:extLst>
-                  <a:ext uri="{FF2B5EF4-FFF2-40B4-BE49-F238E27FC236}">
-                    <ele attr="{40EE7A0F-8A61-439C-AC46-18D11B1120D1}"/>
-                  </a:ext>
-                </a:extLst>
+                <a:extLst/>
               </p:cNvPr>
               <p:cNvSpPr txBox="1"/>
               <p:nvPr/>
@@ -12944,7 +12762,7 @@
             </p:txBody>
           </p:sp>
         </mc:Choice>
-        <mc:Fallback>
+        <mc:Fallback xmlns="">
           <p:sp>
             <p:nvSpPr>
               <p:cNvPr id="4" name="TextBox 3"/>
@@ -12962,7 +12780,7 @@
                 <a:avLst/>
               </a:prstGeom>
               <a:blipFill rotWithShape="1">
-                <a:blip r:embed="rId2"/>
+                <a:blip r:embed="rId3"/>
                 <a:stretch>
                   <a:fillRect l="-4878" r="-5366" b="-8333"/>
                 </a:stretch>
@@ -12986,16 +12804,12 @@
           </p:sp>
         </mc:Fallback>
       </mc:AlternateContent>
-      <mc:AlternateContent xmlns:mc="http://schemas.openxmlformats.org/markup-compatibility/2006">
-        <mc:Choice xmlns:a14="http://schemas.microsoft.com/office/drawing/2010/main" Requires="a14">
+      <mc:AlternateContent xmlns:mc="http://schemas.openxmlformats.org/markup-compatibility/2006" xmlns:a14="http://schemas.microsoft.com/office/drawing/2010/main">
+        <mc:Choice Requires="a14">
           <p:sp>
             <p:nvSpPr>
               <p:cNvPr id="6" name="TextBox 5">
-                <a:extLst>
-                  <a:ext uri="{FF2B5EF4-FFF2-40B4-BE49-F238E27FC236}">
-                    <ele attr="{E6ACA351-C698-43A3-AA4E-57D8B7E2FF66}"/>
-                  </a:ext>
-                </a:extLst>
+                <a:extLst/>
               </p:cNvPr>
               <p:cNvSpPr txBox="1"/>
               <p:nvPr/>
@@ -13071,7 +12885,7 @@
             </p:txBody>
           </p:sp>
         </mc:Choice>
-        <mc:Fallback>
+        <mc:Fallback xmlns="">
           <p:sp>
             <p:nvSpPr>
               <p:cNvPr id="6" name="TextBox 5"/>
@@ -13089,7 +12903,7 @@
                 <a:avLst/>
               </a:prstGeom>
               <a:blipFill rotWithShape="1">
-                <a:blip r:embed="rId3"/>
+                <a:blip r:embed="rId4"/>
                 <a:stretch>
                   <a:fillRect l="-4878" r="-5366" b="-6557"/>
                 </a:stretch>
@@ -13113,16 +12927,12 @@
           </p:sp>
         </mc:Fallback>
       </mc:AlternateContent>
-      <mc:AlternateContent xmlns:mc="http://schemas.openxmlformats.org/markup-compatibility/2006">
-        <mc:Choice xmlns:a14="http://schemas.microsoft.com/office/drawing/2010/main" Requires="a14">
+      <mc:AlternateContent xmlns:mc="http://schemas.openxmlformats.org/markup-compatibility/2006" xmlns:a14="http://schemas.microsoft.com/office/drawing/2010/main">
+        <mc:Choice Requires="a14">
           <p:sp>
             <p:nvSpPr>
               <p:cNvPr id="8" name="TextBox 7">
-                <a:extLst>
-                  <a:ext uri="{FF2B5EF4-FFF2-40B4-BE49-F238E27FC236}">
-                    <ele attr="{607968E1-5E1F-44D8-9DB9-3F61D679A5EF}"/>
-                  </a:ext>
-                </a:extLst>
+                <a:extLst/>
               </p:cNvPr>
               <p:cNvSpPr txBox="1"/>
               <p:nvPr/>
@@ -13198,7 +13008,7 @@
             </p:txBody>
           </p:sp>
         </mc:Choice>
-        <mc:Fallback>
+        <mc:Fallback xmlns="">
           <p:sp>
             <p:nvSpPr>
               <p:cNvPr id="8" name="TextBox 7"/>
@@ -13216,7 +13026,7 @@
                 <a:avLst/>
               </a:prstGeom>
               <a:blipFill rotWithShape="1">
-                <a:blip r:embed="rId4"/>
+                <a:blip r:embed="rId5"/>
                 <a:stretch>
                   <a:fillRect l="-4545" r="-5051" b="-6667"/>
                 </a:stretch>
@@ -13240,16 +13050,12 @@
           </p:sp>
         </mc:Fallback>
       </mc:AlternateContent>
-      <mc:AlternateContent xmlns:mc="http://schemas.openxmlformats.org/markup-compatibility/2006">
-        <mc:Choice xmlns:a14="http://schemas.microsoft.com/office/drawing/2010/main" Requires="a14">
+      <mc:AlternateContent xmlns:mc="http://schemas.openxmlformats.org/markup-compatibility/2006" xmlns:a14="http://schemas.microsoft.com/office/drawing/2010/main">
+        <mc:Choice Requires="a14">
           <p:sp>
             <p:nvSpPr>
               <p:cNvPr id="10" name="TextBox 9">
-                <a:extLst>
-                  <a:ext uri="{FF2B5EF4-FFF2-40B4-BE49-F238E27FC236}">
-                    <ele attr="{E9215AA9-E856-430D-A0AA-7CB05F9AF6EF}"/>
-                  </a:ext>
-                </a:extLst>
+                <a:extLst/>
               </p:cNvPr>
               <p:cNvSpPr txBox="1"/>
               <p:nvPr/>
@@ -13325,7 +13131,7 @@
             </p:txBody>
           </p:sp>
         </mc:Choice>
-        <mc:Fallback>
+        <mc:Fallback xmlns="">
           <p:sp>
             <p:nvSpPr>
               <p:cNvPr id="10" name="TextBox 9"/>
@@ -13343,7 +13149,7 @@
                 <a:avLst/>
               </a:prstGeom>
               <a:blipFill rotWithShape="1">
-                <a:blip r:embed="rId5"/>
+                <a:blip r:embed="rId6"/>
                 <a:stretch>
                   <a:fillRect l="-5051" r="-4545" b="-6557"/>
                 </a:stretch>
@@ -13367,16 +13173,12 @@
           </p:sp>
         </mc:Fallback>
       </mc:AlternateContent>
-      <mc:AlternateContent xmlns:mc="http://schemas.openxmlformats.org/markup-compatibility/2006">
-        <mc:Choice xmlns:a14="http://schemas.microsoft.com/office/drawing/2010/main" Requires="a14">
+      <mc:AlternateContent xmlns:mc="http://schemas.openxmlformats.org/markup-compatibility/2006" xmlns:a14="http://schemas.microsoft.com/office/drawing/2010/main">
+        <mc:Choice Requires="a14">
           <p:sp>
             <p:nvSpPr>
               <p:cNvPr id="12" name="TextBox 11">
-                <a:extLst>
-                  <a:ext uri="{FF2B5EF4-FFF2-40B4-BE49-F238E27FC236}">
-                    <ele attr="{BE577278-F2F8-4B68-AB28-EB6B05348DC7}"/>
-                  </a:ext>
-                </a:extLst>
+                <a:extLst/>
               </p:cNvPr>
               <p:cNvSpPr txBox="1"/>
               <p:nvPr/>
@@ -13434,7 +13236,7 @@
             </p:txBody>
           </p:sp>
         </mc:Choice>
-        <mc:Fallback>
+        <mc:Fallback xmlns="">
           <p:sp>
             <p:nvSpPr>
               <p:cNvPr id="12" name="TextBox 11"/>
@@ -13452,7 +13254,7 @@
                 <a:avLst/>
               </a:prstGeom>
               <a:blipFill rotWithShape="1">
-                <a:blip r:embed="rId6"/>
+                <a:blip r:embed="rId7"/>
                 <a:stretch>
                   <a:fillRect l="-16129" r="-17742" b="-6557"/>
                 </a:stretch>
@@ -13493,7 +13295,14 @@
         <p:cNvGrpSpPr/>
         <p:nvPr/>
       </p:nvGrpSpPr>
-      <p:grpSpPr/>
+      <p:grpSpPr>
+        <a:xfrm>
+          <a:off x="0" y="0"/>
+          <a:ext cx="0" cy="0"/>
+          <a:chOff x="0" y="0"/>
+          <a:chExt cx="0" cy="0"/>
+        </a:xfrm>
+      </p:grpSpPr>
       <p:pic>
         <p:nvPicPr>
           <p:cNvPr id="8" name="图片 7"/>
@@ -13503,7 +13312,7 @@
           <p:nvPr/>
         </p:nvPicPr>
         <p:blipFill>
-          <a:blip r:embed="rId1"/>
+          <a:blip r:embed="rId3"/>
           <a:stretch>
             <a:fillRect/>
           </a:stretch>
@@ -13595,7 +13404,7 @@
       <p:graphicFrame>
         <p:nvGraphicFramePr>
           <p:cNvPr id="11" name="对象 10">
-            <a:hlinkClick r:id="" action="ppaction://ole?verb="/>
+            <a:hlinkClick r:id="" action="ppaction://ole?verb=0"/>
           </p:cNvPr>
           <p:cNvGraphicFramePr>
             <a:graphicFrameLocks noChangeAspect="1"/>
@@ -13610,12 +13419,12 @@
           <a:graphicData uri="http://schemas.openxmlformats.org/presentationml/2006/ole">
             <mc:AlternateContent xmlns:mc="http://schemas.openxmlformats.org/markup-compatibility/2006">
               <mc:Choice xmlns:v="urn:schemas-microsoft-com:vml" Requires="v">
-                <p:oleObj spid="_x0000_s1025" name="" r:id="rId2" imgW="177165" imgH="609600" progId="Equation.KSEE3">
+                <p:oleObj spid="_x0000_s1031" r:id="rId4" imgW="177165" imgH="609600" progId="Equation.KSEE3">
                   <p:embed/>
                 </p:oleObj>
               </mc:Choice>
               <mc:Fallback>
-                <p:oleObj name="" r:id="rId2" imgW="177165" imgH="609600" progId="Equation.KSEE3">
+                <p:oleObj r:id="rId4" imgW="177165" imgH="609600" progId="Equation.KSEE3">
                   <p:embed/>
                   <p:pic>
                     <p:nvPicPr>
@@ -13624,7 +13433,7 @@
                       <p:nvPr/>
                     </p:nvPicPr>
                     <p:blipFill>
-                      <a:blip r:embed="rId3"/>
+                      <a:blip r:embed="rId5"/>
                       <a:stretch>
                         <a:fillRect/>
                       </a:stretch>
@@ -13648,7 +13457,7 @@
       <p:graphicFrame>
         <p:nvGraphicFramePr>
           <p:cNvPr id="12" name="对象 11">
-            <a:hlinkClick r:id="" action="ppaction://ole?verb="/>
+            <a:hlinkClick r:id="" action="ppaction://ole?verb=0"/>
           </p:cNvPr>
           <p:cNvGraphicFramePr>
             <a:graphicFrameLocks noChangeAspect="1"/>
@@ -13663,12 +13472,12 @@
           <a:graphicData uri="http://schemas.openxmlformats.org/presentationml/2006/ole">
             <mc:AlternateContent xmlns:mc="http://schemas.openxmlformats.org/markup-compatibility/2006">
               <mc:Choice xmlns:v="urn:schemas-microsoft-com:vml" Requires="v">
-                <p:oleObj spid="_x0000_s2" name="" r:id="rId4" imgW="190500" imgH="609600" progId="Equation.KSEE3">
+                <p:oleObj spid="_x0000_s1032" r:id="rId6" imgW="190500" imgH="609600" progId="Equation.KSEE3">
                   <p:embed/>
                 </p:oleObj>
               </mc:Choice>
               <mc:Fallback>
-                <p:oleObj name="" r:id="rId4" imgW="190500" imgH="609600" progId="Equation.KSEE3">
+                <p:oleObj r:id="rId6" imgW="190500" imgH="609600" progId="Equation.KSEE3">
                   <p:embed/>
                   <p:pic>
                     <p:nvPicPr>
@@ -13677,7 +13486,7 @@
                       <p:nvPr/>
                     </p:nvPicPr>
                     <p:blipFill>
-                      <a:blip r:embed="rId5"/>
+                      <a:blip r:embed="rId7"/>
                       <a:stretch>
                         <a:fillRect/>
                       </a:stretch>
@@ -13754,12 +13563,12 @@
           <a:bodyPr wrap="square" rtlCol="0">
             <a:spAutoFit/>
           </a:bodyPr>
+          <a:lstStyle/>
           <a:p>
             <a:r>
               <a:rPr lang="en-US" altLang="zh-CN"/>
               <a:t>Head</a:t>
             </a:r>
-            <a:endParaRPr lang="en-US" altLang="zh-CN"/>
           </a:p>
         </p:txBody>
       </p:sp>
@@ -13771,7 +13580,7 @@
         </p:nvSpPr>
         <p:spPr>
           <a:xfrm rot="5400000">
-            <a:off x="5093335" y="3597910"/>
+            <a:off x="5062316" y="3647609"/>
             <a:ext cx="481965" cy="607060"/>
           </a:xfrm>
           <a:prstGeom prst="moon">
@@ -13795,6 +13604,7 @@
         </p:style>
         <p:txBody>
           <a:bodyPr rtlCol="0" anchor="ctr"/>
+          <a:lstStyle/>
           <a:p>
             <a:pPr algn="ctr"/>
             <a:endParaRPr lang="zh-CN" altLang="en-US"/>
@@ -13818,7 +13628,14 @@
         <p:cNvGrpSpPr/>
         <p:nvPr/>
       </p:nvGrpSpPr>
-      <p:grpSpPr/>
+      <p:grpSpPr>
+        <a:xfrm>
+          <a:off x="0" y="0"/>
+          <a:ext cx="0" cy="0"/>
+          <a:chOff x="0" y="0"/>
+          <a:chExt cx="0" cy="0"/>
+        </a:xfrm>
+      </p:grpSpPr>
       <p:cxnSp>
         <p:nvCxnSpPr>
           <p:cNvPr id="64" name="Straight Connector 63"/>
@@ -13896,6 +13713,7 @@
         </p:style>
         <p:txBody>
           <a:bodyPr rtlCol="0" anchor="ctr"/>
+          <a:lstStyle/>
           <a:p>
             <a:pPr algn="ctr"/>
             <a:endParaRPr lang="zh-CN" altLang="en-US"/>
@@ -13935,6 +13753,7 @@
         </p:style>
         <p:txBody>
           <a:bodyPr rtlCol="0" anchor="ctr"/>
+          <a:lstStyle/>
           <a:p>
             <a:pPr algn="ctr"/>
             <a:endParaRPr lang="zh-CN" altLang="en-US"/>
@@ -13961,12 +13780,12 @@
           <a:bodyPr wrap="square" rtlCol="0">
             <a:spAutoFit/>
           </a:bodyPr>
+          <a:lstStyle/>
           <a:p>
             <a:r>
               <a:rPr lang="en-US" altLang="zh-CN"/>
               <a:t>Bary Centre</a:t>
             </a:r>
-            <a:endParaRPr lang="en-US" altLang="zh-CN"/>
           </a:p>
         </p:txBody>
       </p:sp>
@@ -14229,6 +14048,8 @@
       </a:bgFillStyleLst>
     </a:fmtScheme>
   </a:themeElements>
+  <a:objectDefaults/>
+  <a:extraClrSchemeLst/>
   <a:extLst>
     <a:ext uri="{05A4C25C-085E-4340-85A3-A5531E510DB2}">
       <thm15:themeFamily xmlns:thm15="http://schemas.microsoft.com/office/thememl/2012/main" name="Office Theme" id="{62F939B6-93AF-4DB8-9C6B-D6C7DFDC589F}" vid="{4A3C46E8-61CC-4603-A589-7422A47A8E4A}"/>
@@ -14488,6 +14309,8 @@
       </a:bgFillStyleLst>
     </a:fmtScheme>
   </a:themeElements>
+  <a:objectDefaults/>
+  <a:extraClrSchemeLst/>
   <a:extLst>
     <a:ext uri="{05A4C25C-085E-4340-85A3-A5531E510DB2}">
       <thm15:themeFamily xmlns:thm15="http://schemas.microsoft.com/office/thememl/2012/main" name="Office Theme" id="{62F939B6-93AF-4DB8-9C6B-D6C7DFDC589F}" vid="{4A3C46E8-61CC-4603-A589-7422A47A8E4A}"/>
